--- a/trunk/Rapport/Stage de Licence Informatique.pptx
+++ b/trunk/Rapport/Stage de Licence Informatique.pptx
@@ -4,6 +4,9 @@
   <p:sldMasterIdLst>
     <p:sldMasterId id="2147483660" r:id="rId1"/>
   </p:sldMasterIdLst>
+  <p:notesMasterIdLst>
+    <p:notesMasterId r:id="rId14"/>
+  </p:notesMasterIdLst>
   <p:sldIdLst>
     <p:sldId id="256" r:id="rId2"/>
     <p:sldId id="263" r:id="rId3"/>
@@ -12,7 +15,11 @@
     <p:sldId id="261" r:id="rId6"/>
     <p:sldId id="262" r:id="rId7"/>
     <p:sldId id="259" r:id="rId8"/>
-    <p:sldId id="260" r:id="rId9"/>
+    <p:sldId id="265" r:id="rId9"/>
+    <p:sldId id="264" r:id="rId10"/>
+    <p:sldId id="267" r:id="rId11"/>
+    <p:sldId id="266" r:id="rId12"/>
+    <p:sldId id="260" r:id="rId13"/>
   </p:sldIdLst>
   <p:sldSz cx="9144000" cy="6858000" type="screen4x3"/>
   <p:notesSz cx="6858000" cy="9144000"/>
@@ -112,6 +119,440 @@
     </a:lvl9pPr>
   </p:defaultTextStyle>
 </p:presentation>
+</file>
+
+<file path=ppt/notesMasters/notesMaster1.xml><?xml version="1.0" encoding="utf-8"?>
+<p:notesMaster xmlns:a="http://schemas.openxmlformats.org/drawingml/2006/main" xmlns:r="http://schemas.openxmlformats.org/officeDocument/2006/relationships" xmlns:p="http://schemas.openxmlformats.org/presentationml/2006/main">
+  <p:cSld>
+    <p:bg>
+      <p:bgRef idx="1001">
+        <a:schemeClr val="bg1"/>
+      </p:bgRef>
+    </p:bg>
+    <p:spTree>
+      <p:nvGrpSpPr>
+        <p:cNvPr id="1" name=""/>
+        <p:cNvGrpSpPr/>
+        <p:nvPr/>
+      </p:nvGrpSpPr>
+      <p:grpSpPr>
+        <a:xfrm>
+          <a:off x="0" y="0"/>
+          <a:ext cx="0" cy="0"/>
+          <a:chOff x="0" y="0"/>
+          <a:chExt cx="0" cy="0"/>
+        </a:xfrm>
+      </p:grpSpPr>
+      <p:sp>
+        <p:nvSpPr>
+          <p:cNvPr id="2" name="Espace réservé de l'en-tête 1"/>
+          <p:cNvSpPr>
+            <a:spLocks noGrp="1"/>
+          </p:cNvSpPr>
+          <p:nvPr>
+            <p:ph type="hdr" sz="quarter"/>
+          </p:nvPr>
+        </p:nvSpPr>
+        <p:spPr>
+          <a:xfrm>
+            <a:off x="0" y="0"/>
+            <a:ext cx="2971800" cy="457200"/>
+          </a:xfrm>
+          <a:prstGeom prst="rect">
+            <a:avLst/>
+          </a:prstGeom>
+        </p:spPr>
+        <p:txBody>
+          <a:bodyPr vert="horz" lIns="91440" tIns="45720" rIns="91440" bIns="45720" rtlCol="0"/>
+          <a:lstStyle>
+            <a:lvl1pPr algn="l">
+              <a:defRPr sz="1200"/>
+            </a:lvl1pPr>
+          </a:lstStyle>
+          <a:p>
+            <a:endParaRPr lang="fr-FR"/>
+          </a:p>
+        </p:txBody>
+      </p:sp>
+      <p:sp>
+        <p:nvSpPr>
+          <p:cNvPr id="3" name="Espace réservé de la date 2"/>
+          <p:cNvSpPr>
+            <a:spLocks noGrp="1"/>
+          </p:cNvSpPr>
+          <p:nvPr>
+            <p:ph type="dt" idx="1"/>
+          </p:nvPr>
+        </p:nvSpPr>
+        <p:spPr>
+          <a:xfrm>
+            <a:off x="3884613" y="0"/>
+            <a:ext cx="2971800" cy="457200"/>
+          </a:xfrm>
+          <a:prstGeom prst="rect">
+            <a:avLst/>
+          </a:prstGeom>
+        </p:spPr>
+        <p:txBody>
+          <a:bodyPr vert="horz" lIns="91440" tIns="45720" rIns="91440" bIns="45720" rtlCol="0"/>
+          <a:lstStyle>
+            <a:lvl1pPr algn="r">
+              <a:defRPr sz="1200"/>
+            </a:lvl1pPr>
+          </a:lstStyle>
+          <a:p>
+            <a:fld id="{AF8023CC-6547-475E-BFCD-21C31E927F8D}" type="datetimeFigureOut">
+              <a:rPr lang="fr-FR" smtClean="0"/>
+              <a:t>29/05/2012</a:t>
+            </a:fld>
+            <a:endParaRPr lang="fr-FR"/>
+          </a:p>
+        </p:txBody>
+      </p:sp>
+      <p:sp>
+        <p:nvSpPr>
+          <p:cNvPr id="4" name="Espace réservé de l'image des diapositives 3"/>
+          <p:cNvSpPr>
+            <a:spLocks noGrp="1" noRot="1" noChangeAspect="1"/>
+          </p:cNvSpPr>
+          <p:nvPr>
+            <p:ph type="sldImg" idx="2"/>
+          </p:nvPr>
+        </p:nvSpPr>
+        <p:spPr>
+          <a:xfrm>
+            <a:off x="1143000" y="685800"/>
+            <a:ext cx="4572000" cy="3429000"/>
+          </a:xfrm>
+          <a:prstGeom prst="rect">
+            <a:avLst/>
+          </a:prstGeom>
+          <a:noFill/>
+          <a:ln w="12700">
+            <a:solidFill>
+              <a:prstClr val="black"/>
+            </a:solidFill>
+          </a:ln>
+        </p:spPr>
+        <p:txBody>
+          <a:bodyPr vert="horz" lIns="91440" tIns="45720" rIns="91440" bIns="45720" rtlCol="0" anchor="ctr"/>
+          <a:lstStyle/>
+          <a:p>
+            <a:endParaRPr lang="fr-FR"/>
+          </a:p>
+        </p:txBody>
+      </p:sp>
+      <p:sp>
+        <p:nvSpPr>
+          <p:cNvPr id="5" name="Espace réservé des commentaires 4"/>
+          <p:cNvSpPr>
+            <a:spLocks noGrp="1"/>
+          </p:cNvSpPr>
+          <p:nvPr>
+            <p:ph type="body" sz="quarter" idx="3"/>
+          </p:nvPr>
+        </p:nvSpPr>
+        <p:spPr>
+          <a:xfrm>
+            <a:off x="685800" y="4343400"/>
+            <a:ext cx="5486400" cy="4114800"/>
+          </a:xfrm>
+          <a:prstGeom prst="rect">
+            <a:avLst/>
+          </a:prstGeom>
+        </p:spPr>
+        <p:txBody>
+          <a:bodyPr vert="horz" lIns="91440" tIns="45720" rIns="91440" bIns="45720" rtlCol="0"/>
+          <a:lstStyle/>
+          <a:p>
+            <a:pPr lvl="0"/>
+            <a:r>
+              <a:rPr lang="fr-FR" smtClean="0"/>
+              <a:t>Modifiez les styles du texte du masque</a:t>
+            </a:r>
+          </a:p>
+          <a:p>
+            <a:pPr lvl="1"/>
+            <a:r>
+              <a:rPr lang="fr-FR" smtClean="0"/>
+              <a:t>Deuxième niveau</a:t>
+            </a:r>
+          </a:p>
+          <a:p>
+            <a:pPr lvl="2"/>
+            <a:r>
+              <a:rPr lang="fr-FR" smtClean="0"/>
+              <a:t>Troisième niveau</a:t>
+            </a:r>
+          </a:p>
+          <a:p>
+            <a:pPr lvl="3"/>
+            <a:r>
+              <a:rPr lang="fr-FR" smtClean="0"/>
+              <a:t>Quatrième niveau</a:t>
+            </a:r>
+          </a:p>
+          <a:p>
+            <a:pPr lvl="4"/>
+            <a:r>
+              <a:rPr lang="fr-FR" smtClean="0"/>
+              <a:t>Cinquième niveau</a:t>
+            </a:r>
+            <a:endParaRPr lang="fr-FR"/>
+          </a:p>
+        </p:txBody>
+      </p:sp>
+      <p:sp>
+        <p:nvSpPr>
+          <p:cNvPr id="6" name="Espace réservé du pied de page 5"/>
+          <p:cNvSpPr>
+            <a:spLocks noGrp="1"/>
+          </p:cNvSpPr>
+          <p:nvPr>
+            <p:ph type="ftr" sz="quarter" idx="4"/>
+          </p:nvPr>
+        </p:nvSpPr>
+        <p:spPr>
+          <a:xfrm>
+            <a:off x="0" y="8685213"/>
+            <a:ext cx="2971800" cy="457200"/>
+          </a:xfrm>
+          <a:prstGeom prst="rect">
+            <a:avLst/>
+          </a:prstGeom>
+        </p:spPr>
+        <p:txBody>
+          <a:bodyPr vert="horz" lIns="91440" tIns="45720" rIns="91440" bIns="45720" rtlCol="0" anchor="b"/>
+          <a:lstStyle>
+            <a:lvl1pPr algn="l">
+              <a:defRPr sz="1200"/>
+            </a:lvl1pPr>
+          </a:lstStyle>
+          <a:p>
+            <a:endParaRPr lang="fr-FR"/>
+          </a:p>
+        </p:txBody>
+      </p:sp>
+      <p:sp>
+        <p:nvSpPr>
+          <p:cNvPr id="7" name="Espace réservé du numéro de diapositive 6"/>
+          <p:cNvSpPr>
+            <a:spLocks noGrp="1"/>
+          </p:cNvSpPr>
+          <p:nvPr>
+            <p:ph type="sldNum" sz="quarter" idx="5"/>
+          </p:nvPr>
+        </p:nvSpPr>
+        <p:spPr>
+          <a:xfrm>
+            <a:off x="3884613" y="8685213"/>
+            <a:ext cx="2971800" cy="457200"/>
+          </a:xfrm>
+          <a:prstGeom prst="rect">
+            <a:avLst/>
+          </a:prstGeom>
+        </p:spPr>
+        <p:txBody>
+          <a:bodyPr vert="horz" lIns="91440" tIns="45720" rIns="91440" bIns="45720" rtlCol="0" anchor="b"/>
+          <a:lstStyle>
+            <a:lvl1pPr algn="r">
+              <a:defRPr sz="1200"/>
+            </a:lvl1pPr>
+          </a:lstStyle>
+          <a:p>
+            <a:fld id="{0AE65F21-D4E0-450E-96D9-1200C824739F}" type="slidenum">
+              <a:rPr lang="fr-FR" smtClean="0"/>
+              <a:t>‹N°›</a:t>
+            </a:fld>
+            <a:endParaRPr lang="fr-FR"/>
+          </a:p>
+        </p:txBody>
+      </p:sp>
+    </p:spTree>
+    <p:extLst>
+      <p:ext uri="{BB962C8B-B14F-4D97-AF65-F5344CB8AC3E}">
+        <p14:creationId xmlns:p14="http://schemas.microsoft.com/office/powerpoint/2010/main" val="216691563"/>
+      </p:ext>
+    </p:extLst>
+  </p:cSld>
+  <p:clrMap bg1="lt1" tx1="dk1" bg2="lt2" tx2="dk2" accent1="accent1" accent2="accent2" accent3="accent3" accent4="accent4" accent5="accent5" accent6="accent6" hlink="hlink" folHlink="folHlink"/>
+  <p:notesStyle>
+    <a:lvl1pPr marL="0" algn="l" defTabSz="914400" rtl="0" eaLnBrk="1" latinLnBrk="0" hangingPunct="1">
+      <a:defRPr sz="1200" kern="1200">
+        <a:solidFill>
+          <a:schemeClr val="tx1"/>
+        </a:solidFill>
+        <a:latin typeface="+mn-lt"/>
+        <a:ea typeface="+mn-ea"/>
+        <a:cs typeface="+mn-cs"/>
+      </a:defRPr>
+    </a:lvl1pPr>
+    <a:lvl2pPr marL="457200" algn="l" defTabSz="914400" rtl="0" eaLnBrk="1" latinLnBrk="0" hangingPunct="1">
+      <a:defRPr sz="1200" kern="1200">
+        <a:solidFill>
+          <a:schemeClr val="tx1"/>
+        </a:solidFill>
+        <a:latin typeface="+mn-lt"/>
+        <a:ea typeface="+mn-ea"/>
+        <a:cs typeface="+mn-cs"/>
+      </a:defRPr>
+    </a:lvl2pPr>
+    <a:lvl3pPr marL="914400" algn="l" defTabSz="914400" rtl="0" eaLnBrk="1" latinLnBrk="0" hangingPunct="1">
+      <a:defRPr sz="1200" kern="1200">
+        <a:solidFill>
+          <a:schemeClr val="tx1"/>
+        </a:solidFill>
+        <a:latin typeface="+mn-lt"/>
+        <a:ea typeface="+mn-ea"/>
+        <a:cs typeface="+mn-cs"/>
+      </a:defRPr>
+    </a:lvl3pPr>
+    <a:lvl4pPr marL="1371600" algn="l" defTabSz="914400" rtl="0" eaLnBrk="1" latinLnBrk="0" hangingPunct="1">
+      <a:defRPr sz="1200" kern="1200">
+        <a:solidFill>
+          <a:schemeClr val="tx1"/>
+        </a:solidFill>
+        <a:latin typeface="+mn-lt"/>
+        <a:ea typeface="+mn-ea"/>
+        <a:cs typeface="+mn-cs"/>
+      </a:defRPr>
+    </a:lvl4pPr>
+    <a:lvl5pPr marL="1828800" algn="l" defTabSz="914400" rtl="0" eaLnBrk="1" latinLnBrk="0" hangingPunct="1">
+      <a:defRPr sz="1200" kern="1200">
+        <a:solidFill>
+          <a:schemeClr val="tx1"/>
+        </a:solidFill>
+        <a:latin typeface="+mn-lt"/>
+        <a:ea typeface="+mn-ea"/>
+        <a:cs typeface="+mn-cs"/>
+      </a:defRPr>
+    </a:lvl5pPr>
+    <a:lvl6pPr marL="2286000" algn="l" defTabSz="914400" rtl="0" eaLnBrk="1" latinLnBrk="0" hangingPunct="1">
+      <a:defRPr sz="1200" kern="1200">
+        <a:solidFill>
+          <a:schemeClr val="tx1"/>
+        </a:solidFill>
+        <a:latin typeface="+mn-lt"/>
+        <a:ea typeface="+mn-ea"/>
+        <a:cs typeface="+mn-cs"/>
+      </a:defRPr>
+    </a:lvl6pPr>
+    <a:lvl7pPr marL="2743200" algn="l" defTabSz="914400" rtl="0" eaLnBrk="1" latinLnBrk="0" hangingPunct="1">
+      <a:defRPr sz="1200" kern="1200">
+        <a:solidFill>
+          <a:schemeClr val="tx1"/>
+        </a:solidFill>
+        <a:latin typeface="+mn-lt"/>
+        <a:ea typeface="+mn-ea"/>
+        <a:cs typeface="+mn-cs"/>
+      </a:defRPr>
+    </a:lvl7pPr>
+    <a:lvl8pPr marL="3200400" algn="l" defTabSz="914400" rtl="0" eaLnBrk="1" latinLnBrk="0" hangingPunct="1">
+      <a:defRPr sz="1200" kern="1200">
+        <a:solidFill>
+          <a:schemeClr val="tx1"/>
+        </a:solidFill>
+        <a:latin typeface="+mn-lt"/>
+        <a:ea typeface="+mn-ea"/>
+        <a:cs typeface="+mn-cs"/>
+      </a:defRPr>
+    </a:lvl8pPr>
+    <a:lvl9pPr marL="3657600" algn="l" defTabSz="914400" rtl="0" eaLnBrk="1" latinLnBrk="0" hangingPunct="1">
+      <a:defRPr sz="1200" kern="1200">
+        <a:solidFill>
+          <a:schemeClr val="tx1"/>
+        </a:solidFill>
+        <a:latin typeface="+mn-lt"/>
+        <a:ea typeface="+mn-ea"/>
+        <a:cs typeface="+mn-cs"/>
+      </a:defRPr>
+    </a:lvl9pPr>
+  </p:notesStyle>
+</p:notesMaster>
+</file>
+
+<file path=ppt/notesSlides/notesSlide1.xml><?xml version="1.0" encoding="utf-8"?>
+<p:notes xmlns:a="http://schemas.openxmlformats.org/drawingml/2006/main" xmlns:r="http://schemas.openxmlformats.org/officeDocument/2006/relationships" xmlns:p="http://schemas.openxmlformats.org/presentationml/2006/main">
+  <p:cSld>
+    <p:spTree>
+      <p:nvGrpSpPr>
+        <p:cNvPr id="1" name=""/>
+        <p:cNvGrpSpPr/>
+        <p:nvPr/>
+      </p:nvGrpSpPr>
+      <p:grpSpPr>
+        <a:xfrm>
+          <a:off x="0" y="0"/>
+          <a:ext cx="0" cy="0"/>
+          <a:chOff x="0" y="0"/>
+          <a:chExt cx="0" cy="0"/>
+        </a:xfrm>
+      </p:grpSpPr>
+      <p:sp>
+        <p:nvSpPr>
+          <p:cNvPr id="2" name="Espace réservé de l'image des diapositives 1"/>
+          <p:cNvSpPr>
+            <a:spLocks noGrp="1" noRot="1" noChangeAspect="1"/>
+          </p:cNvSpPr>
+          <p:nvPr>
+            <p:ph type="sldImg"/>
+          </p:nvPr>
+        </p:nvSpPr>
+        <p:spPr/>
+      </p:sp>
+      <p:sp>
+        <p:nvSpPr>
+          <p:cNvPr id="3" name="Espace réservé des commentaires 2"/>
+          <p:cNvSpPr>
+            <a:spLocks noGrp="1"/>
+          </p:cNvSpPr>
+          <p:nvPr>
+            <p:ph type="body" idx="1"/>
+          </p:nvPr>
+        </p:nvSpPr>
+        <p:spPr/>
+        <p:txBody>
+          <a:bodyPr/>
+          <a:lstStyle/>
+          <a:p>
+            <a:endParaRPr lang="fr-FR" dirty="0"/>
+          </a:p>
+        </p:txBody>
+      </p:sp>
+      <p:sp>
+        <p:nvSpPr>
+          <p:cNvPr id="4" name="Espace réservé du numéro de diapositive 3"/>
+          <p:cNvSpPr>
+            <a:spLocks noGrp="1"/>
+          </p:cNvSpPr>
+          <p:nvPr>
+            <p:ph type="sldNum" sz="quarter" idx="10"/>
+          </p:nvPr>
+        </p:nvSpPr>
+        <p:spPr/>
+        <p:txBody>
+          <a:bodyPr/>
+          <a:lstStyle/>
+          <a:p>
+            <a:fld id="{0AE65F21-D4E0-450E-96D9-1200C824739F}" type="slidenum">
+              <a:rPr lang="fr-FR" smtClean="0"/>
+              <a:t>7</a:t>
+            </a:fld>
+            <a:endParaRPr lang="fr-FR"/>
+          </a:p>
+        </p:txBody>
+      </p:sp>
+    </p:spTree>
+    <p:extLst>
+      <p:ext uri="{BB962C8B-B14F-4D97-AF65-F5344CB8AC3E}">
+        <p14:creationId xmlns:p14="http://schemas.microsoft.com/office/powerpoint/2010/main" val="822024372"/>
+      </p:ext>
+    </p:extLst>
+  </p:cSld>
+  <p:clrMapOvr>
+    <a:masterClrMapping/>
+  </p:clrMapOvr>
+</p:notes>
 </file>
 
 <file path=ppt/slideLayouts/slideLayout1.xml><?xml version="1.0" encoding="utf-8"?>
@@ -5037,10 +5478,26 @@
           <a:lstStyle/>
           <a:p>
             <a:r>
-              <a:rPr lang="fr-FR" dirty="0" smtClean="0"/>
+              <a:rPr lang="fr-FR" dirty="0" smtClean="0">
+                <a:effectLst>
+                  <a:outerShdw blurRad="38100" dist="38100" dir="2700000" algn="tl">
+                    <a:srgbClr val="000000">
+                      <a:alpha val="43137"/>
+                    </a:srgbClr>
+                  </a:outerShdw>
+                </a:effectLst>
+              </a:rPr>
               <a:t>Stage de Licence Informatique</a:t>
             </a:r>
-            <a:endParaRPr lang="fr-FR" dirty="0"/>
+            <a:endParaRPr lang="fr-FR" dirty="0">
+              <a:effectLst>
+                <a:outerShdw blurRad="38100" dist="38100" dir="2700000" algn="tl">
+                  <a:srgbClr val="000000">
+                    <a:alpha val="43137"/>
+                  </a:srgbClr>
+                </a:outerShdw>
+              </a:effectLst>
+            </a:endParaRPr>
           </a:p>
         </p:txBody>
       </p:sp>
@@ -5066,10 +5523,26 @@
           <a:p>
             <a:pPr algn="ctr"/>
             <a:r>
-              <a:rPr lang="fr-FR" i="1" dirty="0" smtClean="0"/>
+              <a:rPr lang="fr-FR" i="1" dirty="0" smtClean="0">
+                <a:effectLst>
+                  <a:outerShdw blurRad="38100" dist="38100" dir="2700000" algn="tl">
+                    <a:srgbClr val="000000">
+                      <a:alpha val="43137"/>
+                    </a:srgbClr>
+                  </a:outerShdw>
+                </a:effectLst>
+              </a:rPr>
               <a:t>-- Site web collaboratif --</a:t>
             </a:r>
-            <a:endParaRPr lang="fr-FR" i="1" dirty="0"/>
+            <a:endParaRPr lang="fr-FR" i="1" dirty="0">
+              <a:effectLst>
+                <a:outerShdw blurRad="38100" dist="38100" dir="2700000" algn="tl">
+                  <a:srgbClr val="000000">
+                    <a:alpha val="43137"/>
+                  </a:srgbClr>
+                </a:outerShdw>
+              </a:effectLst>
+            </a:endParaRPr>
           </a:p>
         </p:txBody>
       </p:sp>
@@ -5098,9 +5571,33 @@
             <a:off x="7440450" y="188640"/>
             <a:ext cx="1437581" cy="1368152"/>
           </a:xfrm>
-          <a:prstGeom prst="rect">
-            <a:avLst/>
+          <a:prstGeom prst="roundRect">
+            <a:avLst>
+              <a:gd name="adj" fmla="val 16667"/>
+            </a:avLst>
           </a:prstGeom>
+          <a:ln>
+            <a:noFill/>
+          </a:ln>
+          <a:effectLst>
+            <a:outerShdw blurRad="152400" dist="12000" dir="900000" sy="98000" kx="110000" ky="200000" algn="tl" rotWithShape="0">
+              <a:srgbClr val="000000">
+                <a:alpha val="30000"/>
+              </a:srgbClr>
+            </a:outerShdw>
+          </a:effectLst>
+          <a:scene3d>
+            <a:camera prst="perspectiveRelaxed">
+              <a:rot lat="19800000" lon="1200000" rev="20820000"/>
+            </a:camera>
+            <a:lightRig rig="threePt" dir="t"/>
+          </a:scene3d>
+          <a:sp3d contourW="6350" prstMaterial="matte">
+            <a:bevelT w="101600" h="101600"/>
+            <a:contourClr>
+              <a:srgbClr val="969696"/>
+            </a:contourClr>
+          </a:sp3d>
         </p:spPr>
       </p:pic>
       <p:sp>
@@ -5278,6 +5775,1786 @@
     <p:extLst>
       <p:ext uri="{BB962C8B-B14F-4D97-AF65-F5344CB8AC3E}">
         <p14:creationId xmlns:p14="http://schemas.microsoft.com/office/powerpoint/2010/main" val="2974693472"/>
+      </p:ext>
+    </p:extLst>
+  </p:cSld>
+  <p:clrMapOvr>
+    <a:masterClrMapping/>
+  </p:clrMapOvr>
+  <p:timing>
+    <p:tnLst>
+      <p:par>
+        <p:cTn id="1" dur="indefinite" restart="never" nodeType="tmRoot"/>
+      </p:par>
+    </p:tnLst>
+  </p:timing>
+</p:sld>
+</file>
+
+<file path=ppt/slides/slide10.xml><?xml version="1.0" encoding="utf-8"?>
+<p:sld xmlns:a="http://schemas.openxmlformats.org/drawingml/2006/main" xmlns:r="http://schemas.openxmlformats.org/officeDocument/2006/relationships" xmlns:p="http://schemas.openxmlformats.org/presentationml/2006/main">
+  <p:cSld>
+    <p:spTree>
+      <p:nvGrpSpPr>
+        <p:cNvPr id="1" name=""/>
+        <p:cNvGrpSpPr/>
+        <p:nvPr/>
+      </p:nvGrpSpPr>
+      <p:grpSpPr>
+        <a:xfrm>
+          <a:off x="0" y="0"/>
+          <a:ext cx="0" cy="0"/>
+          <a:chOff x="0" y="0"/>
+          <a:chExt cx="0" cy="0"/>
+        </a:xfrm>
+      </p:grpSpPr>
+      <p:sp>
+        <p:nvSpPr>
+          <p:cNvPr id="3" name="Espace réservé du contenu 2"/>
+          <p:cNvSpPr>
+            <a:spLocks noGrp="1"/>
+          </p:cNvSpPr>
+          <p:nvPr>
+            <p:ph sz="quarter" idx="1"/>
+          </p:nvPr>
+        </p:nvSpPr>
+        <p:spPr>
+          <a:xfrm>
+            <a:off x="457200" y="1124744"/>
+            <a:ext cx="7467600" cy="5349208"/>
+          </a:xfrm>
+        </p:spPr>
+        <p:txBody>
+          <a:bodyPr/>
+          <a:lstStyle/>
+          <a:p>
+            <a:pPr marL="365760" lvl="1" indent="0" algn="ctr">
+              <a:buNone/>
+            </a:pPr>
+            <a:r>
+              <a:rPr lang="fr-FR" u="sng" dirty="0" smtClean="0">
+                <a:solidFill>
+                  <a:schemeClr val="accent1"/>
+                </a:solidFill>
+                <a:latin typeface="Calibri" pitchFamily="34" charset="0"/>
+                <a:cs typeface="Calibri" pitchFamily="34" charset="0"/>
+              </a:rPr>
+              <a:t>Utilisateur – ses droits</a:t>
+            </a:r>
+          </a:p>
+          <a:p>
+            <a:pPr lvl="2">
+              <a:buFont typeface="Arial" pitchFamily="34" charset="0"/>
+              <a:buChar char="•"/>
+            </a:pPr>
+            <a:endParaRPr lang="fr-FR" dirty="0">
+              <a:solidFill>
+                <a:schemeClr val="accent1"/>
+              </a:solidFill>
+              <a:latin typeface="Calibri" pitchFamily="34" charset="0"/>
+              <a:cs typeface="Calibri" pitchFamily="34" charset="0"/>
+            </a:endParaRPr>
+          </a:p>
+        </p:txBody>
+      </p:sp>
+      <p:sp>
+        <p:nvSpPr>
+          <p:cNvPr id="4" name="Titre 1"/>
+          <p:cNvSpPr txBox="1">
+            <a:spLocks/>
+          </p:cNvSpPr>
+          <p:nvPr/>
+        </p:nvSpPr>
+        <p:spPr>
+          <a:xfrm>
+            <a:off x="457200" y="274638"/>
+            <a:ext cx="7467600" cy="850106"/>
+          </a:xfrm>
+          <a:prstGeom prst="rect">
+            <a:avLst/>
+          </a:prstGeom>
+        </p:spPr>
+        <p:txBody>
+          <a:bodyPr vert="horz" anchor="b">
+            <a:normAutofit/>
+          </a:bodyPr>
+          <a:lstStyle>
+            <a:lvl1pPr algn="l" rtl="0" eaLnBrk="1" latinLnBrk="0" hangingPunct="1">
+              <a:spcBef>
+                <a:spcPct val="0"/>
+              </a:spcBef>
+              <a:buNone/>
+              <a:defRPr kumimoji="0" sz="3000" b="0" kern="1200" cap="small" baseline="0">
+                <a:solidFill>
+                  <a:schemeClr val="tx2"/>
+                </a:solidFill>
+                <a:latin typeface="+mj-lt"/>
+                <a:ea typeface="+mj-ea"/>
+                <a:cs typeface="+mj-cs"/>
+              </a:defRPr>
+            </a:lvl1pPr>
+          </a:lstStyle>
+          <a:p>
+            <a:r>
+              <a:rPr lang="fr-FR" sz="4800" b="1" dirty="0" smtClean="0">
+                <a:solidFill>
+                  <a:schemeClr val="accent1">
+                    <a:lumMod val="75000"/>
+                  </a:schemeClr>
+                </a:solidFill>
+                <a:effectLst>
+                  <a:outerShdw blurRad="38100" dist="38100" dir="2700000" algn="tl">
+                    <a:srgbClr val="000000">
+                      <a:alpha val="43137"/>
+                    </a:srgbClr>
+                  </a:outerShdw>
+                </a:effectLst>
+                <a:latin typeface="Freestyle Script" pitchFamily="66" charset="0"/>
+              </a:rPr>
+              <a:t>La </a:t>
+            </a:r>
+            <a:r>
+              <a:rPr lang="fr-FR" sz="4800" b="1" dirty="0">
+                <a:solidFill>
+                  <a:schemeClr val="accent1">
+                    <a:lumMod val="75000"/>
+                  </a:schemeClr>
+                </a:solidFill>
+                <a:effectLst>
+                  <a:outerShdw blurRad="38100" dist="38100" dir="2700000" algn="tl">
+                    <a:srgbClr val="000000">
+                      <a:alpha val="43137"/>
+                    </a:srgbClr>
+                  </a:outerShdw>
+                </a:effectLst>
+                <a:latin typeface="Freestyle Script" pitchFamily="66" charset="0"/>
+              </a:rPr>
+              <a:t>solution</a:t>
+            </a:r>
+          </a:p>
+        </p:txBody>
+      </p:sp>
+      <p:graphicFrame>
+        <p:nvGraphicFramePr>
+          <p:cNvPr id="6" name="Tableau 5"/>
+          <p:cNvGraphicFramePr>
+            <a:graphicFrameLocks noGrp="1"/>
+          </p:cNvGraphicFramePr>
+          <p:nvPr>
+            <p:extLst>
+              <p:ext uri="{D42A27DB-BD31-4B8C-83A1-F6EECF244321}">
+                <p14:modId xmlns:p14="http://schemas.microsoft.com/office/powerpoint/2010/main" val="3686121161"/>
+              </p:ext>
+            </p:extLst>
+          </p:nvPr>
+        </p:nvGraphicFramePr>
+        <p:xfrm>
+          <a:off x="1079540" y="1844824"/>
+          <a:ext cx="6843464" cy="3529415"/>
+        </p:xfrm>
+        <a:graphic>
+          <a:graphicData uri="http://schemas.openxmlformats.org/drawingml/2006/table">
+            <a:tbl>
+              <a:tblPr firstRow="1" bandRow="1">
+                <a:tableStyleId>{5C22544A-7EE6-4342-B048-85BDC9FD1C3A}</a:tableStyleId>
+              </a:tblPr>
+              <a:tblGrid>
+                <a:gridCol w="3644305"/>
+                <a:gridCol w="767222"/>
+                <a:gridCol w="767222"/>
+                <a:gridCol w="831157"/>
+                <a:gridCol w="833558"/>
+              </a:tblGrid>
+              <a:tr h="310805">
+                <a:tc>
+                  <a:txBody>
+                    <a:bodyPr/>
+                    <a:lstStyle/>
+                    <a:p>
+                      <a:pPr algn="ctr"/>
+                      <a:endParaRPr lang="fr-FR" sz="1400" dirty="0">
+                        <a:latin typeface="Calibri" pitchFamily="34" charset="0"/>
+                        <a:cs typeface="Calibri" pitchFamily="34" charset="0"/>
+                      </a:endParaRPr>
+                    </a:p>
+                  </a:txBody>
+                  <a:tcPr>
+                    <a:solidFill>
+                      <a:schemeClr val="bg1"/>
+                    </a:solidFill>
+                  </a:tcPr>
+                </a:tc>
+                <a:tc gridSpan="4">
+                  <a:txBody>
+                    <a:bodyPr/>
+                    <a:lstStyle/>
+                    <a:p>
+                      <a:pPr algn="ctr"/>
+                      <a:r>
+                        <a:rPr lang="fr-FR" sz="1400" dirty="0" smtClean="0">
+                          <a:latin typeface="Calibri" pitchFamily="34" charset="0"/>
+                          <a:cs typeface="Calibri" pitchFamily="34" charset="0"/>
+                        </a:rPr>
+                        <a:t>Droit des utilisateurs</a:t>
+                      </a:r>
+                      <a:endParaRPr lang="fr-FR" sz="1400" dirty="0">
+                        <a:latin typeface="Calibri" pitchFamily="34" charset="0"/>
+                        <a:cs typeface="Calibri" pitchFamily="34" charset="0"/>
+                      </a:endParaRPr>
+                    </a:p>
+                  </a:txBody>
+                  <a:tcPr>
+                    <a:solidFill>
+                      <a:schemeClr val="accent1">
+                        <a:lumMod val="75000"/>
+                      </a:schemeClr>
+                    </a:solidFill>
+                  </a:tcPr>
+                </a:tc>
+                <a:tc hMerge="1">
+                  <a:txBody>
+                    <a:bodyPr/>
+                    <a:lstStyle/>
+                    <a:p>
+                      <a:pPr algn="ctr"/>
+                      <a:endParaRPr lang="fr-FR" dirty="0"/>
+                    </a:p>
+                  </a:txBody>
+                  <a:tcPr/>
+                </a:tc>
+                <a:tc hMerge="1">
+                  <a:txBody>
+                    <a:bodyPr/>
+                    <a:lstStyle/>
+                    <a:p>
+                      <a:endParaRPr lang="fr-FR" dirty="0"/>
+                    </a:p>
+                  </a:txBody>
+                  <a:tcPr/>
+                </a:tc>
+                <a:tc hMerge="1">
+                  <a:txBody>
+                    <a:bodyPr/>
+                    <a:lstStyle/>
+                    <a:p>
+                      <a:endParaRPr lang="fr-FR" dirty="0"/>
+                    </a:p>
+                  </a:txBody>
+                  <a:tcPr/>
+                </a:tc>
+              </a:tr>
+              <a:tr h="336733">
+                <a:tc>
+                  <a:txBody>
+                    <a:bodyPr/>
+                    <a:lstStyle/>
+                    <a:p>
+                      <a:pPr algn="ctr"/>
+                      <a:r>
+                        <a:rPr lang="fr-FR" sz="1400" b="1" dirty="0" smtClean="0">
+                          <a:solidFill>
+                            <a:schemeClr val="bg1"/>
+                          </a:solidFill>
+                          <a:latin typeface="Calibri" pitchFamily="34" charset="0"/>
+                          <a:cs typeface="Calibri" pitchFamily="34" charset="0"/>
+                        </a:rPr>
+                        <a:t>Fonctions</a:t>
+                      </a:r>
+                      <a:endParaRPr lang="fr-FR" sz="1400" b="1" dirty="0">
+                        <a:solidFill>
+                          <a:schemeClr val="bg1"/>
+                        </a:solidFill>
+                        <a:latin typeface="Calibri" pitchFamily="34" charset="0"/>
+                        <a:cs typeface="Calibri" pitchFamily="34" charset="0"/>
+                      </a:endParaRPr>
+                    </a:p>
+                  </a:txBody>
+                  <a:tcPr>
+                    <a:solidFill>
+                      <a:schemeClr val="accent1">
+                        <a:lumMod val="75000"/>
+                      </a:schemeClr>
+                    </a:solidFill>
+                  </a:tcPr>
+                </a:tc>
+                <a:tc>
+                  <a:txBody>
+                    <a:bodyPr/>
+                    <a:lstStyle/>
+                    <a:p>
+                      <a:pPr algn="ctr"/>
+                      <a:r>
+                        <a:rPr lang="fr-FR" sz="1400" i="1" dirty="0" smtClean="0">
+                          <a:latin typeface="Calibri" pitchFamily="34" charset="0"/>
+                          <a:cs typeface="Calibri" pitchFamily="34" charset="0"/>
+                        </a:rPr>
+                        <a:t>0</a:t>
+                      </a:r>
+                      <a:endParaRPr lang="fr-FR" sz="1400" i="1" dirty="0">
+                        <a:latin typeface="Calibri" pitchFamily="34" charset="0"/>
+                        <a:cs typeface="Calibri" pitchFamily="34" charset="0"/>
+                      </a:endParaRPr>
+                    </a:p>
+                  </a:txBody>
+                  <a:tcPr>
+                    <a:solidFill>
+                      <a:schemeClr val="accent1">
+                        <a:lumMod val="60000"/>
+                        <a:lumOff val="40000"/>
+                      </a:schemeClr>
+                    </a:solidFill>
+                  </a:tcPr>
+                </a:tc>
+                <a:tc>
+                  <a:txBody>
+                    <a:bodyPr/>
+                    <a:lstStyle/>
+                    <a:p>
+                      <a:pPr algn="ctr"/>
+                      <a:r>
+                        <a:rPr lang="fr-FR" sz="1400" i="1" dirty="0" smtClean="0">
+                          <a:latin typeface="Calibri" pitchFamily="34" charset="0"/>
+                          <a:cs typeface="Calibri" pitchFamily="34" charset="0"/>
+                        </a:rPr>
+                        <a:t>1</a:t>
+                      </a:r>
+                      <a:endParaRPr lang="fr-FR" sz="1400" i="1" dirty="0">
+                        <a:latin typeface="Calibri" pitchFamily="34" charset="0"/>
+                        <a:cs typeface="Calibri" pitchFamily="34" charset="0"/>
+                      </a:endParaRPr>
+                    </a:p>
+                  </a:txBody>
+                  <a:tcPr>
+                    <a:solidFill>
+                      <a:schemeClr val="accent1">
+                        <a:lumMod val="60000"/>
+                        <a:lumOff val="40000"/>
+                      </a:schemeClr>
+                    </a:solidFill>
+                  </a:tcPr>
+                </a:tc>
+                <a:tc>
+                  <a:txBody>
+                    <a:bodyPr/>
+                    <a:lstStyle/>
+                    <a:p>
+                      <a:pPr algn="ctr"/>
+                      <a:r>
+                        <a:rPr lang="fr-FR" sz="1400" i="1" dirty="0" smtClean="0">
+                          <a:latin typeface="Calibri" pitchFamily="34" charset="0"/>
+                          <a:cs typeface="Calibri" pitchFamily="34" charset="0"/>
+                        </a:rPr>
+                        <a:t>2</a:t>
+                      </a:r>
+                      <a:endParaRPr lang="fr-FR" sz="1400" i="1" dirty="0">
+                        <a:latin typeface="Calibri" pitchFamily="34" charset="0"/>
+                        <a:cs typeface="Calibri" pitchFamily="34" charset="0"/>
+                      </a:endParaRPr>
+                    </a:p>
+                  </a:txBody>
+                  <a:tcPr>
+                    <a:solidFill>
+                      <a:schemeClr val="accent1">
+                        <a:lumMod val="60000"/>
+                        <a:lumOff val="40000"/>
+                      </a:schemeClr>
+                    </a:solidFill>
+                  </a:tcPr>
+                </a:tc>
+                <a:tc>
+                  <a:txBody>
+                    <a:bodyPr/>
+                    <a:lstStyle/>
+                    <a:p>
+                      <a:pPr algn="ctr"/>
+                      <a:r>
+                        <a:rPr lang="fr-FR" sz="1400" i="1" dirty="0" smtClean="0">
+                          <a:latin typeface="Calibri" pitchFamily="34" charset="0"/>
+                          <a:cs typeface="Calibri" pitchFamily="34" charset="0"/>
+                        </a:rPr>
+                        <a:t>4</a:t>
+                      </a:r>
+                      <a:endParaRPr lang="fr-FR" sz="1400" i="1" dirty="0">
+                        <a:latin typeface="Calibri" pitchFamily="34" charset="0"/>
+                        <a:cs typeface="Calibri" pitchFamily="34" charset="0"/>
+                      </a:endParaRPr>
+                    </a:p>
+                  </a:txBody>
+                  <a:tcPr>
+                    <a:solidFill>
+                      <a:schemeClr val="accent1">
+                        <a:lumMod val="60000"/>
+                        <a:lumOff val="40000"/>
+                      </a:schemeClr>
+                    </a:solidFill>
+                  </a:tcPr>
+                </a:tc>
+              </a:tr>
+              <a:tr h="331013">
+                <a:tc>
+                  <a:txBody>
+                    <a:bodyPr/>
+                    <a:lstStyle/>
+                    <a:p>
+                      <a:pPr algn="ctr"/>
+                      <a:r>
+                        <a:rPr lang="fr-FR" sz="1400" i="1" dirty="0" smtClean="0">
+                          <a:latin typeface="Calibri" pitchFamily="34" charset="0"/>
+                          <a:cs typeface="Calibri" pitchFamily="34" charset="0"/>
+                        </a:rPr>
+                        <a:t>Visionner une fiche de film</a:t>
+                      </a:r>
+                      <a:endParaRPr lang="fr-FR" sz="1400" i="1" dirty="0">
+                        <a:latin typeface="Calibri" pitchFamily="34" charset="0"/>
+                        <a:cs typeface="Calibri" pitchFamily="34" charset="0"/>
+                      </a:endParaRPr>
+                    </a:p>
+                  </a:txBody>
+                  <a:tcPr/>
+                </a:tc>
+                <a:tc>
+                  <a:txBody>
+                    <a:bodyPr/>
+                    <a:lstStyle/>
+                    <a:p>
+                      <a:pPr algn="ctr"/>
+                      <a:endParaRPr lang="fr-FR" sz="1400" dirty="0">
+                        <a:latin typeface="Calibri" pitchFamily="34" charset="0"/>
+                        <a:cs typeface="Calibri" pitchFamily="34" charset="0"/>
+                      </a:endParaRPr>
+                    </a:p>
+                  </a:txBody>
+                  <a:tcPr>
+                    <a:solidFill>
+                      <a:srgbClr val="00B050"/>
+                    </a:solidFill>
+                  </a:tcPr>
+                </a:tc>
+                <a:tc>
+                  <a:txBody>
+                    <a:bodyPr/>
+                    <a:lstStyle/>
+                    <a:p>
+                      <a:pPr algn="ctr"/>
+                      <a:endParaRPr lang="fr-FR" sz="1400" dirty="0">
+                        <a:latin typeface="Calibri" pitchFamily="34" charset="0"/>
+                        <a:cs typeface="Calibri" pitchFamily="34" charset="0"/>
+                      </a:endParaRPr>
+                    </a:p>
+                  </a:txBody>
+                  <a:tcPr>
+                    <a:solidFill>
+                      <a:srgbClr val="00B050"/>
+                    </a:solidFill>
+                  </a:tcPr>
+                </a:tc>
+                <a:tc>
+                  <a:txBody>
+                    <a:bodyPr/>
+                    <a:lstStyle/>
+                    <a:p>
+                      <a:pPr algn="ctr"/>
+                      <a:endParaRPr lang="fr-FR" sz="1400">
+                        <a:latin typeface="Calibri" pitchFamily="34" charset="0"/>
+                        <a:cs typeface="Calibri" pitchFamily="34" charset="0"/>
+                      </a:endParaRPr>
+                    </a:p>
+                  </a:txBody>
+                  <a:tcPr>
+                    <a:solidFill>
+                      <a:srgbClr val="00B050"/>
+                    </a:solidFill>
+                  </a:tcPr>
+                </a:tc>
+                <a:tc>
+                  <a:txBody>
+                    <a:bodyPr/>
+                    <a:lstStyle/>
+                    <a:p>
+                      <a:pPr algn="ctr"/>
+                      <a:endParaRPr lang="fr-FR" sz="1400" dirty="0">
+                        <a:latin typeface="Calibri" pitchFamily="34" charset="0"/>
+                        <a:cs typeface="Calibri" pitchFamily="34" charset="0"/>
+                      </a:endParaRPr>
+                    </a:p>
+                  </a:txBody>
+                  <a:tcPr>
+                    <a:solidFill>
+                      <a:srgbClr val="00B050"/>
+                    </a:solidFill>
+                  </a:tcPr>
+                </a:tc>
+              </a:tr>
+              <a:tr h="325293">
+                <a:tc>
+                  <a:txBody>
+                    <a:bodyPr/>
+                    <a:lstStyle/>
+                    <a:p>
+                      <a:pPr marL="0" marR="0" indent="0" algn="ctr" defTabSz="914400" rtl="0" eaLnBrk="1" fontAlgn="auto" latinLnBrk="0" hangingPunct="1">
+                        <a:lnSpc>
+                          <a:spcPct val="100000"/>
+                        </a:lnSpc>
+                        <a:spcBef>
+                          <a:spcPts val="0"/>
+                        </a:spcBef>
+                        <a:spcAft>
+                          <a:spcPts val="0"/>
+                        </a:spcAft>
+                        <a:buClrTx/>
+                        <a:buSzTx/>
+                        <a:buFontTx/>
+                        <a:buNone/>
+                        <a:tabLst/>
+                        <a:defRPr/>
+                      </a:pPr>
+                      <a:r>
+                        <a:rPr lang="fr-FR" sz="1400" i="1" dirty="0" smtClean="0">
+                          <a:latin typeface="Calibri" pitchFamily="34" charset="0"/>
+                          <a:cs typeface="Calibri" pitchFamily="34" charset="0"/>
+                        </a:rPr>
+                        <a:t>Supprimer un groupe</a:t>
+                      </a:r>
+                    </a:p>
+                  </a:txBody>
+                  <a:tcPr/>
+                </a:tc>
+                <a:tc>
+                  <a:txBody>
+                    <a:bodyPr/>
+                    <a:lstStyle/>
+                    <a:p>
+                      <a:pPr algn="ctr"/>
+                      <a:endParaRPr lang="fr-FR" sz="1400" dirty="0">
+                        <a:latin typeface="Calibri" pitchFamily="34" charset="0"/>
+                        <a:cs typeface="Calibri" pitchFamily="34" charset="0"/>
+                      </a:endParaRPr>
+                    </a:p>
+                  </a:txBody>
+                  <a:tcPr>
+                    <a:solidFill>
+                      <a:srgbClr val="FF0000"/>
+                    </a:solidFill>
+                  </a:tcPr>
+                </a:tc>
+                <a:tc>
+                  <a:txBody>
+                    <a:bodyPr/>
+                    <a:lstStyle/>
+                    <a:p>
+                      <a:pPr algn="ctr"/>
+                      <a:endParaRPr lang="fr-FR" sz="1400" dirty="0">
+                        <a:latin typeface="Calibri" pitchFamily="34" charset="0"/>
+                        <a:cs typeface="Calibri" pitchFamily="34" charset="0"/>
+                      </a:endParaRPr>
+                    </a:p>
+                  </a:txBody>
+                  <a:tcPr>
+                    <a:solidFill>
+                      <a:srgbClr val="00B050"/>
+                    </a:solidFill>
+                  </a:tcPr>
+                </a:tc>
+                <a:tc>
+                  <a:txBody>
+                    <a:bodyPr/>
+                    <a:lstStyle/>
+                    <a:p>
+                      <a:pPr algn="ctr"/>
+                      <a:endParaRPr lang="fr-FR" sz="1400" dirty="0">
+                        <a:latin typeface="Calibri" pitchFamily="34" charset="0"/>
+                        <a:cs typeface="Calibri" pitchFamily="34" charset="0"/>
+                      </a:endParaRPr>
+                    </a:p>
+                  </a:txBody>
+                  <a:tcPr>
+                    <a:solidFill>
+                      <a:srgbClr val="00B050"/>
+                    </a:solidFill>
+                  </a:tcPr>
+                </a:tc>
+                <a:tc>
+                  <a:txBody>
+                    <a:bodyPr/>
+                    <a:lstStyle/>
+                    <a:p>
+                      <a:pPr algn="ctr"/>
+                      <a:endParaRPr lang="fr-FR" sz="1400" dirty="0">
+                        <a:latin typeface="Calibri" pitchFamily="34" charset="0"/>
+                        <a:cs typeface="Calibri" pitchFamily="34" charset="0"/>
+                      </a:endParaRPr>
+                    </a:p>
+                  </a:txBody>
+                  <a:tcPr>
+                    <a:solidFill>
+                      <a:srgbClr val="00B050"/>
+                    </a:solidFill>
+                  </a:tcPr>
+                </a:tc>
+              </a:tr>
+              <a:tr h="325293">
+                <a:tc>
+                  <a:txBody>
+                    <a:bodyPr/>
+                    <a:lstStyle/>
+                    <a:p>
+                      <a:pPr marL="0" marR="0" indent="0" algn="ctr" defTabSz="914400" rtl="0" eaLnBrk="1" fontAlgn="auto" latinLnBrk="0" hangingPunct="1">
+                        <a:lnSpc>
+                          <a:spcPct val="100000"/>
+                        </a:lnSpc>
+                        <a:spcBef>
+                          <a:spcPts val="0"/>
+                        </a:spcBef>
+                        <a:spcAft>
+                          <a:spcPts val="0"/>
+                        </a:spcAft>
+                        <a:buClrTx/>
+                        <a:buSzTx/>
+                        <a:buFontTx/>
+                        <a:buNone/>
+                        <a:tabLst/>
+                        <a:defRPr/>
+                      </a:pPr>
+                      <a:r>
+                        <a:rPr lang="fr-FR" sz="1400" i="1" dirty="0" smtClean="0">
+                          <a:latin typeface="Calibri" pitchFamily="34" charset="0"/>
+                          <a:cs typeface="Calibri" pitchFamily="34" charset="0"/>
+                        </a:rPr>
+                        <a:t>Créer</a:t>
+                      </a:r>
+                      <a:r>
+                        <a:rPr lang="fr-FR" sz="1400" i="1" baseline="0" dirty="0" smtClean="0">
+                          <a:latin typeface="Calibri" pitchFamily="34" charset="0"/>
+                          <a:cs typeface="Calibri" pitchFamily="34" charset="0"/>
+                        </a:rPr>
+                        <a:t> un groupe</a:t>
+                      </a:r>
+                      <a:endParaRPr lang="fr-FR" sz="1400" i="1" dirty="0" smtClean="0">
+                        <a:latin typeface="Calibri" pitchFamily="34" charset="0"/>
+                        <a:cs typeface="Calibri" pitchFamily="34" charset="0"/>
+                      </a:endParaRPr>
+                    </a:p>
+                  </a:txBody>
+                  <a:tcPr/>
+                </a:tc>
+                <a:tc>
+                  <a:txBody>
+                    <a:bodyPr/>
+                    <a:lstStyle/>
+                    <a:p>
+                      <a:pPr algn="ctr"/>
+                      <a:endParaRPr lang="fr-FR" sz="1400" dirty="0">
+                        <a:latin typeface="Calibri" pitchFamily="34" charset="0"/>
+                        <a:cs typeface="Calibri" pitchFamily="34" charset="0"/>
+                      </a:endParaRPr>
+                    </a:p>
+                  </a:txBody>
+                  <a:tcPr>
+                    <a:solidFill>
+                      <a:srgbClr val="FF0000"/>
+                    </a:solidFill>
+                  </a:tcPr>
+                </a:tc>
+                <a:tc>
+                  <a:txBody>
+                    <a:bodyPr/>
+                    <a:lstStyle/>
+                    <a:p>
+                      <a:pPr algn="ctr"/>
+                      <a:endParaRPr lang="fr-FR" sz="1400" dirty="0">
+                        <a:latin typeface="Calibri" pitchFamily="34" charset="0"/>
+                        <a:cs typeface="Calibri" pitchFamily="34" charset="0"/>
+                      </a:endParaRPr>
+                    </a:p>
+                  </a:txBody>
+                  <a:tcPr>
+                    <a:solidFill>
+                      <a:srgbClr val="00B050"/>
+                    </a:solidFill>
+                  </a:tcPr>
+                </a:tc>
+                <a:tc>
+                  <a:txBody>
+                    <a:bodyPr/>
+                    <a:lstStyle/>
+                    <a:p>
+                      <a:pPr algn="ctr"/>
+                      <a:endParaRPr lang="fr-FR" sz="1400" dirty="0">
+                        <a:latin typeface="Calibri" pitchFamily="34" charset="0"/>
+                        <a:cs typeface="Calibri" pitchFamily="34" charset="0"/>
+                      </a:endParaRPr>
+                    </a:p>
+                  </a:txBody>
+                  <a:tcPr>
+                    <a:solidFill>
+                      <a:srgbClr val="00B050"/>
+                    </a:solidFill>
+                  </a:tcPr>
+                </a:tc>
+                <a:tc>
+                  <a:txBody>
+                    <a:bodyPr/>
+                    <a:lstStyle/>
+                    <a:p>
+                      <a:pPr algn="ctr"/>
+                      <a:endParaRPr lang="fr-FR" sz="1400" dirty="0">
+                        <a:latin typeface="Calibri" pitchFamily="34" charset="0"/>
+                        <a:cs typeface="Calibri" pitchFamily="34" charset="0"/>
+                      </a:endParaRPr>
+                    </a:p>
+                  </a:txBody>
+                  <a:tcPr>
+                    <a:solidFill>
+                      <a:srgbClr val="00B050"/>
+                    </a:solidFill>
+                  </a:tcPr>
+                </a:tc>
+              </a:tr>
+              <a:tr h="325293">
+                <a:tc>
+                  <a:txBody>
+                    <a:bodyPr/>
+                    <a:lstStyle/>
+                    <a:p>
+                      <a:pPr marL="0" marR="0" indent="0" algn="ctr" defTabSz="914400" rtl="0" eaLnBrk="1" fontAlgn="auto" latinLnBrk="0" hangingPunct="1">
+                        <a:lnSpc>
+                          <a:spcPct val="100000"/>
+                        </a:lnSpc>
+                        <a:spcBef>
+                          <a:spcPts val="0"/>
+                        </a:spcBef>
+                        <a:spcAft>
+                          <a:spcPts val="0"/>
+                        </a:spcAft>
+                        <a:buClrTx/>
+                        <a:buSzTx/>
+                        <a:buFontTx/>
+                        <a:buNone/>
+                        <a:tabLst/>
+                        <a:defRPr/>
+                      </a:pPr>
+                      <a:r>
+                        <a:rPr lang="fr-FR" sz="1400" i="1" smtClean="0">
+                          <a:latin typeface="Calibri" pitchFamily="34" charset="0"/>
+                          <a:cs typeface="Calibri" pitchFamily="34" charset="0"/>
+                        </a:rPr>
+                        <a:t>Noter un film</a:t>
+                      </a:r>
+                      <a:endParaRPr lang="fr-FR" sz="1400" i="1" dirty="0" smtClean="0">
+                        <a:latin typeface="Calibri" pitchFamily="34" charset="0"/>
+                        <a:cs typeface="Calibri" pitchFamily="34" charset="0"/>
+                      </a:endParaRPr>
+                    </a:p>
+                  </a:txBody>
+                  <a:tcPr/>
+                </a:tc>
+                <a:tc>
+                  <a:txBody>
+                    <a:bodyPr/>
+                    <a:lstStyle/>
+                    <a:p>
+                      <a:pPr algn="ctr"/>
+                      <a:endParaRPr lang="fr-FR" sz="1400" dirty="0">
+                        <a:latin typeface="Calibri" pitchFamily="34" charset="0"/>
+                        <a:cs typeface="Calibri" pitchFamily="34" charset="0"/>
+                      </a:endParaRPr>
+                    </a:p>
+                  </a:txBody>
+                  <a:tcPr>
+                    <a:solidFill>
+                      <a:srgbClr val="FF0000"/>
+                    </a:solidFill>
+                  </a:tcPr>
+                </a:tc>
+                <a:tc>
+                  <a:txBody>
+                    <a:bodyPr/>
+                    <a:lstStyle/>
+                    <a:p>
+                      <a:pPr algn="ctr"/>
+                      <a:endParaRPr lang="fr-FR" sz="1400" dirty="0">
+                        <a:latin typeface="Calibri" pitchFamily="34" charset="0"/>
+                        <a:cs typeface="Calibri" pitchFamily="34" charset="0"/>
+                      </a:endParaRPr>
+                    </a:p>
+                  </a:txBody>
+                  <a:tcPr>
+                    <a:solidFill>
+                      <a:srgbClr val="00B050"/>
+                    </a:solidFill>
+                  </a:tcPr>
+                </a:tc>
+                <a:tc>
+                  <a:txBody>
+                    <a:bodyPr/>
+                    <a:lstStyle/>
+                    <a:p>
+                      <a:pPr algn="ctr"/>
+                      <a:endParaRPr lang="fr-FR" sz="1400" dirty="0">
+                        <a:latin typeface="Calibri" pitchFamily="34" charset="0"/>
+                        <a:cs typeface="Calibri" pitchFamily="34" charset="0"/>
+                      </a:endParaRPr>
+                    </a:p>
+                  </a:txBody>
+                  <a:tcPr>
+                    <a:solidFill>
+                      <a:srgbClr val="00B050"/>
+                    </a:solidFill>
+                  </a:tcPr>
+                </a:tc>
+                <a:tc>
+                  <a:txBody>
+                    <a:bodyPr/>
+                    <a:lstStyle/>
+                    <a:p>
+                      <a:pPr algn="ctr"/>
+                      <a:endParaRPr lang="fr-FR" sz="1400" dirty="0">
+                        <a:latin typeface="Calibri" pitchFamily="34" charset="0"/>
+                        <a:cs typeface="Calibri" pitchFamily="34" charset="0"/>
+                      </a:endParaRPr>
+                    </a:p>
+                  </a:txBody>
+                  <a:tcPr>
+                    <a:solidFill>
+                      <a:srgbClr val="00B050"/>
+                    </a:solidFill>
+                  </a:tcPr>
+                </a:tc>
+              </a:tr>
+              <a:tr h="319573">
+                <a:tc>
+                  <a:txBody>
+                    <a:bodyPr/>
+                    <a:lstStyle/>
+                    <a:p>
+                      <a:pPr algn="ctr"/>
+                      <a:r>
+                        <a:rPr lang="fr-FR" sz="1400" i="1" dirty="0" smtClean="0">
+                          <a:latin typeface="Calibri" pitchFamily="34" charset="0"/>
+                          <a:cs typeface="Calibri" pitchFamily="34" charset="0"/>
+                        </a:rPr>
+                        <a:t>Modifier un film</a:t>
+                      </a:r>
+                      <a:endParaRPr lang="fr-FR" sz="1400" i="1" dirty="0">
+                        <a:latin typeface="Calibri" pitchFamily="34" charset="0"/>
+                        <a:cs typeface="Calibri" pitchFamily="34" charset="0"/>
+                      </a:endParaRPr>
+                    </a:p>
+                  </a:txBody>
+                  <a:tcPr/>
+                </a:tc>
+                <a:tc>
+                  <a:txBody>
+                    <a:bodyPr/>
+                    <a:lstStyle/>
+                    <a:p>
+                      <a:pPr algn="ctr"/>
+                      <a:endParaRPr lang="fr-FR" sz="1400" dirty="0">
+                        <a:latin typeface="Calibri" pitchFamily="34" charset="0"/>
+                        <a:cs typeface="Calibri" pitchFamily="34" charset="0"/>
+                      </a:endParaRPr>
+                    </a:p>
+                  </a:txBody>
+                  <a:tcPr>
+                    <a:solidFill>
+                      <a:srgbClr val="FF0000"/>
+                    </a:solidFill>
+                  </a:tcPr>
+                </a:tc>
+                <a:tc>
+                  <a:txBody>
+                    <a:bodyPr/>
+                    <a:lstStyle/>
+                    <a:p>
+                      <a:pPr algn="ctr"/>
+                      <a:endParaRPr lang="fr-FR" sz="1400" dirty="0">
+                        <a:latin typeface="Calibri" pitchFamily="34" charset="0"/>
+                        <a:cs typeface="Calibri" pitchFamily="34" charset="0"/>
+                      </a:endParaRPr>
+                    </a:p>
+                  </a:txBody>
+                  <a:tcPr>
+                    <a:solidFill>
+                      <a:srgbClr val="FF0000"/>
+                    </a:solidFill>
+                  </a:tcPr>
+                </a:tc>
+                <a:tc>
+                  <a:txBody>
+                    <a:bodyPr/>
+                    <a:lstStyle/>
+                    <a:p>
+                      <a:pPr algn="ctr"/>
+                      <a:endParaRPr lang="fr-FR" sz="1400">
+                        <a:latin typeface="Calibri" pitchFamily="34" charset="0"/>
+                        <a:cs typeface="Calibri" pitchFamily="34" charset="0"/>
+                      </a:endParaRPr>
+                    </a:p>
+                  </a:txBody>
+                  <a:tcPr>
+                    <a:solidFill>
+                      <a:srgbClr val="00B050"/>
+                    </a:solidFill>
+                  </a:tcPr>
+                </a:tc>
+                <a:tc>
+                  <a:txBody>
+                    <a:bodyPr/>
+                    <a:lstStyle/>
+                    <a:p>
+                      <a:pPr algn="ctr"/>
+                      <a:endParaRPr lang="fr-FR" sz="1400" dirty="0">
+                        <a:latin typeface="Calibri" pitchFamily="34" charset="0"/>
+                        <a:cs typeface="Calibri" pitchFamily="34" charset="0"/>
+                      </a:endParaRPr>
+                    </a:p>
+                  </a:txBody>
+                  <a:tcPr>
+                    <a:solidFill>
+                      <a:srgbClr val="00B050"/>
+                    </a:solidFill>
+                  </a:tcPr>
+                </a:tc>
+              </a:tr>
+              <a:tr h="313853">
+                <a:tc>
+                  <a:txBody>
+                    <a:bodyPr/>
+                    <a:lstStyle/>
+                    <a:p>
+                      <a:pPr algn="ctr"/>
+                      <a:r>
+                        <a:rPr lang="fr-FR" sz="1400" i="1" dirty="0" smtClean="0">
+                          <a:latin typeface="Calibri" pitchFamily="34" charset="0"/>
+                          <a:cs typeface="Calibri" pitchFamily="34" charset="0"/>
+                        </a:rPr>
+                        <a:t>Ajouter un film</a:t>
+                      </a:r>
+                      <a:endParaRPr lang="fr-FR" sz="1400" i="1" dirty="0">
+                        <a:latin typeface="Calibri" pitchFamily="34" charset="0"/>
+                        <a:cs typeface="Calibri" pitchFamily="34" charset="0"/>
+                      </a:endParaRPr>
+                    </a:p>
+                  </a:txBody>
+                  <a:tcPr/>
+                </a:tc>
+                <a:tc>
+                  <a:txBody>
+                    <a:bodyPr/>
+                    <a:lstStyle/>
+                    <a:p>
+                      <a:pPr algn="ctr"/>
+                      <a:endParaRPr lang="fr-FR" sz="1400">
+                        <a:latin typeface="Calibri" pitchFamily="34" charset="0"/>
+                        <a:cs typeface="Calibri" pitchFamily="34" charset="0"/>
+                      </a:endParaRPr>
+                    </a:p>
+                  </a:txBody>
+                  <a:tcPr>
+                    <a:solidFill>
+                      <a:srgbClr val="FF0000"/>
+                    </a:solidFill>
+                  </a:tcPr>
+                </a:tc>
+                <a:tc>
+                  <a:txBody>
+                    <a:bodyPr/>
+                    <a:lstStyle/>
+                    <a:p>
+                      <a:pPr algn="ctr"/>
+                      <a:endParaRPr lang="fr-FR" sz="1400" dirty="0">
+                        <a:latin typeface="Calibri" pitchFamily="34" charset="0"/>
+                        <a:cs typeface="Calibri" pitchFamily="34" charset="0"/>
+                      </a:endParaRPr>
+                    </a:p>
+                  </a:txBody>
+                  <a:tcPr>
+                    <a:solidFill>
+                      <a:srgbClr val="FF0000"/>
+                    </a:solidFill>
+                  </a:tcPr>
+                </a:tc>
+                <a:tc>
+                  <a:txBody>
+                    <a:bodyPr/>
+                    <a:lstStyle/>
+                    <a:p>
+                      <a:pPr algn="ctr"/>
+                      <a:endParaRPr lang="fr-FR" sz="1400">
+                        <a:latin typeface="Calibri" pitchFamily="34" charset="0"/>
+                        <a:cs typeface="Calibri" pitchFamily="34" charset="0"/>
+                      </a:endParaRPr>
+                    </a:p>
+                  </a:txBody>
+                  <a:tcPr>
+                    <a:solidFill>
+                      <a:srgbClr val="00B050"/>
+                    </a:solidFill>
+                  </a:tcPr>
+                </a:tc>
+                <a:tc>
+                  <a:txBody>
+                    <a:bodyPr/>
+                    <a:lstStyle/>
+                    <a:p>
+                      <a:pPr algn="ctr"/>
+                      <a:endParaRPr lang="fr-FR" sz="1400" dirty="0">
+                        <a:latin typeface="Calibri" pitchFamily="34" charset="0"/>
+                        <a:cs typeface="Calibri" pitchFamily="34" charset="0"/>
+                      </a:endParaRPr>
+                    </a:p>
+                  </a:txBody>
+                  <a:tcPr>
+                    <a:solidFill>
+                      <a:srgbClr val="00B050"/>
+                    </a:solidFill>
+                  </a:tcPr>
+                </a:tc>
+              </a:tr>
+              <a:tr h="313853">
+                <a:tc>
+                  <a:txBody>
+                    <a:bodyPr/>
+                    <a:lstStyle/>
+                    <a:p>
+                      <a:pPr algn="ctr"/>
+                      <a:r>
+                        <a:rPr lang="fr-FR" sz="1400" i="1" dirty="0" smtClean="0">
+                          <a:latin typeface="Calibri" pitchFamily="34" charset="0"/>
+                          <a:cs typeface="Calibri" pitchFamily="34" charset="0"/>
+                        </a:rPr>
+                        <a:t>Supprimer un film</a:t>
+                      </a:r>
+                      <a:endParaRPr lang="fr-FR" sz="1400" i="1" dirty="0">
+                        <a:latin typeface="Calibri" pitchFamily="34" charset="0"/>
+                        <a:cs typeface="Calibri" pitchFamily="34" charset="0"/>
+                      </a:endParaRPr>
+                    </a:p>
+                  </a:txBody>
+                  <a:tcPr/>
+                </a:tc>
+                <a:tc>
+                  <a:txBody>
+                    <a:bodyPr/>
+                    <a:lstStyle/>
+                    <a:p>
+                      <a:pPr algn="ctr"/>
+                      <a:endParaRPr lang="fr-FR" sz="1400">
+                        <a:latin typeface="Calibri" pitchFamily="34" charset="0"/>
+                        <a:cs typeface="Calibri" pitchFamily="34" charset="0"/>
+                      </a:endParaRPr>
+                    </a:p>
+                  </a:txBody>
+                  <a:tcPr>
+                    <a:solidFill>
+                      <a:srgbClr val="FF0000"/>
+                    </a:solidFill>
+                  </a:tcPr>
+                </a:tc>
+                <a:tc>
+                  <a:txBody>
+                    <a:bodyPr/>
+                    <a:lstStyle/>
+                    <a:p>
+                      <a:pPr algn="ctr"/>
+                      <a:endParaRPr lang="fr-FR" sz="1400">
+                        <a:latin typeface="Calibri" pitchFamily="34" charset="0"/>
+                        <a:cs typeface="Calibri" pitchFamily="34" charset="0"/>
+                      </a:endParaRPr>
+                    </a:p>
+                  </a:txBody>
+                  <a:tcPr>
+                    <a:solidFill>
+                      <a:srgbClr val="FF0000"/>
+                    </a:solidFill>
+                  </a:tcPr>
+                </a:tc>
+                <a:tc>
+                  <a:txBody>
+                    <a:bodyPr/>
+                    <a:lstStyle/>
+                    <a:p>
+                      <a:pPr algn="ctr"/>
+                      <a:endParaRPr lang="fr-FR" sz="1400" dirty="0">
+                        <a:latin typeface="Calibri" pitchFamily="34" charset="0"/>
+                        <a:cs typeface="Calibri" pitchFamily="34" charset="0"/>
+                      </a:endParaRPr>
+                    </a:p>
+                  </a:txBody>
+                  <a:tcPr>
+                    <a:solidFill>
+                      <a:srgbClr val="FF0000"/>
+                    </a:solidFill>
+                  </a:tcPr>
+                </a:tc>
+                <a:tc>
+                  <a:txBody>
+                    <a:bodyPr/>
+                    <a:lstStyle/>
+                    <a:p>
+                      <a:pPr algn="ctr"/>
+                      <a:endParaRPr lang="fr-FR" sz="1400" dirty="0">
+                        <a:latin typeface="Calibri" pitchFamily="34" charset="0"/>
+                        <a:cs typeface="Calibri" pitchFamily="34" charset="0"/>
+                      </a:endParaRPr>
+                    </a:p>
+                  </a:txBody>
+                  <a:tcPr>
+                    <a:solidFill>
+                      <a:srgbClr val="00B050"/>
+                    </a:solidFill>
+                  </a:tcPr>
+                </a:tc>
+              </a:tr>
+              <a:tr h="313853">
+                <a:tc>
+                  <a:txBody>
+                    <a:bodyPr/>
+                    <a:lstStyle/>
+                    <a:p>
+                      <a:pPr algn="ctr"/>
+                      <a:r>
+                        <a:rPr lang="fr-FR" sz="1400" i="1" dirty="0" smtClean="0">
+                          <a:latin typeface="Calibri" pitchFamily="34" charset="0"/>
+                          <a:cs typeface="Calibri" pitchFamily="34" charset="0"/>
+                        </a:rPr>
+                        <a:t>Modifier</a:t>
+                      </a:r>
+                      <a:r>
+                        <a:rPr lang="fr-FR" sz="1400" i="1" baseline="0" dirty="0" smtClean="0">
+                          <a:latin typeface="Calibri" pitchFamily="34" charset="0"/>
+                          <a:cs typeface="Calibri" pitchFamily="34" charset="0"/>
+                        </a:rPr>
+                        <a:t> un utilisateur</a:t>
+                      </a:r>
+                      <a:endParaRPr lang="fr-FR" sz="1400" i="1" dirty="0">
+                        <a:latin typeface="Calibri" pitchFamily="34" charset="0"/>
+                        <a:cs typeface="Calibri" pitchFamily="34" charset="0"/>
+                      </a:endParaRPr>
+                    </a:p>
+                  </a:txBody>
+                  <a:tcPr/>
+                </a:tc>
+                <a:tc>
+                  <a:txBody>
+                    <a:bodyPr/>
+                    <a:lstStyle/>
+                    <a:p>
+                      <a:pPr algn="ctr"/>
+                      <a:endParaRPr lang="fr-FR" sz="1400" dirty="0">
+                        <a:latin typeface="Calibri" pitchFamily="34" charset="0"/>
+                        <a:cs typeface="Calibri" pitchFamily="34" charset="0"/>
+                      </a:endParaRPr>
+                    </a:p>
+                  </a:txBody>
+                  <a:tcPr>
+                    <a:solidFill>
+                      <a:srgbClr val="FF0000"/>
+                    </a:solidFill>
+                  </a:tcPr>
+                </a:tc>
+                <a:tc>
+                  <a:txBody>
+                    <a:bodyPr/>
+                    <a:lstStyle/>
+                    <a:p>
+                      <a:pPr algn="ctr"/>
+                      <a:endParaRPr lang="fr-FR" sz="1400">
+                        <a:latin typeface="Calibri" pitchFamily="34" charset="0"/>
+                        <a:cs typeface="Calibri" pitchFamily="34" charset="0"/>
+                      </a:endParaRPr>
+                    </a:p>
+                  </a:txBody>
+                  <a:tcPr>
+                    <a:solidFill>
+                      <a:srgbClr val="FF0000"/>
+                    </a:solidFill>
+                  </a:tcPr>
+                </a:tc>
+                <a:tc>
+                  <a:txBody>
+                    <a:bodyPr/>
+                    <a:lstStyle/>
+                    <a:p>
+                      <a:pPr algn="ctr"/>
+                      <a:endParaRPr lang="fr-FR" sz="1400" dirty="0">
+                        <a:latin typeface="Calibri" pitchFamily="34" charset="0"/>
+                        <a:cs typeface="Calibri" pitchFamily="34" charset="0"/>
+                      </a:endParaRPr>
+                    </a:p>
+                  </a:txBody>
+                  <a:tcPr>
+                    <a:solidFill>
+                      <a:srgbClr val="FF0000"/>
+                    </a:solidFill>
+                  </a:tcPr>
+                </a:tc>
+                <a:tc>
+                  <a:txBody>
+                    <a:bodyPr/>
+                    <a:lstStyle/>
+                    <a:p>
+                      <a:pPr algn="ctr"/>
+                      <a:endParaRPr lang="fr-FR" sz="1400" dirty="0">
+                        <a:latin typeface="Calibri" pitchFamily="34" charset="0"/>
+                        <a:cs typeface="Calibri" pitchFamily="34" charset="0"/>
+                      </a:endParaRPr>
+                    </a:p>
+                  </a:txBody>
+                  <a:tcPr>
+                    <a:solidFill>
+                      <a:srgbClr val="00B050"/>
+                    </a:solidFill>
+                  </a:tcPr>
+                </a:tc>
+              </a:tr>
+              <a:tr h="313853">
+                <a:tc>
+                  <a:txBody>
+                    <a:bodyPr/>
+                    <a:lstStyle/>
+                    <a:p>
+                      <a:pPr algn="ctr"/>
+                      <a:r>
+                        <a:rPr lang="fr-FR" sz="1400" i="1" dirty="0" smtClean="0">
+                          <a:latin typeface="Calibri" pitchFamily="34" charset="0"/>
+                          <a:cs typeface="Calibri" pitchFamily="34" charset="0"/>
+                        </a:rPr>
+                        <a:t>Supprimer un utilisateur</a:t>
+                      </a:r>
+                      <a:endParaRPr lang="fr-FR" sz="1400" i="1" dirty="0">
+                        <a:latin typeface="Calibri" pitchFamily="34" charset="0"/>
+                        <a:cs typeface="Calibri" pitchFamily="34" charset="0"/>
+                      </a:endParaRPr>
+                    </a:p>
+                  </a:txBody>
+                  <a:tcPr/>
+                </a:tc>
+                <a:tc>
+                  <a:txBody>
+                    <a:bodyPr/>
+                    <a:lstStyle/>
+                    <a:p>
+                      <a:pPr algn="ctr"/>
+                      <a:endParaRPr lang="fr-FR" sz="1400" dirty="0">
+                        <a:latin typeface="Calibri" pitchFamily="34" charset="0"/>
+                        <a:cs typeface="Calibri" pitchFamily="34" charset="0"/>
+                      </a:endParaRPr>
+                    </a:p>
+                  </a:txBody>
+                  <a:tcPr>
+                    <a:solidFill>
+                      <a:srgbClr val="FF0000"/>
+                    </a:solidFill>
+                  </a:tcPr>
+                </a:tc>
+                <a:tc>
+                  <a:txBody>
+                    <a:bodyPr/>
+                    <a:lstStyle/>
+                    <a:p>
+                      <a:pPr algn="ctr"/>
+                      <a:endParaRPr lang="fr-FR" sz="1400">
+                        <a:latin typeface="Calibri" pitchFamily="34" charset="0"/>
+                        <a:cs typeface="Calibri" pitchFamily="34" charset="0"/>
+                      </a:endParaRPr>
+                    </a:p>
+                  </a:txBody>
+                  <a:tcPr>
+                    <a:solidFill>
+                      <a:srgbClr val="FF0000"/>
+                    </a:solidFill>
+                  </a:tcPr>
+                </a:tc>
+                <a:tc>
+                  <a:txBody>
+                    <a:bodyPr/>
+                    <a:lstStyle/>
+                    <a:p>
+                      <a:pPr algn="ctr"/>
+                      <a:endParaRPr lang="fr-FR" sz="1400" dirty="0">
+                        <a:latin typeface="Calibri" pitchFamily="34" charset="0"/>
+                        <a:cs typeface="Calibri" pitchFamily="34" charset="0"/>
+                      </a:endParaRPr>
+                    </a:p>
+                  </a:txBody>
+                  <a:tcPr>
+                    <a:solidFill>
+                      <a:srgbClr val="FF0000"/>
+                    </a:solidFill>
+                  </a:tcPr>
+                </a:tc>
+                <a:tc>
+                  <a:txBody>
+                    <a:bodyPr/>
+                    <a:lstStyle/>
+                    <a:p>
+                      <a:pPr algn="ctr"/>
+                      <a:endParaRPr lang="fr-FR" sz="1400" dirty="0">
+                        <a:latin typeface="Calibri" pitchFamily="34" charset="0"/>
+                        <a:cs typeface="Calibri" pitchFamily="34" charset="0"/>
+                      </a:endParaRPr>
+                    </a:p>
+                  </a:txBody>
+                  <a:tcPr>
+                    <a:solidFill>
+                      <a:srgbClr val="00B050"/>
+                    </a:solidFill>
+                  </a:tcPr>
+                </a:tc>
+              </a:tr>
+            </a:tbl>
+          </a:graphicData>
+        </a:graphic>
+      </p:graphicFrame>
+    </p:spTree>
+    <p:extLst>
+      <p:ext uri="{BB962C8B-B14F-4D97-AF65-F5344CB8AC3E}">
+        <p14:creationId xmlns:p14="http://schemas.microsoft.com/office/powerpoint/2010/main" val="3361852876"/>
+      </p:ext>
+    </p:extLst>
+  </p:cSld>
+  <p:clrMapOvr>
+    <a:masterClrMapping/>
+  </p:clrMapOvr>
+  <p:timing>
+    <p:tnLst>
+      <p:par>
+        <p:cTn id="1" dur="indefinite" restart="never" nodeType="tmRoot"/>
+      </p:par>
+    </p:tnLst>
+  </p:timing>
+</p:sld>
+</file>
+
+<file path=ppt/slides/slide11.xml><?xml version="1.0" encoding="utf-8"?>
+<p:sld xmlns:a="http://schemas.openxmlformats.org/drawingml/2006/main" xmlns:r="http://schemas.openxmlformats.org/officeDocument/2006/relationships" xmlns:p="http://schemas.openxmlformats.org/presentationml/2006/main">
+  <p:cSld>
+    <p:spTree>
+      <p:nvGrpSpPr>
+        <p:cNvPr id="1" name=""/>
+        <p:cNvGrpSpPr/>
+        <p:nvPr/>
+      </p:nvGrpSpPr>
+      <p:grpSpPr>
+        <a:xfrm>
+          <a:off x="0" y="0"/>
+          <a:ext cx="0" cy="0"/>
+          <a:chOff x="0" y="0"/>
+          <a:chExt cx="0" cy="0"/>
+        </a:xfrm>
+      </p:grpSpPr>
+      <p:sp>
+        <p:nvSpPr>
+          <p:cNvPr id="3" name="Espace réservé du contenu 2"/>
+          <p:cNvSpPr>
+            <a:spLocks noGrp="1"/>
+          </p:cNvSpPr>
+          <p:nvPr>
+            <p:ph sz="quarter" idx="1"/>
+          </p:nvPr>
+        </p:nvSpPr>
+        <p:spPr/>
+        <p:txBody>
+          <a:bodyPr/>
+          <a:lstStyle/>
+          <a:p>
+            <a:pPr>
+              <a:buFont typeface="Wingdings" pitchFamily="2" charset="2"/>
+              <a:buChar char="ü"/>
+            </a:pPr>
+            <a:r>
+              <a:rPr lang="fr-FR" dirty="0" smtClean="0">
+                <a:solidFill>
+                  <a:schemeClr val="accent1"/>
+                </a:solidFill>
+                <a:latin typeface="Calibri" pitchFamily="34" charset="0"/>
+                <a:cs typeface="Calibri" pitchFamily="34" charset="0"/>
+              </a:rPr>
+              <a:t>Deux grandes parties:</a:t>
+            </a:r>
+          </a:p>
+          <a:p>
+            <a:pPr marL="0" indent="0">
+              <a:buNone/>
+            </a:pPr>
+            <a:endParaRPr lang="fr-FR" dirty="0" smtClean="0">
+              <a:solidFill>
+                <a:schemeClr val="accent1"/>
+              </a:solidFill>
+              <a:latin typeface="Calibri" pitchFamily="34" charset="0"/>
+              <a:cs typeface="Calibri" pitchFamily="34" charset="0"/>
+            </a:endParaRPr>
+          </a:p>
+          <a:p>
+            <a:pPr marL="365760" lvl="1" indent="0" algn="ctr">
+              <a:buNone/>
+            </a:pPr>
+            <a:r>
+              <a:rPr lang="fr-FR" u="sng" dirty="0" smtClean="0">
+                <a:solidFill>
+                  <a:schemeClr val="accent1"/>
+                </a:solidFill>
+                <a:latin typeface="Calibri" pitchFamily="34" charset="0"/>
+                <a:cs typeface="Calibri" pitchFamily="34" charset="0"/>
+              </a:rPr>
+              <a:t>Film</a:t>
+            </a:r>
+          </a:p>
+          <a:p>
+            <a:pPr lvl="2">
+              <a:buFont typeface="Arial" pitchFamily="34" charset="0"/>
+              <a:buChar char="•"/>
+            </a:pPr>
+            <a:endParaRPr lang="fr-FR" dirty="0" smtClean="0">
+              <a:solidFill>
+                <a:schemeClr val="accent1"/>
+              </a:solidFill>
+              <a:latin typeface="Calibri" pitchFamily="34" charset="0"/>
+              <a:cs typeface="Calibri" pitchFamily="34" charset="0"/>
+            </a:endParaRPr>
+          </a:p>
+          <a:p>
+            <a:pPr lvl="2">
+              <a:buFont typeface="Arial" pitchFamily="34" charset="0"/>
+              <a:buChar char="•"/>
+            </a:pPr>
+            <a:endParaRPr lang="fr-FR" dirty="0">
+              <a:solidFill>
+                <a:schemeClr val="accent1"/>
+              </a:solidFill>
+              <a:latin typeface="Calibri" pitchFamily="34" charset="0"/>
+              <a:cs typeface="Calibri" pitchFamily="34" charset="0"/>
+            </a:endParaRPr>
+          </a:p>
+        </p:txBody>
+      </p:sp>
+      <p:sp>
+        <p:nvSpPr>
+          <p:cNvPr id="4" name="Titre 1"/>
+          <p:cNvSpPr txBox="1">
+            <a:spLocks/>
+          </p:cNvSpPr>
+          <p:nvPr/>
+        </p:nvSpPr>
+        <p:spPr>
+          <a:xfrm>
+            <a:off x="457200" y="274638"/>
+            <a:ext cx="7467600" cy="850106"/>
+          </a:xfrm>
+          <a:prstGeom prst="rect">
+            <a:avLst/>
+          </a:prstGeom>
+        </p:spPr>
+        <p:txBody>
+          <a:bodyPr vert="horz" anchor="b">
+            <a:normAutofit/>
+          </a:bodyPr>
+          <a:lstStyle>
+            <a:lvl1pPr algn="l" rtl="0" eaLnBrk="1" latinLnBrk="0" hangingPunct="1">
+              <a:spcBef>
+                <a:spcPct val="0"/>
+              </a:spcBef>
+              <a:buNone/>
+              <a:defRPr kumimoji="0" sz="3000" b="0" kern="1200" cap="small" baseline="0">
+                <a:solidFill>
+                  <a:schemeClr val="tx2"/>
+                </a:solidFill>
+                <a:latin typeface="+mj-lt"/>
+                <a:ea typeface="+mj-ea"/>
+                <a:cs typeface="+mj-cs"/>
+              </a:defRPr>
+            </a:lvl1pPr>
+          </a:lstStyle>
+          <a:p>
+            <a:r>
+              <a:rPr lang="fr-FR" sz="4800" b="1" dirty="0" smtClean="0">
+                <a:solidFill>
+                  <a:schemeClr val="accent1">
+                    <a:lumMod val="75000"/>
+                  </a:schemeClr>
+                </a:solidFill>
+                <a:effectLst>
+                  <a:outerShdw blurRad="38100" dist="38100" dir="2700000" algn="tl">
+                    <a:srgbClr val="000000">
+                      <a:alpha val="43137"/>
+                    </a:srgbClr>
+                  </a:outerShdw>
+                </a:effectLst>
+                <a:latin typeface="Freestyle Script" pitchFamily="66" charset="0"/>
+              </a:rPr>
+              <a:t>La </a:t>
+            </a:r>
+            <a:r>
+              <a:rPr lang="fr-FR" sz="4800" b="1" dirty="0">
+                <a:solidFill>
+                  <a:schemeClr val="accent1">
+                    <a:lumMod val="75000"/>
+                  </a:schemeClr>
+                </a:solidFill>
+                <a:effectLst>
+                  <a:outerShdw blurRad="38100" dist="38100" dir="2700000" algn="tl">
+                    <a:srgbClr val="000000">
+                      <a:alpha val="43137"/>
+                    </a:srgbClr>
+                  </a:outerShdw>
+                </a:effectLst>
+                <a:latin typeface="Freestyle Script" pitchFamily="66" charset="0"/>
+              </a:rPr>
+              <a:t>solution</a:t>
+            </a:r>
+          </a:p>
+        </p:txBody>
+      </p:sp>
+    </p:spTree>
+    <p:extLst>
+      <p:ext uri="{BB962C8B-B14F-4D97-AF65-F5344CB8AC3E}">
+        <p14:creationId xmlns:p14="http://schemas.microsoft.com/office/powerpoint/2010/main" val="3109183518"/>
+      </p:ext>
+    </p:extLst>
+  </p:cSld>
+  <p:clrMapOvr>
+    <a:masterClrMapping/>
+  </p:clrMapOvr>
+  <p:timing>
+    <p:tnLst>
+      <p:par>
+        <p:cTn id="1" dur="indefinite" restart="never" nodeType="tmRoot"/>
+      </p:par>
+    </p:tnLst>
+  </p:timing>
+</p:sld>
+</file>
+
+<file path=ppt/slides/slide12.xml><?xml version="1.0" encoding="utf-8"?>
+<p:sld xmlns:a="http://schemas.openxmlformats.org/drawingml/2006/main" xmlns:r="http://schemas.openxmlformats.org/officeDocument/2006/relationships" xmlns:p="http://schemas.openxmlformats.org/presentationml/2006/main">
+  <p:cSld>
+    <p:spTree>
+      <p:nvGrpSpPr>
+        <p:cNvPr id="1" name=""/>
+        <p:cNvGrpSpPr/>
+        <p:nvPr/>
+      </p:nvGrpSpPr>
+      <p:grpSpPr>
+        <a:xfrm>
+          <a:off x="0" y="0"/>
+          <a:ext cx="0" cy="0"/>
+          <a:chOff x="0" y="0"/>
+          <a:chExt cx="0" cy="0"/>
+        </a:xfrm>
+      </p:grpSpPr>
+      <p:sp>
+        <p:nvSpPr>
+          <p:cNvPr id="3" name="Espace réservé du contenu 2"/>
+          <p:cNvSpPr>
+            <a:spLocks noGrp="1"/>
+          </p:cNvSpPr>
+          <p:nvPr>
+            <p:ph sz="quarter" idx="1"/>
+          </p:nvPr>
+        </p:nvSpPr>
+        <p:spPr/>
+        <p:txBody>
+          <a:bodyPr/>
+          <a:lstStyle/>
+          <a:p>
+            <a:pPr>
+              <a:buFont typeface="Wingdings" pitchFamily="2" charset="2"/>
+              <a:buChar char="ü"/>
+            </a:pPr>
+            <a:r>
+              <a:rPr lang="fr-FR" dirty="0" smtClean="0">
+                <a:solidFill>
+                  <a:schemeClr val="accent1"/>
+                </a:solidFill>
+                <a:latin typeface="Calibri" pitchFamily="34" charset="0"/>
+                <a:cs typeface="Calibri" pitchFamily="34" charset="0"/>
+              </a:rPr>
+              <a:t>Evolution dynamique de la base de données :</a:t>
+            </a:r>
+          </a:p>
+          <a:p>
+            <a:pPr lvl="1">
+              <a:buFont typeface="Arial" pitchFamily="34" charset="0"/>
+              <a:buChar char="•"/>
+            </a:pPr>
+            <a:r>
+              <a:rPr lang="fr-FR" dirty="0" smtClean="0">
+                <a:solidFill>
+                  <a:schemeClr val="accent1"/>
+                </a:solidFill>
+                <a:latin typeface="Calibri" pitchFamily="34" charset="0"/>
+                <a:cs typeface="Calibri" pitchFamily="34" charset="0"/>
+              </a:rPr>
+              <a:t>Partie ajout / modification / suppression d’une table</a:t>
+            </a:r>
+          </a:p>
+          <a:p>
+            <a:pPr lvl="1">
+              <a:buFont typeface="Arial" pitchFamily="34" charset="0"/>
+              <a:buChar char="•"/>
+            </a:pPr>
+            <a:endParaRPr lang="fr-FR" dirty="0">
+              <a:solidFill>
+                <a:schemeClr val="accent1"/>
+              </a:solidFill>
+              <a:latin typeface="Calibri" pitchFamily="34" charset="0"/>
+              <a:cs typeface="Calibri" pitchFamily="34" charset="0"/>
+            </a:endParaRPr>
+          </a:p>
+          <a:p>
+            <a:pPr>
+              <a:buFont typeface="Wingdings" pitchFamily="2" charset="2"/>
+              <a:buChar char="ü"/>
+            </a:pPr>
+            <a:r>
+              <a:rPr lang="fr-FR" dirty="0" smtClean="0">
+                <a:solidFill>
+                  <a:schemeClr val="accent1"/>
+                </a:solidFill>
+                <a:latin typeface="Calibri" pitchFamily="34" charset="0"/>
+                <a:cs typeface="Calibri" pitchFamily="34" charset="0"/>
+              </a:rPr>
+              <a:t>Etendre les fonctionnalités du site sous différentes catégories :</a:t>
+            </a:r>
+          </a:p>
+          <a:p>
+            <a:pPr lvl="1">
+              <a:buFont typeface="Arial" pitchFamily="34" charset="0"/>
+              <a:buChar char="•"/>
+            </a:pPr>
+            <a:r>
+              <a:rPr lang="fr-FR" dirty="0" smtClean="0">
+                <a:solidFill>
+                  <a:schemeClr val="accent1"/>
+                </a:solidFill>
+                <a:latin typeface="Calibri" pitchFamily="34" charset="0"/>
+                <a:cs typeface="Calibri" pitchFamily="34" charset="0"/>
+              </a:rPr>
+              <a:t>Livres</a:t>
+            </a:r>
+          </a:p>
+          <a:p>
+            <a:pPr lvl="1">
+              <a:buFont typeface="Arial" pitchFamily="34" charset="0"/>
+              <a:buChar char="•"/>
+            </a:pPr>
+            <a:r>
+              <a:rPr lang="fr-FR" dirty="0" smtClean="0">
+                <a:solidFill>
+                  <a:schemeClr val="accent1"/>
+                </a:solidFill>
+                <a:latin typeface="Calibri" pitchFamily="34" charset="0"/>
+                <a:cs typeface="Calibri" pitchFamily="34" charset="0"/>
+              </a:rPr>
+              <a:t>Jeux vidéos</a:t>
+            </a:r>
+          </a:p>
+          <a:p>
+            <a:pPr lvl="1">
+              <a:buFont typeface="Arial" pitchFamily="34" charset="0"/>
+              <a:buChar char="•"/>
+            </a:pPr>
+            <a:r>
+              <a:rPr lang="fr-FR" dirty="0" smtClean="0">
+                <a:solidFill>
+                  <a:schemeClr val="accent1"/>
+                </a:solidFill>
+                <a:latin typeface="Calibri" pitchFamily="34" charset="0"/>
+                <a:cs typeface="Calibri" pitchFamily="34" charset="0"/>
+              </a:rPr>
+              <a:t>…</a:t>
+            </a:r>
+          </a:p>
+          <a:p>
+            <a:endParaRPr lang="fr-FR" dirty="0">
+              <a:solidFill>
+                <a:schemeClr val="accent1"/>
+              </a:solidFill>
+              <a:latin typeface="Calibri" pitchFamily="34" charset="0"/>
+              <a:cs typeface="Calibri" pitchFamily="34" charset="0"/>
+            </a:endParaRPr>
+          </a:p>
+        </p:txBody>
+      </p:sp>
+      <p:sp>
+        <p:nvSpPr>
+          <p:cNvPr id="4" name="Titre 1"/>
+          <p:cNvSpPr txBox="1">
+            <a:spLocks/>
+          </p:cNvSpPr>
+          <p:nvPr/>
+        </p:nvSpPr>
+        <p:spPr>
+          <a:xfrm>
+            <a:off x="457200" y="274638"/>
+            <a:ext cx="7467600" cy="850106"/>
+          </a:xfrm>
+          <a:prstGeom prst="rect">
+            <a:avLst/>
+          </a:prstGeom>
+        </p:spPr>
+        <p:txBody>
+          <a:bodyPr vert="horz" anchor="b">
+            <a:normAutofit/>
+          </a:bodyPr>
+          <a:lstStyle>
+            <a:lvl1pPr algn="l" rtl="0" eaLnBrk="1" latinLnBrk="0" hangingPunct="1">
+              <a:spcBef>
+                <a:spcPct val="0"/>
+              </a:spcBef>
+              <a:buNone/>
+              <a:defRPr kumimoji="0" sz="3000" b="0" kern="1200" cap="small" baseline="0">
+                <a:solidFill>
+                  <a:schemeClr val="tx2"/>
+                </a:solidFill>
+                <a:latin typeface="+mj-lt"/>
+                <a:ea typeface="+mj-ea"/>
+                <a:cs typeface="+mj-cs"/>
+              </a:defRPr>
+            </a:lvl1pPr>
+          </a:lstStyle>
+          <a:p>
+            <a:r>
+              <a:rPr lang="fr-FR" sz="4800" b="1" dirty="0" smtClean="0">
+                <a:solidFill>
+                  <a:schemeClr val="accent1">
+                    <a:lumMod val="75000"/>
+                  </a:schemeClr>
+                </a:solidFill>
+                <a:effectLst>
+                  <a:outerShdw blurRad="38100" dist="38100" dir="2700000" algn="tl">
+                    <a:srgbClr val="000000">
+                      <a:alpha val="43137"/>
+                    </a:srgbClr>
+                  </a:outerShdw>
+                </a:effectLst>
+                <a:latin typeface="Freestyle Script" pitchFamily="66" charset="0"/>
+              </a:rPr>
+              <a:t>Evolutions </a:t>
+            </a:r>
+            <a:endParaRPr lang="fr-FR" sz="4800" b="1" dirty="0">
+              <a:solidFill>
+                <a:schemeClr val="accent1">
+                  <a:lumMod val="75000"/>
+                </a:schemeClr>
+              </a:solidFill>
+              <a:effectLst>
+                <a:outerShdw blurRad="38100" dist="38100" dir="2700000" algn="tl">
+                  <a:srgbClr val="000000">
+                    <a:alpha val="43137"/>
+                  </a:srgbClr>
+                </a:outerShdw>
+              </a:effectLst>
+              <a:latin typeface="Freestyle Script" pitchFamily="66" charset="0"/>
+            </a:endParaRPr>
+          </a:p>
+        </p:txBody>
+      </p:sp>
+    </p:spTree>
+    <p:extLst>
+      <p:ext uri="{BB962C8B-B14F-4D97-AF65-F5344CB8AC3E}">
+        <p14:creationId xmlns:p14="http://schemas.microsoft.com/office/powerpoint/2010/main" val="1692778987"/>
       </p:ext>
     </p:extLst>
   </p:cSld>
@@ -5328,6 +7605,10 @@
           </a:bodyPr>
           <a:lstStyle/>
           <a:p>
+            <a:pPr>
+              <a:buFont typeface="Wingdings" pitchFamily="2" charset="2"/>
+              <a:buChar char="ü"/>
+            </a:pPr>
             <a:r>
               <a:rPr lang="fr-FR" b="1" dirty="0" smtClean="0">
                 <a:solidFill>
@@ -5340,7 +7621,10 @@
             </a:r>
           </a:p>
           <a:p>
-            <a:pPr lvl="1"/>
+            <a:pPr lvl="1">
+              <a:buFont typeface="Arial" pitchFamily="34" charset="0"/>
+              <a:buChar char="•"/>
+            </a:pPr>
             <a:r>
               <a:rPr lang="fr-FR" sz="1700" i="1" dirty="0" smtClean="0">
                 <a:solidFill>
@@ -5353,6 +7637,10 @@
             </a:r>
           </a:p>
           <a:p>
+            <a:pPr>
+              <a:buFont typeface="Wingdings" pitchFamily="2" charset="2"/>
+              <a:buChar char="ü"/>
+            </a:pPr>
             <a:r>
               <a:rPr lang="fr-FR" b="1" dirty="0" smtClean="0">
                 <a:solidFill>
@@ -5365,7 +7653,10 @@
             </a:r>
           </a:p>
           <a:p>
-            <a:pPr lvl="1"/>
+            <a:pPr lvl="1">
+              <a:buFont typeface="Arial" pitchFamily="34" charset="0"/>
+              <a:buChar char="•"/>
+            </a:pPr>
             <a:r>
               <a:rPr lang="fr-FR" sz="1700" i="1" dirty="0" smtClean="0">
                 <a:solidFill>
@@ -5378,6 +7669,10 @@
             </a:r>
           </a:p>
           <a:p>
+            <a:pPr>
+              <a:buFont typeface="Wingdings" pitchFamily="2" charset="2"/>
+              <a:buChar char="ü"/>
+            </a:pPr>
             <a:r>
               <a:rPr lang="fr-FR" b="1" dirty="0" smtClean="0">
                 <a:solidFill>
@@ -5390,7 +7685,10 @@
             </a:r>
           </a:p>
           <a:p>
-            <a:pPr lvl="1"/>
+            <a:pPr lvl="1">
+              <a:buFont typeface="Arial" pitchFamily="34" charset="0"/>
+              <a:buChar char="•"/>
+            </a:pPr>
             <a:r>
               <a:rPr lang="fr-FR" sz="1700" i="1" dirty="0" smtClean="0">
                 <a:solidFill>
@@ -5403,6 +7701,10 @@
             </a:r>
           </a:p>
           <a:p>
+            <a:pPr>
+              <a:buFont typeface="Wingdings" pitchFamily="2" charset="2"/>
+              <a:buChar char="ü"/>
+            </a:pPr>
             <a:r>
               <a:rPr lang="fr-FR" b="1" dirty="0" smtClean="0">
                 <a:solidFill>
@@ -5415,7 +7717,10 @@
             </a:r>
           </a:p>
           <a:p>
-            <a:pPr lvl="1"/>
+            <a:pPr lvl="1">
+              <a:buFont typeface="Arial" pitchFamily="34" charset="0"/>
+              <a:buChar char="•"/>
+            </a:pPr>
             <a:r>
               <a:rPr lang="fr-FR" sz="1700" i="1" dirty="0" smtClean="0">
                 <a:solidFill>
@@ -5428,6 +7733,10 @@
             </a:r>
           </a:p>
           <a:p>
+            <a:pPr>
+              <a:buFont typeface="Wingdings" pitchFamily="2" charset="2"/>
+              <a:buChar char="ü"/>
+            </a:pPr>
             <a:r>
               <a:rPr lang="fr-FR" b="1" dirty="0" smtClean="0">
                 <a:solidFill>
@@ -5440,7 +7749,10 @@
             </a:r>
           </a:p>
           <a:p>
-            <a:pPr lvl="1"/>
+            <a:pPr lvl="1">
+              <a:buFont typeface="Arial" pitchFamily="34" charset="0"/>
+              <a:buChar char="•"/>
+            </a:pPr>
             <a:r>
               <a:rPr lang="fr-FR" sz="1700" i="1" dirty="0" smtClean="0">
                 <a:solidFill>
@@ -5535,6 +7847,13 @@
                     <a:lumMod val="75000"/>
                   </a:schemeClr>
                 </a:solidFill>
+                <a:effectLst>
+                  <a:outerShdw blurRad="38100" dist="38100" dir="2700000" algn="tl">
+                    <a:srgbClr val="000000">
+                      <a:alpha val="43137"/>
+                    </a:srgbClr>
+                  </a:outerShdw>
+                </a:effectLst>
                 <a:latin typeface="Freestyle Script" pitchFamily="66" charset="0"/>
               </a:rPr>
               <a:t>Introduction</a:t>
@@ -5545,6 +7864,13 @@
                   <a:lumMod val="75000"/>
                 </a:schemeClr>
               </a:solidFill>
+              <a:effectLst>
+                <a:outerShdw blurRad="38100" dist="38100" dir="2700000" algn="tl">
+                  <a:srgbClr val="000000">
+                    <a:alpha val="43137"/>
+                  </a:srgbClr>
+                </a:outerShdw>
+              </a:effectLst>
               <a:latin typeface="Freestyle Script" pitchFamily="66" charset="0"/>
             </a:endParaRPr>
           </a:p>
@@ -5616,6 +7942,13 @@
                     <a:lumMod val="75000"/>
                   </a:schemeClr>
                 </a:solidFill>
+                <a:effectLst>
+                  <a:outerShdw blurRad="38100" dist="38100" dir="2700000" algn="tl">
+                    <a:srgbClr val="000000">
+                      <a:alpha val="43137"/>
+                    </a:srgbClr>
+                  </a:outerShdw>
+                </a:effectLst>
                 <a:latin typeface="Freestyle Script" pitchFamily="66" charset="0"/>
               </a:rPr>
               <a:t>Sommaire</a:t>
@@ -5626,6 +7959,13 @@
                   <a:lumMod val="75000"/>
                 </a:schemeClr>
               </a:solidFill>
+              <a:effectLst>
+                <a:outerShdw blurRad="38100" dist="38100" dir="2700000" algn="tl">
+                  <a:srgbClr val="000000">
+                    <a:alpha val="43137"/>
+                  </a:srgbClr>
+                </a:outerShdw>
+              </a:effectLst>
               <a:latin typeface="Freestyle Script" pitchFamily="66" charset="0"/>
             </a:endParaRPr>
           </a:p>
@@ -5654,6 +7994,10 @@
             <a:endParaRPr lang="fr-FR" dirty="0" smtClean="0"/>
           </a:p>
           <a:p>
+            <a:pPr>
+              <a:buFont typeface="Wingdings" pitchFamily="2" charset="2"/>
+              <a:buChar char="ü"/>
+            </a:pPr>
             <a:r>
               <a:rPr lang="fr-FR" dirty="0" smtClean="0">
                 <a:solidFill>
@@ -5666,7 +8010,10 @@
             </a:r>
           </a:p>
           <a:p>
-            <a:pPr lvl="1"/>
+            <a:pPr lvl="1">
+              <a:buFont typeface="Arial" pitchFamily="34" charset="0"/>
+              <a:buChar char="•"/>
+            </a:pPr>
             <a:r>
               <a:rPr lang="fr-FR" sz="1700" dirty="0" smtClean="0">
                 <a:solidFill>
@@ -5679,7 +8026,10 @@
             </a:r>
           </a:p>
           <a:p>
-            <a:pPr lvl="1"/>
+            <a:pPr lvl="1">
+              <a:buFont typeface="Arial" pitchFamily="34" charset="0"/>
+              <a:buChar char="•"/>
+            </a:pPr>
             <a:r>
               <a:rPr lang="fr-FR" sz="1700" dirty="0" smtClean="0">
                 <a:solidFill>
@@ -5692,7 +8042,10 @@
             </a:r>
           </a:p>
           <a:p>
-            <a:pPr lvl="1"/>
+            <a:pPr lvl="1">
+              <a:buFont typeface="Arial" pitchFamily="34" charset="0"/>
+              <a:buChar char="•"/>
+            </a:pPr>
             <a:r>
               <a:rPr lang="fr-FR" sz="1700" dirty="0" smtClean="0">
                 <a:solidFill>
@@ -5703,15 +8056,16 @@
               </a:rPr>
               <a:t>Langages utilisés</a:t>
             </a:r>
-          </a:p>
-          <a:p>
-            <a:pPr lvl="1"/>
             <a:endParaRPr lang="fr-FR" dirty="0" smtClean="0">
               <a:latin typeface="Calibri" pitchFamily="34" charset="0"/>
               <a:cs typeface="Calibri" pitchFamily="34" charset="0"/>
             </a:endParaRPr>
           </a:p>
           <a:p>
+            <a:pPr>
+              <a:buFont typeface="Wingdings" pitchFamily="2" charset="2"/>
+              <a:buChar char="ü"/>
+            </a:pPr>
             <a:r>
               <a:rPr lang="fr-FR" dirty="0" smtClean="0">
                 <a:solidFill>
@@ -5720,10 +8074,77 @@
                 <a:latin typeface="Calibri" pitchFamily="34" charset="0"/>
                 <a:cs typeface="Calibri" pitchFamily="34" charset="0"/>
               </a:rPr>
-              <a:t>La réalisation</a:t>
-            </a:r>
-          </a:p>
-          <a:p>
+              <a:t>La solution</a:t>
+            </a:r>
+            <a:endParaRPr lang="fr-FR" dirty="0">
+              <a:solidFill>
+                <a:schemeClr val="accent1"/>
+              </a:solidFill>
+              <a:latin typeface="Calibri" pitchFamily="34" charset="0"/>
+              <a:cs typeface="Calibri" pitchFamily="34" charset="0"/>
+            </a:endParaRPr>
+          </a:p>
+          <a:p>
+            <a:pPr lvl="1">
+              <a:buFont typeface="Arial" pitchFamily="34" charset="0"/>
+              <a:buChar char="•"/>
+            </a:pPr>
+            <a:r>
+              <a:rPr lang="fr-FR" sz="1700" dirty="0" smtClean="0">
+                <a:solidFill>
+                  <a:schemeClr val="accent1"/>
+                </a:solidFill>
+                <a:latin typeface="Calibri" pitchFamily="34" charset="0"/>
+                <a:cs typeface="Calibri" pitchFamily="34" charset="0"/>
+              </a:rPr>
+              <a:t>Base de données</a:t>
+            </a:r>
+            <a:endParaRPr lang="fr-FR" sz="1700" dirty="0">
+              <a:solidFill>
+                <a:schemeClr val="accent1"/>
+              </a:solidFill>
+              <a:latin typeface="Calibri" pitchFamily="34" charset="0"/>
+              <a:cs typeface="Calibri" pitchFamily="34" charset="0"/>
+            </a:endParaRPr>
+          </a:p>
+          <a:p>
+            <a:pPr lvl="1">
+              <a:buFont typeface="Arial" pitchFamily="34" charset="0"/>
+              <a:buChar char="•"/>
+            </a:pPr>
+            <a:r>
+              <a:rPr lang="fr-FR" sz="1700" dirty="0" smtClean="0">
+                <a:solidFill>
+                  <a:schemeClr val="accent1"/>
+                </a:solidFill>
+                <a:latin typeface="Calibri" pitchFamily="34" charset="0"/>
+                <a:cs typeface="Calibri" pitchFamily="34" charset="0"/>
+              </a:rPr>
+              <a:t>IHM</a:t>
+            </a:r>
+            <a:endParaRPr lang="fr-FR" sz="1700" dirty="0">
+              <a:solidFill>
+                <a:schemeClr val="accent1"/>
+              </a:solidFill>
+              <a:latin typeface="Calibri" pitchFamily="34" charset="0"/>
+              <a:cs typeface="Calibri" pitchFamily="34" charset="0"/>
+            </a:endParaRPr>
+          </a:p>
+          <a:p>
+            <a:pPr lvl="1">
+              <a:buFont typeface="Arial" pitchFamily="34" charset="0"/>
+              <a:buChar char="•"/>
+            </a:pPr>
+            <a:r>
+              <a:rPr lang="fr-FR" sz="1700" dirty="0" smtClean="0">
+                <a:solidFill>
+                  <a:schemeClr val="accent1"/>
+                </a:solidFill>
+                <a:latin typeface="Calibri" pitchFamily="34" charset="0"/>
+                <a:cs typeface="Calibri" pitchFamily="34" charset="0"/>
+              </a:rPr>
+              <a:t>Les deux grandes parties</a:t>
+            </a:r>
             <a:endParaRPr lang="fr-FR" dirty="0" smtClean="0">
               <a:solidFill>
                 <a:schemeClr val="accent1"/>
@@ -5733,6 +8154,10 @@
             </a:endParaRPr>
           </a:p>
           <a:p>
+            <a:pPr>
+              <a:buFont typeface="Wingdings" pitchFamily="2" charset="2"/>
+              <a:buChar char="ü"/>
+            </a:pPr>
             <a:r>
               <a:rPr lang="fr-FR" dirty="0" smtClean="0">
                 <a:solidFill>
@@ -5862,8 +8287,8 @@
           </a:p>
           <a:p>
             <a:pPr lvl="1">
-              <a:buFont typeface="Wingdings" pitchFamily="2" charset="2"/>
-              <a:buChar char="ü"/>
+              <a:buFont typeface="Arial" pitchFamily="34" charset="0"/>
+              <a:buChar char="•"/>
             </a:pPr>
             <a:r>
               <a:rPr lang="fr-FR" sz="1700" dirty="0" smtClean="0">
@@ -5898,8 +8323,8 @@
           </a:p>
           <a:p>
             <a:pPr lvl="1">
-              <a:buFont typeface="Wingdings" pitchFamily="2" charset="2"/>
-              <a:buChar char="ü"/>
+              <a:buFont typeface="Arial" pitchFamily="34" charset="0"/>
+              <a:buChar char="•"/>
             </a:pPr>
             <a:r>
               <a:rPr lang="fr-FR" sz="1700" dirty="0" smtClean="0">
@@ -5914,8 +8339,8 @@
           </a:p>
           <a:p>
             <a:pPr lvl="1">
-              <a:buFont typeface="Wingdings" pitchFamily="2" charset="2"/>
-              <a:buChar char="ü"/>
+              <a:buFont typeface="Arial" pitchFamily="34" charset="0"/>
+              <a:buChar char="•"/>
             </a:pPr>
             <a:r>
               <a:rPr lang="fr-FR" sz="1700" dirty="0" smtClean="0">
@@ -5925,13 +8350,29 @@
                 <a:latin typeface="Calibri" pitchFamily="34" charset="0"/>
                 <a:cs typeface="Calibri" pitchFamily="34" charset="0"/>
               </a:rPr>
-              <a:t>puis d’en fournir une liste de statistiques</a:t>
+              <a:t>fournissant une liste de statistiques</a:t>
             </a:r>
           </a:p>
           <a:p>
             <a:pPr lvl="1">
-              <a:buFont typeface="Wingdings" pitchFamily="2" charset="2"/>
-              <a:buChar char="ü"/>
+              <a:buFont typeface="Arial" pitchFamily="34" charset="0"/>
+              <a:buChar char="•"/>
+            </a:pPr>
+            <a:r>
+              <a:rPr lang="fr-FR" sz="1700" dirty="0" smtClean="0">
+                <a:solidFill>
+                  <a:schemeClr val="accent1"/>
+                </a:solidFill>
+                <a:latin typeface="Calibri" pitchFamily="34" charset="0"/>
+                <a:cs typeface="Calibri" pitchFamily="34" charset="0"/>
+              </a:rPr>
+              <a:t>avec une gestion d’utilisateurs et de leurs droits</a:t>
+            </a:r>
+          </a:p>
+          <a:p>
+            <a:pPr lvl="1">
+              <a:buFont typeface="Arial" pitchFamily="34" charset="0"/>
+              <a:buChar char="•"/>
             </a:pPr>
             <a:r>
               <a:rPr lang="fr-FR" sz="1700" dirty="0" smtClean="0">
@@ -5946,8 +8387,8 @@
           </a:p>
           <a:p>
             <a:pPr lvl="1">
-              <a:buFont typeface="Wingdings" pitchFamily="2" charset="2"/>
-              <a:buChar char="ü"/>
+              <a:buFont typeface="Arial" pitchFamily="34" charset="0"/>
+              <a:buChar char="•"/>
             </a:pPr>
             <a:r>
               <a:rPr lang="fr-FR" sz="1700" dirty="0" smtClean="0">
@@ -6032,6 +8473,13 @@
                     <a:lumMod val="75000"/>
                   </a:schemeClr>
                 </a:solidFill>
+                <a:effectLst>
+                  <a:outerShdw blurRad="38100" dist="38100" dir="2700000" algn="tl">
+                    <a:srgbClr val="000000">
+                      <a:alpha val="43137"/>
+                    </a:srgbClr>
+                  </a:outerShdw>
+                </a:effectLst>
                 <a:latin typeface="Freestyle Script" pitchFamily="66" charset="0"/>
               </a:rPr>
               <a:t>Le projet</a:t>
@@ -6042,6 +8490,13 @@
                   <a:lumMod val="75000"/>
                 </a:schemeClr>
               </a:solidFill>
+              <a:effectLst>
+                <a:outerShdw blurRad="38100" dist="38100" dir="2700000" algn="tl">
+                  <a:srgbClr val="000000">
+                    <a:alpha val="43137"/>
+                  </a:srgbClr>
+                </a:outerShdw>
+              </a:effectLst>
               <a:latin typeface="Freestyle Script" pitchFamily="66" charset="0"/>
             </a:endParaRPr>
           </a:p>
@@ -6323,6 +8778,13 @@
                     <a:lumMod val="75000"/>
                   </a:schemeClr>
                 </a:solidFill>
+                <a:effectLst>
+                  <a:outerShdw blurRad="38100" dist="38100" dir="2700000" algn="tl">
+                    <a:srgbClr val="000000">
+                      <a:alpha val="43137"/>
+                    </a:srgbClr>
+                  </a:outerShdw>
+                </a:effectLst>
                 <a:latin typeface="Freestyle Script" pitchFamily="66" charset="0"/>
               </a:rPr>
               <a:t>Le projet</a:t>
@@ -6333,6 +8795,13 @@
                   <a:lumMod val="75000"/>
                 </a:schemeClr>
               </a:solidFill>
+              <a:effectLst>
+                <a:outerShdw blurRad="38100" dist="38100" dir="2700000" algn="tl">
+                  <a:srgbClr val="000000">
+                    <a:alpha val="43137"/>
+                  </a:srgbClr>
+                </a:outerShdw>
+              </a:effectLst>
               <a:latin typeface="Freestyle Script" pitchFamily="66" charset="0"/>
             </a:endParaRPr>
           </a:p>
@@ -6533,6 +9002,32 @@
                 <a:latin typeface="Calibri" pitchFamily="34" charset="0"/>
                 <a:cs typeface="Calibri" pitchFamily="34" charset="0"/>
               </a:rPr>
+              <a:t>Mysql</a:t>
+            </a:r>
+            <a:r>
+              <a:rPr lang="fr-FR" sz="2000" dirty="0" smtClean="0">
+                <a:solidFill>
+                  <a:schemeClr val="accent1"/>
+                </a:solidFill>
+                <a:latin typeface="Calibri" pitchFamily="34" charset="0"/>
+                <a:cs typeface="Calibri" pitchFamily="34" charset="0"/>
+              </a:rPr>
+              <a:t> </a:t>
+            </a:r>
+          </a:p>
+          <a:p>
+            <a:pPr>
+              <a:buFont typeface="Wingdings" pitchFamily="2" charset="2"/>
+              <a:buChar char="ü"/>
+            </a:pPr>
+            <a:r>
+              <a:rPr lang="fr-FR" sz="2000" dirty="0" err="1" smtClean="0">
+                <a:solidFill>
+                  <a:schemeClr val="accent1"/>
+                </a:solidFill>
+                <a:latin typeface="Calibri" pitchFamily="34" charset="0"/>
+                <a:cs typeface="Calibri" pitchFamily="34" charset="0"/>
+              </a:rPr>
               <a:t>Frameworks</a:t>
             </a:r>
             <a:r>
@@ -6594,7 +9089,20 @@
               </a:rPr>
               <a:t>HighCharts</a:t>
             </a:r>
-            <a:endParaRPr lang="fr-FR" sz="1700" dirty="0">
+            <a:endParaRPr lang="fr-FR" sz="1700" dirty="0" smtClean="0">
+              <a:solidFill>
+                <a:schemeClr val="accent1"/>
+              </a:solidFill>
+              <a:latin typeface="Calibri" pitchFamily="34" charset="0"/>
+              <a:cs typeface="Calibri" pitchFamily="34" charset="0"/>
+            </a:endParaRPr>
+          </a:p>
+          <a:p>
+            <a:pPr>
+              <a:buFont typeface="Wingdings" pitchFamily="2" charset="2"/>
+              <a:buChar char="ü"/>
+            </a:pPr>
+            <a:endParaRPr lang="fr-FR" sz="2000" dirty="0">
               <a:solidFill>
                 <a:schemeClr val="accent1"/>
               </a:solidFill>
@@ -6649,6 +9157,13 @@
                     <a:lumMod val="75000"/>
                   </a:schemeClr>
                 </a:solidFill>
+                <a:effectLst>
+                  <a:outerShdw blurRad="38100" dist="38100" dir="2700000" algn="tl">
+                    <a:srgbClr val="000000">
+                      <a:alpha val="43137"/>
+                    </a:srgbClr>
+                  </a:outerShdw>
+                </a:effectLst>
                 <a:latin typeface="Freestyle Script" pitchFamily="66" charset="0"/>
               </a:rPr>
               <a:t>Le projet</a:t>
@@ -6659,11 +9174,138 @@
                   <a:lumMod val="75000"/>
                 </a:schemeClr>
               </a:solidFill>
+              <a:effectLst>
+                <a:outerShdw blurRad="38100" dist="38100" dir="2700000" algn="tl">
+                  <a:srgbClr val="000000">
+                    <a:alpha val="43137"/>
+                  </a:srgbClr>
+                </a:outerShdw>
+              </a:effectLst>
               <a:latin typeface="Freestyle Script" pitchFamily="66" charset="0"/>
             </a:endParaRPr>
           </a:p>
         </p:txBody>
       </p:sp>
+      <p:pic>
+        <p:nvPicPr>
+          <p:cNvPr id="6" name="Image 5"/>
+          <p:cNvPicPr>
+            <a:picLocks noChangeAspect="1"/>
+          </p:cNvPicPr>
+          <p:nvPr/>
+        </p:nvPicPr>
+        <p:blipFill>
+          <a:blip r:embed="rId2">
+            <a:extLst>
+              <a:ext uri="{28A0092B-C50C-407E-A947-70E740481C1C}">
+                <a14:useLocalDpi xmlns:a14="http://schemas.microsoft.com/office/drawing/2010/main" val="0"/>
+              </a:ext>
+            </a:extLst>
+          </a:blip>
+          <a:stretch>
+            <a:fillRect/>
+          </a:stretch>
+        </p:blipFill>
+        <p:spPr>
+          <a:xfrm rot="20915141">
+            <a:off x="7086583" y="4174485"/>
+            <a:ext cx="1062038" cy="776288"/>
+          </a:xfrm>
+          <a:prstGeom prst="rect">
+            <a:avLst/>
+          </a:prstGeom>
+        </p:spPr>
+      </p:pic>
+      <p:pic>
+        <p:nvPicPr>
+          <p:cNvPr id="7" name="Image 6"/>
+          <p:cNvPicPr>
+            <a:picLocks noChangeAspect="1"/>
+          </p:cNvPicPr>
+          <p:nvPr/>
+        </p:nvPicPr>
+        <p:blipFill>
+          <a:blip r:embed="rId3" cstate="print">
+            <a:extLst>
+              <a:ext uri="{28A0092B-C50C-407E-A947-70E740481C1C}">
+                <a14:useLocalDpi xmlns:a14="http://schemas.microsoft.com/office/drawing/2010/main" val="0"/>
+              </a:ext>
+            </a:extLst>
+          </a:blip>
+          <a:stretch>
+            <a:fillRect/>
+          </a:stretch>
+        </p:blipFill>
+        <p:spPr>
+          <a:xfrm rot="779689">
+            <a:off x="7059961" y="2393093"/>
+            <a:ext cx="1115282" cy="716365"/>
+          </a:xfrm>
+          <a:prstGeom prst="rect">
+            <a:avLst/>
+          </a:prstGeom>
+        </p:spPr>
+      </p:pic>
+      <p:pic>
+        <p:nvPicPr>
+          <p:cNvPr id="8" name="Image 7"/>
+          <p:cNvPicPr>
+            <a:picLocks noChangeAspect="1"/>
+          </p:cNvPicPr>
+          <p:nvPr/>
+        </p:nvPicPr>
+        <p:blipFill>
+          <a:blip r:embed="rId4" cstate="print">
+            <a:extLst>
+              <a:ext uri="{28A0092B-C50C-407E-A947-70E740481C1C}">
+                <a14:useLocalDpi xmlns:a14="http://schemas.microsoft.com/office/drawing/2010/main" val="0"/>
+              </a:ext>
+            </a:extLst>
+          </a:blip>
+          <a:stretch>
+            <a:fillRect/>
+          </a:stretch>
+        </p:blipFill>
+        <p:spPr>
+          <a:xfrm rot="782467">
+            <a:off x="5809998" y="5309754"/>
+            <a:ext cx="1384337" cy="281084"/>
+          </a:xfrm>
+          <a:prstGeom prst="rect">
+            <a:avLst/>
+          </a:prstGeom>
+        </p:spPr>
+      </p:pic>
+      <p:pic>
+        <p:nvPicPr>
+          <p:cNvPr id="9" name="Image 8"/>
+          <p:cNvPicPr>
+            <a:picLocks noChangeAspect="1"/>
+          </p:cNvPicPr>
+          <p:nvPr/>
+        </p:nvPicPr>
+        <p:blipFill>
+          <a:blip r:embed="rId5" cstate="print">
+            <a:extLst>
+              <a:ext uri="{28A0092B-C50C-407E-A947-70E740481C1C}">
+                <a14:useLocalDpi xmlns:a14="http://schemas.microsoft.com/office/drawing/2010/main" val="0"/>
+              </a:ext>
+            </a:extLst>
+          </a:blip>
+          <a:stretch>
+            <a:fillRect/>
+          </a:stretch>
+        </p:blipFill>
+        <p:spPr>
+          <a:xfrm rot="20908353">
+            <a:off x="5499995" y="3331182"/>
+            <a:ext cx="1131990" cy="753772"/>
+          </a:xfrm>
+          <a:prstGeom prst="rect">
+            <a:avLst/>
+          </a:prstGeom>
+        </p:spPr>
+      </p:pic>
     </p:spTree>
     <p:extLst>
       <p:ext uri="{BB962C8B-B14F-4D97-AF65-F5344CB8AC3E}">
@@ -6677,7 +9319,1163 @@
   <p:timing>
     <p:tnLst>
       <p:par>
-        <p:cTn id="1" dur="indefinite" restart="never" nodeType="tmRoot"/>
+        <p:cTn id="1" dur="indefinite" restart="never" nodeType="tmRoot">
+          <p:childTnLst>
+            <p:seq concurrent="1" nextAc="seek">
+              <p:cTn id="2" dur="indefinite" nodeType="mainSeq">
+                <p:childTnLst>
+                  <p:par>
+                    <p:cTn id="3" fill="hold">
+                      <p:stCondLst>
+                        <p:cond delay="indefinite"/>
+                        <p:cond evt="onBegin" delay="0">
+                          <p:tn val="2"/>
+                        </p:cond>
+                      </p:stCondLst>
+                      <p:childTnLst>
+                        <p:par>
+                          <p:cTn id="4" fill="hold">
+                            <p:stCondLst>
+                              <p:cond delay="0"/>
+                            </p:stCondLst>
+                            <p:childTnLst>
+                              <p:par>
+                                <p:cTn id="5" presetID="26" presetClass="entr" presetSubtype="0" fill="hold" nodeType="withEffect">
+                                  <p:stCondLst>
+                                    <p:cond delay="0"/>
+                                  </p:stCondLst>
+                                  <p:childTnLst>
+                                    <p:set>
+                                      <p:cBhvr>
+                                        <p:cTn id="6" dur="1" fill="hold">
+                                          <p:stCondLst>
+                                            <p:cond delay="0"/>
+                                          </p:stCondLst>
+                                        </p:cTn>
+                                        <p:tgtEl>
+                                          <p:spTgt spid="7"/>
+                                        </p:tgtEl>
+                                        <p:attrNameLst>
+                                          <p:attrName>style.visibility</p:attrName>
+                                        </p:attrNameLst>
+                                      </p:cBhvr>
+                                      <p:to>
+                                        <p:strVal val="visible"/>
+                                      </p:to>
+                                    </p:set>
+                                    <p:animEffect transition="in" filter="wipe(down)">
+                                      <p:cBhvr>
+                                        <p:cTn id="7" dur="580">
+                                          <p:stCondLst>
+                                            <p:cond delay="0"/>
+                                          </p:stCondLst>
+                                        </p:cTn>
+                                        <p:tgtEl>
+                                          <p:spTgt spid="7"/>
+                                        </p:tgtEl>
+                                      </p:cBhvr>
+                                    </p:animEffect>
+                                    <p:anim calcmode="lin" valueType="num">
+                                      <p:cBhvr>
+                                        <p:cTn id="8" dur="1822" tmFilter="0,0; 0.14,0.36; 0.43,0.73; 0.71,0.91; 1.0,1.0">
+                                          <p:stCondLst>
+                                            <p:cond delay="0"/>
+                                          </p:stCondLst>
+                                        </p:cTn>
+                                        <p:tgtEl>
+                                          <p:spTgt spid="7"/>
+                                        </p:tgtEl>
+                                        <p:attrNameLst>
+                                          <p:attrName>ppt_x</p:attrName>
+                                        </p:attrNameLst>
+                                      </p:cBhvr>
+                                      <p:tavLst>
+                                        <p:tav tm="0">
+                                          <p:val>
+                                            <p:strVal val="#ppt_x-0.25"/>
+                                          </p:val>
+                                        </p:tav>
+                                        <p:tav tm="100000">
+                                          <p:val>
+                                            <p:strVal val="#ppt_x"/>
+                                          </p:val>
+                                        </p:tav>
+                                      </p:tavLst>
+                                    </p:anim>
+                                    <p:anim calcmode="lin" valueType="num">
+                                      <p:cBhvr>
+                                        <p:cTn id="9" dur="664" tmFilter="0.0,0.0; 0.25,0.07; 0.50,0.2; 0.75,0.467; 1.0,1.0">
+                                          <p:stCondLst>
+                                            <p:cond delay="0"/>
+                                          </p:stCondLst>
+                                        </p:cTn>
+                                        <p:tgtEl>
+                                          <p:spTgt spid="7"/>
+                                        </p:tgtEl>
+                                        <p:attrNameLst>
+                                          <p:attrName>ppt_y</p:attrName>
+                                        </p:attrNameLst>
+                                      </p:cBhvr>
+                                      <p:tavLst>
+                                        <p:tav tm="0" fmla="#ppt_y-sin(pi*$)/3">
+                                          <p:val>
+                                            <p:fltVal val="0.5"/>
+                                          </p:val>
+                                        </p:tav>
+                                        <p:tav tm="100000">
+                                          <p:val>
+                                            <p:fltVal val="1"/>
+                                          </p:val>
+                                        </p:tav>
+                                      </p:tavLst>
+                                    </p:anim>
+                                    <p:anim calcmode="lin" valueType="num">
+                                      <p:cBhvr>
+                                        <p:cTn id="10" dur="664" tmFilter="0, 0; 0.125,0.2665; 0.25,0.4; 0.375,0.465; 0.5,0.5;  0.625,0.535; 0.75,0.6; 0.875,0.7335; 1,1">
+                                          <p:stCondLst>
+                                            <p:cond delay="664"/>
+                                          </p:stCondLst>
+                                        </p:cTn>
+                                        <p:tgtEl>
+                                          <p:spTgt spid="7"/>
+                                        </p:tgtEl>
+                                        <p:attrNameLst>
+                                          <p:attrName>ppt_y</p:attrName>
+                                        </p:attrNameLst>
+                                      </p:cBhvr>
+                                      <p:tavLst>
+                                        <p:tav tm="0" fmla="#ppt_y-sin(pi*$)/9">
+                                          <p:val>
+                                            <p:fltVal val="0"/>
+                                          </p:val>
+                                        </p:tav>
+                                        <p:tav tm="100000">
+                                          <p:val>
+                                            <p:fltVal val="1"/>
+                                          </p:val>
+                                        </p:tav>
+                                      </p:tavLst>
+                                    </p:anim>
+                                    <p:anim calcmode="lin" valueType="num">
+                                      <p:cBhvr>
+                                        <p:cTn id="11" dur="332" tmFilter="0, 0; 0.125,0.2665; 0.25,0.4; 0.375,0.465; 0.5,0.5;  0.625,0.535; 0.75,0.6; 0.875,0.7335; 1,1">
+                                          <p:stCondLst>
+                                            <p:cond delay="1324"/>
+                                          </p:stCondLst>
+                                        </p:cTn>
+                                        <p:tgtEl>
+                                          <p:spTgt spid="7"/>
+                                        </p:tgtEl>
+                                        <p:attrNameLst>
+                                          <p:attrName>ppt_y</p:attrName>
+                                        </p:attrNameLst>
+                                      </p:cBhvr>
+                                      <p:tavLst>
+                                        <p:tav tm="0" fmla="#ppt_y-sin(pi*$)/27">
+                                          <p:val>
+                                            <p:fltVal val="0"/>
+                                          </p:val>
+                                        </p:tav>
+                                        <p:tav tm="100000">
+                                          <p:val>
+                                            <p:fltVal val="1"/>
+                                          </p:val>
+                                        </p:tav>
+                                      </p:tavLst>
+                                    </p:anim>
+                                    <p:anim calcmode="lin" valueType="num">
+                                      <p:cBhvr>
+                                        <p:cTn id="12" dur="164" tmFilter="0, 0; 0.125,0.2665; 0.25,0.4; 0.375,0.465; 0.5,0.5;  0.625,0.535; 0.75,0.6; 0.875,0.7335; 1,1">
+                                          <p:stCondLst>
+                                            <p:cond delay="1656"/>
+                                          </p:stCondLst>
+                                        </p:cTn>
+                                        <p:tgtEl>
+                                          <p:spTgt spid="7"/>
+                                        </p:tgtEl>
+                                        <p:attrNameLst>
+                                          <p:attrName>ppt_y</p:attrName>
+                                        </p:attrNameLst>
+                                      </p:cBhvr>
+                                      <p:tavLst>
+                                        <p:tav tm="0" fmla="#ppt_y-sin(pi*$)/81">
+                                          <p:val>
+                                            <p:fltVal val="0"/>
+                                          </p:val>
+                                        </p:tav>
+                                        <p:tav tm="100000">
+                                          <p:val>
+                                            <p:fltVal val="1"/>
+                                          </p:val>
+                                        </p:tav>
+                                      </p:tavLst>
+                                    </p:anim>
+                                    <p:animScale>
+                                      <p:cBhvr>
+                                        <p:cTn id="13" dur="26">
+                                          <p:stCondLst>
+                                            <p:cond delay="650"/>
+                                          </p:stCondLst>
+                                        </p:cTn>
+                                        <p:tgtEl>
+                                          <p:spTgt spid="7"/>
+                                        </p:tgtEl>
+                                      </p:cBhvr>
+                                      <p:to x="100000" y="60000"/>
+                                    </p:animScale>
+                                    <p:animScale>
+                                      <p:cBhvr>
+                                        <p:cTn id="14" dur="166" decel="50000">
+                                          <p:stCondLst>
+                                            <p:cond delay="676"/>
+                                          </p:stCondLst>
+                                        </p:cTn>
+                                        <p:tgtEl>
+                                          <p:spTgt spid="7"/>
+                                        </p:tgtEl>
+                                      </p:cBhvr>
+                                      <p:to x="100000" y="100000"/>
+                                    </p:animScale>
+                                    <p:animScale>
+                                      <p:cBhvr>
+                                        <p:cTn id="15" dur="26">
+                                          <p:stCondLst>
+                                            <p:cond delay="1312"/>
+                                          </p:stCondLst>
+                                        </p:cTn>
+                                        <p:tgtEl>
+                                          <p:spTgt spid="7"/>
+                                        </p:tgtEl>
+                                      </p:cBhvr>
+                                      <p:to x="100000" y="80000"/>
+                                    </p:animScale>
+                                    <p:animScale>
+                                      <p:cBhvr>
+                                        <p:cTn id="16" dur="166" decel="50000">
+                                          <p:stCondLst>
+                                            <p:cond delay="1338"/>
+                                          </p:stCondLst>
+                                        </p:cTn>
+                                        <p:tgtEl>
+                                          <p:spTgt spid="7"/>
+                                        </p:tgtEl>
+                                      </p:cBhvr>
+                                      <p:to x="100000" y="100000"/>
+                                    </p:animScale>
+                                    <p:animScale>
+                                      <p:cBhvr>
+                                        <p:cTn id="17" dur="26">
+                                          <p:stCondLst>
+                                            <p:cond delay="1642"/>
+                                          </p:stCondLst>
+                                        </p:cTn>
+                                        <p:tgtEl>
+                                          <p:spTgt spid="7"/>
+                                        </p:tgtEl>
+                                      </p:cBhvr>
+                                      <p:to x="100000" y="90000"/>
+                                    </p:animScale>
+                                    <p:animScale>
+                                      <p:cBhvr>
+                                        <p:cTn id="18" dur="166" decel="50000">
+                                          <p:stCondLst>
+                                            <p:cond delay="1668"/>
+                                          </p:stCondLst>
+                                        </p:cTn>
+                                        <p:tgtEl>
+                                          <p:spTgt spid="7"/>
+                                        </p:tgtEl>
+                                      </p:cBhvr>
+                                      <p:to x="100000" y="100000"/>
+                                    </p:animScale>
+                                    <p:animScale>
+                                      <p:cBhvr>
+                                        <p:cTn id="19" dur="26">
+                                          <p:stCondLst>
+                                            <p:cond delay="1808"/>
+                                          </p:stCondLst>
+                                        </p:cTn>
+                                        <p:tgtEl>
+                                          <p:spTgt spid="7"/>
+                                        </p:tgtEl>
+                                      </p:cBhvr>
+                                      <p:to x="100000" y="95000"/>
+                                    </p:animScale>
+                                    <p:animScale>
+                                      <p:cBhvr>
+                                        <p:cTn id="20" dur="166" decel="50000">
+                                          <p:stCondLst>
+                                            <p:cond delay="1834"/>
+                                          </p:stCondLst>
+                                        </p:cTn>
+                                        <p:tgtEl>
+                                          <p:spTgt spid="7"/>
+                                        </p:tgtEl>
+                                      </p:cBhvr>
+                                      <p:to x="100000" y="100000"/>
+                                    </p:animScale>
+                                  </p:childTnLst>
+                                </p:cTn>
+                              </p:par>
+                              <p:par>
+                                <p:cTn id="21" presetID="26" presetClass="entr" presetSubtype="0" fill="hold" nodeType="withEffect">
+                                  <p:stCondLst>
+                                    <p:cond delay="0"/>
+                                  </p:stCondLst>
+                                  <p:childTnLst>
+                                    <p:set>
+                                      <p:cBhvr>
+                                        <p:cTn id="22" dur="1" fill="hold">
+                                          <p:stCondLst>
+                                            <p:cond delay="0"/>
+                                          </p:stCondLst>
+                                        </p:cTn>
+                                        <p:tgtEl>
+                                          <p:spTgt spid="9"/>
+                                        </p:tgtEl>
+                                        <p:attrNameLst>
+                                          <p:attrName>style.visibility</p:attrName>
+                                        </p:attrNameLst>
+                                      </p:cBhvr>
+                                      <p:to>
+                                        <p:strVal val="visible"/>
+                                      </p:to>
+                                    </p:set>
+                                    <p:animEffect transition="in" filter="wipe(down)">
+                                      <p:cBhvr>
+                                        <p:cTn id="23" dur="580">
+                                          <p:stCondLst>
+                                            <p:cond delay="0"/>
+                                          </p:stCondLst>
+                                        </p:cTn>
+                                        <p:tgtEl>
+                                          <p:spTgt spid="9"/>
+                                        </p:tgtEl>
+                                      </p:cBhvr>
+                                    </p:animEffect>
+                                    <p:anim calcmode="lin" valueType="num">
+                                      <p:cBhvr>
+                                        <p:cTn id="24" dur="1822" tmFilter="0,0; 0.14,0.36; 0.43,0.73; 0.71,0.91; 1.0,1.0">
+                                          <p:stCondLst>
+                                            <p:cond delay="0"/>
+                                          </p:stCondLst>
+                                        </p:cTn>
+                                        <p:tgtEl>
+                                          <p:spTgt spid="9"/>
+                                        </p:tgtEl>
+                                        <p:attrNameLst>
+                                          <p:attrName>ppt_x</p:attrName>
+                                        </p:attrNameLst>
+                                      </p:cBhvr>
+                                      <p:tavLst>
+                                        <p:tav tm="0">
+                                          <p:val>
+                                            <p:strVal val="#ppt_x-0.25"/>
+                                          </p:val>
+                                        </p:tav>
+                                        <p:tav tm="100000">
+                                          <p:val>
+                                            <p:strVal val="#ppt_x"/>
+                                          </p:val>
+                                        </p:tav>
+                                      </p:tavLst>
+                                    </p:anim>
+                                    <p:anim calcmode="lin" valueType="num">
+                                      <p:cBhvr>
+                                        <p:cTn id="25" dur="664" tmFilter="0.0,0.0; 0.25,0.07; 0.50,0.2; 0.75,0.467; 1.0,1.0">
+                                          <p:stCondLst>
+                                            <p:cond delay="0"/>
+                                          </p:stCondLst>
+                                        </p:cTn>
+                                        <p:tgtEl>
+                                          <p:spTgt spid="9"/>
+                                        </p:tgtEl>
+                                        <p:attrNameLst>
+                                          <p:attrName>ppt_y</p:attrName>
+                                        </p:attrNameLst>
+                                      </p:cBhvr>
+                                      <p:tavLst>
+                                        <p:tav tm="0" fmla="#ppt_y-sin(pi*$)/3">
+                                          <p:val>
+                                            <p:fltVal val="0.5"/>
+                                          </p:val>
+                                        </p:tav>
+                                        <p:tav tm="100000">
+                                          <p:val>
+                                            <p:fltVal val="1"/>
+                                          </p:val>
+                                        </p:tav>
+                                      </p:tavLst>
+                                    </p:anim>
+                                    <p:anim calcmode="lin" valueType="num">
+                                      <p:cBhvr>
+                                        <p:cTn id="26" dur="664" tmFilter="0, 0; 0.125,0.2665; 0.25,0.4; 0.375,0.465; 0.5,0.5;  0.625,0.535; 0.75,0.6; 0.875,0.7335; 1,1">
+                                          <p:stCondLst>
+                                            <p:cond delay="664"/>
+                                          </p:stCondLst>
+                                        </p:cTn>
+                                        <p:tgtEl>
+                                          <p:spTgt spid="9"/>
+                                        </p:tgtEl>
+                                        <p:attrNameLst>
+                                          <p:attrName>ppt_y</p:attrName>
+                                        </p:attrNameLst>
+                                      </p:cBhvr>
+                                      <p:tavLst>
+                                        <p:tav tm="0" fmla="#ppt_y-sin(pi*$)/9">
+                                          <p:val>
+                                            <p:fltVal val="0"/>
+                                          </p:val>
+                                        </p:tav>
+                                        <p:tav tm="100000">
+                                          <p:val>
+                                            <p:fltVal val="1"/>
+                                          </p:val>
+                                        </p:tav>
+                                      </p:tavLst>
+                                    </p:anim>
+                                    <p:anim calcmode="lin" valueType="num">
+                                      <p:cBhvr>
+                                        <p:cTn id="27" dur="332" tmFilter="0, 0; 0.125,0.2665; 0.25,0.4; 0.375,0.465; 0.5,0.5;  0.625,0.535; 0.75,0.6; 0.875,0.7335; 1,1">
+                                          <p:stCondLst>
+                                            <p:cond delay="1324"/>
+                                          </p:stCondLst>
+                                        </p:cTn>
+                                        <p:tgtEl>
+                                          <p:spTgt spid="9"/>
+                                        </p:tgtEl>
+                                        <p:attrNameLst>
+                                          <p:attrName>ppt_y</p:attrName>
+                                        </p:attrNameLst>
+                                      </p:cBhvr>
+                                      <p:tavLst>
+                                        <p:tav tm="0" fmla="#ppt_y-sin(pi*$)/27">
+                                          <p:val>
+                                            <p:fltVal val="0"/>
+                                          </p:val>
+                                        </p:tav>
+                                        <p:tav tm="100000">
+                                          <p:val>
+                                            <p:fltVal val="1"/>
+                                          </p:val>
+                                        </p:tav>
+                                      </p:tavLst>
+                                    </p:anim>
+                                    <p:anim calcmode="lin" valueType="num">
+                                      <p:cBhvr>
+                                        <p:cTn id="28" dur="164" tmFilter="0, 0; 0.125,0.2665; 0.25,0.4; 0.375,0.465; 0.5,0.5;  0.625,0.535; 0.75,0.6; 0.875,0.7335; 1,1">
+                                          <p:stCondLst>
+                                            <p:cond delay="1656"/>
+                                          </p:stCondLst>
+                                        </p:cTn>
+                                        <p:tgtEl>
+                                          <p:spTgt spid="9"/>
+                                        </p:tgtEl>
+                                        <p:attrNameLst>
+                                          <p:attrName>ppt_y</p:attrName>
+                                        </p:attrNameLst>
+                                      </p:cBhvr>
+                                      <p:tavLst>
+                                        <p:tav tm="0" fmla="#ppt_y-sin(pi*$)/81">
+                                          <p:val>
+                                            <p:fltVal val="0"/>
+                                          </p:val>
+                                        </p:tav>
+                                        <p:tav tm="100000">
+                                          <p:val>
+                                            <p:fltVal val="1"/>
+                                          </p:val>
+                                        </p:tav>
+                                      </p:tavLst>
+                                    </p:anim>
+                                    <p:animScale>
+                                      <p:cBhvr>
+                                        <p:cTn id="29" dur="26">
+                                          <p:stCondLst>
+                                            <p:cond delay="650"/>
+                                          </p:stCondLst>
+                                        </p:cTn>
+                                        <p:tgtEl>
+                                          <p:spTgt spid="9"/>
+                                        </p:tgtEl>
+                                      </p:cBhvr>
+                                      <p:to x="100000" y="60000"/>
+                                    </p:animScale>
+                                    <p:animScale>
+                                      <p:cBhvr>
+                                        <p:cTn id="30" dur="166" decel="50000">
+                                          <p:stCondLst>
+                                            <p:cond delay="676"/>
+                                          </p:stCondLst>
+                                        </p:cTn>
+                                        <p:tgtEl>
+                                          <p:spTgt spid="9"/>
+                                        </p:tgtEl>
+                                      </p:cBhvr>
+                                      <p:to x="100000" y="100000"/>
+                                    </p:animScale>
+                                    <p:animScale>
+                                      <p:cBhvr>
+                                        <p:cTn id="31" dur="26">
+                                          <p:stCondLst>
+                                            <p:cond delay="1312"/>
+                                          </p:stCondLst>
+                                        </p:cTn>
+                                        <p:tgtEl>
+                                          <p:spTgt spid="9"/>
+                                        </p:tgtEl>
+                                      </p:cBhvr>
+                                      <p:to x="100000" y="80000"/>
+                                    </p:animScale>
+                                    <p:animScale>
+                                      <p:cBhvr>
+                                        <p:cTn id="32" dur="166" decel="50000">
+                                          <p:stCondLst>
+                                            <p:cond delay="1338"/>
+                                          </p:stCondLst>
+                                        </p:cTn>
+                                        <p:tgtEl>
+                                          <p:spTgt spid="9"/>
+                                        </p:tgtEl>
+                                      </p:cBhvr>
+                                      <p:to x="100000" y="100000"/>
+                                    </p:animScale>
+                                    <p:animScale>
+                                      <p:cBhvr>
+                                        <p:cTn id="33" dur="26">
+                                          <p:stCondLst>
+                                            <p:cond delay="1642"/>
+                                          </p:stCondLst>
+                                        </p:cTn>
+                                        <p:tgtEl>
+                                          <p:spTgt spid="9"/>
+                                        </p:tgtEl>
+                                      </p:cBhvr>
+                                      <p:to x="100000" y="90000"/>
+                                    </p:animScale>
+                                    <p:animScale>
+                                      <p:cBhvr>
+                                        <p:cTn id="34" dur="166" decel="50000">
+                                          <p:stCondLst>
+                                            <p:cond delay="1668"/>
+                                          </p:stCondLst>
+                                        </p:cTn>
+                                        <p:tgtEl>
+                                          <p:spTgt spid="9"/>
+                                        </p:tgtEl>
+                                      </p:cBhvr>
+                                      <p:to x="100000" y="100000"/>
+                                    </p:animScale>
+                                    <p:animScale>
+                                      <p:cBhvr>
+                                        <p:cTn id="35" dur="26">
+                                          <p:stCondLst>
+                                            <p:cond delay="1808"/>
+                                          </p:stCondLst>
+                                        </p:cTn>
+                                        <p:tgtEl>
+                                          <p:spTgt spid="9"/>
+                                        </p:tgtEl>
+                                      </p:cBhvr>
+                                      <p:to x="100000" y="95000"/>
+                                    </p:animScale>
+                                    <p:animScale>
+                                      <p:cBhvr>
+                                        <p:cTn id="36" dur="166" decel="50000">
+                                          <p:stCondLst>
+                                            <p:cond delay="1834"/>
+                                          </p:stCondLst>
+                                        </p:cTn>
+                                        <p:tgtEl>
+                                          <p:spTgt spid="9"/>
+                                        </p:tgtEl>
+                                      </p:cBhvr>
+                                      <p:to x="100000" y="100000"/>
+                                    </p:animScale>
+                                  </p:childTnLst>
+                                </p:cTn>
+                              </p:par>
+                              <p:par>
+                                <p:cTn id="37" presetID="26" presetClass="entr" presetSubtype="0" fill="hold" nodeType="withEffect">
+                                  <p:stCondLst>
+                                    <p:cond delay="0"/>
+                                  </p:stCondLst>
+                                  <p:childTnLst>
+                                    <p:set>
+                                      <p:cBhvr>
+                                        <p:cTn id="38" dur="1" fill="hold">
+                                          <p:stCondLst>
+                                            <p:cond delay="0"/>
+                                          </p:stCondLst>
+                                        </p:cTn>
+                                        <p:tgtEl>
+                                          <p:spTgt spid="6"/>
+                                        </p:tgtEl>
+                                        <p:attrNameLst>
+                                          <p:attrName>style.visibility</p:attrName>
+                                        </p:attrNameLst>
+                                      </p:cBhvr>
+                                      <p:to>
+                                        <p:strVal val="visible"/>
+                                      </p:to>
+                                    </p:set>
+                                    <p:animEffect transition="in" filter="wipe(down)">
+                                      <p:cBhvr>
+                                        <p:cTn id="39" dur="580">
+                                          <p:stCondLst>
+                                            <p:cond delay="0"/>
+                                          </p:stCondLst>
+                                        </p:cTn>
+                                        <p:tgtEl>
+                                          <p:spTgt spid="6"/>
+                                        </p:tgtEl>
+                                      </p:cBhvr>
+                                    </p:animEffect>
+                                    <p:anim calcmode="lin" valueType="num">
+                                      <p:cBhvr>
+                                        <p:cTn id="40" dur="1822" tmFilter="0,0; 0.14,0.36; 0.43,0.73; 0.71,0.91; 1.0,1.0">
+                                          <p:stCondLst>
+                                            <p:cond delay="0"/>
+                                          </p:stCondLst>
+                                        </p:cTn>
+                                        <p:tgtEl>
+                                          <p:spTgt spid="6"/>
+                                        </p:tgtEl>
+                                        <p:attrNameLst>
+                                          <p:attrName>ppt_x</p:attrName>
+                                        </p:attrNameLst>
+                                      </p:cBhvr>
+                                      <p:tavLst>
+                                        <p:tav tm="0">
+                                          <p:val>
+                                            <p:strVal val="#ppt_x-0.25"/>
+                                          </p:val>
+                                        </p:tav>
+                                        <p:tav tm="100000">
+                                          <p:val>
+                                            <p:strVal val="#ppt_x"/>
+                                          </p:val>
+                                        </p:tav>
+                                      </p:tavLst>
+                                    </p:anim>
+                                    <p:anim calcmode="lin" valueType="num">
+                                      <p:cBhvr>
+                                        <p:cTn id="41" dur="664" tmFilter="0.0,0.0; 0.25,0.07; 0.50,0.2; 0.75,0.467; 1.0,1.0">
+                                          <p:stCondLst>
+                                            <p:cond delay="0"/>
+                                          </p:stCondLst>
+                                        </p:cTn>
+                                        <p:tgtEl>
+                                          <p:spTgt spid="6"/>
+                                        </p:tgtEl>
+                                        <p:attrNameLst>
+                                          <p:attrName>ppt_y</p:attrName>
+                                        </p:attrNameLst>
+                                      </p:cBhvr>
+                                      <p:tavLst>
+                                        <p:tav tm="0" fmla="#ppt_y-sin(pi*$)/3">
+                                          <p:val>
+                                            <p:fltVal val="0.5"/>
+                                          </p:val>
+                                        </p:tav>
+                                        <p:tav tm="100000">
+                                          <p:val>
+                                            <p:fltVal val="1"/>
+                                          </p:val>
+                                        </p:tav>
+                                      </p:tavLst>
+                                    </p:anim>
+                                    <p:anim calcmode="lin" valueType="num">
+                                      <p:cBhvr>
+                                        <p:cTn id="42" dur="664" tmFilter="0, 0; 0.125,0.2665; 0.25,0.4; 0.375,0.465; 0.5,0.5;  0.625,0.535; 0.75,0.6; 0.875,0.7335; 1,1">
+                                          <p:stCondLst>
+                                            <p:cond delay="664"/>
+                                          </p:stCondLst>
+                                        </p:cTn>
+                                        <p:tgtEl>
+                                          <p:spTgt spid="6"/>
+                                        </p:tgtEl>
+                                        <p:attrNameLst>
+                                          <p:attrName>ppt_y</p:attrName>
+                                        </p:attrNameLst>
+                                      </p:cBhvr>
+                                      <p:tavLst>
+                                        <p:tav tm="0" fmla="#ppt_y-sin(pi*$)/9">
+                                          <p:val>
+                                            <p:fltVal val="0"/>
+                                          </p:val>
+                                        </p:tav>
+                                        <p:tav tm="100000">
+                                          <p:val>
+                                            <p:fltVal val="1"/>
+                                          </p:val>
+                                        </p:tav>
+                                      </p:tavLst>
+                                    </p:anim>
+                                    <p:anim calcmode="lin" valueType="num">
+                                      <p:cBhvr>
+                                        <p:cTn id="43" dur="332" tmFilter="0, 0; 0.125,0.2665; 0.25,0.4; 0.375,0.465; 0.5,0.5;  0.625,0.535; 0.75,0.6; 0.875,0.7335; 1,1">
+                                          <p:stCondLst>
+                                            <p:cond delay="1324"/>
+                                          </p:stCondLst>
+                                        </p:cTn>
+                                        <p:tgtEl>
+                                          <p:spTgt spid="6"/>
+                                        </p:tgtEl>
+                                        <p:attrNameLst>
+                                          <p:attrName>ppt_y</p:attrName>
+                                        </p:attrNameLst>
+                                      </p:cBhvr>
+                                      <p:tavLst>
+                                        <p:tav tm="0" fmla="#ppt_y-sin(pi*$)/27">
+                                          <p:val>
+                                            <p:fltVal val="0"/>
+                                          </p:val>
+                                        </p:tav>
+                                        <p:tav tm="100000">
+                                          <p:val>
+                                            <p:fltVal val="1"/>
+                                          </p:val>
+                                        </p:tav>
+                                      </p:tavLst>
+                                    </p:anim>
+                                    <p:anim calcmode="lin" valueType="num">
+                                      <p:cBhvr>
+                                        <p:cTn id="44" dur="164" tmFilter="0, 0; 0.125,0.2665; 0.25,0.4; 0.375,0.465; 0.5,0.5;  0.625,0.535; 0.75,0.6; 0.875,0.7335; 1,1">
+                                          <p:stCondLst>
+                                            <p:cond delay="1656"/>
+                                          </p:stCondLst>
+                                        </p:cTn>
+                                        <p:tgtEl>
+                                          <p:spTgt spid="6"/>
+                                        </p:tgtEl>
+                                        <p:attrNameLst>
+                                          <p:attrName>ppt_y</p:attrName>
+                                        </p:attrNameLst>
+                                      </p:cBhvr>
+                                      <p:tavLst>
+                                        <p:tav tm="0" fmla="#ppt_y-sin(pi*$)/81">
+                                          <p:val>
+                                            <p:fltVal val="0"/>
+                                          </p:val>
+                                        </p:tav>
+                                        <p:tav tm="100000">
+                                          <p:val>
+                                            <p:fltVal val="1"/>
+                                          </p:val>
+                                        </p:tav>
+                                      </p:tavLst>
+                                    </p:anim>
+                                    <p:animScale>
+                                      <p:cBhvr>
+                                        <p:cTn id="45" dur="26">
+                                          <p:stCondLst>
+                                            <p:cond delay="650"/>
+                                          </p:stCondLst>
+                                        </p:cTn>
+                                        <p:tgtEl>
+                                          <p:spTgt spid="6"/>
+                                        </p:tgtEl>
+                                      </p:cBhvr>
+                                      <p:to x="100000" y="60000"/>
+                                    </p:animScale>
+                                    <p:animScale>
+                                      <p:cBhvr>
+                                        <p:cTn id="46" dur="166" decel="50000">
+                                          <p:stCondLst>
+                                            <p:cond delay="676"/>
+                                          </p:stCondLst>
+                                        </p:cTn>
+                                        <p:tgtEl>
+                                          <p:spTgt spid="6"/>
+                                        </p:tgtEl>
+                                      </p:cBhvr>
+                                      <p:to x="100000" y="100000"/>
+                                    </p:animScale>
+                                    <p:animScale>
+                                      <p:cBhvr>
+                                        <p:cTn id="47" dur="26">
+                                          <p:stCondLst>
+                                            <p:cond delay="1312"/>
+                                          </p:stCondLst>
+                                        </p:cTn>
+                                        <p:tgtEl>
+                                          <p:spTgt spid="6"/>
+                                        </p:tgtEl>
+                                      </p:cBhvr>
+                                      <p:to x="100000" y="80000"/>
+                                    </p:animScale>
+                                    <p:animScale>
+                                      <p:cBhvr>
+                                        <p:cTn id="48" dur="166" decel="50000">
+                                          <p:stCondLst>
+                                            <p:cond delay="1338"/>
+                                          </p:stCondLst>
+                                        </p:cTn>
+                                        <p:tgtEl>
+                                          <p:spTgt spid="6"/>
+                                        </p:tgtEl>
+                                      </p:cBhvr>
+                                      <p:to x="100000" y="100000"/>
+                                    </p:animScale>
+                                    <p:animScale>
+                                      <p:cBhvr>
+                                        <p:cTn id="49" dur="26">
+                                          <p:stCondLst>
+                                            <p:cond delay="1642"/>
+                                          </p:stCondLst>
+                                        </p:cTn>
+                                        <p:tgtEl>
+                                          <p:spTgt spid="6"/>
+                                        </p:tgtEl>
+                                      </p:cBhvr>
+                                      <p:to x="100000" y="90000"/>
+                                    </p:animScale>
+                                    <p:animScale>
+                                      <p:cBhvr>
+                                        <p:cTn id="50" dur="166" decel="50000">
+                                          <p:stCondLst>
+                                            <p:cond delay="1668"/>
+                                          </p:stCondLst>
+                                        </p:cTn>
+                                        <p:tgtEl>
+                                          <p:spTgt spid="6"/>
+                                        </p:tgtEl>
+                                      </p:cBhvr>
+                                      <p:to x="100000" y="100000"/>
+                                    </p:animScale>
+                                    <p:animScale>
+                                      <p:cBhvr>
+                                        <p:cTn id="51" dur="26">
+                                          <p:stCondLst>
+                                            <p:cond delay="1808"/>
+                                          </p:stCondLst>
+                                        </p:cTn>
+                                        <p:tgtEl>
+                                          <p:spTgt spid="6"/>
+                                        </p:tgtEl>
+                                      </p:cBhvr>
+                                      <p:to x="100000" y="95000"/>
+                                    </p:animScale>
+                                    <p:animScale>
+                                      <p:cBhvr>
+                                        <p:cTn id="52" dur="166" decel="50000">
+                                          <p:stCondLst>
+                                            <p:cond delay="1834"/>
+                                          </p:stCondLst>
+                                        </p:cTn>
+                                        <p:tgtEl>
+                                          <p:spTgt spid="6"/>
+                                        </p:tgtEl>
+                                      </p:cBhvr>
+                                      <p:to x="100000" y="100000"/>
+                                    </p:animScale>
+                                  </p:childTnLst>
+                                </p:cTn>
+                              </p:par>
+                              <p:par>
+                                <p:cTn id="53" presetID="26" presetClass="entr" presetSubtype="0" fill="hold" nodeType="withEffect">
+                                  <p:stCondLst>
+                                    <p:cond delay="0"/>
+                                  </p:stCondLst>
+                                  <p:childTnLst>
+                                    <p:set>
+                                      <p:cBhvr>
+                                        <p:cTn id="54" dur="1" fill="hold">
+                                          <p:stCondLst>
+                                            <p:cond delay="0"/>
+                                          </p:stCondLst>
+                                        </p:cTn>
+                                        <p:tgtEl>
+                                          <p:spTgt spid="8"/>
+                                        </p:tgtEl>
+                                        <p:attrNameLst>
+                                          <p:attrName>style.visibility</p:attrName>
+                                        </p:attrNameLst>
+                                      </p:cBhvr>
+                                      <p:to>
+                                        <p:strVal val="visible"/>
+                                      </p:to>
+                                    </p:set>
+                                    <p:animEffect transition="in" filter="wipe(down)">
+                                      <p:cBhvr>
+                                        <p:cTn id="55" dur="580">
+                                          <p:stCondLst>
+                                            <p:cond delay="0"/>
+                                          </p:stCondLst>
+                                        </p:cTn>
+                                        <p:tgtEl>
+                                          <p:spTgt spid="8"/>
+                                        </p:tgtEl>
+                                      </p:cBhvr>
+                                    </p:animEffect>
+                                    <p:anim calcmode="lin" valueType="num">
+                                      <p:cBhvr>
+                                        <p:cTn id="56" dur="1822" tmFilter="0,0; 0.14,0.36; 0.43,0.73; 0.71,0.91; 1.0,1.0">
+                                          <p:stCondLst>
+                                            <p:cond delay="0"/>
+                                          </p:stCondLst>
+                                        </p:cTn>
+                                        <p:tgtEl>
+                                          <p:spTgt spid="8"/>
+                                        </p:tgtEl>
+                                        <p:attrNameLst>
+                                          <p:attrName>ppt_x</p:attrName>
+                                        </p:attrNameLst>
+                                      </p:cBhvr>
+                                      <p:tavLst>
+                                        <p:tav tm="0">
+                                          <p:val>
+                                            <p:strVal val="#ppt_x-0.25"/>
+                                          </p:val>
+                                        </p:tav>
+                                        <p:tav tm="100000">
+                                          <p:val>
+                                            <p:strVal val="#ppt_x"/>
+                                          </p:val>
+                                        </p:tav>
+                                      </p:tavLst>
+                                    </p:anim>
+                                    <p:anim calcmode="lin" valueType="num">
+                                      <p:cBhvr>
+                                        <p:cTn id="57" dur="664" tmFilter="0.0,0.0; 0.25,0.07; 0.50,0.2; 0.75,0.467; 1.0,1.0">
+                                          <p:stCondLst>
+                                            <p:cond delay="0"/>
+                                          </p:stCondLst>
+                                        </p:cTn>
+                                        <p:tgtEl>
+                                          <p:spTgt spid="8"/>
+                                        </p:tgtEl>
+                                        <p:attrNameLst>
+                                          <p:attrName>ppt_y</p:attrName>
+                                        </p:attrNameLst>
+                                      </p:cBhvr>
+                                      <p:tavLst>
+                                        <p:tav tm="0" fmla="#ppt_y-sin(pi*$)/3">
+                                          <p:val>
+                                            <p:fltVal val="0.5"/>
+                                          </p:val>
+                                        </p:tav>
+                                        <p:tav tm="100000">
+                                          <p:val>
+                                            <p:fltVal val="1"/>
+                                          </p:val>
+                                        </p:tav>
+                                      </p:tavLst>
+                                    </p:anim>
+                                    <p:anim calcmode="lin" valueType="num">
+                                      <p:cBhvr>
+                                        <p:cTn id="58" dur="664" tmFilter="0, 0; 0.125,0.2665; 0.25,0.4; 0.375,0.465; 0.5,0.5;  0.625,0.535; 0.75,0.6; 0.875,0.7335; 1,1">
+                                          <p:stCondLst>
+                                            <p:cond delay="664"/>
+                                          </p:stCondLst>
+                                        </p:cTn>
+                                        <p:tgtEl>
+                                          <p:spTgt spid="8"/>
+                                        </p:tgtEl>
+                                        <p:attrNameLst>
+                                          <p:attrName>ppt_y</p:attrName>
+                                        </p:attrNameLst>
+                                      </p:cBhvr>
+                                      <p:tavLst>
+                                        <p:tav tm="0" fmla="#ppt_y-sin(pi*$)/9">
+                                          <p:val>
+                                            <p:fltVal val="0"/>
+                                          </p:val>
+                                        </p:tav>
+                                        <p:tav tm="100000">
+                                          <p:val>
+                                            <p:fltVal val="1"/>
+                                          </p:val>
+                                        </p:tav>
+                                      </p:tavLst>
+                                    </p:anim>
+                                    <p:anim calcmode="lin" valueType="num">
+                                      <p:cBhvr>
+                                        <p:cTn id="59" dur="332" tmFilter="0, 0; 0.125,0.2665; 0.25,0.4; 0.375,0.465; 0.5,0.5;  0.625,0.535; 0.75,0.6; 0.875,0.7335; 1,1">
+                                          <p:stCondLst>
+                                            <p:cond delay="1324"/>
+                                          </p:stCondLst>
+                                        </p:cTn>
+                                        <p:tgtEl>
+                                          <p:spTgt spid="8"/>
+                                        </p:tgtEl>
+                                        <p:attrNameLst>
+                                          <p:attrName>ppt_y</p:attrName>
+                                        </p:attrNameLst>
+                                      </p:cBhvr>
+                                      <p:tavLst>
+                                        <p:tav tm="0" fmla="#ppt_y-sin(pi*$)/27">
+                                          <p:val>
+                                            <p:fltVal val="0"/>
+                                          </p:val>
+                                        </p:tav>
+                                        <p:tav tm="100000">
+                                          <p:val>
+                                            <p:fltVal val="1"/>
+                                          </p:val>
+                                        </p:tav>
+                                      </p:tavLst>
+                                    </p:anim>
+                                    <p:anim calcmode="lin" valueType="num">
+                                      <p:cBhvr>
+                                        <p:cTn id="60" dur="164" tmFilter="0, 0; 0.125,0.2665; 0.25,0.4; 0.375,0.465; 0.5,0.5;  0.625,0.535; 0.75,0.6; 0.875,0.7335; 1,1">
+                                          <p:stCondLst>
+                                            <p:cond delay="1656"/>
+                                          </p:stCondLst>
+                                        </p:cTn>
+                                        <p:tgtEl>
+                                          <p:spTgt spid="8"/>
+                                        </p:tgtEl>
+                                        <p:attrNameLst>
+                                          <p:attrName>ppt_y</p:attrName>
+                                        </p:attrNameLst>
+                                      </p:cBhvr>
+                                      <p:tavLst>
+                                        <p:tav tm="0" fmla="#ppt_y-sin(pi*$)/81">
+                                          <p:val>
+                                            <p:fltVal val="0"/>
+                                          </p:val>
+                                        </p:tav>
+                                        <p:tav tm="100000">
+                                          <p:val>
+                                            <p:fltVal val="1"/>
+                                          </p:val>
+                                        </p:tav>
+                                      </p:tavLst>
+                                    </p:anim>
+                                    <p:animScale>
+                                      <p:cBhvr>
+                                        <p:cTn id="61" dur="26">
+                                          <p:stCondLst>
+                                            <p:cond delay="650"/>
+                                          </p:stCondLst>
+                                        </p:cTn>
+                                        <p:tgtEl>
+                                          <p:spTgt spid="8"/>
+                                        </p:tgtEl>
+                                      </p:cBhvr>
+                                      <p:to x="100000" y="60000"/>
+                                    </p:animScale>
+                                    <p:animScale>
+                                      <p:cBhvr>
+                                        <p:cTn id="62" dur="166" decel="50000">
+                                          <p:stCondLst>
+                                            <p:cond delay="676"/>
+                                          </p:stCondLst>
+                                        </p:cTn>
+                                        <p:tgtEl>
+                                          <p:spTgt spid="8"/>
+                                        </p:tgtEl>
+                                      </p:cBhvr>
+                                      <p:to x="100000" y="100000"/>
+                                    </p:animScale>
+                                    <p:animScale>
+                                      <p:cBhvr>
+                                        <p:cTn id="63" dur="26">
+                                          <p:stCondLst>
+                                            <p:cond delay="1312"/>
+                                          </p:stCondLst>
+                                        </p:cTn>
+                                        <p:tgtEl>
+                                          <p:spTgt spid="8"/>
+                                        </p:tgtEl>
+                                      </p:cBhvr>
+                                      <p:to x="100000" y="80000"/>
+                                    </p:animScale>
+                                    <p:animScale>
+                                      <p:cBhvr>
+                                        <p:cTn id="64" dur="166" decel="50000">
+                                          <p:stCondLst>
+                                            <p:cond delay="1338"/>
+                                          </p:stCondLst>
+                                        </p:cTn>
+                                        <p:tgtEl>
+                                          <p:spTgt spid="8"/>
+                                        </p:tgtEl>
+                                      </p:cBhvr>
+                                      <p:to x="100000" y="100000"/>
+                                    </p:animScale>
+                                    <p:animScale>
+                                      <p:cBhvr>
+                                        <p:cTn id="65" dur="26">
+                                          <p:stCondLst>
+                                            <p:cond delay="1642"/>
+                                          </p:stCondLst>
+                                        </p:cTn>
+                                        <p:tgtEl>
+                                          <p:spTgt spid="8"/>
+                                        </p:tgtEl>
+                                      </p:cBhvr>
+                                      <p:to x="100000" y="90000"/>
+                                    </p:animScale>
+                                    <p:animScale>
+                                      <p:cBhvr>
+                                        <p:cTn id="66" dur="166" decel="50000">
+                                          <p:stCondLst>
+                                            <p:cond delay="1668"/>
+                                          </p:stCondLst>
+                                        </p:cTn>
+                                        <p:tgtEl>
+                                          <p:spTgt spid="8"/>
+                                        </p:tgtEl>
+                                      </p:cBhvr>
+                                      <p:to x="100000" y="100000"/>
+                                    </p:animScale>
+                                    <p:animScale>
+                                      <p:cBhvr>
+                                        <p:cTn id="67" dur="26">
+                                          <p:stCondLst>
+                                            <p:cond delay="1808"/>
+                                          </p:stCondLst>
+                                        </p:cTn>
+                                        <p:tgtEl>
+                                          <p:spTgt spid="8"/>
+                                        </p:tgtEl>
+                                      </p:cBhvr>
+                                      <p:to x="100000" y="95000"/>
+                                    </p:animScale>
+                                    <p:animScale>
+                                      <p:cBhvr>
+                                        <p:cTn id="68" dur="166" decel="50000">
+                                          <p:stCondLst>
+                                            <p:cond delay="1834"/>
+                                          </p:stCondLst>
+                                        </p:cTn>
+                                        <p:tgtEl>
+                                          <p:spTgt spid="8"/>
+                                        </p:tgtEl>
+                                      </p:cBhvr>
+                                      <p:to x="100000" y="100000"/>
+                                    </p:animScale>
+                                  </p:childTnLst>
+                                </p:cTn>
+                              </p:par>
+                            </p:childTnLst>
+                          </p:cTn>
+                        </p:par>
+                      </p:childTnLst>
+                    </p:cTn>
+                  </p:par>
+                </p:childTnLst>
+              </p:cTn>
+              <p:prevCondLst>
+                <p:cond evt="onPrev" delay="0">
+                  <p:tgtEl>
+                    <p:sldTgt/>
+                  </p:tgtEl>
+                </p:cond>
+              </p:prevCondLst>
+              <p:nextCondLst>
+                <p:cond evt="onNext" delay="0">
+                  <p:tgtEl>
+                    <p:sldTgt/>
+                  </p:tgtEl>
+                </p:cond>
+              </p:nextCondLst>
+            </p:seq>
+          </p:childTnLst>
+        </p:cTn>
       </p:par>
     </p:tnLst>
   </p:timing>
@@ -6716,6 +10514,36 @@
           <a:bodyPr/>
           <a:lstStyle/>
           <a:p>
+            <a:pPr>
+              <a:buFont typeface="Wingdings" pitchFamily="2" charset="2"/>
+              <a:buChar char="ü"/>
+            </a:pPr>
+            <a:r>
+              <a:rPr lang="fr-FR" dirty="0" err="1" smtClean="0">
+                <a:solidFill>
+                  <a:schemeClr val="accent1"/>
+                </a:solidFill>
+                <a:latin typeface="Calibri" pitchFamily="34" charset="0"/>
+                <a:cs typeface="Calibri" pitchFamily="34" charset="0"/>
+              </a:rPr>
+              <a:t>Ellaboration</a:t>
+            </a:r>
+            <a:r>
+              <a:rPr lang="fr-FR" dirty="0" smtClean="0">
+                <a:solidFill>
+                  <a:schemeClr val="accent1"/>
+                </a:solidFill>
+                <a:latin typeface="Calibri" pitchFamily="34" charset="0"/>
+                <a:cs typeface="Calibri" pitchFamily="34" charset="0"/>
+              </a:rPr>
+              <a:t> de la base de données</a:t>
+            </a:r>
+          </a:p>
+          <a:p>
+            <a:pPr lvl="2">
+              <a:buFont typeface="Arial" pitchFamily="34" charset="0"/>
+              <a:buChar char="•"/>
+            </a:pPr>
             <a:endParaRPr lang="fr-FR" dirty="0">
               <a:solidFill>
                 <a:schemeClr val="accent1"/>
@@ -6771,9 +10599,16 @@
                     <a:lumMod val="75000"/>
                   </a:schemeClr>
                 </a:solidFill>
+                <a:effectLst>
+                  <a:outerShdw blurRad="38100" dist="38100" dir="2700000" algn="tl">
+                    <a:srgbClr val="000000">
+                      <a:alpha val="43137"/>
+                    </a:srgbClr>
+                  </a:outerShdw>
+                </a:effectLst>
                 <a:latin typeface="Freestyle Script" pitchFamily="66" charset="0"/>
               </a:rPr>
-              <a:t>La réalisation</a:t>
+              <a:t>La solution</a:t>
             </a:r>
             <a:endParaRPr lang="fr-FR" sz="4800" b="1" dirty="0">
               <a:solidFill>
@@ -6781,11 +10616,48 @@
                   <a:lumMod val="75000"/>
                 </a:schemeClr>
               </a:solidFill>
+              <a:effectLst>
+                <a:outerShdw blurRad="38100" dist="38100" dir="2700000" algn="tl">
+                  <a:srgbClr val="000000">
+                    <a:alpha val="43137"/>
+                  </a:srgbClr>
+                </a:outerShdw>
+              </a:effectLst>
               <a:latin typeface="Freestyle Script" pitchFamily="66" charset="0"/>
             </a:endParaRPr>
           </a:p>
         </p:txBody>
       </p:sp>
+      <p:pic>
+        <p:nvPicPr>
+          <p:cNvPr id="8" name="Image 7"/>
+          <p:cNvPicPr>
+            <a:picLocks noChangeAspect="1"/>
+          </p:cNvPicPr>
+          <p:nvPr/>
+        </p:nvPicPr>
+        <p:blipFill>
+          <a:blip r:embed="rId3">
+            <a:extLst>
+              <a:ext uri="{28A0092B-C50C-407E-A947-70E740481C1C}">
+                <a14:useLocalDpi xmlns:a14="http://schemas.microsoft.com/office/drawing/2010/main" val="0"/>
+              </a:ext>
+            </a:extLst>
+          </a:blip>
+          <a:stretch>
+            <a:fillRect/>
+          </a:stretch>
+        </p:blipFill>
+        <p:spPr>
+          <a:xfrm>
+            <a:off x="457200" y="2060847"/>
+            <a:ext cx="7787208" cy="4696565"/>
+          </a:xfrm>
+          <a:prstGeom prst="rect">
+            <a:avLst/>
+          </a:prstGeom>
+        </p:spPr>
+      </p:pic>
     </p:spTree>
     <p:extLst>
       <p:ext uri="{BB962C8B-B14F-4D97-AF65-F5344CB8AC3E}">
@@ -6833,11 +10705,53 @@
             <p:ph sz="quarter" idx="1"/>
           </p:nvPr>
         </p:nvSpPr>
-        <p:spPr/>
+        <p:spPr>
+          <a:xfrm>
+            <a:off x="457200" y="1268760"/>
+            <a:ext cx="7467600" cy="5205192"/>
+          </a:xfrm>
+        </p:spPr>
         <p:txBody>
           <a:bodyPr/>
           <a:lstStyle/>
           <a:p>
+            <a:pPr>
+              <a:buFont typeface="Wingdings" pitchFamily="2" charset="2"/>
+              <a:buChar char="ü"/>
+            </a:pPr>
+            <a:r>
+              <a:rPr lang="fr-FR" dirty="0" smtClean="0">
+                <a:solidFill>
+                  <a:schemeClr val="accent1"/>
+                </a:solidFill>
+                <a:latin typeface="Calibri" pitchFamily="34" charset="0"/>
+                <a:cs typeface="Calibri" pitchFamily="34" charset="0"/>
+              </a:rPr>
+              <a:t>Réalisation du prototype d’</a:t>
+            </a:r>
+            <a:r>
+              <a:rPr lang="fr-FR" dirty="0" err="1" smtClean="0">
+                <a:solidFill>
+                  <a:schemeClr val="accent1"/>
+                </a:solidFill>
+                <a:latin typeface="Calibri" pitchFamily="34" charset="0"/>
+                <a:cs typeface="Calibri" pitchFamily="34" charset="0"/>
+              </a:rPr>
+              <a:t>ihm</a:t>
+            </a:r>
+            <a:endParaRPr lang="fr-FR" dirty="0" smtClean="0">
+              <a:solidFill>
+                <a:schemeClr val="accent1"/>
+              </a:solidFill>
+              <a:latin typeface="Calibri" pitchFamily="34" charset="0"/>
+              <a:cs typeface="Calibri" pitchFamily="34" charset="0"/>
+            </a:endParaRPr>
+          </a:p>
+          <a:p>
+            <a:pPr lvl="2" algn="ctr">
+              <a:buFont typeface="Arial" pitchFamily="34" charset="0"/>
+              <a:buChar char="•"/>
+            </a:pPr>
             <a:endParaRPr lang="fr-FR" dirty="0">
               <a:solidFill>
                 <a:schemeClr val="accent1"/>
@@ -6893,25 +10807,1159 @@
                     <a:lumMod val="75000"/>
                   </a:schemeClr>
                 </a:solidFill>
+                <a:effectLst>
+                  <a:outerShdw blurRad="38100" dist="38100" dir="2700000" algn="tl">
+                    <a:srgbClr val="000000">
+                      <a:alpha val="43137"/>
+                    </a:srgbClr>
+                  </a:outerShdw>
+                </a:effectLst>
                 <a:latin typeface="Freestyle Script" pitchFamily="66" charset="0"/>
               </a:rPr>
-              <a:t>Evolutions </a:t>
-            </a:r>
-            <a:endParaRPr lang="fr-FR" sz="4800" b="1" dirty="0">
-              <a:solidFill>
-                <a:schemeClr val="accent1">
-                  <a:lumMod val="75000"/>
-                </a:schemeClr>
-              </a:solidFill>
-              <a:latin typeface="Freestyle Script" pitchFamily="66" charset="0"/>
-            </a:endParaRPr>
-          </a:p>
-        </p:txBody>
-      </p:sp>
+              <a:t>La </a:t>
+            </a:r>
+            <a:r>
+              <a:rPr lang="fr-FR" sz="4800" b="1" dirty="0">
+                <a:solidFill>
+                  <a:schemeClr val="accent1">
+                    <a:lumMod val="75000"/>
+                  </a:schemeClr>
+                </a:solidFill>
+                <a:effectLst>
+                  <a:outerShdw blurRad="38100" dist="38100" dir="2700000" algn="tl">
+                    <a:srgbClr val="000000">
+                      <a:alpha val="43137"/>
+                    </a:srgbClr>
+                  </a:outerShdw>
+                </a:effectLst>
+                <a:latin typeface="Freestyle Script" pitchFamily="66" charset="0"/>
+              </a:rPr>
+              <a:t>solution</a:t>
+            </a:r>
+          </a:p>
+        </p:txBody>
+      </p:sp>
+      <p:pic>
+        <p:nvPicPr>
+          <p:cNvPr id="2" name="Image 1"/>
+          <p:cNvPicPr>
+            <a:picLocks noChangeAspect="1"/>
+          </p:cNvPicPr>
+          <p:nvPr/>
+        </p:nvPicPr>
+        <p:blipFill>
+          <a:blip r:embed="rId2">
+            <a:extLst>
+              <a:ext uri="{28A0092B-C50C-407E-A947-70E740481C1C}">
+                <a14:useLocalDpi xmlns:a14="http://schemas.microsoft.com/office/drawing/2010/main" val="0"/>
+              </a:ext>
+            </a:extLst>
+          </a:blip>
+          <a:stretch>
+            <a:fillRect/>
+          </a:stretch>
+        </p:blipFill>
+        <p:spPr>
+          <a:xfrm>
+            <a:off x="2195736" y="1834687"/>
+            <a:ext cx="4752528" cy="4951303"/>
+          </a:xfrm>
+          <a:prstGeom prst="rect">
+            <a:avLst/>
+          </a:prstGeom>
+        </p:spPr>
+      </p:pic>
+      <p:pic>
+        <p:nvPicPr>
+          <p:cNvPr id="5" name="Image 4"/>
+          <p:cNvPicPr>
+            <a:picLocks noChangeAspect="1"/>
+          </p:cNvPicPr>
+          <p:nvPr/>
+        </p:nvPicPr>
+        <p:blipFill>
+          <a:blip r:embed="rId3" cstate="print">
+            <a:extLst>
+              <a:ext uri="{28A0092B-C50C-407E-A947-70E740481C1C}">
+                <a14:useLocalDpi xmlns:a14="http://schemas.microsoft.com/office/drawing/2010/main" val="0"/>
+              </a:ext>
+            </a:extLst>
+          </a:blip>
+          <a:stretch>
+            <a:fillRect/>
+          </a:stretch>
+        </p:blipFill>
+        <p:spPr>
+          <a:xfrm>
+            <a:off x="457200" y="2393019"/>
+            <a:ext cx="1826351" cy="1917319"/>
+          </a:xfrm>
+          <a:prstGeom prst="rect">
+            <a:avLst/>
+          </a:prstGeom>
+        </p:spPr>
+      </p:pic>
+      <p:pic>
+        <p:nvPicPr>
+          <p:cNvPr id="7" name="Image 6"/>
+          <p:cNvPicPr>
+            <a:picLocks noChangeAspect="1"/>
+          </p:cNvPicPr>
+          <p:nvPr/>
+        </p:nvPicPr>
+        <p:blipFill>
+          <a:blip r:embed="rId4" cstate="print">
+            <a:extLst>
+              <a:ext uri="{28A0092B-C50C-407E-A947-70E740481C1C}">
+                <a14:useLocalDpi xmlns:a14="http://schemas.microsoft.com/office/drawing/2010/main" val="0"/>
+              </a:ext>
+            </a:extLst>
+          </a:blip>
+          <a:stretch>
+            <a:fillRect/>
+          </a:stretch>
+        </p:blipFill>
+        <p:spPr>
+          <a:xfrm>
+            <a:off x="6804248" y="1268760"/>
+            <a:ext cx="1814314" cy="1917320"/>
+          </a:xfrm>
+          <a:prstGeom prst="rect">
+            <a:avLst/>
+          </a:prstGeom>
+        </p:spPr>
+      </p:pic>
+      <p:pic>
+        <p:nvPicPr>
+          <p:cNvPr id="8" name="Image 7"/>
+          <p:cNvPicPr>
+            <a:picLocks noChangeAspect="1"/>
+          </p:cNvPicPr>
+          <p:nvPr/>
+        </p:nvPicPr>
+        <p:blipFill>
+          <a:blip r:embed="rId5" cstate="print">
+            <a:extLst>
+              <a:ext uri="{28A0092B-C50C-407E-A947-70E740481C1C}">
+                <a14:useLocalDpi xmlns:a14="http://schemas.microsoft.com/office/drawing/2010/main" val="0"/>
+              </a:ext>
+            </a:extLst>
+          </a:blip>
+          <a:stretch>
+            <a:fillRect/>
+          </a:stretch>
+        </p:blipFill>
+        <p:spPr>
+          <a:xfrm>
+            <a:off x="1187624" y="4905403"/>
+            <a:ext cx="1815310" cy="1917320"/>
+          </a:xfrm>
+          <a:prstGeom prst="rect">
+            <a:avLst/>
+          </a:prstGeom>
+        </p:spPr>
+      </p:pic>
+      <p:pic>
+        <p:nvPicPr>
+          <p:cNvPr id="9" name="Image 8"/>
+          <p:cNvPicPr>
+            <a:picLocks noChangeAspect="1"/>
+          </p:cNvPicPr>
+          <p:nvPr/>
+        </p:nvPicPr>
+        <p:blipFill>
+          <a:blip r:embed="rId6" cstate="print">
+            <a:extLst>
+              <a:ext uri="{28A0092B-C50C-407E-A947-70E740481C1C}">
+                <a14:useLocalDpi xmlns:a14="http://schemas.microsoft.com/office/drawing/2010/main" val="0"/>
+              </a:ext>
+            </a:extLst>
+          </a:blip>
+          <a:stretch>
+            <a:fillRect/>
+          </a:stretch>
+        </p:blipFill>
+        <p:spPr>
+          <a:xfrm>
+            <a:off x="6588224" y="4675568"/>
+            <a:ext cx="1834370" cy="1917320"/>
+          </a:xfrm>
+          <a:prstGeom prst="rect">
+            <a:avLst/>
+          </a:prstGeom>
+        </p:spPr>
+      </p:pic>
+      <p:pic>
+        <p:nvPicPr>
+          <p:cNvPr id="12" name="Image 11"/>
+          <p:cNvPicPr>
+            <a:picLocks noChangeAspect="1"/>
+          </p:cNvPicPr>
+          <p:nvPr/>
+        </p:nvPicPr>
+        <p:blipFill>
+          <a:blip r:embed="rId7">
+            <a:extLst>
+              <a:ext uri="{28A0092B-C50C-407E-A947-70E740481C1C}">
+                <a14:useLocalDpi xmlns:a14="http://schemas.microsoft.com/office/drawing/2010/main" val="0"/>
+              </a:ext>
+            </a:extLst>
+          </a:blip>
+          <a:stretch>
+            <a:fillRect/>
+          </a:stretch>
+        </p:blipFill>
+        <p:spPr>
+          <a:xfrm>
+            <a:off x="3954470" y="4373702"/>
+            <a:ext cx="1492494" cy="531701"/>
+          </a:xfrm>
+          <a:prstGeom prst="rect">
+            <a:avLst/>
+          </a:prstGeom>
+        </p:spPr>
+      </p:pic>
     </p:spTree>
     <p:extLst>
       <p:ext uri="{BB962C8B-B14F-4D97-AF65-F5344CB8AC3E}">
-        <p14:creationId xmlns:p14="http://schemas.microsoft.com/office/powerpoint/2010/main" val="1692778987"/>
+        <p14:creationId xmlns:p14="http://schemas.microsoft.com/office/powerpoint/2010/main" val="3973259926"/>
+      </p:ext>
+    </p:extLst>
+  </p:cSld>
+  <p:clrMapOvr>
+    <a:masterClrMapping/>
+  </p:clrMapOvr>
+  <p:timing>
+    <p:tnLst>
+      <p:par>
+        <p:cTn id="1" dur="indefinite" restart="never" nodeType="tmRoot">
+          <p:childTnLst>
+            <p:seq concurrent="1" nextAc="seek">
+              <p:cTn id="2" dur="indefinite" nodeType="mainSeq">
+                <p:childTnLst>
+                  <p:par>
+                    <p:cTn id="3" fill="hold">
+                      <p:stCondLst>
+                        <p:cond delay="indefinite"/>
+                      </p:stCondLst>
+                      <p:childTnLst>
+                        <p:par>
+                          <p:cTn id="4" fill="hold">
+                            <p:stCondLst>
+                              <p:cond delay="0"/>
+                            </p:stCondLst>
+                            <p:childTnLst>
+                              <p:par>
+                                <p:cTn id="5" presetID="26" presetClass="entr" presetSubtype="0" fill="hold" nodeType="clickEffect">
+                                  <p:stCondLst>
+                                    <p:cond delay="0"/>
+                                  </p:stCondLst>
+                                  <p:childTnLst>
+                                    <p:set>
+                                      <p:cBhvr>
+                                        <p:cTn id="6" dur="1" fill="hold">
+                                          <p:stCondLst>
+                                            <p:cond delay="0"/>
+                                          </p:stCondLst>
+                                        </p:cTn>
+                                        <p:tgtEl>
+                                          <p:spTgt spid="12"/>
+                                        </p:tgtEl>
+                                        <p:attrNameLst>
+                                          <p:attrName>style.visibility</p:attrName>
+                                        </p:attrNameLst>
+                                      </p:cBhvr>
+                                      <p:to>
+                                        <p:strVal val="visible"/>
+                                      </p:to>
+                                    </p:set>
+                                    <p:animEffect transition="in" filter="wipe(down)">
+                                      <p:cBhvr>
+                                        <p:cTn id="7" dur="580">
+                                          <p:stCondLst>
+                                            <p:cond delay="0"/>
+                                          </p:stCondLst>
+                                        </p:cTn>
+                                        <p:tgtEl>
+                                          <p:spTgt spid="12"/>
+                                        </p:tgtEl>
+                                      </p:cBhvr>
+                                    </p:animEffect>
+                                    <p:anim calcmode="lin" valueType="num">
+                                      <p:cBhvr>
+                                        <p:cTn id="8" dur="1822" tmFilter="0,0; 0.14,0.36; 0.43,0.73; 0.71,0.91; 1.0,1.0">
+                                          <p:stCondLst>
+                                            <p:cond delay="0"/>
+                                          </p:stCondLst>
+                                        </p:cTn>
+                                        <p:tgtEl>
+                                          <p:spTgt spid="12"/>
+                                        </p:tgtEl>
+                                        <p:attrNameLst>
+                                          <p:attrName>ppt_x</p:attrName>
+                                        </p:attrNameLst>
+                                      </p:cBhvr>
+                                      <p:tavLst>
+                                        <p:tav tm="0">
+                                          <p:val>
+                                            <p:strVal val="#ppt_x-0.25"/>
+                                          </p:val>
+                                        </p:tav>
+                                        <p:tav tm="100000">
+                                          <p:val>
+                                            <p:strVal val="#ppt_x"/>
+                                          </p:val>
+                                        </p:tav>
+                                      </p:tavLst>
+                                    </p:anim>
+                                    <p:anim calcmode="lin" valueType="num">
+                                      <p:cBhvr>
+                                        <p:cTn id="9" dur="664" tmFilter="0.0,0.0; 0.25,0.07; 0.50,0.2; 0.75,0.467; 1.0,1.0">
+                                          <p:stCondLst>
+                                            <p:cond delay="0"/>
+                                          </p:stCondLst>
+                                        </p:cTn>
+                                        <p:tgtEl>
+                                          <p:spTgt spid="12"/>
+                                        </p:tgtEl>
+                                        <p:attrNameLst>
+                                          <p:attrName>ppt_y</p:attrName>
+                                        </p:attrNameLst>
+                                      </p:cBhvr>
+                                      <p:tavLst>
+                                        <p:tav tm="0" fmla="#ppt_y-sin(pi*$)/3">
+                                          <p:val>
+                                            <p:fltVal val="0.5"/>
+                                          </p:val>
+                                        </p:tav>
+                                        <p:tav tm="100000">
+                                          <p:val>
+                                            <p:fltVal val="1"/>
+                                          </p:val>
+                                        </p:tav>
+                                      </p:tavLst>
+                                    </p:anim>
+                                    <p:anim calcmode="lin" valueType="num">
+                                      <p:cBhvr>
+                                        <p:cTn id="10" dur="664" tmFilter="0, 0; 0.125,0.2665; 0.25,0.4; 0.375,0.465; 0.5,0.5;  0.625,0.535; 0.75,0.6; 0.875,0.7335; 1,1">
+                                          <p:stCondLst>
+                                            <p:cond delay="664"/>
+                                          </p:stCondLst>
+                                        </p:cTn>
+                                        <p:tgtEl>
+                                          <p:spTgt spid="12"/>
+                                        </p:tgtEl>
+                                        <p:attrNameLst>
+                                          <p:attrName>ppt_y</p:attrName>
+                                        </p:attrNameLst>
+                                      </p:cBhvr>
+                                      <p:tavLst>
+                                        <p:tav tm="0" fmla="#ppt_y-sin(pi*$)/9">
+                                          <p:val>
+                                            <p:fltVal val="0"/>
+                                          </p:val>
+                                        </p:tav>
+                                        <p:tav tm="100000">
+                                          <p:val>
+                                            <p:fltVal val="1"/>
+                                          </p:val>
+                                        </p:tav>
+                                      </p:tavLst>
+                                    </p:anim>
+                                    <p:anim calcmode="lin" valueType="num">
+                                      <p:cBhvr>
+                                        <p:cTn id="11" dur="332" tmFilter="0, 0; 0.125,0.2665; 0.25,0.4; 0.375,0.465; 0.5,0.5;  0.625,0.535; 0.75,0.6; 0.875,0.7335; 1,1">
+                                          <p:stCondLst>
+                                            <p:cond delay="1324"/>
+                                          </p:stCondLst>
+                                        </p:cTn>
+                                        <p:tgtEl>
+                                          <p:spTgt spid="12"/>
+                                        </p:tgtEl>
+                                        <p:attrNameLst>
+                                          <p:attrName>ppt_y</p:attrName>
+                                        </p:attrNameLst>
+                                      </p:cBhvr>
+                                      <p:tavLst>
+                                        <p:tav tm="0" fmla="#ppt_y-sin(pi*$)/27">
+                                          <p:val>
+                                            <p:fltVal val="0"/>
+                                          </p:val>
+                                        </p:tav>
+                                        <p:tav tm="100000">
+                                          <p:val>
+                                            <p:fltVal val="1"/>
+                                          </p:val>
+                                        </p:tav>
+                                      </p:tavLst>
+                                    </p:anim>
+                                    <p:anim calcmode="lin" valueType="num">
+                                      <p:cBhvr>
+                                        <p:cTn id="12" dur="164" tmFilter="0, 0; 0.125,0.2665; 0.25,0.4; 0.375,0.465; 0.5,0.5;  0.625,0.535; 0.75,0.6; 0.875,0.7335; 1,1">
+                                          <p:stCondLst>
+                                            <p:cond delay="1656"/>
+                                          </p:stCondLst>
+                                        </p:cTn>
+                                        <p:tgtEl>
+                                          <p:spTgt spid="12"/>
+                                        </p:tgtEl>
+                                        <p:attrNameLst>
+                                          <p:attrName>ppt_y</p:attrName>
+                                        </p:attrNameLst>
+                                      </p:cBhvr>
+                                      <p:tavLst>
+                                        <p:tav tm="0" fmla="#ppt_y-sin(pi*$)/81">
+                                          <p:val>
+                                            <p:fltVal val="0"/>
+                                          </p:val>
+                                        </p:tav>
+                                        <p:tav tm="100000">
+                                          <p:val>
+                                            <p:fltVal val="1"/>
+                                          </p:val>
+                                        </p:tav>
+                                      </p:tavLst>
+                                    </p:anim>
+                                    <p:animScale>
+                                      <p:cBhvr>
+                                        <p:cTn id="13" dur="26">
+                                          <p:stCondLst>
+                                            <p:cond delay="650"/>
+                                          </p:stCondLst>
+                                        </p:cTn>
+                                        <p:tgtEl>
+                                          <p:spTgt spid="12"/>
+                                        </p:tgtEl>
+                                      </p:cBhvr>
+                                      <p:to x="100000" y="60000"/>
+                                    </p:animScale>
+                                    <p:animScale>
+                                      <p:cBhvr>
+                                        <p:cTn id="14" dur="166" decel="50000">
+                                          <p:stCondLst>
+                                            <p:cond delay="676"/>
+                                          </p:stCondLst>
+                                        </p:cTn>
+                                        <p:tgtEl>
+                                          <p:spTgt spid="12"/>
+                                        </p:tgtEl>
+                                      </p:cBhvr>
+                                      <p:to x="100000" y="100000"/>
+                                    </p:animScale>
+                                    <p:animScale>
+                                      <p:cBhvr>
+                                        <p:cTn id="15" dur="26">
+                                          <p:stCondLst>
+                                            <p:cond delay="1312"/>
+                                          </p:stCondLst>
+                                        </p:cTn>
+                                        <p:tgtEl>
+                                          <p:spTgt spid="12"/>
+                                        </p:tgtEl>
+                                      </p:cBhvr>
+                                      <p:to x="100000" y="80000"/>
+                                    </p:animScale>
+                                    <p:animScale>
+                                      <p:cBhvr>
+                                        <p:cTn id="16" dur="166" decel="50000">
+                                          <p:stCondLst>
+                                            <p:cond delay="1338"/>
+                                          </p:stCondLst>
+                                        </p:cTn>
+                                        <p:tgtEl>
+                                          <p:spTgt spid="12"/>
+                                        </p:tgtEl>
+                                      </p:cBhvr>
+                                      <p:to x="100000" y="100000"/>
+                                    </p:animScale>
+                                    <p:animScale>
+                                      <p:cBhvr>
+                                        <p:cTn id="17" dur="26">
+                                          <p:stCondLst>
+                                            <p:cond delay="1642"/>
+                                          </p:stCondLst>
+                                        </p:cTn>
+                                        <p:tgtEl>
+                                          <p:spTgt spid="12"/>
+                                        </p:tgtEl>
+                                      </p:cBhvr>
+                                      <p:to x="100000" y="90000"/>
+                                    </p:animScale>
+                                    <p:animScale>
+                                      <p:cBhvr>
+                                        <p:cTn id="18" dur="166" decel="50000">
+                                          <p:stCondLst>
+                                            <p:cond delay="1668"/>
+                                          </p:stCondLst>
+                                        </p:cTn>
+                                        <p:tgtEl>
+                                          <p:spTgt spid="12"/>
+                                        </p:tgtEl>
+                                      </p:cBhvr>
+                                      <p:to x="100000" y="100000"/>
+                                    </p:animScale>
+                                    <p:animScale>
+                                      <p:cBhvr>
+                                        <p:cTn id="19" dur="26">
+                                          <p:stCondLst>
+                                            <p:cond delay="1808"/>
+                                          </p:stCondLst>
+                                        </p:cTn>
+                                        <p:tgtEl>
+                                          <p:spTgt spid="12"/>
+                                        </p:tgtEl>
+                                      </p:cBhvr>
+                                      <p:to x="100000" y="95000"/>
+                                    </p:animScale>
+                                    <p:animScale>
+                                      <p:cBhvr>
+                                        <p:cTn id="20" dur="166" decel="50000">
+                                          <p:stCondLst>
+                                            <p:cond delay="1834"/>
+                                          </p:stCondLst>
+                                        </p:cTn>
+                                        <p:tgtEl>
+                                          <p:spTgt spid="12"/>
+                                        </p:tgtEl>
+                                      </p:cBhvr>
+                                      <p:to x="100000" y="100000"/>
+                                    </p:animScale>
+                                  </p:childTnLst>
+                                </p:cTn>
+                              </p:par>
+                            </p:childTnLst>
+                          </p:cTn>
+                        </p:par>
+                      </p:childTnLst>
+                    </p:cTn>
+                  </p:par>
+                  <p:par>
+                    <p:cTn id="21" fill="hold">
+                      <p:stCondLst>
+                        <p:cond delay="indefinite"/>
+                      </p:stCondLst>
+                      <p:childTnLst>
+                        <p:par>
+                          <p:cTn id="22" fill="hold">
+                            <p:stCondLst>
+                              <p:cond delay="0"/>
+                            </p:stCondLst>
+                            <p:childTnLst>
+                              <p:par>
+                                <p:cTn id="23" presetID="53" presetClass="entr" presetSubtype="16" fill="hold" nodeType="clickEffect">
+                                  <p:stCondLst>
+                                    <p:cond delay="0"/>
+                                  </p:stCondLst>
+                                  <p:childTnLst>
+                                    <p:set>
+                                      <p:cBhvr>
+                                        <p:cTn id="24" dur="1" fill="hold">
+                                          <p:stCondLst>
+                                            <p:cond delay="0"/>
+                                          </p:stCondLst>
+                                        </p:cTn>
+                                        <p:tgtEl>
+                                          <p:spTgt spid="7"/>
+                                        </p:tgtEl>
+                                        <p:attrNameLst>
+                                          <p:attrName>style.visibility</p:attrName>
+                                        </p:attrNameLst>
+                                      </p:cBhvr>
+                                      <p:to>
+                                        <p:strVal val="visible"/>
+                                      </p:to>
+                                    </p:set>
+                                    <p:anim calcmode="lin" valueType="num">
+                                      <p:cBhvr>
+                                        <p:cTn id="25" dur="500" fill="hold"/>
+                                        <p:tgtEl>
+                                          <p:spTgt spid="7"/>
+                                        </p:tgtEl>
+                                        <p:attrNameLst>
+                                          <p:attrName>ppt_w</p:attrName>
+                                        </p:attrNameLst>
+                                      </p:cBhvr>
+                                      <p:tavLst>
+                                        <p:tav tm="0">
+                                          <p:val>
+                                            <p:fltVal val="0"/>
+                                          </p:val>
+                                        </p:tav>
+                                        <p:tav tm="100000">
+                                          <p:val>
+                                            <p:strVal val="#ppt_w"/>
+                                          </p:val>
+                                        </p:tav>
+                                      </p:tavLst>
+                                    </p:anim>
+                                    <p:anim calcmode="lin" valueType="num">
+                                      <p:cBhvr>
+                                        <p:cTn id="26" dur="500" fill="hold"/>
+                                        <p:tgtEl>
+                                          <p:spTgt spid="7"/>
+                                        </p:tgtEl>
+                                        <p:attrNameLst>
+                                          <p:attrName>ppt_h</p:attrName>
+                                        </p:attrNameLst>
+                                      </p:cBhvr>
+                                      <p:tavLst>
+                                        <p:tav tm="0">
+                                          <p:val>
+                                            <p:fltVal val="0"/>
+                                          </p:val>
+                                        </p:tav>
+                                        <p:tav tm="100000">
+                                          <p:val>
+                                            <p:strVal val="#ppt_h"/>
+                                          </p:val>
+                                        </p:tav>
+                                      </p:tavLst>
+                                    </p:anim>
+                                    <p:animEffect transition="in" filter="fade">
+                                      <p:cBhvr>
+                                        <p:cTn id="27" dur="500"/>
+                                        <p:tgtEl>
+                                          <p:spTgt spid="7"/>
+                                        </p:tgtEl>
+                                      </p:cBhvr>
+                                    </p:animEffect>
+                                  </p:childTnLst>
+                                </p:cTn>
+                              </p:par>
+                              <p:par>
+                                <p:cTn id="28" presetID="53" presetClass="entr" presetSubtype="16" fill="hold" nodeType="withEffect">
+                                  <p:stCondLst>
+                                    <p:cond delay="0"/>
+                                  </p:stCondLst>
+                                  <p:childTnLst>
+                                    <p:set>
+                                      <p:cBhvr>
+                                        <p:cTn id="29" dur="1" fill="hold">
+                                          <p:stCondLst>
+                                            <p:cond delay="0"/>
+                                          </p:stCondLst>
+                                        </p:cTn>
+                                        <p:tgtEl>
+                                          <p:spTgt spid="5"/>
+                                        </p:tgtEl>
+                                        <p:attrNameLst>
+                                          <p:attrName>style.visibility</p:attrName>
+                                        </p:attrNameLst>
+                                      </p:cBhvr>
+                                      <p:to>
+                                        <p:strVal val="visible"/>
+                                      </p:to>
+                                    </p:set>
+                                    <p:anim calcmode="lin" valueType="num">
+                                      <p:cBhvr>
+                                        <p:cTn id="30" dur="500" fill="hold"/>
+                                        <p:tgtEl>
+                                          <p:spTgt spid="5"/>
+                                        </p:tgtEl>
+                                        <p:attrNameLst>
+                                          <p:attrName>ppt_w</p:attrName>
+                                        </p:attrNameLst>
+                                      </p:cBhvr>
+                                      <p:tavLst>
+                                        <p:tav tm="0">
+                                          <p:val>
+                                            <p:fltVal val="0"/>
+                                          </p:val>
+                                        </p:tav>
+                                        <p:tav tm="100000">
+                                          <p:val>
+                                            <p:strVal val="#ppt_w"/>
+                                          </p:val>
+                                        </p:tav>
+                                      </p:tavLst>
+                                    </p:anim>
+                                    <p:anim calcmode="lin" valueType="num">
+                                      <p:cBhvr>
+                                        <p:cTn id="31" dur="500" fill="hold"/>
+                                        <p:tgtEl>
+                                          <p:spTgt spid="5"/>
+                                        </p:tgtEl>
+                                        <p:attrNameLst>
+                                          <p:attrName>ppt_h</p:attrName>
+                                        </p:attrNameLst>
+                                      </p:cBhvr>
+                                      <p:tavLst>
+                                        <p:tav tm="0">
+                                          <p:val>
+                                            <p:fltVal val="0"/>
+                                          </p:val>
+                                        </p:tav>
+                                        <p:tav tm="100000">
+                                          <p:val>
+                                            <p:strVal val="#ppt_h"/>
+                                          </p:val>
+                                        </p:tav>
+                                      </p:tavLst>
+                                    </p:anim>
+                                    <p:animEffect transition="in" filter="fade">
+                                      <p:cBhvr>
+                                        <p:cTn id="32" dur="500"/>
+                                        <p:tgtEl>
+                                          <p:spTgt spid="5"/>
+                                        </p:tgtEl>
+                                      </p:cBhvr>
+                                    </p:animEffect>
+                                  </p:childTnLst>
+                                </p:cTn>
+                              </p:par>
+                              <p:par>
+                                <p:cTn id="33" presetID="53" presetClass="entr" presetSubtype="16" fill="hold" nodeType="withEffect">
+                                  <p:stCondLst>
+                                    <p:cond delay="0"/>
+                                  </p:stCondLst>
+                                  <p:childTnLst>
+                                    <p:set>
+                                      <p:cBhvr>
+                                        <p:cTn id="34" dur="1" fill="hold">
+                                          <p:stCondLst>
+                                            <p:cond delay="0"/>
+                                          </p:stCondLst>
+                                        </p:cTn>
+                                        <p:tgtEl>
+                                          <p:spTgt spid="8"/>
+                                        </p:tgtEl>
+                                        <p:attrNameLst>
+                                          <p:attrName>style.visibility</p:attrName>
+                                        </p:attrNameLst>
+                                      </p:cBhvr>
+                                      <p:to>
+                                        <p:strVal val="visible"/>
+                                      </p:to>
+                                    </p:set>
+                                    <p:anim calcmode="lin" valueType="num">
+                                      <p:cBhvr>
+                                        <p:cTn id="35" dur="500" fill="hold"/>
+                                        <p:tgtEl>
+                                          <p:spTgt spid="8"/>
+                                        </p:tgtEl>
+                                        <p:attrNameLst>
+                                          <p:attrName>ppt_w</p:attrName>
+                                        </p:attrNameLst>
+                                      </p:cBhvr>
+                                      <p:tavLst>
+                                        <p:tav tm="0">
+                                          <p:val>
+                                            <p:fltVal val="0"/>
+                                          </p:val>
+                                        </p:tav>
+                                        <p:tav tm="100000">
+                                          <p:val>
+                                            <p:strVal val="#ppt_w"/>
+                                          </p:val>
+                                        </p:tav>
+                                      </p:tavLst>
+                                    </p:anim>
+                                    <p:anim calcmode="lin" valueType="num">
+                                      <p:cBhvr>
+                                        <p:cTn id="36" dur="500" fill="hold"/>
+                                        <p:tgtEl>
+                                          <p:spTgt spid="8"/>
+                                        </p:tgtEl>
+                                        <p:attrNameLst>
+                                          <p:attrName>ppt_h</p:attrName>
+                                        </p:attrNameLst>
+                                      </p:cBhvr>
+                                      <p:tavLst>
+                                        <p:tav tm="0">
+                                          <p:val>
+                                            <p:fltVal val="0"/>
+                                          </p:val>
+                                        </p:tav>
+                                        <p:tav tm="100000">
+                                          <p:val>
+                                            <p:strVal val="#ppt_h"/>
+                                          </p:val>
+                                        </p:tav>
+                                      </p:tavLst>
+                                    </p:anim>
+                                    <p:animEffect transition="in" filter="fade">
+                                      <p:cBhvr>
+                                        <p:cTn id="37" dur="500"/>
+                                        <p:tgtEl>
+                                          <p:spTgt spid="8"/>
+                                        </p:tgtEl>
+                                      </p:cBhvr>
+                                    </p:animEffect>
+                                  </p:childTnLst>
+                                </p:cTn>
+                              </p:par>
+                              <p:par>
+                                <p:cTn id="38" presetID="53" presetClass="entr" presetSubtype="16" fill="hold" nodeType="withEffect">
+                                  <p:stCondLst>
+                                    <p:cond delay="0"/>
+                                  </p:stCondLst>
+                                  <p:childTnLst>
+                                    <p:set>
+                                      <p:cBhvr>
+                                        <p:cTn id="39" dur="1" fill="hold">
+                                          <p:stCondLst>
+                                            <p:cond delay="0"/>
+                                          </p:stCondLst>
+                                        </p:cTn>
+                                        <p:tgtEl>
+                                          <p:spTgt spid="9"/>
+                                        </p:tgtEl>
+                                        <p:attrNameLst>
+                                          <p:attrName>style.visibility</p:attrName>
+                                        </p:attrNameLst>
+                                      </p:cBhvr>
+                                      <p:to>
+                                        <p:strVal val="visible"/>
+                                      </p:to>
+                                    </p:set>
+                                    <p:anim calcmode="lin" valueType="num">
+                                      <p:cBhvr>
+                                        <p:cTn id="40" dur="500" fill="hold"/>
+                                        <p:tgtEl>
+                                          <p:spTgt spid="9"/>
+                                        </p:tgtEl>
+                                        <p:attrNameLst>
+                                          <p:attrName>ppt_w</p:attrName>
+                                        </p:attrNameLst>
+                                      </p:cBhvr>
+                                      <p:tavLst>
+                                        <p:tav tm="0">
+                                          <p:val>
+                                            <p:fltVal val="0"/>
+                                          </p:val>
+                                        </p:tav>
+                                        <p:tav tm="100000">
+                                          <p:val>
+                                            <p:strVal val="#ppt_w"/>
+                                          </p:val>
+                                        </p:tav>
+                                      </p:tavLst>
+                                    </p:anim>
+                                    <p:anim calcmode="lin" valueType="num">
+                                      <p:cBhvr>
+                                        <p:cTn id="41" dur="500" fill="hold"/>
+                                        <p:tgtEl>
+                                          <p:spTgt spid="9"/>
+                                        </p:tgtEl>
+                                        <p:attrNameLst>
+                                          <p:attrName>ppt_h</p:attrName>
+                                        </p:attrNameLst>
+                                      </p:cBhvr>
+                                      <p:tavLst>
+                                        <p:tav tm="0">
+                                          <p:val>
+                                            <p:fltVal val="0"/>
+                                          </p:val>
+                                        </p:tav>
+                                        <p:tav tm="100000">
+                                          <p:val>
+                                            <p:strVal val="#ppt_h"/>
+                                          </p:val>
+                                        </p:tav>
+                                      </p:tavLst>
+                                    </p:anim>
+                                    <p:animEffect transition="in" filter="fade">
+                                      <p:cBhvr>
+                                        <p:cTn id="42" dur="500"/>
+                                        <p:tgtEl>
+                                          <p:spTgt spid="9"/>
+                                        </p:tgtEl>
+                                      </p:cBhvr>
+                                    </p:animEffect>
+                                  </p:childTnLst>
+                                </p:cTn>
+                              </p:par>
+                            </p:childTnLst>
+                          </p:cTn>
+                        </p:par>
+                      </p:childTnLst>
+                    </p:cTn>
+                  </p:par>
+                </p:childTnLst>
+              </p:cTn>
+              <p:prevCondLst>
+                <p:cond evt="onPrev" delay="0">
+                  <p:tgtEl>
+                    <p:sldTgt/>
+                  </p:tgtEl>
+                </p:cond>
+              </p:prevCondLst>
+              <p:nextCondLst>
+                <p:cond evt="onNext" delay="0">
+                  <p:tgtEl>
+                    <p:sldTgt/>
+                  </p:tgtEl>
+                </p:cond>
+              </p:nextCondLst>
+            </p:seq>
+          </p:childTnLst>
+        </p:cTn>
+      </p:par>
+    </p:tnLst>
+  </p:timing>
+</p:sld>
+</file>
+
+<file path=ppt/slides/slide9.xml><?xml version="1.0" encoding="utf-8"?>
+<p:sld xmlns:a="http://schemas.openxmlformats.org/drawingml/2006/main" xmlns:r="http://schemas.openxmlformats.org/officeDocument/2006/relationships" xmlns:p="http://schemas.openxmlformats.org/presentationml/2006/main">
+  <p:cSld>
+    <p:spTree>
+      <p:nvGrpSpPr>
+        <p:cNvPr id="1" name=""/>
+        <p:cNvGrpSpPr/>
+        <p:nvPr/>
+      </p:nvGrpSpPr>
+      <p:grpSpPr>
+        <a:xfrm>
+          <a:off x="0" y="0"/>
+          <a:ext cx="0" cy="0"/>
+          <a:chOff x="0" y="0"/>
+          <a:chExt cx="0" cy="0"/>
+        </a:xfrm>
+      </p:grpSpPr>
+      <p:sp>
+        <p:nvSpPr>
+          <p:cNvPr id="3" name="Espace réservé du contenu 2"/>
+          <p:cNvSpPr>
+            <a:spLocks noGrp="1"/>
+          </p:cNvSpPr>
+          <p:nvPr>
+            <p:ph sz="quarter" idx="1"/>
+          </p:nvPr>
+        </p:nvSpPr>
+        <p:spPr/>
+        <p:txBody>
+          <a:bodyPr/>
+          <a:lstStyle/>
+          <a:p>
+            <a:pPr>
+              <a:buFont typeface="Wingdings" pitchFamily="2" charset="2"/>
+              <a:buChar char="ü"/>
+            </a:pPr>
+            <a:r>
+              <a:rPr lang="fr-FR" dirty="0" smtClean="0">
+                <a:solidFill>
+                  <a:schemeClr val="accent1"/>
+                </a:solidFill>
+                <a:latin typeface="Calibri" pitchFamily="34" charset="0"/>
+                <a:cs typeface="Calibri" pitchFamily="34" charset="0"/>
+              </a:rPr>
+              <a:t>Deux grandes parties:</a:t>
+            </a:r>
+          </a:p>
+          <a:p>
+            <a:pPr marL="0" indent="0">
+              <a:buNone/>
+            </a:pPr>
+            <a:endParaRPr lang="fr-FR" dirty="0" smtClean="0">
+              <a:solidFill>
+                <a:schemeClr val="accent1"/>
+              </a:solidFill>
+              <a:latin typeface="Calibri" pitchFamily="34" charset="0"/>
+              <a:cs typeface="Calibri" pitchFamily="34" charset="0"/>
+            </a:endParaRPr>
+          </a:p>
+          <a:p>
+            <a:pPr marL="365760" lvl="1" indent="0" algn="ctr">
+              <a:buNone/>
+            </a:pPr>
+            <a:r>
+              <a:rPr lang="fr-FR" u="sng" dirty="0" smtClean="0">
+                <a:solidFill>
+                  <a:schemeClr val="accent1"/>
+                </a:solidFill>
+                <a:latin typeface="Calibri" pitchFamily="34" charset="0"/>
+                <a:cs typeface="Calibri" pitchFamily="34" charset="0"/>
+              </a:rPr>
+              <a:t>Utilisateur</a:t>
+            </a:r>
+          </a:p>
+          <a:p>
+            <a:pPr lvl="2">
+              <a:buFont typeface="Arial" pitchFamily="34" charset="0"/>
+              <a:buChar char="•"/>
+            </a:pPr>
+            <a:endParaRPr lang="fr-FR" dirty="0">
+              <a:solidFill>
+                <a:schemeClr val="accent1"/>
+              </a:solidFill>
+              <a:latin typeface="Calibri" pitchFamily="34" charset="0"/>
+              <a:cs typeface="Calibri" pitchFamily="34" charset="0"/>
+            </a:endParaRPr>
+          </a:p>
+        </p:txBody>
+      </p:sp>
+      <p:sp>
+        <p:nvSpPr>
+          <p:cNvPr id="4" name="Titre 1"/>
+          <p:cNvSpPr txBox="1">
+            <a:spLocks/>
+          </p:cNvSpPr>
+          <p:nvPr/>
+        </p:nvSpPr>
+        <p:spPr>
+          <a:xfrm>
+            <a:off x="457200" y="274638"/>
+            <a:ext cx="7467600" cy="850106"/>
+          </a:xfrm>
+          <a:prstGeom prst="rect">
+            <a:avLst/>
+          </a:prstGeom>
+        </p:spPr>
+        <p:txBody>
+          <a:bodyPr vert="horz" anchor="b">
+            <a:normAutofit/>
+          </a:bodyPr>
+          <a:lstStyle>
+            <a:lvl1pPr algn="l" rtl="0" eaLnBrk="1" latinLnBrk="0" hangingPunct="1">
+              <a:spcBef>
+                <a:spcPct val="0"/>
+              </a:spcBef>
+              <a:buNone/>
+              <a:defRPr kumimoji="0" sz="3000" b="0" kern="1200" cap="small" baseline="0">
+                <a:solidFill>
+                  <a:schemeClr val="tx2"/>
+                </a:solidFill>
+                <a:latin typeface="+mj-lt"/>
+                <a:ea typeface="+mj-ea"/>
+                <a:cs typeface="+mj-cs"/>
+              </a:defRPr>
+            </a:lvl1pPr>
+          </a:lstStyle>
+          <a:p>
+            <a:r>
+              <a:rPr lang="fr-FR" sz="4800" b="1" dirty="0" smtClean="0">
+                <a:solidFill>
+                  <a:schemeClr val="accent1">
+                    <a:lumMod val="75000"/>
+                  </a:schemeClr>
+                </a:solidFill>
+                <a:effectLst>
+                  <a:outerShdw blurRad="38100" dist="38100" dir="2700000" algn="tl">
+                    <a:srgbClr val="000000">
+                      <a:alpha val="43137"/>
+                    </a:srgbClr>
+                  </a:outerShdw>
+                </a:effectLst>
+                <a:latin typeface="Freestyle Script" pitchFamily="66" charset="0"/>
+              </a:rPr>
+              <a:t>La </a:t>
+            </a:r>
+            <a:r>
+              <a:rPr lang="fr-FR" sz="4800" b="1" dirty="0">
+                <a:solidFill>
+                  <a:schemeClr val="accent1">
+                    <a:lumMod val="75000"/>
+                  </a:schemeClr>
+                </a:solidFill>
+                <a:effectLst>
+                  <a:outerShdw blurRad="38100" dist="38100" dir="2700000" algn="tl">
+                    <a:srgbClr val="000000">
+                      <a:alpha val="43137"/>
+                    </a:srgbClr>
+                  </a:outerShdw>
+                </a:effectLst>
+                <a:latin typeface="Freestyle Script" pitchFamily="66" charset="0"/>
+              </a:rPr>
+              <a:t>solution</a:t>
+            </a:r>
+          </a:p>
+        </p:txBody>
+      </p:sp>
+      <p:pic>
+        <p:nvPicPr>
+          <p:cNvPr id="2" name="Image 1"/>
+          <p:cNvPicPr>
+            <a:picLocks noChangeAspect="1"/>
+          </p:cNvPicPr>
+          <p:nvPr/>
+        </p:nvPicPr>
+        <p:blipFill>
+          <a:blip r:embed="rId2">
+            <a:extLst>
+              <a:ext uri="{28A0092B-C50C-407E-A947-70E740481C1C}">
+                <a14:useLocalDpi xmlns:a14="http://schemas.microsoft.com/office/drawing/2010/main" val="0"/>
+              </a:ext>
+            </a:extLst>
+          </a:blip>
+          <a:stretch>
+            <a:fillRect/>
+          </a:stretch>
+        </p:blipFill>
+        <p:spPr>
+          <a:xfrm>
+            <a:off x="457200" y="2996952"/>
+            <a:ext cx="2348269" cy="1913404"/>
+          </a:xfrm>
+          <a:prstGeom prst="rect">
+            <a:avLst/>
+          </a:prstGeom>
+        </p:spPr>
+      </p:pic>
+      <p:pic>
+        <p:nvPicPr>
+          <p:cNvPr id="5" name="Image 4"/>
+          <p:cNvPicPr>
+            <a:picLocks noChangeAspect="1"/>
+          </p:cNvPicPr>
+          <p:nvPr/>
+        </p:nvPicPr>
+        <p:blipFill>
+          <a:blip r:embed="rId3">
+            <a:extLst>
+              <a:ext uri="{28A0092B-C50C-407E-A947-70E740481C1C}">
+                <a14:useLocalDpi xmlns:a14="http://schemas.microsoft.com/office/drawing/2010/main" val="0"/>
+              </a:ext>
+            </a:extLst>
+          </a:blip>
+          <a:stretch>
+            <a:fillRect/>
+          </a:stretch>
+        </p:blipFill>
+        <p:spPr>
+          <a:xfrm>
+            <a:off x="3635896" y="2996952"/>
+            <a:ext cx="2083831" cy="1215568"/>
+          </a:xfrm>
+          <a:prstGeom prst="rect">
+            <a:avLst/>
+          </a:prstGeom>
+        </p:spPr>
+      </p:pic>
+      <p:pic>
+        <p:nvPicPr>
+          <p:cNvPr id="7" name="Image 6"/>
+          <p:cNvPicPr>
+            <a:picLocks noChangeAspect="1"/>
+          </p:cNvPicPr>
+          <p:nvPr/>
+        </p:nvPicPr>
+        <p:blipFill>
+          <a:blip r:embed="rId4">
+            <a:extLst>
+              <a:ext uri="{28A0092B-C50C-407E-A947-70E740481C1C}">
+                <a14:useLocalDpi xmlns:a14="http://schemas.microsoft.com/office/drawing/2010/main" val="0"/>
+              </a:ext>
+            </a:extLst>
+          </a:blip>
+          <a:stretch>
+            <a:fillRect/>
+          </a:stretch>
+        </p:blipFill>
+        <p:spPr>
+          <a:xfrm>
+            <a:off x="3419872" y="4775117"/>
+            <a:ext cx="3999310" cy="1922571"/>
+          </a:xfrm>
+          <a:prstGeom prst="rect">
+            <a:avLst/>
+          </a:prstGeom>
+        </p:spPr>
+      </p:pic>
+    </p:spTree>
+    <p:extLst>
+      <p:ext uri="{BB962C8B-B14F-4D97-AF65-F5344CB8AC3E}">
+        <p14:creationId xmlns:p14="http://schemas.microsoft.com/office/powerpoint/2010/main" val="3973259926"/>
       </p:ext>
     </p:extLst>
   </p:cSld>
@@ -7221,4 +12269,289 @@
   <a:objectDefaults/>
   <a:extraClrSchemeLst/>
 </a:theme>
+</file>
+
+<file path=ppt/theme/theme2.xml><?xml version="1.0" encoding="utf-8"?>
+<a:theme xmlns:a="http://schemas.openxmlformats.org/drawingml/2006/main" name="Thème Office">
+  <a:themeElements>
+    <a:clrScheme name="Office">
+      <a:dk1>
+        <a:sysClr val="windowText" lastClr="000000"/>
+      </a:dk1>
+      <a:lt1>
+        <a:sysClr val="window" lastClr="FFFFFF"/>
+      </a:lt1>
+      <a:dk2>
+        <a:srgbClr val="1F497D"/>
+      </a:dk2>
+      <a:lt2>
+        <a:srgbClr val="EEECE1"/>
+      </a:lt2>
+      <a:accent1>
+        <a:srgbClr val="4F81BD"/>
+      </a:accent1>
+      <a:accent2>
+        <a:srgbClr val="C0504D"/>
+      </a:accent2>
+      <a:accent3>
+        <a:srgbClr val="9BBB59"/>
+      </a:accent3>
+      <a:accent4>
+        <a:srgbClr val="8064A2"/>
+      </a:accent4>
+      <a:accent5>
+        <a:srgbClr val="4BACC6"/>
+      </a:accent5>
+      <a:accent6>
+        <a:srgbClr val="F79646"/>
+      </a:accent6>
+      <a:hlink>
+        <a:srgbClr val="0000FF"/>
+      </a:hlink>
+      <a:folHlink>
+        <a:srgbClr val="800080"/>
+      </a:folHlink>
+    </a:clrScheme>
+    <a:fontScheme name="Office">
+      <a:majorFont>
+        <a:latin typeface="Calibri"/>
+        <a:ea typeface=""/>
+        <a:cs typeface=""/>
+        <a:font script="Jpan" typeface="ＭＳ Ｐゴシック"/>
+        <a:font script="Hang" typeface="맑은 고딕"/>
+        <a:font script="Hans" typeface="宋体"/>
+        <a:font script="Hant" typeface="新細明體"/>
+        <a:font script="Arab" typeface="Times New Roman"/>
+        <a:font script="Hebr" typeface="Times New Roman"/>
+        <a:font script="Thai" typeface="Angsana New"/>
+        <a:font script="Ethi" typeface="Nyala"/>
+        <a:font script="Beng" typeface="Vrinda"/>
+        <a:font script="Gujr" typeface="Shruti"/>
+        <a:font script="Khmr" typeface="MoolBoran"/>
+        <a:font script="Knda" typeface="Tunga"/>
+        <a:font script="Guru" typeface="Raavi"/>
+        <a:font script="Cans" typeface="Euphemia"/>
+        <a:font script="Cher" typeface="Plantagenet Cherokee"/>
+        <a:font script="Yiii" typeface="Microsoft Yi Baiti"/>
+        <a:font script="Tibt" typeface="Microsoft Himalaya"/>
+        <a:font script="Thaa" typeface="MV Boli"/>
+        <a:font script="Deva" typeface="Mangal"/>
+        <a:font script="Telu" typeface="Gautami"/>
+        <a:font script="Taml" typeface="Latha"/>
+        <a:font script="Syrc" typeface="Estrangelo Edessa"/>
+        <a:font script="Orya" typeface="Kalinga"/>
+        <a:font script="Mlym" typeface="Kartika"/>
+        <a:font script="Laoo" typeface="DokChampa"/>
+        <a:font script="Sinh" typeface="Iskoola Pota"/>
+        <a:font script="Mong" typeface="Mongolian Baiti"/>
+        <a:font script="Viet" typeface="Times New Roman"/>
+        <a:font script="Uigh" typeface="Microsoft Uighur"/>
+        <a:font script="Geor" typeface="Sylfaen"/>
+      </a:majorFont>
+      <a:minorFont>
+        <a:latin typeface="Calibri"/>
+        <a:ea typeface=""/>
+        <a:cs typeface=""/>
+        <a:font script="Jpan" typeface="ＭＳ Ｐゴシック"/>
+        <a:font script="Hang" typeface="맑은 고딕"/>
+        <a:font script="Hans" typeface="宋体"/>
+        <a:font script="Hant" typeface="新細明體"/>
+        <a:font script="Arab" typeface="Arial"/>
+        <a:font script="Hebr" typeface="Arial"/>
+        <a:font script="Thai" typeface="Cordia New"/>
+        <a:font script="Ethi" typeface="Nyala"/>
+        <a:font script="Beng" typeface="Vrinda"/>
+        <a:font script="Gujr" typeface="Shruti"/>
+        <a:font script="Khmr" typeface="DaunPenh"/>
+        <a:font script="Knda" typeface="Tunga"/>
+        <a:font script="Guru" typeface="Raavi"/>
+        <a:font script="Cans" typeface="Euphemia"/>
+        <a:font script="Cher" typeface="Plantagenet Cherokee"/>
+        <a:font script="Yiii" typeface="Microsoft Yi Baiti"/>
+        <a:font script="Tibt" typeface="Microsoft Himalaya"/>
+        <a:font script="Thaa" typeface="MV Boli"/>
+        <a:font script="Deva" typeface="Mangal"/>
+        <a:font script="Telu" typeface="Gautami"/>
+        <a:font script="Taml" typeface="Latha"/>
+        <a:font script="Syrc" typeface="Estrangelo Edessa"/>
+        <a:font script="Orya" typeface="Kalinga"/>
+        <a:font script="Mlym" typeface="Kartika"/>
+        <a:font script="Laoo" typeface="DokChampa"/>
+        <a:font script="Sinh" typeface="Iskoola Pota"/>
+        <a:font script="Mong" typeface="Mongolian Baiti"/>
+        <a:font script="Viet" typeface="Arial"/>
+        <a:font script="Uigh" typeface="Microsoft Uighur"/>
+        <a:font script="Geor" typeface="Sylfaen"/>
+      </a:minorFont>
+    </a:fontScheme>
+    <a:fmtScheme name="Office">
+      <a:fillStyleLst>
+        <a:solidFill>
+          <a:schemeClr val="phClr"/>
+        </a:solidFill>
+        <a:gradFill rotWithShape="1">
+          <a:gsLst>
+            <a:gs pos="0">
+              <a:schemeClr val="phClr">
+                <a:tint val="50000"/>
+                <a:satMod val="300000"/>
+              </a:schemeClr>
+            </a:gs>
+            <a:gs pos="35000">
+              <a:schemeClr val="phClr">
+                <a:tint val="37000"/>
+                <a:satMod val="300000"/>
+              </a:schemeClr>
+            </a:gs>
+            <a:gs pos="100000">
+              <a:schemeClr val="phClr">
+                <a:tint val="15000"/>
+                <a:satMod val="350000"/>
+              </a:schemeClr>
+            </a:gs>
+          </a:gsLst>
+          <a:lin ang="16200000" scaled="1"/>
+        </a:gradFill>
+        <a:gradFill rotWithShape="1">
+          <a:gsLst>
+            <a:gs pos="0">
+              <a:schemeClr val="phClr">
+                <a:shade val="51000"/>
+                <a:satMod val="130000"/>
+              </a:schemeClr>
+            </a:gs>
+            <a:gs pos="80000">
+              <a:schemeClr val="phClr">
+                <a:shade val="93000"/>
+                <a:satMod val="130000"/>
+              </a:schemeClr>
+            </a:gs>
+            <a:gs pos="100000">
+              <a:schemeClr val="phClr">
+                <a:shade val="94000"/>
+                <a:satMod val="135000"/>
+              </a:schemeClr>
+            </a:gs>
+          </a:gsLst>
+          <a:lin ang="16200000" scaled="0"/>
+        </a:gradFill>
+      </a:fillStyleLst>
+      <a:lnStyleLst>
+        <a:ln w="9525" cap="flat" cmpd="sng" algn="ctr">
+          <a:solidFill>
+            <a:schemeClr val="phClr">
+              <a:shade val="95000"/>
+              <a:satMod val="105000"/>
+            </a:schemeClr>
+          </a:solidFill>
+          <a:prstDash val="solid"/>
+        </a:ln>
+        <a:ln w="25400" cap="flat" cmpd="sng" algn="ctr">
+          <a:solidFill>
+            <a:schemeClr val="phClr"/>
+          </a:solidFill>
+          <a:prstDash val="solid"/>
+        </a:ln>
+        <a:ln w="38100" cap="flat" cmpd="sng" algn="ctr">
+          <a:solidFill>
+            <a:schemeClr val="phClr"/>
+          </a:solidFill>
+          <a:prstDash val="solid"/>
+        </a:ln>
+      </a:lnStyleLst>
+      <a:effectStyleLst>
+        <a:effectStyle>
+          <a:effectLst>
+            <a:outerShdw blurRad="40000" dist="20000" dir="5400000" rotWithShape="0">
+              <a:srgbClr val="000000">
+                <a:alpha val="38000"/>
+              </a:srgbClr>
+            </a:outerShdw>
+          </a:effectLst>
+        </a:effectStyle>
+        <a:effectStyle>
+          <a:effectLst>
+            <a:outerShdw blurRad="40000" dist="23000" dir="5400000" rotWithShape="0">
+              <a:srgbClr val="000000">
+                <a:alpha val="35000"/>
+              </a:srgbClr>
+            </a:outerShdw>
+          </a:effectLst>
+        </a:effectStyle>
+        <a:effectStyle>
+          <a:effectLst>
+            <a:outerShdw blurRad="40000" dist="23000" dir="5400000" rotWithShape="0">
+              <a:srgbClr val="000000">
+                <a:alpha val="35000"/>
+              </a:srgbClr>
+            </a:outerShdw>
+          </a:effectLst>
+          <a:scene3d>
+            <a:camera prst="orthographicFront">
+              <a:rot lat="0" lon="0" rev="0"/>
+            </a:camera>
+            <a:lightRig rig="threePt" dir="t">
+              <a:rot lat="0" lon="0" rev="1200000"/>
+            </a:lightRig>
+          </a:scene3d>
+          <a:sp3d>
+            <a:bevelT w="63500" h="25400"/>
+          </a:sp3d>
+        </a:effectStyle>
+      </a:effectStyleLst>
+      <a:bgFillStyleLst>
+        <a:solidFill>
+          <a:schemeClr val="phClr"/>
+        </a:solidFill>
+        <a:gradFill rotWithShape="1">
+          <a:gsLst>
+            <a:gs pos="0">
+              <a:schemeClr val="phClr">
+                <a:tint val="40000"/>
+                <a:satMod val="350000"/>
+              </a:schemeClr>
+            </a:gs>
+            <a:gs pos="40000">
+              <a:schemeClr val="phClr">
+                <a:tint val="45000"/>
+                <a:shade val="99000"/>
+                <a:satMod val="350000"/>
+              </a:schemeClr>
+            </a:gs>
+            <a:gs pos="100000">
+              <a:schemeClr val="phClr">
+                <a:shade val="20000"/>
+                <a:satMod val="255000"/>
+              </a:schemeClr>
+            </a:gs>
+          </a:gsLst>
+          <a:path path="circle">
+            <a:fillToRect l="50000" t="-80000" r="50000" b="180000"/>
+          </a:path>
+        </a:gradFill>
+        <a:gradFill rotWithShape="1">
+          <a:gsLst>
+            <a:gs pos="0">
+              <a:schemeClr val="phClr">
+                <a:tint val="80000"/>
+                <a:satMod val="300000"/>
+              </a:schemeClr>
+            </a:gs>
+            <a:gs pos="100000">
+              <a:schemeClr val="phClr">
+                <a:shade val="30000"/>
+                <a:satMod val="200000"/>
+              </a:schemeClr>
+            </a:gs>
+          </a:gsLst>
+          <a:path path="circle">
+            <a:fillToRect l="50000" t="50000" r="50000" b="50000"/>
+          </a:path>
+        </a:gradFill>
+      </a:bgFillStyleLst>
+    </a:fmtScheme>
+  </a:themeElements>
+  <a:objectDefaults/>
+  <a:extraClrSchemeLst/>
+</a:theme>
 </file>
--- a/trunk/Rapport/Stage de Licence Informatique.pptx
+++ b/trunk/Rapport/Stage de Licence Informatique.pptx
@@ -11727,7 +11727,12 @@
             <p:ph sz="quarter" idx="1"/>
           </p:nvPr>
         </p:nvSpPr>
-        <p:spPr/>
+        <p:spPr>
+          <a:xfrm>
+            <a:off x="457200" y="1196752"/>
+            <a:ext cx="7467600" cy="5277200"/>
+          </a:xfrm>
+        </p:spPr>
         <p:txBody>
           <a:bodyPr/>
           <a:lstStyle/>
@@ -11751,7 +11756,7 @@
             <a:pPr marL="0" indent="0">
               <a:buNone/>
             </a:pPr>
-            <a:endParaRPr lang="fr-FR" dirty="0" smtClean="0">
+            <a:endParaRPr lang="fr-FR" sz="1000" dirty="0" smtClean="0">
               <a:solidFill>
                 <a:schemeClr val="accent1"/>
               </a:solidFill>
@@ -11888,8 +11893,8 @@
         </p:blipFill>
         <p:spPr>
           <a:xfrm>
-            <a:off x="457200" y="2996952"/>
-            <a:ext cx="2348269" cy="1913404"/>
+            <a:off x="484344" y="2276872"/>
+            <a:ext cx="2083149" cy="1697380"/>
           </a:xfrm>
           <a:prstGeom prst="rect">
             <a:avLst/>
@@ -11918,7 +11923,7 @@
         </p:blipFill>
         <p:spPr>
           <a:xfrm>
-            <a:off x="3635896" y="2996952"/>
+            <a:off x="6444207" y="2517778"/>
             <a:ext cx="2083831" cy="1215568"/>
           </a:xfrm>
           <a:prstGeom prst="rect">
@@ -11928,14 +11933,43 @@
       </p:pic>
       <p:pic>
         <p:nvPicPr>
-          <p:cNvPr id="7" name="Image 6"/>
+          <p:cNvPr id="9" name="Image 8"/>
+          <p:cNvPicPr>
+            <a:picLocks noChangeAspect="1"/>
+          </p:cNvPicPr>
+          <p:nvPr/>
+        </p:nvPicPr>
+        <p:blipFill rotWithShape="1">
+          <a:blip r:embed="rId4">
+            <a:extLst>
+              <a:ext uri="{28A0092B-C50C-407E-A947-70E740481C1C}">
+                <a14:useLocalDpi xmlns:a14="http://schemas.microsoft.com/office/drawing/2010/main" val="0"/>
+              </a:ext>
+            </a:extLst>
+          </a:blip>
+          <a:srcRect t="50000"/>
+          <a:stretch/>
+        </p:blipFill>
+        <p:spPr>
+          <a:xfrm>
+            <a:off x="2987824" y="3473186"/>
+            <a:ext cx="3147017" cy="341537"/>
+          </a:xfrm>
+          <a:prstGeom prst="rect">
+            <a:avLst/>
+          </a:prstGeom>
+        </p:spPr>
+      </p:pic>
+      <p:pic>
+        <p:nvPicPr>
+          <p:cNvPr id="10" name="Image 9"/>
           <p:cNvPicPr>
             <a:picLocks noChangeAspect="1"/>
           </p:cNvPicPr>
           <p:nvPr/>
         </p:nvPicPr>
         <p:blipFill>
-          <a:blip r:embed="rId4">
+          <a:blip r:embed="rId5">
             <a:extLst>
               <a:ext uri="{28A0092B-C50C-407E-A947-70E740481C1C}">
                 <a14:useLocalDpi xmlns:a14="http://schemas.microsoft.com/office/drawing/2010/main" val="0"/>
@@ -11948,14 +11982,375 @@
         </p:blipFill>
         <p:spPr>
           <a:xfrm>
-            <a:off x="3419872" y="4775117"/>
-            <a:ext cx="3999310" cy="1922571"/>
+            <a:off x="2771800" y="4701816"/>
+            <a:ext cx="2659200" cy="2106247"/>
           </a:xfrm>
           <a:prstGeom prst="rect">
             <a:avLst/>
           </a:prstGeom>
+          <a:ln w="38100">
+            <a:solidFill>
+              <a:srgbClr val="00B050"/>
+            </a:solidFill>
+            <a:prstDash val="sysDash"/>
+          </a:ln>
         </p:spPr>
       </p:pic>
+      <p:pic>
+        <p:nvPicPr>
+          <p:cNvPr id="11" name="Image 10"/>
+          <p:cNvPicPr>
+            <a:picLocks noChangeAspect="1"/>
+          </p:cNvPicPr>
+          <p:nvPr/>
+        </p:nvPicPr>
+        <p:blipFill>
+          <a:blip r:embed="rId6">
+            <a:extLst>
+              <a:ext uri="{28A0092B-C50C-407E-A947-70E740481C1C}">
+                <a14:useLocalDpi xmlns:a14="http://schemas.microsoft.com/office/drawing/2010/main" val="0"/>
+              </a:ext>
+            </a:extLst>
+          </a:blip>
+          <a:stretch>
+            <a:fillRect/>
+          </a:stretch>
+        </p:blipFill>
+        <p:spPr>
+          <a:xfrm>
+            <a:off x="323528" y="4701816"/>
+            <a:ext cx="1980525" cy="684717"/>
+          </a:xfrm>
+          <a:prstGeom prst="rect">
+            <a:avLst/>
+          </a:prstGeom>
+          <a:ln w="38100">
+            <a:solidFill>
+              <a:srgbClr val="C00000"/>
+            </a:solidFill>
+            <a:prstDash val="sysDash"/>
+          </a:ln>
+        </p:spPr>
+      </p:pic>
+      <p:pic>
+        <p:nvPicPr>
+          <p:cNvPr id="12" name="Image 11"/>
+          <p:cNvPicPr>
+            <a:picLocks noChangeAspect="1"/>
+          </p:cNvPicPr>
+          <p:nvPr/>
+        </p:nvPicPr>
+        <p:blipFill>
+          <a:blip r:embed="rId7">
+            <a:extLst>
+              <a:ext uri="{28A0092B-C50C-407E-A947-70E740481C1C}">
+                <a14:useLocalDpi xmlns:a14="http://schemas.microsoft.com/office/drawing/2010/main" val="0"/>
+              </a:ext>
+            </a:extLst>
+          </a:blip>
+          <a:stretch>
+            <a:fillRect/>
+          </a:stretch>
+        </p:blipFill>
+        <p:spPr>
+          <a:xfrm>
+            <a:off x="6012160" y="4710328"/>
+            <a:ext cx="2270367" cy="1352410"/>
+          </a:xfrm>
+          <a:prstGeom prst="rect">
+            <a:avLst/>
+          </a:prstGeom>
+          <a:ln w="38100">
+            <a:solidFill>
+              <a:srgbClr val="0070C0"/>
+            </a:solidFill>
+            <a:prstDash val="sysDash"/>
+          </a:ln>
+        </p:spPr>
+      </p:pic>
+      <p:cxnSp>
+        <p:nvCxnSpPr>
+          <p:cNvPr id="17" name="Connecteur droit avec flèche 16"/>
+          <p:cNvCxnSpPr/>
+          <p:nvPr/>
+        </p:nvCxnSpPr>
+        <p:spPr>
+          <a:xfrm>
+            <a:off x="2567493" y="2517778"/>
+            <a:ext cx="3876714" cy="263150"/>
+          </a:xfrm>
+          <a:prstGeom prst="straightConnector1">
+            <a:avLst/>
+          </a:prstGeom>
+          <a:ln>
+            <a:tailEnd type="arrow"/>
+          </a:ln>
+        </p:spPr>
+        <p:style>
+          <a:lnRef idx="2">
+            <a:schemeClr val="accent1"/>
+          </a:lnRef>
+          <a:fillRef idx="0">
+            <a:schemeClr val="accent1"/>
+          </a:fillRef>
+          <a:effectRef idx="1">
+            <a:schemeClr val="accent1"/>
+          </a:effectRef>
+          <a:fontRef idx="minor">
+            <a:schemeClr val="tx1"/>
+          </a:fontRef>
+        </p:style>
+      </p:cxnSp>
+      <p:cxnSp>
+        <p:nvCxnSpPr>
+          <p:cNvPr id="39" name="Connecteur droit avec flèche 38"/>
+          <p:cNvCxnSpPr>
+            <a:endCxn id="9" idx="0"/>
+          </p:cNvCxnSpPr>
+          <p:nvPr/>
+        </p:nvCxnSpPr>
+        <p:spPr>
+          <a:xfrm flipH="1">
+            <a:off x="4561333" y="2998981"/>
+            <a:ext cx="1882874" cy="474205"/>
+          </a:xfrm>
+          <a:prstGeom prst="straightConnector1">
+            <a:avLst/>
+          </a:prstGeom>
+          <a:ln>
+            <a:tailEnd type="arrow"/>
+          </a:ln>
+        </p:spPr>
+        <p:style>
+          <a:lnRef idx="2">
+            <a:schemeClr val="accent1"/>
+          </a:lnRef>
+          <a:fillRef idx="0">
+            <a:schemeClr val="accent1"/>
+          </a:fillRef>
+          <a:effectRef idx="1">
+            <a:schemeClr val="accent1"/>
+          </a:effectRef>
+          <a:fontRef idx="minor">
+            <a:schemeClr val="tx1"/>
+          </a:fontRef>
+        </p:style>
+      </p:cxnSp>
+      <p:cxnSp>
+        <p:nvCxnSpPr>
+          <p:cNvPr id="40" name="Connecteur droit avec flèche 39"/>
+          <p:cNvCxnSpPr/>
+          <p:nvPr/>
+        </p:nvCxnSpPr>
+        <p:spPr>
+          <a:xfrm flipH="1">
+            <a:off x="1979712" y="3733346"/>
+            <a:ext cx="1437726" cy="919790"/>
+          </a:xfrm>
+          <a:prstGeom prst="straightConnector1">
+            <a:avLst/>
+          </a:prstGeom>
+          <a:ln>
+            <a:prstDash val="lgDashDotDot"/>
+            <a:tailEnd type="arrow"/>
+          </a:ln>
+        </p:spPr>
+        <p:style>
+          <a:lnRef idx="2">
+            <a:schemeClr val="accent3"/>
+          </a:lnRef>
+          <a:fillRef idx="0">
+            <a:schemeClr val="accent3"/>
+          </a:fillRef>
+          <a:effectRef idx="1">
+            <a:schemeClr val="accent3"/>
+          </a:effectRef>
+          <a:fontRef idx="minor">
+            <a:schemeClr val="tx1"/>
+          </a:fontRef>
+        </p:style>
+      </p:cxnSp>
+      <p:cxnSp>
+        <p:nvCxnSpPr>
+          <p:cNvPr id="41" name="Connecteur droit avec flèche 40"/>
+          <p:cNvCxnSpPr/>
+          <p:nvPr/>
+        </p:nvCxnSpPr>
+        <p:spPr>
+          <a:xfrm flipH="1">
+            <a:off x="4191000" y="3733346"/>
+            <a:ext cx="236984" cy="919790"/>
+          </a:xfrm>
+          <a:prstGeom prst="straightConnector1">
+            <a:avLst/>
+          </a:prstGeom>
+          <a:ln>
+            <a:solidFill>
+              <a:srgbClr val="00B050"/>
+            </a:solidFill>
+            <a:prstDash val="dashDot"/>
+            <a:tailEnd type="arrow"/>
+          </a:ln>
+        </p:spPr>
+        <p:style>
+          <a:lnRef idx="2">
+            <a:schemeClr val="accent1"/>
+          </a:lnRef>
+          <a:fillRef idx="0">
+            <a:schemeClr val="accent1"/>
+          </a:fillRef>
+          <a:effectRef idx="1">
+            <a:schemeClr val="accent1"/>
+          </a:effectRef>
+          <a:fontRef idx="minor">
+            <a:schemeClr val="tx1"/>
+          </a:fontRef>
+        </p:style>
+      </p:cxnSp>
+      <p:cxnSp>
+        <p:nvCxnSpPr>
+          <p:cNvPr id="42" name="Connecteur droit avec flèche 41"/>
+          <p:cNvCxnSpPr/>
+          <p:nvPr/>
+        </p:nvCxnSpPr>
+        <p:spPr>
+          <a:xfrm>
+            <a:off x="5812374" y="3733346"/>
+            <a:ext cx="847858" cy="919790"/>
+          </a:xfrm>
+          <a:prstGeom prst="straightConnector1">
+            <a:avLst/>
+          </a:prstGeom>
+          <a:ln>
+            <a:solidFill>
+              <a:srgbClr val="0070C0"/>
+            </a:solidFill>
+            <a:prstDash val="dashDot"/>
+            <a:tailEnd type="arrow"/>
+          </a:ln>
+        </p:spPr>
+        <p:style>
+          <a:lnRef idx="2">
+            <a:schemeClr val="accent1"/>
+          </a:lnRef>
+          <a:fillRef idx="0">
+            <a:schemeClr val="accent1"/>
+          </a:fillRef>
+          <a:effectRef idx="1">
+            <a:schemeClr val="accent1"/>
+          </a:effectRef>
+          <a:fontRef idx="minor">
+            <a:schemeClr val="tx1"/>
+          </a:fontRef>
+        </p:style>
+      </p:cxnSp>
+      <p:grpSp>
+        <p:nvGrpSpPr>
+          <p:cNvPr id="6" name="Groupe 5"/>
+          <p:cNvGrpSpPr/>
+          <p:nvPr/>
+        </p:nvGrpSpPr>
+        <p:grpSpPr>
+          <a:xfrm rot="21138997">
+            <a:off x="3064236" y="4138947"/>
+            <a:ext cx="2524338" cy="235398"/>
+            <a:chOff x="3818923" y="4193323"/>
+            <a:chExt cx="2865209" cy="235398"/>
+          </a:xfrm>
+        </p:grpSpPr>
+        <p:pic>
+          <p:nvPicPr>
+            <p:cNvPr id="47" name="Image 46"/>
+            <p:cNvPicPr>
+              <a:picLocks noChangeAspect="1"/>
+            </p:cNvPicPr>
+            <p:nvPr/>
+          </p:nvPicPr>
+          <p:blipFill>
+            <a:blip r:embed="rId8" cstate="print">
+              <a:extLst>
+                <a:ext uri="{28A0092B-C50C-407E-A947-70E740481C1C}">
+                  <a14:useLocalDpi xmlns:a14="http://schemas.microsoft.com/office/drawing/2010/main" val="0"/>
+                </a:ext>
+              </a:extLst>
+            </a:blip>
+            <a:stretch>
+              <a:fillRect/>
+            </a:stretch>
+          </p:blipFill>
+          <p:spPr>
+            <a:xfrm>
+              <a:off x="3818923" y="4193324"/>
+              <a:ext cx="293751" cy="235397"/>
+            </a:xfrm>
+            <a:prstGeom prst="rect">
+              <a:avLst/>
+            </a:prstGeom>
+          </p:spPr>
+        </p:pic>
+        <p:sp>
+          <p:nvSpPr>
+            <p:cNvPr id="48" name="ZoneTexte 47"/>
+            <p:cNvSpPr txBox="1"/>
+            <p:nvPr/>
+          </p:nvSpPr>
+          <p:spPr>
+            <a:xfrm>
+              <a:off x="4112675" y="4193323"/>
+              <a:ext cx="2571457" cy="215444"/>
+            </a:xfrm>
+            <a:prstGeom prst="rect">
+              <a:avLst/>
+            </a:prstGeom>
+            <a:noFill/>
+          </p:spPr>
+          <p:txBody>
+            <a:bodyPr wrap="square" rtlCol="0">
+              <a:spAutoFit/>
+            </a:bodyPr>
+            <a:lstStyle/>
+            <a:p>
+              <a:r>
+                <a:rPr lang="fr-FR" sz="800" b="1" u="sng" dirty="0" smtClean="0">
+                  <a:solidFill>
+                    <a:srgbClr val="FF0000"/>
+                  </a:solidFill>
+                </a:rPr>
+                <a:t>L’utilisateur </a:t>
+              </a:r>
+              <a:r>
+                <a:rPr lang="fr-FR" sz="800" b="1" u="sng" dirty="0" smtClean="0">
+                  <a:solidFill>
+                    <a:srgbClr val="FF0000"/>
+                  </a:solidFill>
+                </a:rPr>
+                <a:t>doit </a:t>
+              </a:r>
+              <a:r>
+                <a:rPr lang="fr-FR" sz="800" b="1" u="sng" dirty="0" smtClean="0">
+                  <a:solidFill>
+                    <a:srgbClr val="FF0000"/>
+                  </a:solidFill>
+                </a:rPr>
+                <a:t>être </a:t>
+              </a:r>
+              <a:r>
+                <a:rPr lang="fr-FR" sz="800" b="1" u="sng" dirty="0" smtClean="0">
+                  <a:solidFill>
+                    <a:srgbClr val="FF0000"/>
+                  </a:solidFill>
+                </a:rPr>
+                <a:t>de niveau &gt; 1 !!</a:t>
+              </a:r>
+              <a:endParaRPr lang="fr-FR" sz="800" b="1" u="sng" dirty="0">
+                <a:solidFill>
+                  <a:srgbClr val="FF0000"/>
+                </a:solidFill>
+              </a:endParaRPr>
+            </a:p>
+          </p:txBody>
+        </p:sp>
+      </p:grpSp>
     </p:spTree>
     <p:extLst>
       <p:ext uri="{BB962C8B-B14F-4D97-AF65-F5344CB8AC3E}">
@@ -11969,7 +12364,1181 @@
   <p:timing>
     <p:tnLst>
       <p:par>
-        <p:cTn id="1" dur="indefinite" restart="never" nodeType="tmRoot"/>
+        <p:cTn id="1" dur="indefinite" restart="never" nodeType="tmRoot">
+          <p:childTnLst>
+            <p:seq concurrent="1" nextAc="seek">
+              <p:cTn id="2" dur="indefinite" nodeType="mainSeq">
+                <p:childTnLst>
+                  <p:par>
+                    <p:cTn id="3" fill="hold">
+                      <p:stCondLst>
+                        <p:cond delay="indefinite"/>
+                      </p:stCondLst>
+                      <p:childTnLst>
+                        <p:par>
+                          <p:cTn id="4" fill="hold">
+                            <p:stCondLst>
+                              <p:cond delay="0"/>
+                            </p:stCondLst>
+                            <p:childTnLst>
+                              <p:par>
+                                <p:cTn id="5" presetID="53" presetClass="entr" presetSubtype="16" fill="hold" nodeType="clickEffect">
+                                  <p:stCondLst>
+                                    <p:cond delay="0"/>
+                                  </p:stCondLst>
+                                  <p:childTnLst>
+                                    <p:set>
+                                      <p:cBhvr>
+                                        <p:cTn id="6" dur="1" fill="hold">
+                                          <p:stCondLst>
+                                            <p:cond delay="0"/>
+                                          </p:stCondLst>
+                                        </p:cTn>
+                                        <p:tgtEl>
+                                          <p:spTgt spid="2"/>
+                                        </p:tgtEl>
+                                        <p:attrNameLst>
+                                          <p:attrName>style.visibility</p:attrName>
+                                        </p:attrNameLst>
+                                      </p:cBhvr>
+                                      <p:to>
+                                        <p:strVal val="visible"/>
+                                      </p:to>
+                                    </p:set>
+                                    <p:anim calcmode="lin" valueType="num">
+                                      <p:cBhvr>
+                                        <p:cTn id="7" dur="500" fill="hold"/>
+                                        <p:tgtEl>
+                                          <p:spTgt spid="2"/>
+                                        </p:tgtEl>
+                                        <p:attrNameLst>
+                                          <p:attrName>ppt_w</p:attrName>
+                                        </p:attrNameLst>
+                                      </p:cBhvr>
+                                      <p:tavLst>
+                                        <p:tav tm="0">
+                                          <p:val>
+                                            <p:fltVal val="0"/>
+                                          </p:val>
+                                        </p:tav>
+                                        <p:tav tm="100000">
+                                          <p:val>
+                                            <p:strVal val="#ppt_w"/>
+                                          </p:val>
+                                        </p:tav>
+                                      </p:tavLst>
+                                    </p:anim>
+                                    <p:anim calcmode="lin" valueType="num">
+                                      <p:cBhvr>
+                                        <p:cTn id="8" dur="500" fill="hold"/>
+                                        <p:tgtEl>
+                                          <p:spTgt spid="2"/>
+                                        </p:tgtEl>
+                                        <p:attrNameLst>
+                                          <p:attrName>ppt_h</p:attrName>
+                                        </p:attrNameLst>
+                                      </p:cBhvr>
+                                      <p:tavLst>
+                                        <p:tav tm="0">
+                                          <p:val>
+                                            <p:fltVal val="0"/>
+                                          </p:val>
+                                        </p:tav>
+                                        <p:tav tm="100000">
+                                          <p:val>
+                                            <p:strVal val="#ppt_h"/>
+                                          </p:val>
+                                        </p:tav>
+                                      </p:tavLst>
+                                    </p:anim>
+                                    <p:animEffect transition="in" filter="fade">
+                                      <p:cBhvr>
+                                        <p:cTn id="9" dur="500"/>
+                                        <p:tgtEl>
+                                          <p:spTgt spid="2"/>
+                                        </p:tgtEl>
+                                      </p:cBhvr>
+                                    </p:animEffect>
+                                  </p:childTnLst>
+                                </p:cTn>
+                              </p:par>
+                              <p:par>
+                                <p:cTn id="10" presetID="53" presetClass="entr" presetSubtype="16" fill="hold" nodeType="withEffect">
+                                  <p:stCondLst>
+                                    <p:cond delay="1000"/>
+                                  </p:stCondLst>
+                                  <p:childTnLst>
+                                    <p:set>
+                                      <p:cBhvr>
+                                        <p:cTn id="11" dur="1" fill="hold">
+                                          <p:stCondLst>
+                                            <p:cond delay="0"/>
+                                          </p:stCondLst>
+                                        </p:cTn>
+                                        <p:tgtEl>
+                                          <p:spTgt spid="17"/>
+                                        </p:tgtEl>
+                                        <p:attrNameLst>
+                                          <p:attrName>style.visibility</p:attrName>
+                                        </p:attrNameLst>
+                                      </p:cBhvr>
+                                      <p:to>
+                                        <p:strVal val="visible"/>
+                                      </p:to>
+                                    </p:set>
+                                    <p:anim calcmode="lin" valueType="num">
+                                      <p:cBhvr>
+                                        <p:cTn id="12" dur="500" fill="hold"/>
+                                        <p:tgtEl>
+                                          <p:spTgt spid="17"/>
+                                        </p:tgtEl>
+                                        <p:attrNameLst>
+                                          <p:attrName>ppt_w</p:attrName>
+                                        </p:attrNameLst>
+                                      </p:cBhvr>
+                                      <p:tavLst>
+                                        <p:tav tm="0">
+                                          <p:val>
+                                            <p:fltVal val="0"/>
+                                          </p:val>
+                                        </p:tav>
+                                        <p:tav tm="100000">
+                                          <p:val>
+                                            <p:strVal val="#ppt_w"/>
+                                          </p:val>
+                                        </p:tav>
+                                      </p:tavLst>
+                                    </p:anim>
+                                    <p:anim calcmode="lin" valueType="num">
+                                      <p:cBhvr>
+                                        <p:cTn id="13" dur="500" fill="hold"/>
+                                        <p:tgtEl>
+                                          <p:spTgt spid="17"/>
+                                        </p:tgtEl>
+                                        <p:attrNameLst>
+                                          <p:attrName>ppt_h</p:attrName>
+                                        </p:attrNameLst>
+                                      </p:cBhvr>
+                                      <p:tavLst>
+                                        <p:tav tm="0">
+                                          <p:val>
+                                            <p:fltVal val="0"/>
+                                          </p:val>
+                                        </p:tav>
+                                        <p:tav tm="100000">
+                                          <p:val>
+                                            <p:strVal val="#ppt_h"/>
+                                          </p:val>
+                                        </p:tav>
+                                      </p:tavLst>
+                                    </p:anim>
+                                    <p:animEffect transition="in" filter="fade">
+                                      <p:cBhvr>
+                                        <p:cTn id="14" dur="500"/>
+                                        <p:tgtEl>
+                                          <p:spTgt spid="17"/>
+                                        </p:tgtEl>
+                                      </p:cBhvr>
+                                    </p:animEffect>
+                                  </p:childTnLst>
+                                </p:cTn>
+                              </p:par>
+                              <p:par>
+                                <p:cTn id="15" presetID="53" presetClass="entr" presetSubtype="16" fill="hold" nodeType="withEffect">
+                                  <p:stCondLst>
+                                    <p:cond delay="1000"/>
+                                  </p:stCondLst>
+                                  <p:childTnLst>
+                                    <p:set>
+                                      <p:cBhvr>
+                                        <p:cTn id="16" dur="1" fill="hold">
+                                          <p:stCondLst>
+                                            <p:cond delay="0"/>
+                                          </p:stCondLst>
+                                        </p:cTn>
+                                        <p:tgtEl>
+                                          <p:spTgt spid="5"/>
+                                        </p:tgtEl>
+                                        <p:attrNameLst>
+                                          <p:attrName>style.visibility</p:attrName>
+                                        </p:attrNameLst>
+                                      </p:cBhvr>
+                                      <p:to>
+                                        <p:strVal val="visible"/>
+                                      </p:to>
+                                    </p:set>
+                                    <p:anim calcmode="lin" valueType="num">
+                                      <p:cBhvr>
+                                        <p:cTn id="17" dur="500" fill="hold"/>
+                                        <p:tgtEl>
+                                          <p:spTgt spid="5"/>
+                                        </p:tgtEl>
+                                        <p:attrNameLst>
+                                          <p:attrName>ppt_w</p:attrName>
+                                        </p:attrNameLst>
+                                      </p:cBhvr>
+                                      <p:tavLst>
+                                        <p:tav tm="0">
+                                          <p:val>
+                                            <p:fltVal val="0"/>
+                                          </p:val>
+                                        </p:tav>
+                                        <p:tav tm="100000">
+                                          <p:val>
+                                            <p:strVal val="#ppt_w"/>
+                                          </p:val>
+                                        </p:tav>
+                                      </p:tavLst>
+                                    </p:anim>
+                                    <p:anim calcmode="lin" valueType="num">
+                                      <p:cBhvr>
+                                        <p:cTn id="18" dur="500" fill="hold"/>
+                                        <p:tgtEl>
+                                          <p:spTgt spid="5"/>
+                                        </p:tgtEl>
+                                        <p:attrNameLst>
+                                          <p:attrName>ppt_h</p:attrName>
+                                        </p:attrNameLst>
+                                      </p:cBhvr>
+                                      <p:tavLst>
+                                        <p:tav tm="0">
+                                          <p:val>
+                                            <p:fltVal val="0"/>
+                                          </p:val>
+                                        </p:tav>
+                                        <p:tav tm="100000">
+                                          <p:val>
+                                            <p:strVal val="#ppt_h"/>
+                                          </p:val>
+                                        </p:tav>
+                                      </p:tavLst>
+                                    </p:anim>
+                                    <p:animEffect transition="in" filter="fade">
+                                      <p:cBhvr>
+                                        <p:cTn id="19" dur="500"/>
+                                        <p:tgtEl>
+                                          <p:spTgt spid="5"/>
+                                        </p:tgtEl>
+                                      </p:cBhvr>
+                                    </p:animEffect>
+                                  </p:childTnLst>
+                                </p:cTn>
+                              </p:par>
+                              <p:par>
+                                <p:cTn id="20" presetID="53" presetClass="entr" presetSubtype="16" fill="hold" nodeType="withEffect">
+                                  <p:stCondLst>
+                                    <p:cond delay="2000"/>
+                                  </p:stCondLst>
+                                  <p:childTnLst>
+                                    <p:set>
+                                      <p:cBhvr>
+                                        <p:cTn id="21" dur="1" fill="hold">
+                                          <p:stCondLst>
+                                            <p:cond delay="0"/>
+                                          </p:stCondLst>
+                                        </p:cTn>
+                                        <p:tgtEl>
+                                          <p:spTgt spid="39"/>
+                                        </p:tgtEl>
+                                        <p:attrNameLst>
+                                          <p:attrName>style.visibility</p:attrName>
+                                        </p:attrNameLst>
+                                      </p:cBhvr>
+                                      <p:to>
+                                        <p:strVal val="visible"/>
+                                      </p:to>
+                                    </p:set>
+                                    <p:anim calcmode="lin" valueType="num">
+                                      <p:cBhvr>
+                                        <p:cTn id="22" dur="500" fill="hold"/>
+                                        <p:tgtEl>
+                                          <p:spTgt spid="39"/>
+                                        </p:tgtEl>
+                                        <p:attrNameLst>
+                                          <p:attrName>ppt_w</p:attrName>
+                                        </p:attrNameLst>
+                                      </p:cBhvr>
+                                      <p:tavLst>
+                                        <p:tav tm="0">
+                                          <p:val>
+                                            <p:fltVal val="0"/>
+                                          </p:val>
+                                        </p:tav>
+                                        <p:tav tm="100000">
+                                          <p:val>
+                                            <p:strVal val="#ppt_w"/>
+                                          </p:val>
+                                        </p:tav>
+                                      </p:tavLst>
+                                    </p:anim>
+                                    <p:anim calcmode="lin" valueType="num">
+                                      <p:cBhvr>
+                                        <p:cTn id="23" dur="500" fill="hold"/>
+                                        <p:tgtEl>
+                                          <p:spTgt spid="39"/>
+                                        </p:tgtEl>
+                                        <p:attrNameLst>
+                                          <p:attrName>ppt_h</p:attrName>
+                                        </p:attrNameLst>
+                                      </p:cBhvr>
+                                      <p:tavLst>
+                                        <p:tav tm="0">
+                                          <p:val>
+                                            <p:fltVal val="0"/>
+                                          </p:val>
+                                        </p:tav>
+                                        <p:tav tm="100000">
+                                          <p:val>
+                                            <p:strVal val="#ppt_h"/>
+                                          </p:val>
+                                        </p:tav>
+                                      </p:tavLst>
+                                    </p:anim>
+                                    <p:animEffect transition="in" filter="fade">
+                                      <p:cBhvr>
+                                        <p:cTn id="24" dur="500"/>
+                                        <p:tgtEl>
+                                          <p:spTgt spid="39"/>
+                                        </p:tgtEl>
+                                      </p:cBhvr>
+                                    </p:animEffect>
+                                  </p:childTnLst>
+                                </p:cTn>
+                              </p:par>
+                              <p:par>
+                                <p:cTn id="25" presetID="53" presetClass="entr" presetSubtype="16" fill="hold" nodeType="withEffect">
+                                  <p:stCondLst>
+                                    <p:cond delay="2000"/>
+                                  </p:stCondLst>
+                                  <p:childTnLst>
+                                    <p:set>
+                                      <p:cBhvr>
+                                        <p:cTn id="26" dur="1" fill="hold">
+                                          <p:stCondLst>
+                                            <p:cond delay="0"/>
+                                          </p:stCondLst>
+                                        </p:cTn>
+                                        <p:tgtEl>
+                                          <p:spTgt spid="9"/>
+                                        </p:tgtEl>
+                                        <p:attrNameLst>
+                                          <p:attrName>style.visibility</p:attrName>
+                                        </p:attrNameLst>
+                                      </p:cBhvr>
+                                      <p:to>
+                                        <p:strVal val="visible"/>
+                                      </p:to>
+                                    </p:set>
+                                    <p:anim calcmode="lin" valueType="num">
+                                      <p:cBhvr>
+                                        <p:cTn id="27" dur="500" fill="hold"/>
+                                        <p:tgtEl>
+                                          <p:spTgt spid="9"/>
+                                        </p:tgtEl>
+                                        <p:attrNameLst>
+                                          <p:attrName>ppt_w</p:attrName>
+                                        </p:attrNameLst>
+                                      </p:cBhvr>
+                                      <p:tavLst>
+                                        <p:tav tm="0">
+                                          <p:val>
+                                            <p:fltVal val="0"/>
+                                          </p:val>
+                                        </p:tav>
+                                        <p:tav tm="100000">
+                                          <p:val>
+                                            <p:strVal val="#ppt_w"/>
+                                          </p:val>
+                                        </p:tav>
+                                      </p:tavLst>
+                                    </p:anim>
+                                    <p:anim calcmode="lin" valueType="num">
+                                      <p:cBhvr>
+                                        <p:cTn id="28" dur="500" fill="hold"/>
+                                        <p:tgtEl>
+                                          <p:spTgt spid="9"/>
+                                        </p:tgtEl>
+                                        <p:attrNameLst>
+                                          <p:attrName>ppt_h</p:attrName>
+                                        </p:attrNameLst>
+                                      </p:cBhvr>
+                                      <p:tavLst>
+                                        <p:tav tm="0">
+                                          <p:val>
+                                            <p:fltVal val="0"/>
+                                          </p:val>
+                                        </p:tav>
+                                        <p:tav tm="100000">
+                                          <p:val>
+                                            <p:strVal val="#ppt_h"/>
+                                          </p:val>
+                                        </p:tav>
+                                      </p:tavLst>
+                                    </p:anim>
+                                    <p:animEffect transition="in" filter="fade">
+                                      <p:cBhvr>
+                                        <p:cTn id="29" dur="500"/>
+                                        <p:tgtEl>
+                                          <p:spTgt spid="9"/>
+                                        </p:tgtEl>
+                                      </p:cBhvr>
+                                    </p:animEffect>
+                                  </p:childTnLst>
+                                </p:cTn>
+                              </p:par>
+                              <p:par>
+                                <p:cTn id="30" presetID="31" presetClass="entr" presetSubtype="0" fill="hold" nodeType="withEffect">
+                                  <p:stCondLst>
+                                    <p:cond delay="3500"/>
+                                  </p:stCondLst>
+                                  <p:childTnLst>
+                                    <p:set>
+                                      <p:cBhvr>
+                                        <p:cTn id="31" dur="1" fill="hold">
+                                          <p:stCondLst>
+                                            <p:cond delay="0"/>
+                                          </p:stCondLst>
+                                        </p:cTn>
+                                        <p:tgtEl>
+                                          <p:spTgt spid="40"/>
+                                        </p:tgtEl>
+                                        <p:attrNameLst>
+                                          <p:attrName>style.visibility</p:attrName>
+                                        </p:attrNameLst>
+                                      </p:cBhvr>
+                                      <p:to>
+                                        <p:strVal val="visible"/>
+                                      </p:to>
+                                    </p:set>
+                                    <p:anim calcmode="lin" valueType="num">
+                                      <p:cBhvr>
+                                        <p:cTn id="32" dur="1000" fill="hold"/>
+                                        <p:tgtEl>
+                                          <p:spTgt spid="40"/>
+                                        </p:tgtEl>
+                                        <p:attrNameLst>
+                                          <p:attrName>ppt_w</p:attrName>
+                                        </p:attrNameLst>
+                                      </p:cBhvr>
+                                      <p:tavLst>
+                                        <p:tav tm="0">
+                                          <p:val>
+                                            <p:fltVal val="0"/>
+                                          </p:val>
+                                        </p:tav>
+                                        <p:tav tm="100000">
+                                          <p:val>
+                                            <p:strVal val="#ppt_w"/>
+                                          </p:val>
+                                        </p:tav>
+                                      </p:tavLst>
+                                    </p:anim>
+                                    <p:anim calcmode="lin" valueType="num">
+                                      <p:cBhvr>
+                                        <p:cTn id="33" dur="1000" fill="hold"/>
+                                        <p:tgtEl>
+                                          <p:spTgt spid="40"/>
+                                        </p:tgtEl>
+                                        <p:attrNameLst>
+                                          <p:attrName>ppt_h</p:attrName>
+                                        </p:attrNameLst>
+                                      </p:cBhvr>
+                                      <p:tavLst>
+                                        <p:tav tm="0">
+                                          <p:val>
+                                            <p:fltVal val="0"/>
+                                          </p:val>
+                                        </p:tav>
+                                        <p:tav tm="100000">
+                                          <p:val>
+                                            <p:strVal val="#ppt_h"/>
+                                          </p:val>
+                                        </p:tav>
+                                      </p:tavLst>
+                                    </p:anim>
+                                    <p:anim calcmode="lin" valueType="num">
+                                      <p:cBhvr>
+                                        <p:cTn id="34" dur="1000" fill="hold"/>
+                                        <p:tgtEl>
+                                          <p:spTgt spid="40"/>
+                                        </p:tgtEl>
+                                        <p:attrNameLst>
+                                          <p:attrName>style.rotation</p:attrName>
+                                        </p:attrNameLst>
+                                      </p:cBhvr>
+                                      <p:tavLst>
+                                        <p:tav tm="0">
+                                          <p:val>
+                                            <p:fltVal val="90"/>
+                                          </p:val>
+                                        </p:tav>
+                                        <p:tav tm="100000">
+                                          <p:val>
+                                            <p:fltVal val="0"/>
+                                          </p:val>
+                                        </p:tav>
+                                      </p:tavLst>
+                                    </p:anim>
+                                    <p:animEffect transition="in" filter="fade">
+                                      <p:cBhvr>
+                                        <p:cTn id="35" dur="1000"/>
+                                        <p:tgtEl>
+                                          <p:spTgt spid="40"/>
+                                        </p:tgtEl>
+                                      </p:cBhvr>
+                                    </p:animEffect>
+                                  </p:childTnLst>
+                                </p:cTn>
+                              </p:par>
+                              <p:par>
+                                <p:cTn id="36" presetID="31" presetClass="entr" presetSubtype="0" fill="hold" nodeType="withEffect">
+                                  <p:stCondLst>
+                                    <p:cond delay="3500"/>
+                                  </p:stCondLst>
+                                  <p:childTnLst>
+                                    <p:set>
+                                      <p:cBhvr>
+                                        <p:cTn id="37" dur="1" fill="hold">
+                                          <p:stCondLst>
+                                            <p:cond delay="0"/>
+                                          </p:stCondLst>
+                                        </p:cTn>
+                                        <p:tgtEl>
+                                          <p:spTgt spid="11"/>
+                                        </p:tgtEl>
+                                        <p:attrNameLst>
+                                          <p:attrName>style.visibility</p:attrName>
+                                        </p:attrNameLst>
+                                      </p:cBhvr>
+                                      <p:to>
+                                        <p:strVal val="visible"/>
+                                      </p:to>
+                                    </p:set>
+                                    <p:anim calcmode="lin" valueType="num">
+                                      <p:cBhvr>
+                                        <p:cTn id="38" dur="1000" fill="hold"/>
+                                        <p:tgtEl>
+                                          <p:spTgt spid="11"/>
+                                        </p:tgtEl>
+                                        <p:attrNameLst>
+                                          <p:attrName>ppt_w</p:attrName>
+                                        </p:attrNameLst>
+                                      </p:cBhvr>
+                                      <p:tavLst>
+                                        <p:tav tm="0">
+                                          <p:val>
+                                            <p:fltVal val="0"/>
+                                          </p:val>
+                                        </p:tav>
+                                        <p:tav tm="100000">
+                                          <p:val>
+                                            <p:strVal val="#ppt_w"/>
+                                          </p:val>
+                                        </p:tav>
+                                      </p:tavLst>
+                                    </p:anim>
+                                    <p:anim calcmode="lin" valueType="num">
+                                      <p:cBhvr>
+                                        <p:cTn id="39" dur="1000" fill="hold"/>
+                                        <p:tgtEl>
+                                          <p:spTgt spid="11"/>
+                                        </p:tgtEl>
+                                        <p:attrNameLst>
+                                          <p:attrName>ppt_h</p:attrName>
+                                        </p:attrNameLst>
+                                      </p:cBhvr>
+                                      <p:tavLst>
+                                        <p:tav tm="0">
+                                          <p:val>
+                                            <p:fltVal val="0"/>
+                                          </p:val>
+                                        </p:tav>
+                                        <p:tav tm="100000">
+                                          <p:val>
+                                            <p:strVal val="#ppt_h"/>
+                                          </p:val>
+                                        </p:tav>
+                                      </p:tavLst>
+                                    </p:anim>
+                                    <p:anim calcmode="lin" valueType="num">
+                                      <p:cBhvr>
+                                        <p:cTn id="40" dur="1000" fill="hold"/>
+                                        <p:tgtEl>
+                                          <p:spTgt spid="11"/>
+                                        </p:tgtEl>
+                                        <p:attrNameLst>
+                                          <p:attrName>style.rotation</p:attrName>
+                                        </p:attrNameLst>
+                                      </p:cBhvr>
+                                      <p:tavLst>
+                                        <p:tav tm="0">
+                                          <p:val>
+                                            <p:fltVal val="90"/>
+                                          </p:val>
+                                        </p:tav>
+                                        <p:tav tm="100000">
+                                          <p:val>
+                                            <p:fltVal val="0"/>
+                                          </p:val>
+                                        </p:tav>
+                                      </p:tavLst>
+                                    </p:anim>
+                                    <p:animEffect transition="in" filter="fade">
+                                      <p:cBhvr>
+                                        <p:cTn id="41" dur="1000"/>
+                                        <p:tgtEl>
+                                          <p:spTgt spid="11"/>
+                                        </p:tgtEl>
+                                      </p:cBhvr>
+                                    </p:animEffect>
+                                  </p:childTnLst>
+                                </p:cTn>
+                              </p:par>
+                              <p:par>
+                                <p:cTn id="42" presetID="31" presetClass="entr" presetSubtype="0" fill="hold" nodeType="withEffect">
+                                  <p:stCondLst>
+                                    <p:cond delay="5000"/>
+                                  </p:stCondLst>
+                                  <p:childTnLst>
+                                    <p:set>
+                                      <p:cBhvr>
+                                        <p:cTn id="43" dur="1" fill="hold">
+                                          <p:stCondLst>
+                                            <p:cond delay="0"/>
+                                          </p:stCondLst>
+                                        </p:cTn>
+                                        <p:tgtEl>
+                                          <p:spTgt spid="41"/>
+                                        </p:tgtEl>
+                                        <p:attrNameLst>
+                                          <p:attrName>style.visibility</p:attrName>
+                                        </p:attrNameLst>
+                                      </p:cBhvr>
+                                      <p:to>
+                                        <p:strVal val="visible"/>
+                                      </p:to>
+                                    </p:set>
+                                    <p:anim calcmode="lin" valueType="num">
+                                      <p:cBhvr>
+                                        <p:cTn id="44" dur="1000" fill="hold"/>
+                                        <p:tgtEl>
+                                          <p:spTgt spid="41"/>
+                                        </p:tgtEl>
+                                        <p:attrNameLst>
+                                          <p:attrName>ppt_w</p:attrName>
+                                        </p:attrNameLst>
+                                      </p:cBhvr>
+                                      <p:tavLst>
+                                        <p:tav tm="0">
+                                          <p:val>
+                                            <p:fltVal val="0"/>
+                                          </p:val>
+                                        </p:tav>
+                                        <p:tav tm="100000">
+                                          <p:val>
+                                            <p:strVal val="#ppt_w"/>
+                                          </p:val>
+                                        </p:tav>
+                                      </p:tavLst>
+                                    </p:anim>
+                                    <p:anim calcmode="lin" valueType="num">
+                                      <p:cBhvr>
+                                        <p:cTn id="45" dur="1000" fill="hold"/>
+                                        <p:tgtEl>
+                                          <p:spTgt spid="41"/>
+                                        </p:tgtEl>
+                                        <p:attrNameLst>
+                                          <p:attrName>ppt_h</p:attrName>
+                                        </p:attrNameLst>
+                                      </p:cBhvr>
+                                      <p:tavLst>
+                                        <p:tav tm="0">
+                                          <p:val>
+                                            <p:fltVal val="0"/>
+                                          </p:val>
+                                        </p:tav>
+                                        <p:tav tm="100000">
+                                          <p:val>
+                                            <p:strVal val="#ppt_h"/>
+                                          </p:val>
+                                        </p:tav>
+                                      </p:tavLst>
+                                    </p:anim>
+                                    <p:anim calcmode="lin" valueType="num">
+                                      <p:cBhvr>
+                                        <p:cTn id="46" dur="1000" fill="hold"/>
+                                        <p:tgtEl>
+                                          <p:spTgt spid="41"/>
+                                        </p:tgtEl>
+                                        <p:attrNameLst>
+                                          <p:attrName>style.rotation</p:attrName>
+                                        </p:attrNameLst>
+                                      </p:cBhvr>
+                                      <p:tavLst>
+                                        <p:tav tm="0">
+                                          <p:val>
+                                            <p:fltVal val="90"/>
+                                          </p:val>
+                                        </p:tav>
+                                        <p:tav tm="100000">
+                                          <p:val>
+                                            <p:fltVal val="0"/>
+                                          </p:val>
+                                        </p:tav>
+                                      </p:tavLst>
+                                    </p:anim>
+                                    <p:animEffect transition="in" filter="fade">
+                                      <p:cBhvr>
+                                        <p:cTn id="47" dur="1000"/>
+                                        <p:tgtEl>
+                                          <p:spTgt spid="41"/>
+                                        </p:tgtEl>
+                                      </p:cBhvr>
+                                    </p:animEffect>
+                                  </p:childTnLst>
+                                </p:cTn>
+                              </p:par>
+                              <p:par>
+                                <p:cTn id="48" presetID="31" presetClass="entr" presetSubtype="0" fill="hold" nodeType="withEffect">
+                                  <p:stCondLst>
+                                    <p:cond delay="5000"/>
+                                  </p:stCondLst>
+                                  <p:childTnLst>
+                                    <p:set>
+                                      <p:cBhvr>
+                                        <p:cTn id="49" dur="1" fill="hold">
+                                          <p:stCondLst>
+                                            <p:cond delay="0"/>
+                                          </p:stCondLst>
+                                        </p:cTn>
+                                        <p:tgtEl>
+                                          <p:spTgt spid="6"/>
+                                        </p:tgtEl>
+                                        <p:attrNameLst>
+                                          <p:attrName>style.visibility</p:attrName>
+                                        </p:attrNameLst>
+                                      </p:cBhvr>
+                                      <p:to>
+                                        <p:strVal val="visible"/>
+                                      </p:to>
+                                    </p:set>
+                                    <p:anim calcmode="lin" valueType="num">
+                                      <p:cBhvr>
+                                        <p:cTn id="50" dur="1000" fill="hold"/>
+                                        <p:tgtEl>
+                                          <p:spTgt spid="6"/>
+                                        </p:tgtEl>
+                                        <p:attrNameLst>
+                                          <p:attrName>ppt_w</p:attrName>
+                                        </p:attrNameLst>
+                                      </p:cBhvr>
+                                      <p:tavLst>
+                                        <p:tav tm="0">
+                                          <p:val>
+                                            <p:fltVal val="0"/>
+                                          </p:val>
+                                        </p:tav>
+                                        <p:tav tm="100000">
+                                          <p:val>
+                                            <p:strVal val="#ppt_w"/>
+                                          </p:val>
+                                        </p:tav>
+                                      </p:tavLst>
+                                    </p:anim>
+                                    <p:anim calcmode="lin" valueType="num">
+                                      <p:cBhvr>
+                                        <p:cTn id="51" dur="1000" fill="hold"/>
+                                        <p:tgtEl>
+                                          <p:spTgt spid="6"/>
+                                        </p:tgtEl>
+                                        <p:attrNameLst>
+                                          <p:attrName>ppt_h</p:attrName>
+                                        </p:attrNameLst>
+                                      </p:cBhvr>
+                                      <p:tavLst>
+                                        <p:tav tm="0">
+                                          <p:val>
+                                            <p:fltVal val="0"/>
+                                          </p:val>
+                                        </p:tav>
+                                        <p:tav tm="100000">
+                                          <p:val>
+                                            <p:strVal val="#ppt_h"/>
+                                          </p:val>
+                                        </p:tav>
+                                      </p:tavLst>
+                                    </p:anim>
+                                    <p:anim calcmode="lin" valueType="num">
+                                      <p:cBhvr>
+                                        <p:cTn id="52" dur="1000" fill="hold"/>
+                                        <p:tgtEl>
+                                          <p:spTgt spid="6"/>
+                                        </p:tgtEl>
+                                        <p:attrNameLst>
+                                          <p:attrName>style.rotation</p:attrName>
+                                        </p:attrNameLst>
+                                      </p:cBhvr>
+                                      <p:tavLst>
+                                        <p:tav tm="0">
+                                          <p:val>
+                                            <p:fltVal val="90"/>
+                                          </p:val>
+                                        </p:tav>
+                                        <p:tav tm="100000">
+                                          <p:val>
+                                            <p:fltVal val="0"/>
+                                          </p:val>
+                                        </p:tav>
+                                      </p:tavLst>
+                                    </p:anim>
+                                    <p:animEffect transition="in" filter="fade">
+                                      <p:cBhvr>
+                                        <p:cTn id="53" dur="1000"/>
+                                        <p:tgtEl>
+                                          <p:spTgt spid="6"/>
+                                        </p:tgtEl>
+                                      </p:cBhvr>
+                                    </p:animEffect>
+                                  </p:childTnLst>
+                                </p:cTn>
+                              </p:par>
+                              <p:par>
+                                <p:cTn id="54" presetID="31" presetClass="entr" presetSubtype="0" fill="hold" nodeType="withEffect">
+                                  <p:stCondLst>
+                                    <p:cond delay="5000"/>
+                                  </p:stCondLst>
+                                  <p:childTnLst>
+                                    <p:set>
+                                      <p:cBhvr>
+                                        <p:cTn id="55" dur="1" fill="hold">
+                                          <p:stCondLst>
+                                            <p:cond delay="0"/>
+                                          </p:stCondLst>
+                                        </p:cTn>
+                                        <p:tgtEl>
+                                          <p:spTgt spid="10"/>
+                                        </p:tgtEl>
+                                        <p:attrNameLst>
+                                          <p:attrName>style.visibility</p:attrName>
+                                        </p:attrNameLst>
+                                      </p:cBhvr>
+                                      <p:to>
+                                        <p:strVal val="visible"/>
+                                      </p:to>
+                                    </p:set>
+                                    <p:anim calcmode="lin" valueType="num">
+                                      <p:cBhvr>
+                                        <p:cTn id="56" dur="1000" fill="hold"/>
+                                        <p:tgtEl>
+                                          <p:spTgt spid="10"/>
+                                        </p:tgtEl>
+                                        <p:attrNameLst>
+                                          <p:attrName>ppt_w</p:attrName>
+                                        </p:attrNameLst>
+                                      </p:cBhvr>
+                                      <p:tavLst>
+                                        <p:tav tm="0">
+                                          <p:val>
+                                            <p:fltVal val="0"/>
+                                          </p:val>
+                                        </p:tav>
+                                        <p:tav tm="100000">
+                                          <p:val>
+                                            <p:strVal val="#ppt_w"/>
+                                          </p:val>
+                                        </p:tav>
+                                      </p:tavLst>
+                                    </p:anim>
+                                    <p:anim calcmode="lin" valueType="num">
+                                      <p:cBhvr>
+                                        <p:cTn id="57" dur="1000" fill="hold"/>
+                                        <p:tgtEl>
+                                          <p:spTgt spid="10"/>
+                                        </p:tgtEl>
+                                        <p:attrNameLst>
+                                          <p:attrName>ppt_h</p:attrName>
+                                        </p:attrNameLst>
+                                      </p:cBhvr>
+                                      <p:tavLst>
+                                        <p:tav tm="0">
+                                          <p:val>
+                                            <p:fltVal val="0"/>
+                                          </p:val>
+                                        </p:tav>
+                                        <p:tav tm="100000">
+                                          <p:val>
+                                            <p:strVal val="#ppt_h"/>
+                                          </p:val>
+                                        </p:tav>
+                                      </p:tavLst>
+                                    </p:anim>
+                                    <p:anim calcmode="lin" valueType="num">
+                                      <p:cBhvr>
+                                        <p:cTn id="58" dur="1000" fill="hold"/>
+                                        <p:tgtEl>
+                                          <p:spTgt spid="10"/>
+                                        </p:tgtEl>
+                                        <p:attrNameLst>
+                                          <p:attrName>style.rotation</p:attrName>
+                                        </p:attrNameLst>
+                                      </p:cBhvr>
+                                      <p:tavLst>
+                                        <p:tav tm="0">
+                                          <p:val>
+                                            <p:fltVal val="90"/>
+                                          </p:val>
+                                        </p:tav>
+                                        <p:tav tm="100000">
+                                          <p:val>
+                                            <p:fltVal val="0"/>
+                                          </p:val>
+                                        </p:tav>
+                                      </p:tavLst>
+                                    </p:anim>
+                                    <p:animEffect transition="in" filter="fade">
+                                      <p:cBhvr>
+                                        <p:cTn id="59" dur="1000"/>
+                                        <p:tgtEl>
+                                          <p:spTgt spid="10"/>
+                                        </p:tgtEl>
+                                      </p:cBhvr>
+                                    </p:animEffect>
+                                  </p:childTnLst>
+                                </p:cTn>
+                              </p:par>
+                              <p:par>
+                                <p:cTn id="60" presetID="31" presetClass="entr" presetSubtype="0" fill="hold" nodeType="withEffect">
+                                  <p:stCondLst>
+                                    <p:cond delay="6500"/>
+                                  </p:stCondLst>
+                                  <p:childTnLst>
+                                    <p:set>
+                                      <p:cBhvr>
+                                        <p:cTn id="61" dur="1" fill="hold">
+                                          <p:stCondLst>
+                                            <p:cond delay="0"/>
+                                          </p:stCondLst>
+                                        </p:cTn>
+                                        <p:tgtEl>
+                                          <p:spTgt spid="42"/>
+                                        </p:tgtEl>
+                                        <p:attrNameLst>
+                                          <p:attrName>style.visibility</p:attrName>
+                                        </p:attrNameLst>
+                                      </p:cBhvr>
+                                      <p:to>
+                                        <p:strVal val="visible"/>
+                                      </p:to>
+                                    </p:set>
+                                    <p:anim calcmode="lin" valueType="num">
+                                      <p:cBhvr>
+                                        <p:cTn id="62" dur="1000" fill="hold"/>
+                                        <p:tgtEl>
+                                          <p:spTgt spid="42"/>
+                                        </p:tgtEl>
+                                        <p:attrNameLst>
+                                          <p:attrName>ppt_w</p:attrName>
+                                        </p:attrNameLst>
+                                      </p:cBhvr>
+                                      <p:tavLst>
+                                        <p:tav tm="0">
+                                          <p:val>
+                                            <p:fltVal val="0"/>
+                                          </p:val>
+                                        </p:tav>
+                                        <p:tav tm="100000">
+                                          <p:val>
+                                            <p:strVal val="#ppt_w"/>
+                                          </p:val>
+                                        </p:tav>
+                                      </p:tavLst>
+                                    </p:anim>
+                                    <p:anim calcmode="lin" valueType="num">
+                                      <p:cBhvr>
+                                        <p:cTn id="63" dur="1000" fill="hold"/>
+                                        <p:tgtEl>
+                                          <p:spTgt spid="42"/>
+                                        </p:tgtEl>
+                                        <p:attrNameLst>
+                                          <p:attrName>ppt_h</p:attrName>
+                                        </p:attrNameLst>
+                                      </p:cBhvr>
+                                      <p:tavLst>
+                                        <p:tav tm="0">
+                                          <p:val>
+                                            <p:fltVal val="0"/>
+                                          </p:val>
+                                        </p:tav>
+                                        <p:tav tm="100000">
+                                          <p:val>
+                                            <p:strVal val="#ppt_h"/>
+                                          </p:val>
+                                        </p:tav>
+                                      </p:tavLst>
+                                    </p:anim>
+                                    <p:anim calcmode="lin" valueType="num">
+                                      <p:cBhvr>
+                                        <p:cTn id="64" dur="1000" fill="hold"/>
+                                        <p:tgtEl>
+                                          <p:spTgt spid="42"/>
+                                        </p:tgtEl>
+                                        <p:attrNameLst>
+                                          <p:attrName>style.rotation</p:attrName>
+                                        </p:attrNameLst>
+                                      </p:cBhvr>
+                                      <p:tavLst>
+                                        <p:tav tm="0">
+                                          <p:val>
+                                            <p:fltVal val="90"/>
+                                          </p:val>
+                                        </p:tav>
+                                        <p:tav tm="100000">
+                                          <p:val>
+                                            <p:fltVal val="0"/>
+                                          </p:val>
+                                        </p:tav>
+                                      </p:tavLst>
+                                    </p:anim>
+                                    <p:animEffect transition="in" filter="fade">
+                                      <p:cBhvr>
+                                        <p:cTn id="65" dur="1000"/>
+                                        <p:tgtEl>
+                                          <p:spTgt spid="42"/>
+                                        </p:tgtEl>
+                                      </p:cBhvr>
+                                    </p:animEffect>
+                                  </p:childTnLst>
+                                </p:cTn>
+                              </p:par>
+                              <p:par>
+                                <p:cTn id="66" presetID="31" presetClass="entr" presetSubtype="0" fill="hold" nodeType="withEffect">
+                                  <p:stCondLst>
+                                    <p:cond delay="6500"/>
+                                  </p:stCondLst>
+                                  <p:childTnLst>
+                                    <p:set>
+                                      <p:cBhvr>
+                                        <p:cTn id="67" dur="1" fill="hold">
+                                          <p:stCondLst>
+                                            <p:cond delay="0"/>
+                                          </p:stCondLst>
+                                        </p:cTn>
+                                        <p:tgtEl>
+                                          <p:spTgt spid="12"/>
+                                        </p:tgtEl>
+                                        <p:attrNameLst>
+                                          <p:attrName>style.visibility</p:attrName>
+                                        </p:attrNameLst>
+                                      </p:cBhvr>
+                                      <p:to>
+                                        <p:strVal val="visible"/>
+                                      </p:to>
+                                    </p:set>
+                                    <p:anim calcmode="lin" valueType="num">
+                                      <p:cBhvr>
+                                        <p:cTn id="68" dur="1000" fill="hold"/>
+                                        <p:tgtEl>
+                                          <p:spTgt spid="12"/>
+                                        </p:tgtEl>
+                                        <p:attrNameLst>
+                                          <p:attrName>ppt_w</p:attrName>
+                                        </p:attrNameLst>
+                                      </p:cBhvr>
+                                      <p:tavLst>
+                                        <p:tav tm="0">
+                                          <p:val>
+                                            <p:fltVal val="0"/>
+                                          </p:val>
+                                        </p:tav>
+                                        <p:tav tm="100000">
+                                          <p:val>
+                                            <p:strVal val="#ppt_w"/>
+                                          </p:val>
+                                        </p:tav>
+                                      </p:tavLst>
+                                    </p:anim>
+                                    <p:anim calcmode="lin" valueType="num">
+                                      <p:cBhvr>
+                                        <p:cTn id="69" dur="1000" fill="hold"/>
+                                        <p:tgtEl>
+                                          <p:spTgt spid="12"/>
+                                        </p:tgtEl>
+                                        <p:attrNameLst>
+                                          <p:attrName>ppt_h</p:attrName>
+                                        </p:attrNameLst>
+                                      </p:cBhvr>
+                                      <p:tavLst>
+                                        <p:tav tm="0">
+                                          <p:val>
+                                            <p:fltVal val="0"/>
+                                          </p:val>
+                                        </p:tav>
+                                        <p:tav tm="100000">
+                                          <p:val>
+                                            <p:strVal val="#ppt_h"/>
+                                          </p:val>
+                                        </p:tav>
+                                      </p:tavLst>
+                                    </p:anim>
+                                    <p:anim calcmode="lin" valueType="num">
+                                      <p:cBhvr>
+                                        <p:cTn id="70" dur="1000" fill="hold"/>
+                                        <p:tgtEl>
+                                          <p:spTgt spid="12"/>
+                                        </p:tgtEl>
+                                        <p:attrNameLst>
+                                          <p:attrName>style.rotation</p:attrName>
+                                        </p:attrNameLst>
+                                      </p:cBhvr>
+                                      <p:tavLst>
+                                        <p:tav tm="0">
+                                          <p:val>
+                                            <p:fltVal val="90"/>
+                                          </p:val>
+                                        </p:tav>
+                                        <p:tav tm="100000">
+                                          <p:val>
+                                            <p:fltVal val="0"/>
+                                          </p:val>
+                                        </p:tav>
+                                      </p:tavLst>
+                                    </p:anim>
+                                    <p:animEffect transition="in" filter="fade">
+                                      <p:cBhvr>
+                                        <p:cTn id="71" dur="1000"/>
+                                        <p:tgtEl>
+                                          <p:spTgt spid="12"/>
+                                        </p:tgtEl>
+                                      </p:cBhvr>
+                                    </p:animEffect>
+                                  </p:childTnLst>
+                                </p:cTn>
+                              </p:par>
+                            </p:childTnLst>
+                          </p:cTn>
+                        </p:par>
+                      </p:childTnLst>
+                    </p:cTn>
+                  </p:par>
+                </p:childTnLst>
+              </p:cTn>
+              <p:prevCondLst>
+                <p:cond evt="onPrev" delay="0">
+                  <p:tgtEl>
+                    <p:sldTgt/>
+                  </p:tgtEl>
+                </p:cond>
+              </p:prevCondLst>
+              <p:nextCondLst>
+                <p:cond evt="onNext" delay="0">
+                  <p:tgtEl>
+                    <p:sldTgt/>
+                  </p:tgtEl>
+                </p:cond>
+              </p:nextCondLst>
+            </p:seq>
+          </p:childTnLst>
+        </p:cTn>
       </p:par>
     </p:tnLst>
   </p:timing>

--- a/trunk/Rapport/Stage de Licence Informatique.pptx
+++ b/trunk/Rapport/Stage de Licence Informatique.pptx
@@ -5,7 +5,7 @@
     <p:sldMasterId id="2147483660" r:id="rId1"/>
   </p:sldMasterIdLst>
   <p:notesMasterIdLst>
-    <p:notesMasterId r:id="rId14"/>
+    <p:notesMasterId r:id="rId15"/>
   </p:notesMasterIdLst>
   <p:sldIdLst>
     <p:sldId id="256" r:id="rId2"/>
@@ -20,6 +20,7 @@
     <p:sldId id="267" r:id="rId11"/>
     <p:sldId id="266" r:id="rId12"/>
     <p:sldId id="260" r:id="rId13"/>
+    <p:sldId id="268" r:id="rId14"/>
   </p:sldIdLst>
   <p:sldSz cx="9144000" cy="6858000" type="screen4x3"/>
   <p:notesSz cx="6858000" cy="9144000"/>
@@ -7154,7 +7155,12 @@
             <p:ph sz="quarter" idx="1"/>
           </p:nvPr>
         </p:nvSpPr>
-        <p:spPr/>
+        <p:spPr>
+          <a:xfrm>
+            <a:off x="457200" y="1124744"/>
+            <a:ext cx="7467600" cy="5349208"/>
+          </a:xfrm>
+        </p:spPr>
         <p:txBody>
           <a:bodyPr/>
           <a:lstStyle/>
@@ -7191,7 +7197,7 @@
               <a:buNone/>
             </a:pPr>
             <a:r>
-              <a:rPr lang="fr-FR" u="sng" dirty="0" smtClean="0">
+              <a:rPr lang="fr-FR" u="sng" smtClean="0">
                 <a:solidFill>
                   <a:schemeClr val="accent1"/>
                 </a:solidFill>
@@ -7200,6 +7206,18 @@
               </a:rPr>
               <a:t>Film</a:t>
             </a:r>
+          </a:p>
+          <a:p>
+            <a:pPr marL="365760" lvl="1" indent="0">
+              <a:buNone/>
+            </a:pPr>
+            <a:endParaRPr lang="fr-FR" u="sng" dirty="0" smtClean="0">
+              <a:solidFill>
+                <a:schemeClr val="accent1"/>
+              </a:solidFill>
+              <a:latin typeface="Calibri" pitchFamily="34" charset="0"/>
+              <a:cs typeface="Calibri" pitchFamily="34" charset="0"/>
+            </a:endParaRPr>
           </a:p>
           <a:p>
             <a:pPr lvl="2">
@@ -7555,6 +7573,158 @@
     <p:extLst>
       <p:ext uri="{BB962C8B-B14F-4D97-AF65-F5344CB8AC3E}">
         <p14:creationId xmlns:p14="http://schemas.microsoft.com/office/powerpoint/2010/main" val="1692778987"/>
+      </p:ext>
+    </p:extLst>
+  </p:cSld>
+  <p:clrMapOvr>
+    <a:masterClrMapping/>
+  </p:clrMapOvr>
+  <p:timing>
+    <p:tnLst>
+      <p:par>
+        <p:cTn id="1" dur="indefinite" restart="never" nodeType="tmRoot"/>
+      </p:par>
+    </p:tnLst>
+  </p:timing>
+</p:sld>
+</file>
+
+<file path=ppt/slides/slide13.xml><?xml version="1.0" encoding="utf-8"?>
+<p:sld xmlns:a="http://schemas.openxmlformats.org/drawingml/2006/main" xmlns:r="http://schemas.openxmlformats.org/officeDocument/2006/relationships" xmlns:p="http://schemas.openxmlformats.org/presentationml/2006/main">
+  <p:cSld>
+    <p:spTree>
+      <p:nvGrpSpPr>
+        <p:cNvPr id="1" name=""/>
+        <p:cNvGrpSpPr/>
+        <p:nvPr/>
+      </p:nvGrpSpPr>
+      <p:grpSpPr>
+        <a:xfrm>
+          <a:off x="0" y="0"/>
+          <a:ext cx="0" cy="0"/>
+          <a:chOff x="0" y="0"/>
+          <a:chExt cx="0" cy="0"/>
+        </a:xfrm>
+      </p:grpSpPr>
+      <p:sp>
+        <p:nvSpPr>
+          <p:cNvPr id="3" name="Espace réservé du contenu 2"/>
+          <p:cNvSpPr>
+            <a:spLocks noGrp="1"/>
+          </p:cNvSpPr>
+          <p:nvPr>
+            <p:ph sz="quarter" idx="1"/>
+          </p:nvPr>
+        </p:nvSpPr>
+        <p:spPr/>
+        <p:txBody>
+          <a:bodyPr/>
+          <a:lstStyle/>
+          <a:p>
+            <a:pPr marL="91440" indent="0">
+              <a:buNone/>
+            </a:pPr>
+            <a:endParaRPr lang="fr-FR" dirty="0" smtClean="0">
+              <a:solidFill>
+                <a:schemeClr val="accent1"/>
+              </a:solidFill>
+              <a:latin typeface="Calibri" pitchFamily="34" charset="0"/>
+              <a:cs typeface="Calibri" pitchFamily="34" charset="0"/>
+            </a:endParaRPr>
+          </a:p>
+          <a:p>
+            <a:pPr lvl="2">
+              <a:buFont typeface="Arial" pitchFamily="34" charset="0"/>
+              <a:buChar char="•"/>
+            </a:pPr>
+            <a:endParaRPr lang="fr-FR" dirty="0">
+              <a:solidFill>
+                <a:schemeClr val="accent1"/>
+              </a:solidFill>
+              <a:latin typeface="Calibri" pitchFamily="34" charset="0"/>
+              <a:cs typeface="Calibri" pitchFamily="34" charset="0"/>
+            </a:endParaRPr>
+          </a:p>
+        </p:txBody>
+      </p:sp>
+      <p:sp>
+        <p:nvSpPr>
+          <p:cNvPr id="4" name="Titre 1"/>
+          <p:cNvSpPr txBox="1">
+            <a:spLocks/>
+          </p:cNvSpPr>
+          <p:nvPr/>
+        </p:nvSpPr>
+        <p:spPr>
+          <a:xfrm>
+            <a:off x="457200" y="274638"/>
+            <a:ext cx="7467600" cy="850106"/>
+          </a:xfrm>
+          <a:prstGeom prst="rect">
+            <a:avLst/>
+          </a:prstGeom>
+        </p:spPr>
+        <p:txBody>
+          <a:bodyPr vert="horz" anchor="b">
+            <a:normAutofit/>
+          </a:bodyPr>
+          <a:lstStyle>
+            <a:lvl1pPr algn="l" rtl="0" eaLnBrk="1" latinLnBrk="0" hangingPunct="1">
+              <a:spcBef>
+                <a:spcPct val="0"/>
+              </a:spcBef>
+              <a:buNone/>
+              <a:defRPr kumimoji="0" sz="3000" b="0" kern="1200" cap="small" baseline="0">
+                <a:solidFill>
+                  <a:schemeClr val="tx2"/>
+                </a:solidFill>
+                <a:latin typeface="+mj-lt"/>
+                <a:ea typeface="+mj-ea"/>
+                <a:cs typeface="+mj-cs"/>
+              </a:defRPr>
+            </a:lvl1pPr>
+          </a:lstStyle>
+          <a:p>
+            <a:r>
+              <a:rPr lang="fr-FR" sz="4800" b="1" dirty="0" smtClean="0">
+                <a:solidFill>
+                  <a:schemeClr val="accent1">
+                    <a:lumMod val="75000"/>
+                  </a:schemeClr>
+                </a:solidFill>
+                <a:effectLst>
+                  <a:outerShdw blurRad="38100" dist="38100" dir="2700000" algn="tl">
+                    <a:srgbClr val="000000">
+                      <a:alpha val="43137"/>
+                    </a:srgbClr>
+                  </a:outerShdw>
+                </a:effectLst>
+                <a:latin typeface="Freestyle Script" pitchFamily="66" charset="0"/>
+              </a:rPr>
+              <a:t>Conclusion</a:t>
+            </a:r>
+            <a:endParaRPr lang="fr-FR" sz="4800" b="1" dirty="0">
+              <a:solidFill>
+                <a:schemeClr val="accent1">
+                  <a:lumMod val="75000"/>
+                </a:schemeClr>
+              </a:solidFill>
+              <a:effectLst>
+                <a:outerShdw blurRad="38100" dist="38100" dir="2700000" algn="tl">
+                  <a:srgbClr val="000000">
+                    <a:alpha val="43137"/>
+                  </a:srgbClr>
+                </a:outerShdw>
+              </a:effectLst>
+              <a:latin typeface="Freestyle Script" pitchFamily="66" charset="0"/>
+            </a:endParaRPr>
+          </a:p>
+        </p:txBody>
+      </p:sp>
+    </p:spTree>
+    <p:extLst>
+      <p:ext uri="{BB962C8B-B14F-4D97-AF65-F5344CB8AC3E}">
+        <p14:creationId xmlns:p14="http://schemas.microsoft.com/office/powerpoint/2010/main" val="2236576169"/>
       </p:ext>
     </p:extLst>
   </p:cSld>

--- a/trunk/Rapport/Stage de Licence Informatique.pptx
+++ b/trunk/Rapport/Stage de Licence Informatique.pptx
@@ -5,7 +5,7 @@
     <p:sldMasterId id="2147483660" r:id="rId1"/>
   </p:sldMasterIdLst>
   <p:notesMasterIdLst>
-    <p:notesMasterId r:id="rId15"/>
+    <p:notesMasterId r:id="rId16"/>
   </p:notesMasterIdLst>
   <p:sldIdLst>
     <p:sldId id="256" r:id="rId2"/>
@@ -19,8 +19,9 @@
     <p:sldId id="264" r:id="rId10"/>
     <p:sldId id="267" r:id="rId11"/>
     <p:sldId id="266" r:id="rId12"/>
-    <p:sldId id="260" r:id="rId13"/>
-    <p:sldId id="268" r:id="rId14"/>
+    <p:sldId id="269" r:id="rId13"/>
+    <p:sldId id="260" r:id="rId14"/>
+    <p:sldId id="268" r:id="rId15"/>
   </p:sldIdLst>
   <p:sldSz cx="9144000" cy="6858000" type="screen4x3"/>
   <p:notesSz cx="6858000" cy="9144000"/>
@@ -5944,7 +5945,7 @@
           <p:nvPr>
             <p:extLst>
               <p:ext uri="{D42A27DB-BD31-4B8C-83A1-F6EECF244321}">
-                <p14:modId xmlns:p14="http://schemas.microsoft.com/office/powerpoint/2010/main" val="3686121161"/>
+                <p14:modId xmlns:p14="http://schemas.microsoft.com/office/powerpoint/2010/main" val="2378693416"/>
               </p:ext>
             </p:extLst>
           </p:nvPr>
@@ -6173,7 +6174,7 @@
                           <a:latin typeface="Calibri" pitchFamily="34" charset="0"/>
                           <a:cs typeface="Calibri" pitchFamily="34" charset="0"/>
                         </a:rPr>
-                        <a:t>4</a:t>
+                        <a:t>3</a:t>
                       </a:r>
                       <a:endParaRPr lang="fr-FR" sz="1400" i="1" dirty="0">
                         <a:latin typeface="Calibri" pitchFamily="34" charset="0"/>
@@ -7197,7 +7198,7 @@
               <a:buNone/>
             </a:pPr>
             <a:r>
-              <a:rPr lang="fr-FR" u="sng" smtClean="0">
+              <a:rPr lang="fr-FR" u="sng" dirty="0" smtClean="0">
                 <a:solidFill>
                   <a:schemeClr val="accent1"/>
                 </a:solidFill>
@@ -7324,6 +7325,676 @@
           </a:p>
         </p:txBody>
       </p:sp>
+      <p:pic>
+        <p:nvPicPr>
+          <p:cNvPr id="2" name="Image 1"/>
+          <p:cNvPicPr>
+            <a:picLocks noChangeAspect="1"/>
+          </p:cNvPicPr>
+          <p:nvPr/>
+        </p:nvPicPr>
+        <p:blipFill>
+          <a:blip r:embed="rId2">
+            <a:extLst>
+              <a:ext uri="{28A0092B-C50C-407E-A947-70E740481C1C}">
+                <a14:useLocalDpi xmlns:a14="http://schemas.microsoft.com/office/drawing/2010/main" val="0"/>
+              </a:ext>
+            </a:extLst>
+          </a:blip>
+          <a:stretch>
+            <a:fillRect/>
+          </a:stretch>
+        </p:blipFill>
+        <p:spPr>
+          <a:xfrm>
+            <a:off x="251520" y="3645024"/>
+            <a:ext cx="2232248" cy="170401"/>
+          </a:xfrm>
+          <a:prstGeom prst="rect">
+            <a:avLst/>
+          </a:prstGeom>
+        </p:spPr>
+      </p:pic>
+      <p:pic>
+        <p:nvPicPr>
+          <p:cNvPr id="1026" name="Picture 2"/>
+          <p:cNvPicPr>
+            <a:picLocks noChangeAspect="1" noChangeArrowheads="1"/>
+          </p:cNvPicPr>
+          <p:nvPr/>
+        </p:nvPicPr>
+        <p:blipFill>
+          <a:blip r:embed="rId3">
+            <a:extLst>
+              <a:ext uri="{28A0092B-C50C-407E-A947-70E740481C1C}">
+                <a14:useLocalDpi xmlns:a14="http://schemas.microsoft.com/office/drawing/2010/main" val="0"/>
+              </a:ext>
+            </a:extLst>
+          </a:blip>
+          <a:srcRect/>
+          <a:stretch>
+            <a:fillRect/>
+          </a:stretch>
+        </p:blipFill>
+        <p:spPr bwMode="auto">
+          <a:xfrm>
+            <a:off x="251520" y="2492896"/>
+            <a:ext cx="2371171" cy="710754"/>
+          </a:xfrm>
+          <a:prstGeom prst="rect">
+            <a:avLst/>
+          </a:prstGeom>
+          <a:noFill/>
+          <a:ln>
+            <a:noFill/>
+          </a:ln>
+          <a:effectLst/>
+          <a:extLst>
+            <a:ext uri="{909E8E84-426E-40DD-AFC4-6F175D3DCCD1}">
+              <a14:hiddenFill xmlns:a14="http://schemas.microsoft.com/office/drawing/2010/main">
+                <a:solidFill>
+                  <a:schemeClr val="accent1"/>
+                </a:solidFill>
+              </a14:hiddenFill>
+            </a:ext>
+            <a:ext uri="{91240B29-F687-4F45-9708-019B960494DF}">
+              <a14:hiddenLine xmlns:a14="http://schemas.microsoft.com/office/drawing/2010/main" w="9525">
+                <a:solidFill>
+                  <a:schemeClr val="tx1"/>
+                </a:solidFill>
+                <a:miter lim="800000"/>
+                <a:headEnd/>
+                <a:tailEnd/>
+              </a14:hiddenLine>
+            </a:ext>
+            <a:ext uri="{AF507438-7753-43E0-B8FC-AC1667EBCBE1}">
+              <a14:hiddenEffects xmlns:a14="http://schemas.microsoft.com/office/drawing/2010/main">
+                <a:effectLst>
+                  <a:outerShdw dist="35921" dir="2700000" algn="ctr" rotWithShape="0">
+                    <a:schemeClr val="bg2"/>
+                  </a:outerShdw>
+                </a:effectLst>
+              </a14:hiddenEffects>
+            </a:ext>
+          </a:extLst>
+        </p:spPr>
+      </p:pic>
+      <p:cxnSp>
+        <p:nvCxnSpPr>
+          <p:cNvPr id="8" name="Connecteur en arc 7"/>
+          <p:cNvCxnSpPr/>
+          <p:nvPr/>
+        </p:nvCxnSpPr>
+        <p:spPr>
+          <a:xfrm rot="16200000" flipV="1">
+            <a:off x="1475656" y="3068960"/>
+            <a:ext cx="648072" cy="504056"/>
+          </a:xfrm>
+          <a:prstGeom prst="curvedConnector3">
+            <a:avLst/>
+          </a:prstGeom>
+          <a:ln>
+            <a:tailEnd type="arrow"/>
+          </a:ln>
+        </p:spPr>
+        <p:style>
+          <a:lnRef idx="2">
+            <a:schemeClr val="accent1"/>
+          </a:lnRef>
+          <a:fillRef idx="0">
+            <a:schemeClr val="accent1"/>
+          </a:fillRef>
+          <a:effectRef idx="1">
+            <a:schemeClr val="accent1"/>
+          </a:effectRef>
+          <a:fontRef idx="minor">
+            <a:schemeClr val="tx1"/>
+          </a:fontRef>
+        </p:style>
+      </p:cxnSp>
+      <p:pic>
+        <p:nvPicPr>
+          <p:cNvPr id="1027" name="Picture 3"/>
+          <p:cNvPicPr>
+            <a:picLocks noChangeAspect="1" noChangeArrowheads="1"/>
+          </p:cNvPicPr>
+          <p:nvPr/>
+        </p:nvPicPr>
+        <p:blipFill>
+          <a:blip r:embed="rId4" cstate="print">
+            <a:extLst>
+              <a:ext uri="{28A0092B-C50C-407E-A947-70E740481C1C}">
+                <a14:useLocalDpi xmlns:a14="http://schemas.microsoft.com/office/drawing/2010/main" val="0"/>
+              </a:ext>
+            </a:extLst>
+          </a:blip>
+          <a:srcRect/>
+          <a:stretch>
+            <a:fillRect/>
+          </a:stretch>
+        </p:blipFill>
+        <p:spPr bwMode="auto">
+          <a:xfrm>
+            <a:off x="6108474" y="2492896"/>
+            <a:ext cx="2234952" cy="854071"/>
+          </a:xfrm>
+          <a:prstGeom prst="rect">
+            <a:avLst/>
+          </a:prstGeom>
+          <a:noFill/>
+          <a:ln>
+            <a:noFill/>
+          </a:ln>
+          <a:effectLst/>
+          <a:extLst>
+            <a:ext uri="{909E8E84-426E-40DD-AFC4-6F175D3DCCD1}">
+              <a14:hiddenFill xmlns:a14="http://schemas.microsoft.com/office/drawing/2010/main">
+                <a:solidFill>
+                  <a:schemeClr val="accent1"/>
+                </a:solidFill>
+              </a14:hiddenFill>
+            </a:ext>
+            <a:ext uri="{91240B29-F687-4F45-9708-019B960494DF}">
+              <a14:hiddenLine xmlns:a14="http://schemas.microsoft.com/office/drawing/2010/main" w="9525">
+                <a:solidFill>
+                  <a:schemeClr val="tx1"/>
+                </a:solidFill>
+                <a:miter lim="800000"/>
+                <a:headEnd/>
+                <a:tailEnd/>
+              </a14:hiddenLine>
+            </a:ext>
+            <a:ext uri="{AF507438-7753-43E0-B8FC-AC1667EBCBE1}">
+              <a14:hiddenEffects xmlns:a14="http://schemas.microsoft.com/office/drawing/2010/main">
+                <a:effectLst>
+                  <a:outerShdw dist="35921" dir="2700000" algn="ctr" rotWithShape="0">
+                    <a:schemeClr val="bg2"/>
+                  </a:outerShdw>
+                </a:effectLst>
+              </a14:hiddenEffects>
+            </a:ext>
+          </a:extLst>
+        </p:spPr>
+      </p:pic>
+      <p:pic>
+        <p:nvPicPr>
+          <p:cNvPr id="1028" name="Picture 4"/>
+          <p:cNvPicPr>
+            <a:picLocks noChangeAspect="1" noChangeArrowheads="1"/>
+          </p:cNvPicPr>
+          <p:nvPr/>
+        </p:nvPicPr>
+        <p:blipFill>
+          <a:blip r:embed="rId5" cstate="print">
+            <a:extLst>
+              <a:ext uri="{28A0092B-C50C-407E-A947-70E740481C1C}">
+                <a14:useLocalDpi xmlns:a14="http://schemas.microsoft.com/office/drawing/2010/main" val="0"/>
+              </a:ext>
+            </a:extLst>
+          </a:blip>
+          <a:srcRect/>
+          <a:stretch>
+            <a:fillRect/>
+          </a:stretch>
+        </p:blipFill>
+        <p:spPr bwMode="auto">
+          <a:xfrm>
+            <a:off x="621905" y="4540665"/>
+            <a:ext cx="2859629" cy="2061500"/>
+          </a:xfrm>
+          <a:prstGeom prst="rect">
+            <a:avLst/>
+          </a:prstGeom>
+          <a:noFill/>
+          <a:ln>
+            <a:noFill/>
+          </a:ln>
+          <a:effectLst/>
+          <a:extLst>
+            <a:ext uri="{909E8E84-426E-40DD-AFC4-6F175D3DCCD1}">
+              <a14:hiddenFill xmlns:a14="http://schemas.microsoft.com/office/drawing/2010/main">
+                <a:solidFill>
+                  <a:schemeClr val="accent1"/>
+                </a:solidFill>
+              </a14:hiddenFill>
+            </a:ext>
+            <a:ext uri="{91240B29-F687-4F45-9708-019B960494DF}">
+              <a14:hiddenLine xmlns:a14="http://schemas.microsoft.com/office/drawing/2010/main" w="9525">
+                <a:solidFill>
+                  <a:schemeClr val="tx1"/>
+                </a:solidFill>
+                <a:miter lim="800000"/>
+                <a:headEnd/>
+                <a:tailEnd/>
+              </a14:hiddenLine>
+            </a:ext>
+            <a:ext uri="{AF507438-7753-43E0-B8FC-AC1667EBCBE1}">
+              <a14:hiddenEffects xmlns:a14="http://schemas.microsoft.com/office/drawing/2010/main">
+                <a:effectLst>
+                  <a:outerShdw dist="35921" dir="2700000" algn="ctr" rotWithShape="0">
+                    <a:schemeClr val="bg2"/>
+                  </a:outerShdw>
+                </a:effectLst>
+              </a14:hiddenEffects>
+            </a:ext>
+          </a:extLst>
+        </p:spPr>
+      </p:pic>
+      <p:pic>
+        <p:nvPicPr>
+          <p:cNvPr id="1029" name="Picture 5"/>
+          <p:cNvPicPr>
+            <a:picLocks noChangeAspect="1" noChangeArrowheads="1"/>
+          </p:cNvPicPr>
+          <p:nvPr/>
+        </p:nvPicPr>
+        <p:blipFill>
+          <a:blip r:embed="rId6" cstate="print">
+            <a:extLst>
+              <a:ext uri="{28A0092B-C50C-407E-A947-70E740481C1C}">
+                <a14:useLocalDpi xmlns:a14="http://schemas.microsoft.com/office/drawing/2010/main" val="0"/>
+              </a:ext>
+            </a:extLst>
+          </a:blip>
+          <a:srcRect/>
+          <a:stretch>
+            <a:fillRect/>
+          </a:stretch>
+        </p:blipFill>
+        <p:spPr bwMode="auto">
+          <a:xfrm>
+            <a:off x="5364088" y="3933056"/>
+            <a:ext cx="2446977" cy="2669109"/>
+          </a:xfrm>
+          <a:prstGeom prst="rect">
+            <a:avLst/>
+          </a:prstGeom>
+          <a:noFill/>
+          <a:ln>
+            <a:noFill/>
+          </a:ln>
+          <a:effectLst/>
+          <a:extLst>
+            <a:ext uri="{909E8E84-426E-40DD-AFC4-6F175D3DCCD1}">
+              <a14:hiddenFill xmlns:a14="http://schemas.microsoft.com/office/drawing/2010/main">
+                <a:solidFill>
+                  <a:schemeClr val="accent1"/>
+                </a:solidFill>
+              </a14:hiddenFill>
+            </a:ext>
+            <a:ext uri="{91240B29-F687-4F45-9708-019B960494DF}">
+              <a14:hiddenLine xmlns:a14="http://schemas.microsoft.com/office/drawing/2010/main" w="9525">
+                <a:solidFill>
+                  <a:schemeClr val="tx1"/>
+                </a:solidFill>
+                <a:miter lim="800000"/>
+                <a:headEnd/>
+                <a:tailEnd/>
+              </a14:hiddenLine>
+            </a:ext>
+            <a:ext uri="{AF507438-7753-43E0-B8FC-AC1667EBCBE1}">
+              <a14:hiddenEffects xmlns:a14="http://schemas.microsoft.com/office/drawing/2010/main">
+                <a:effectLst>
+                  <a:outerShdw dist="35921" dir="2700000" algn="ctr" rotWithShape="0">
+                    <a:schemeClr val="bg2"/>
+                  </a:outerShdw>
+                </a:effectLst>
+              </a14:hiddenEffects>
+            </a:ext>
+          </a:extLst>
+        </p:spPr>
+      </p:pic>
+      <p:cxnSp>
+        <p:nvCxnSpPr>
+          <p:cNvPr id="10" name="Connecteur droit avec flèche 9"/>
+          <p:cNvCxnSpPr/>
+          <p:nvPr/>
+        </p:nvCxnSpPr>
+        <p:spPr>
+          <a:xfrm>
+            <a:off x="2622691" y="2708920"/>
+            <a:ext cx="3485783" cy="0"/>
+          </a:xfrm>
+          <a:prstGeom prst="straightConnector1">
+            <a:avLst/>
+          </a:prstGeom>
+          <a:ln>
+            <a:solidFill>
+              <a:schemeClr val="accent1">
+                <a:lumMod val="75000"/>
+              </a:schemeClr>
+            </a:solidFill>
+            <a:tailEnd type="arrow"/>
+          </a:ln>
+        </p:spPr>
+        <p:style>
+          <a:lnRef idx="2">
+            <a:schemeClr val="accent1"/>
+          </a:lnRef>
+          <a:fillRef idx="0">
+            <a:schemeClr val="accent1"/>
+          </a:fillRef>
+          <a:effectRef idx="1">
+            <a:schemeClr val="accent1"/>
+          </a:effectRef>
+          <a:fontRef idx="minor">
+            <a:schemeClr val="tx1"/>
+          </a:fontRef>
+        </p:style>
+      </p:cxnSp>
+      <p:cxnSp>
+        <p:nvCxnSpPr>
+          <p:cNvPr id="12" name="Connecteur droit avec flèche 11"/>
+          <p:cNvCxnSpPr/>
+          <p:nvPr/>
+        </p:nvCxnSpPr>
+        <p:spPr>
+          <a:xfrm flipH="1">
+            <a:off x="2987824" y="3068960"/>
+            <a:ext cx="3120650" cy="1471705"/>
+          </a:xfrm>
+          <a:prstGeom prst="straightConnector1">
+            <a:avLst/>
+          </a:prstGeom>
+          <a:ln>
+            <a:tailEnd type="arrow"/>
+          </a:ln>
+        </p:spPr>
+        <p:style>
+          <a:lnRef idx="2">
+            <a:schemeClr val="accent2"/>
+          </a:lnRef>
+          <a:fillRef idx="0">
+            <a:schemeClr val="accent2"/>
+          </a:fillRef>
+          <a:effectRef idx="1">
+            <a:schemeClr val="accent2"/>
+          </a:effectRef>
+          <a:fontRef idx="minor">
+            <a:schemeClr val="tx1"/>
+          </a:fontRef>
+        </p:style>
+      </p:cxnSp>
+      <p:cxnSp>
+        <p:nvCxnSpPr>
+          <p:cNvPr id="14" name="Connecteur droit avec flèche 13"/>
+          <p:cNvCxnSpPr/>
+          <p:nvPr/>
+        </p:nvCxnSpPr>
+        <p:spPr>
+          <a:xfrm flipV="1">
+            <a:off x="3419872" y="5571415"/>
+            <a:ext cx="1944216" cy="953929"/>
+          </a:xfrm>
+          <a:prstGeom prst="straightConnector1">
+            <a:avLst/>
+          </a:prstGeom>
+          <a:ln>
+            <a:solidFill>
+              <a:srgbClr val="00B050"/>
+            </a:solidFill>
+            <a:tailEnd type="arrow"/>
+          </a:ln>
+        </p:spPr>
+        <p:style>
+          <a:lnRef idx="2">
+            <a:schemeClr val="accent1"/>
+          </a:lnRef>
+          <a:fillRef idx="0">
+            <a:schemeClr val="accent1"/>
+          </a:fillRef>
+          <a:effectRef idx="1">
+            <a:schemeClr val="accent1"/>
+          </a:effectRef>
+          <a:fontRef idx="minor">
+            <a:schemeClr val="tx1"/>
+          </a:fontRef>
+        </p:style>
+      </p:cxnSp>
+      <p:sp>
+        <p:nvSpPr>
+          <p:cNvPr id="17" name="ZoneTexte 16"/>
+          <p:cNvSpPr txBox="1"/>
+          <p:nvPr/>
+        </p:nvSpPr>
+        <p:spPr>
+          <a:xfrm>
+            <a:off x="3302630" y="2729419"/>
+            <a:ext cx="2125903" cy="200055"/>
+          </a:xfrm>
+          <a:prstGeom prst="rect">
+            <a:avLst/>
+          </a:prstGeom>
+          <a:noFill/>
+        </p:spPr>
+        <p:txBody>
+          <a:bodyPr wrap="none" rtlCol="0">
+            <a:spAutoFit/>
+          </a:bodyPr>
+          <a:lstStyle/>
+          <a:p>
+            <a:r>
+              <a:rPr lang="fr-FR" sz="700" i="1" dirty="0" smtClean="0">
+                <a:solidFill>
+                  <a:schemeClr val="accent1">
+                    <a:lumMod val="75000"/>
+                  </a:schemeClr>
+                </a:solidFill>
+              </a:rPr>
+              <a:t>Visualisation du film dans la section recherche</a:t>
+            </a:r>
+            <a:endParaRPr lang="fr-FR" sz="700" i="1" dirty="0">
+              <a:solidFill>
+                <a:schemeClr val="accent1">
+                  <a:lumMod val="75000"/>
+                </a:schemeClr>
+              </a:solidFill>
+            </a:endParaRPr>
+          </a:p>
+        </p:txBody>
+      </p:sp>
+      <p:sp>
+        <p:nvSpPr>
+          <p:cNvPr id="18" name="ZoneTexte 17"/>
+          <p:cNvSpPr txBox="1"/>
+          <p:nvPr/>
+        </p:nvSpPr>
+        <p:spPr>
+          <a:xfrm rot="20086150">
+            <a:off x="4242328" y="3833027"/>
+            <a:ext cx="811441" cy="200055"/>
+          </a:xfrm>
+          <a:prstGeom prst="rect">
+            <a:avLst/>
+          </a:prstGeom>
+          <a:noFill/>
+        </p:spPr>
+        <p:txBody>
+          <a:bodyPr wrap="none" rtlCol="0">
+            <a:spAutoFit/>
+          </a:bodyPr>
+          <a:lstStyle/>
+          <a:p>
+            <a:r>
+              <a:rPr lang="fr-FR" sz="700" i="1" dirty="0" smtClean="0">
+                <a:solidFill>
+                  <a:schemeClr val="accent2"/>
+                </a:solidFill>
+              </a:rPr>
+              <a:t>Détails du film</a:t>
+            </a:r>
+            <a:endParaRPr lang="fr-FR" sz="700" i="1" dirty="0">
+              <a:solidFill>
+                <a:schemeClr val="accent2"/>
+              </a:solidFill>
+            </a:endParaRPr>
+          </a:p>
+        </p:txBody>
+      </p:sp>
+      <p:sp>
+        <p:nvSpPr>
+          <p:cNvPr id="19" name="ZoneTexte 18"/>
+          <p:cNvSpPr txBox="1"/>
+          <p:nvPr/>
+        </p:nvSpPr>
+        <p:spPr>
+          <a:xfrm>
+            <a:off x="58805" y="3363344"/>
+            <a:ext cx="1794081" cy="200055"/>
+          </a:xfrm>
+          <a:prstGeom prst="rect">
+            <a:avLst/>
+          </a:prstGeom>
+          <a:noFill/>
+        </p:spPr>
+        <p:txBody>
+          <a:bodyPr wrap="none" rtlCol="0">
+            <a:spAutoFit/>
+          </a:bodyPr>
+          <a:lstStyle/>
+          <a:p>
+            <a:r>
+              <a:rPr lang="fr-FR" sz="700" i="1" dirty="0" smtClean="0">
+                <a:solidFill>
+                  <a:schemeClr val="accent1"/>
+                </a:solidFill>
+              </a:rPr>
+              <a:t>Récupération de l’id sur le site </a:t>
+            </a:r>
+            <a:r>
+              <a:rPr lang="fr-FR" sz="700" i="1" dirty="0" err="1" smtClean="0">
+                <a:solidFill>
+                  <a:schemeClr val="accent1"/>
+                </a:solidFill>
+              </a:rPr>
+              <a:t>Allociné</a:t>
+            </a:r>
+            <a:endParaRPr lang="fr-FR" sz="700" i="1" dirty="0">
+              <a:solidFill>
+                <a:schemeClr val="accent1"/>
+              </a:solidFill>
+            </a:endParaRPr>
+          </a:p>
+        </p:txBody>
+      </p:sp>
+      <p:sp>
+        <p:nvSpPr>
+          <p:cNvPr id="27" name="ZoneTexte 26"/>
+          <p:cNvSpPr txBox="1"/>
+          <p:nvPr/>
+        </p:nvSpPr>
+        <p:spPr>
+          <a:xfrm rot="20086150">
+            <a:off x="3865157" y="5811892"/>
+            <a:ext cx="1162498" cy="200055"/>
+          </a:xfrm>
+          <a:prstGeom prst="rect">
+            <a:avLst/>
+          </a:prstGeom>
+          <a:noFill/>
+        </p:spPr>
+        <p:txBody>
+          <a:bodyPr wrap="none" rtlCol="0">
+            <a:spAutoFit/>
+          </a:bodyPr>
+          <a:lstStyle/>
+          <a:p>
+            <a:r>
+              <a:rPr lang="fr-FR" sz="700" i="1" dirty="0" smtClean="0">
+                <a:solidFill>
+                  <a:srgbClr val="00B050"/>
+                </a:solidFill>
+              </a:rPr>
+              <a:t>Modification de la fiche</a:t>
+            </a:r>
+            <a:endParaRPr lang="fr-FR" sz="700" i="1" dirty="0">
+              <a:solidFill>
+                <a:srgbClr val="00B050"/>
+              </a:solidFill>
+            </a:endParaRPr>
+          </a:p>
+        </p:txBody>
+      </p:sp>
+      <p:sp>
+        <p:nvSpPr>
+          <p:cNvPr id="29" name="ZoneTexte 28"/>
+          <p:cNvSpPr txBox="1"/>
+          <p:nvPr/>
+        </p:nvSpPr>
+        <p:spPr>
+          <a:xfrm rot="20049599">
+            <a:off x="4377368" y="5922764"/>
+            <a:ext cx="732893" cy="307777"/>
+          </a:xfrm>
+          <a:prstGeom prst="rect">
+            <a:avLst/>
+          </a:prstGeom>
+          <a:noFill/>
+        </p:spPr>
+        <p:txBody>
+          <a:bodyPr wrap="none" rtlCol="0">
+            <a:spAutoFit/>
+          </a:bodyPr>
+          <a:lstStyle/>
+          <a:p>
+            <a:pPr algn="ctr"/>
+            <a:r>
+              <a:rPr lang="fr-FR" sz="700" i="1" dirty="0" smtClean="0">
+                <a:solidFill>
+                  <a:srgbClr val="00B050"/>
+                </a:solidFill>
+              </a:rPr>
+              <a:t>Suppression</a:t>
+            </a:r>
+          </a:p>
+          <a:p>
+            <a:pPr algn="ctr"/>
+            <a:r>
+              <a:rPr lang="fr-FR" sz="700" i="1" dirty="0" smtClean="0">
+                <a:solidFill>
+                  <a:srgbClr val="00B050"/>
+                </a:solidFill>
+              </a:rPr>
+              <a:t>Si niveau = 3</a:t>
+            </a:r>
+            <a:endParaRPr lang="fr-FR" sz="700" i="1" dirty="0">
+              <a:solidFill>
+                <a:srgbClr val="00B050"/>
+              </a:solidFill>
+            </a:endParaRPr>
+          </a:p>
+        </p:txBody>
+      </p:sp>
+      <p:pic>
+        <p:nvPicPr>
+          <p:cNvPr id="24" name="Image 23"/>
+          <p:cNvPicPr>
+            <a:picLocks noChangeAspect="1"/>
+          </p:cNvPicPr>
+          <p:nvPr/>
+        </p:nvPicPr>
+        <p:blipFill>
+          <a:blip r:embed="rId7" cstate="print">
+            <a:extLst>
+              <a:ext uri="{28A0092B-C50C-407E-A947-70E740481C1C}">
+                <a14:useLocalDpi xmlns:a14="http://schemas.microsoft.com/office/drawing/2010/main" val="0"/>
+              </a:ext>
+            </a:extLst>
+          </a:blip>
+          <a:stretch>
+            <a:fillRect/>
+          </a:stretch>
+        </p:blipFill>
+        <p:spPr>
+          <a:xfrm rot="20215690">
+            <a:off x="4219729" y="6153085"/>
+            <a:ext cx="233006" cy="194172"/>
+          </a:xfrm>
+          <a:prstGeom prst="rect">
+            <a:avLst/>
+          </a:prstGeom>
+        </p:spPr>
+      </p:pic>
     </p:spTree>
     <p:extLst>
       <p:ext uri="{BB962C8B-B14F-4D97-AF65-F5344CB8AC3E}">
@@ -7337,9 +8008,1329 @@
   <p:timing>
     <p:tnLst>
       <p:par>
-        <p:cTn id="1" dur="indefinite" restart="never" nodeType="tmRoot"/>
+        <p:cTn id="1" dur="indefinite" restart="never" nodeType="tmRoot">
+          <p:childTnLst>
+            <p:seq concurrent="1" nextAc="seek">
+              <p:cTn id="2" dur="indefinite" nodeType="mainSeq">
+                <p:childTnLst>
+                  <p:par>
+                    <p:cTn id="3" fill="hold">
+                      <p:stCondLst>
+                        <p:cond delay="indefinite"/>
+                        <p:cond evt="onBegin" delay="0">
+                          <p:tn val="2"/>
+                        </p:cond>
+                      </p:stCondLst>
+                      <p:childTnLst>
+                        <p:par>
+                          <p:cTn id="4" fill="hold">
+                            <p:stCondLst>
+                              <p:cond delay="0"/>
+                            </p:stCondLst>
+                            <p:childTnLst>
+                              <p:par>
+                                <p:cTn id="5" presetID="53" presetClass="entr" presetSubtype="16" fill="hold" nodeType="withEffect">
+                                  <p:stCondLst>
+                                    <p:cond delay="0"/>
+                                  </p:stCondLst>
+                                  <p:childTnLst>
+                                    <p:set>
+                                      <p:cBhvr>
+                                        <p:cTn id="6" dur="1" fill="hold">
+                                          <p:stCondLst>
+                                            <p:cond delay="0"/>
+                                          </p:stCondLst>
+                                        </p:cTn>
+                                        <p:tgtEl>
+                                          <p:spTgt spid="1026"/>
+                                        </p:tgtEl>
+                                        <p:attrNameLst>
+                                          <p:attrName>style.visibility</p:attrName>
+                                        </p:attrNameLst>
+                                      </p:cBhvr>
+                                      <p:to>
+                                        <p:strVal val="visible"/>
+                                      </p:to>
+                                    </p:set>
+                                    <p:anim calcmode="lin" valueType="num">
+                                      <p:cBhvr>
+                                        <p:cTn id="7" dur="500" fill="hold"/>
+                                        <p:tgtEl>
+                                          <p:spTgt spid="1026"/>
+                                        </p:tgtEl>
+                                        <p:attrNameLst>
+                                          <p:attrName>ppt_w</p:attrName>
+                                        </p:attrNameLst>
+                                      </p:cBhvr>
+                                      <p:tavLst>
+                                        <p:tav tm="0">
+                                          <p:val>
+                                            <p:fltVal val="0"/>
+                                          </p:val>
+                                        </p:tav>
+                                        <p:tav tm="100000">
+                                          <p:val>
+                                            <p:strVal val="#ppt_w"/>
+                                          </p:val>
+                                        </p:tav>
+                                      </p:tavLst>
+                                    </p:anim>
+                                    <p:anim calcmode="lin" valueType="num">
+                                      <p:cBhvr>
+                                        <p:cTn id="8" dur="500" fill="hold"/>
+                                        <p:tgtEl>
+                                          <p:spTgt spid="1026"/>
+                                        </p:tgtEl>
+                                        <p:attrNameLst>
+                                          <p:attrName>ppt_h</p:attrName>
+                                        </p:attrNameLst>
+                                      </p:cBhvr>
+                                      <p:tavLst>
+                                        <p:tav tm="0">
+                                          <p:val>
+                                            <p:fltVal val="0"/>
+                                          </p:val>
+                                        </p:tav>
+                                        <p:tav tm="100000">
+                                          <p:val>
+                                            <p:strVal val="#ppt_h"/>
+                                          </p:val>
+                                        </p:tav>
+                                      </p:tavLst>
+                                    </p:anim>
+                                    <p:animEffect transition="in" filter="fade">
+                                      <p:cBhvr>
+                                        <p:cTn id="9" dur="500"/>
+                                        <p:tgtEl>
+                                          <p:spTgt spid="1026"/>
+                                        </p:tgtEl>
+                                      </p:cBhvr>
+                                    </p:animEffect>
+                                  </p:childTnLst>
+                                </p:cTn>
+                              </p:par>
+                              <p:par>
+                                <p:cTn id="10" presetID="53" presetClass="entr" presetSubtype="16" fill="hold" nodeType="withEffect">
+                                  <p:stCondLst>
+                                    <p:cond delay="0"/>
+                                  </p:stCondLst>
+                                  <p:childTnLst>
+                                    <p:set>
+                                      <p:cBhvr>
+                                        <p:cTn id="11" dur="1" fill="hold">
+                                          <p:stCondLst>
+                                            <p:cond delay="0"/>
+                                          </p:stCondLst>
+                                        </p:cTn>
+                                        <p:tgtEl>
+                                          <p:spTgt spid="8"/>
+                                        </p:tgtEl>
+                                        <p:attrNameLst>
+                                          <p:attrName>style.visibility</p:attrName>
+                                        </p:attrNameLst>
+                                      </p:cBhvr>
+                                      <p:to>
+                                        <p:strVal val="visible"/>
+                                      </p:to>
+                                    </p:set>
+                                    <p:anim calcmode="lin" valueType="num">
+                                      <p:cBhvr>
+                                        <p:cTn id="12" dur="500" fill="hold"/>
+                                        <p:tgtEl>
+                                          <p:spTgt spid="8"/>
+                                        </p:tgtEl>
+                                        <p:attrNameLst>
+                                          <p:attrName>ppt_w</p:attrName>
+                                        </p:attrNameLst>
+                                      </p:cBhvr>
+                                      <p:tavLst>
+                                        <p:tav tm="0">
+                                          <p:val>
+                                            <p:fltVal val="0"/>
+                                          </p:val>
+                                        </p:tav>
+                                        <p:tav tm="100000">
+                                          <p:val>
+                                            <p:strVal val="#ppt_w"/>
+                                          </p:val>
+                                        </p:tav>
+                                      </p:tavLst>
+                                    </p:anim>
+                                    <p:anim calcmode="lin" valueType="num">
+                                      <p:cBhvr>
+                                        <p:cTn id="13" dur="500" fill="hold"/>
+                                        <p:tgtEl>
+                                          <p:spTgt spid="8"/>
+                                        </p:tgtEl>
+                                        <p:attrNameLst>
+                                          <p:attrName>ppt_h</p:attrName>
+                                        </p:attrNameLst>
+                                      </p:cBhvr>
+                                      <p:tavLst>
+                                        <p:tav tm="0">
+                                          <p:val>
+                                            <p:fltVal val="0"/>
+                                          </p:val>
+                                        </p:tav>
+                                        <p:tav tm="100000">
+                                          <p:val>
+                                            <p:strVal val="#ppt_h"/>
+                                          </p:val>
+                                        </p:tav>
+                                      </p:tavLst>
+                                    </p:anim>
+                                    <p:animEffect transition="in" filter="fade">
+                                      <p:cBhvr>
+                                        <p:cTn id="14" dur="500"/>
+                                        <p:tgtEl>
+                                          <p:spTgt spid="8"/>
+                                        </p:tgtEl>
+                                      </p:cBhvr>
+                                    </p:animEffect>
+                                  </p:childTnLst>
+                                </p:cTn>
+                              </p:par>
+                              <p:par>
+                                <p:cTn id="15" presetID="53" presetClass="entr" presetSubtype="16" fill="hold" grpId="0" nodeType="withEffect">
+                                  <p:stCondLst>
+                                    <p:cond delay="0"/>
+                                  </p:stCondLst>
+                                  <p:childTnLst>
+                                    <p:set>
+                                      <p:cBhvr>
+                                        <p:cTn id="16" dur="1" fill="hold">
+                                          <p:stCondLst>
+                                            <p:cond delay="0"/>
+                                          </p:stCondLst>
+                                        </p:cTn>
+                                        <p:tgtEl>
+                                          <p:spTgt spid="19"/>
+                                        </p:tgtEl>
+                                        <p:attrNameLst>
+                                          <p:attrName>style.visibility</p:attrName>
+                                        </p:attrNameLst>
+                                      </p:cBhvr>
+                                      <p:to>
+                                        <p:strVal val="visible"/>
+                                      </p:to>
+                                    </p:set>
+                                    <p:anim calcmode="lin" valueType="num">
+                                      <p:cBhvr>
+                                        <p:cTn id="17" dur="500" fill="hold"/>
+                                        <p:tgtEl>
+                                          <p:spTgt spid="19"/>
+                                        </p:tgtEl>
+                                        <p:attrNameLst>
+                                          <p:attrName>ppt_w</p:attrName>
+                                        </p:attrNameLst>
+                                      </p:cBhvr>
+                                      <p:tavLst>
+                                        <p:tav tm="0">
+                                          <p:val>
+                                            <p:fltVal val="0"/>
+                                          </p:val>
+                                        </p:tav>
+                                        <p:tav tm="100000">
+                                          <p:val>
+                                            <p:strVal val="#ppt_w"/>
+                                          </p:val>
+                                        </p:tav>
+                                      </p:tavLst>
+                                    </p:anim>
+                                    <p:anim calcmode="lin" valueType="num">
+                                      <p:cBhvr>
+                                        <p:cTn id="18" dur="500" fill="hold"/>
+                                        <p:tgtEl>
+                                          <p:spTgt spid="19"/>
+                                        </p:tgtEl>
+                                        <p:attrNameLst>
+                                          <p:attrName>ppt_h</p:attrName>
+                                        </p:attrNameLst>
+                                      </p:cBhvr>
+                                      <p:tavLst>
+                                        <p:tav tm="0">
+                                          <p:val>
+                                            <p:fltVal val="0"/>
+                                          </p:val>
+                                        </p:tav>
+                                        <p:tav tm="100000">
+                                          <p:val>
+                                            <p:strVal val="#ppt_h"/>
+                                          </p:val>
+                                        </p:tav>
+                                      </p:tavLst>
+                                    </p:anim>
+                                    <p:animEffect transition="in" filter="fade">
+                                      <p:cBhvr>
+                                        <p:cTn id="19" dur="500"/>
+                                        <p:tgtEl>
+                                          <p:spTgt spid="19"/>
+                                        </p:tgtEl>
+                                      </p:cBhvr>
+                                    </p:animEffect>
+                                  </p:childTnLst>
+                                </p:cTn>
+                              </p:par>
+                              <p:par>
+                                <p:cTn id="20" presetID="53" presetClass="entr" presetSubtype="16" fill="hold" nodeType="withEffect">
+                                  <p:stCondLst>
+                                    <p:cond delay="0"/>
+                                  </p:stCondLst>
+                                  <p:childTnLst>
+                                    <p:set>
+                                      <p:cBhvr>
+                                        <p:cTn id="21" dur="1" fill="hold">
+                                          <p:stCondLst>
+                                            <p:cond delay="0"/>
+                                          </p:stCondLst>
+                                        </p:cTn>
+                                        <p:tgtEl>
+                                          <p:spTgt spid="2"/>
+                                        </p:tgtEl>
+                                        <p:attrNameLst>
+                                          <p:attrName>style.visibility</p:attrName>
+                                        </p:attrNameLst>
+                                      </p:cBhvr>
+                                      <p:to>
+                                        <p:strVal val="visible"/>
+                                      </p:to>
+                                    </p:set>
+                                    <p:anim calcmode="lin" valueType="num">
+                                      <p:cBhvr>
+                                        <p:cTn id="22" dur="500" fill="hold"/>
+                                        <p:tgtEl>
+                                          <p:spTgt spid="2"/>
+                                        </p:tgtEl>
+                                        <p:attrNameLst>
+                                          <p:attrName>ppt_w</p:attrName>
+                                        </p:attrNameLst>
+                                      </p:cBhvr>
+                                      <p:tavLst>
+                                        <p:tav tm="0">
+                                          <p:val>
+                                            <p:fltVal val="0"/>
+                                          </p:val>
+                                        </p:tav>
+                                        <p:tav tm="100000">
+                                          <p:val>
+                                            <p:strVal val="#ppt_w"/>
+                                          </p:val>
+                                        </p:tav>
+                                      </p:tavLst>
+                                    </p:anim>
+                                    <p:anim calcmode="lin" valueType="num">
+                                      <p:cBhvr>
+                                        <p:cTn id="23" dur="500" fill="hold"/>
+                                        <p:tgtEl>
+                                          <p:spTgt spid="2"/>
+                                        </p:tgtEl>
+                                        <p:attrNameLst>
+                                          <p:attrName>ppt_h</p:attrName>
+                                        </p:attrNameLst>
+                                      </p:cBhvr>
+                                      <p:tavLst>
+                                        <p:tav tm="0">
+                                          <p:val>
+                                            <p:fltVal val="0"/>
+                                          </p:val>
+                                        </p:tav>
+                                        <p:tav tm="100000">
+                                          <p:val>
+                                            <p:strVal val="#ppt_h"/>
+                                          </p:val>
+                                        </p:tav>
+                                      </p:tavLst>
+                                    </p:anim>
+                                    <p:animEffect transition="in" filter="fade">
+                                      <p:cBhvr>
+                                        <p:cTn id="24" dur="500"/>
+                                        <p:tgtEl>
+                                          <p:spTgt spid="2"/>
+                                        </p:tgtEl>
+                                      </p:cBhvr>
+                                    </p:animEffect>
+                                  </p:childTnLst>
+                                </p:cTn>
+                              </p:par>
+                            </p:childTnLst>
+                          </p:cTn>
+                        </p:par>
+                      </p:childTnLst>
+                    </p:cTn>
+                  </p:par>
+                  <p:par>
+                    <p:cTn id="25" fill="hold">
+                      <p:stCondLst>
+                        <p:cond delay="indefinite"/>
+                      </p:stCondLst>
+                      <p:childTnLst>
+                        <p:par>
+                          <p:cTn id="26" fill="hold">
+                            <p:stCondLst>
+                              <p:cond delay="0"/>
+                            </p:stCondLst>
+                            <p:childTnLst>
+                              <p:par>
+                                <p:cTn id="27" presetID="53" presetClass="entr" presetSubtype="16" fill="hold" nodeType="clickEffect">
+                                  <p:stCondLst>
+                                    <p:cond delay="0"/>
+                                  </p:stCondLst>
+                                  <p:childTnLst>
+                                    <p:set>
+                                      <p:cBhvr>
+                                        <p:cTn id="28" dur="1" fill="hold">
+                                          <p:stCondLst>
+                                            <p:cond delay="0"/>
+                                          </p:stCondLst>
+                                        </p:cTn>
+                                        <p:tgtEl>
+                                          <p:spTgt spid="10"/>
+                                        </p:tgtEl>
+                                        <p:attrNameLst>
+                                          <p:attrName>style.visibility</p:attrName>
+                                        </p:attrNameLst>
+                                      </p:cBhvr>
+                                      <p:to>
+                                        <p:strVal val="visible"/>
+                                      </p:to>
+                                    </p:set>
+                                    <p:anim calcmode="lin" valueType="num">
+                                      <p:cBhvr>
+                                        <p:cTn id="29" dur="500" fill="hold"/>
+                                        <p:tgtEl>
+                                          <p:spTgt spid="10"/>
+                                        </p:tgtEl>
+                                        <p:attrNameLst>
+                                          <p:attrName>ppt_w</p:attrName>
+                                        </p:attrNameLst>
+                                      </p:cBhvr>
+                                      <p:tavLst>
+                                        <p:tav tm="0">
+                                          <p:val>
+                                            <p:fltVal val="0"/>
+                                          </p:val>
+                                        </p:tav>
+                                        <p:tav tm="100000">
+                                          <p:val>
+                                            <p:strVal val="#ppt_w"/>
+                                          </p:val>
+                                        </p:tav>
+                                      </p:tavLst>
+                                    </p:anim>
+                                    <p:anim calcmode="lin" valueType="num">
+                                      <p:cBhvr>
+                                        <p:cTn id="30" dur="500" fill="hold"/>
+                                        <p:tgtEl>
+                                          <p:spTgt spid="10"/>
+                                        </p:tgtEl>
+                                        <p:attrNameLst>
+                                          <p:attrName>ppt_h</p:attrName>
+                                        </p:attrNameLst>
+                                      </p:cBhvr>
+                                      <p:tavLst>
+                                        <p:tav tm="0">
+                                          <p:val>
+                                            <p:fltVal val="0"/>
+                                          </p:val>
+                                        </p:tav>
+                                        <p:tav tm="100000">
+                                          <p:val>
+                                            <p:strVal val="#ppt_h"/>
+                                          </p:val>
+                                        </p:tav>
+                                      </p:tavLst>
+                                    </p:anim>
+                                    <p:animEffect transition="in" filter="fade">
+                                      <p:cBhvr>
+                                        <p:cTn id="31" dur="500"/>
+                                        <p:tgtEl>
+                                          <p:spTgt spid="10"/>
+                                        </p:tgtEl>
+                                      </p:cBhvr>
+                                    </p:animEffect>
+                                  </p:childTnLst>
+                                </p:cTn>
+                              </p:par>
+                              <p:par>
+                                <p:cTn id="32" presetID="53" presetClass="entr" presetSubtype="16" fill="hold" grpId="0" nodeType="withEffect">
+                                  <p:stCondLst>
+                                    <p:cond delay="0"/>
+                                  </p:stCondLst>
+                                  <p:childTnLst>
+                                    <p:set>
+                                      <p:cBhvr>
+                                        <p:cTn id="33" dur="1" fill="hold">
+                                          <p:stCondLst>
+                                            <p:cond delay="0"/>
+                                          </p:stCondLst>
+                                        </p:cTn>
+                                        <p:tgtEl>
+                                          <p:spTgt spid="17"/>
+                                        </p:tgtEl>
+                                        <p:attrNameLst>
+                                          <p:attrName>style.visibility</p:attrName>
+                                        </p:attrNameLst>
+                                      </p:cBhvr>
+                                      <p:to>
+                                        <p:strVal val="visible"/>
+                                      </p:to>
+                                    </p:set>
+                                    <p:anim calcmode="lin" valueType="num">
+                                      <p:cBhvr>
+                                        <p:cTn id="34" dur="500" fill="hold"/>
+                                        <p:tgtEl>
+                                          <p:spTgt spid="17"/>
+                                        </p:tgtEl>
+                                        <p:attrNameLst>
+                                          <p:attrName>ppt_w</p:attrName>
+                                        </p:attrNameLst>
+                                      </p:cBhvr>
+                                      <p:tavLst>
+                                        <p:tav tm="0">
+                                          <p:val>
+                                            <p:fltVal val="0"/>
+                                          </p:val>
+                                        </p:tav>
+                                        <p:tav tm="100000">
+                                          <p:val>
+                                            <p:strVal val="#ppt_w"/>
+                                          </p:val>
+                                        </p:tav>
+                                      </p:tavLst>
+                                    </p:anim>
+                                    <p:anim calcmode="lin" valueType="num">
+                                      <p:cBhvr>
+                                        <p:cTn id="35" dur="500" fill="hold"/>
+                                        <p:tgtEl>
+                                          <p:spTgt spid="17"/>
+                                        </p:tgtEl>
+                                        <p:attrNameLst>
+                                          <p:attrName>ppt_h</p:attrName>
+                                        </p:attrNameLst>
+                                      </p:cBhvr>
+                                      <p:tavLst>
+                                        <p:tav tm="0">
+                                          <p:val>
+                                            <p:fltVal val="0"/>
+                                          </p:val>
+                                        </p:tav>
+                                        <p:tav tm="100000">
+                                          <p:val>
+                                            <p:strVal val="#ppt_h"/>
+                                          </p:val>
+                                        </p:tav>
+                                      </p:tavLst>
+                                    </p:anim>
+                                    <p:animEffect transition="in" filter="fade">
+                                      <p:cBhvr>
+                                        <p:cTn id="36" dur="500"/>
+                                        <p:tgtEl>
+                                          <p:spTgt spid="17"/>
+                                        </p:tgtEl>
+                                      </p:cBhvr>
+                                    </p:animEffect>
+                                  </p:childTnLst>
+                                </p:cTn>
+                              </p:par>
+                              <p:par>
+                                <p:cTn id="37" presetID="53" presetClass="entr" presetSubtype="16" fill="hold" nodeType="withEffect">
+                                  <p:stCondLst>
+                                    <p:cond delay="0"/>
+                                  </p:stCondLst>
+                                  <p:childTnLst>
+                                    <p:set>
+                                      <p:cBhvr>
+                                        <p:cTn id="38" dur="1" fill="hold">
+                                          <p:stCondLst>
+                                            <p:cond delay="0"/>
+                                          </p:stCondLst>
+                                        </p:cTn>
+                                        <p:tgtEl>
+                                          <p:spTgt spid="1027"/>
+                                        </p:tgtEl>
+                                        <p:attrNameLst>
+                                          <p:attrName>style.visibility</p:attrName>
+                                        </p:attrNameLst>
+                                      </p:cBhvr>
+                                      <p:to>
+                                        <p:strVal val="visible"/>
+                                      </p:to>
+                                    </p:set>
+                                    <p:anim calcmode="lin" valueType="num">
+                                      <p:cBhvr>
+                                        <p:cTn id="39" dur="500" fill="hold"/>
+                                        <p:tgtEl>
+                                          <p:spTgt spid="1027"/>
+                                        </p:tgtEl>
+                                        <p:attrNameLst>
+                                          <p:attrName>ppt_w</p:attrName>
+                                        </p:attrNameLst>
+                                      </p:cBhvr>
+                                      <p:tavLst>
+                                        <p:tav tm="0">
+                                          <p:val>
+                                            <p:fltVal val="0"/>
+                                          </p:val>
+                                        </p:tav>
+                                        <p:tav tm="100000">
+                                          <p:val>
+                                            <p:strVal val="#ppt_w"/>
+                                          </p:val>
+                                        </p:tav>
+                                      </p:tavLst>
+                                    </p:anim>
+                                    <p:anim calcmode="lin" valueType="num">
+                                      <p:cBhvr>
+                                        <p:cTn id="40" dur="500" fill="hold"/>
+                                        <p:tgtEl>
+                                          <p:spTgt spid="1027"/>
+                                        </p:tgtEl>
+                                        <p:attrNameLst>
+                                          <p:attrName>ppt_h</p:attrName>
+                                        </p:attrNameLst>
+                                      </p:cBhvr>
+                                      <p:tavLst>
+                                        <p:tav tm="0">
+                                          <p:val>
+                                            <p:fltVal val="0"/>
+                                          </p:val>
+                                        </p:tav>
+                                        <p:tav tm="100000">
+                                          <p:val>
+                                            <p:strVal val="#ppt_h"/>
+                                          </p:val>
+                                        </p:tav>
+                                      </p:tavLst>
+                                    </p:anim>
+                                    <p:animEffect transition="in" filter="fade">
+                                      <p:cBhvr>
+                                        <p:cTn id="41" dur="500"/>
+                                        <p:tgtEl>
+                                          <p:spTgt spid="1027"/>
+                                        </p:tgtEl>
+                                      </p:cBhvr>
+                                    </p:animEffect>
+                                  </p:childTnLst>
+                                </p:cTn>
+                              </p:par>
+                            </p:childTnLst>
+                          </p:cTn>
+                        </p:par>
+                      </p:childTnLst>
+                    </p:cTn>
+                  </p:par>
+                  <p:par>
+                    <p:cTn id="42" fill="hold">
+                      <p:stCondLst>
+                        <p:cond delay="indefinite"/>
+                      </p:stCondLst>
+                      <p:childTnLst>
+                        <p:par>
+                          <p:cTn id="43" fill="hold">
+                            <p:stCondLst>
+                              <p:cond delay="0"/>
+                            </p:stCondLst>
+                            <p:childTnLst>
+                              <p:par>
+                                <p:cTn id="44" presetID="53" presetClass="entr" presetSubtype="16" fill="hold" nodeType="clickEffect">
+                                  <p:stCondLst>
+                                    <p:cond delay="0"/>
+                                  </p:stCondLst>
+                                  <p:childTnLst>
+                                    <p:set>
+                                      <p:cBhvr>
+                                        <p:cTn id="45" dur="1" fill="hold">
+                                          <p:stCondLst>
+                                            <p:cond delay="0"/>
+                                          </p:stCondLst>
+                                        </p:cTn>
+                                        <p:tgtEl>
+                                          <p:spTgt spid="12"/>
+                                        </p:tgtEl>
+                                        <p:attrNameLst>
+                                          <p:attrName>style.visibility</p:attrName>
+                                        </p:attrNameLst>
+                                      </p:cBhvr>
+                                      <p:to>
+                                        <p:strVal val="visible"/>
+                                      </p:to>
+                                    </p:set>
+                                    <p:anim calcmode="lin" valueType="num">
+                                      <p:cBhvr>
+                                        <p:cTn id="46" dur="500" fill="hold"/>
+                                        <p:tgtEl>
+                                          <p:spTgt spid="12"/>
+                                        </p:tgtEl>
+                                        <p:attrNameLst>
+                                          <p:attrName>ppt_w</p:attrName>
+                                        </p:attrNameLst>
+                                      </p:cBhvr>
+                                      <p:tavLst>
+                                        <p:tav tm="0">
+                                          <p:val>
+                                            <p:fltVal val="0"/>
+                                          </p:val>
+                                        </p:tav>
+                                        <p:tav tm="100000">
+                                          <p:val>
+                                            <p:strVal val="#ppt_w"/>
+                                          </p:val>
+                                        </p:tav>
+                                      </p:tavLst>
+                                    </p:anim>
+                                    <p:anim calcmode="lin" valueType="num">
+                                      <p:cBhvr>
+                                        <p:cTn id="47" dur="500" fill="hold"/>
+                                        <p:tgtEl>
+                                          <p:spTgt spid="12"/>
+                                        </p:tgtEl>
+                                        <p:attrNameLst>
+                                          <p:attrName>ppt_h</p:attrName>
+                                        </p:attrNameLst>
+                                      </p:cBhvr>
+                                      <p:tavLst>
+                                        <p:tav tm="0">
+                                          <p:val>
+                                            <p:fltVal val="0"/>
+                                          </p:val>
+                                        </p:tav>
+                                        <p:tav tm="100000">
+                                          <p:val>
+                                            <p:strVal val="#ppt_h"/>
+                                          </p:val>
+                                        </p:tav>
+                                      </p:tavLst>
+                                    </p:anim>
+                                    <p:animEffect transition="in" filter="fade">
+                                      <p:cBhvr>
+                                        <p:cTn id="48" dur="500"/>
+                                        <p:tgtEl>
+                                          <p:spTgt spid="12"/>
+                                        </p:tgtEl>
+                                      </p:cBhvr>
+                                    </p:animEffect>
+                                  </p:childTnLst>
+                                </p:cTn>
+                              </p:par>
+                              <p:par>
+                                <p:cTn id="49" presetID="53" presetClass="entr" presetSubtype="16" fill="hold" grpId="0" nodeType="withEffect">
+                                  <p:stCondLst>
+                                    <p:cond delay="0"/>
+                                  </p:stCondLst>
+                                  <p:childTnLst>
+                                    <p:set>
+                                      <p:cBhvr>
+                                        <p:cTn id="50" dur="1" fill="hold">
+                                          <p:stCondLst>
+                                            <p:cond delay="0"/>
+                                          </p:stCondLst>
+                                        </p:cTn>
+                                        <p:tgtEl>
+                                          <p:spTgt spid="18"/>
+                                        </p:tgtEl>
+                                        <p:attrNameLst>
+                                          <p:attrName>style.visibility</p:attrName>
+                                        </p:attrNameLst>
+                                      </p:cBhvr>
+                                      <p:to>
+                                        <p:strVal val="visible"/>
+                                      </p:to>
+                                    </p:set>
+                                    <p:anim calcmode="lin" valueType="num">
+                                      <p:cBhvr>
+                                        <p:cTn id="51" dur="500" fill="hold"/>
+                                        <p:tgtEl>
+                                          <p:spTgt spid="18"/>
+                                        </p:tgtEl>
+                                        <p:attrNameLst>
+                                          <p:attrName>ppt_w</p:attrName>
+                                        </p:attrNameLst>
+                                      </p:cBhvr>
+                                      <p:tavLst>
+                                        <p:tav tm="0">
+                                          <p:val>
+                                            <p:fltVal val="0"/>
+                                          </p:val>
+                                        </p:tav>
+                                        <p:tav tm="100000">
+                                          <p:val>
+                                            <p:strVal val="#ppt_w"/>
+                                          </p:val>
+                                        </p:tav>
+                                      </p:tavLst>
+                                    </p:anim>
+                                    <p:anim calcmode="lin" valueType="num">
+                                      <p:cBhvr>
+                                        <p:cTn id="52" dur="500" fill="hold"/>
+                                        <p:tgtEl>
+                                          <p:spTgt spid="18"/>
+                                        </p:tgtEl>
+                                        <p:attrNameLst>
+                                          <p:attrName>ppt_h</p:attrName>
+                                        </p:attrNameLst>
+                                      </p:cBhvr>
+                                      <p:tavLst>
+                                        <p:tav tm="0">
+                                          <p:val>
+                                            <p:fltVal val="0"/>
+                                          </p:val>
+                                        </p:tav>
+                                        <p:tav tm="100000">
+                                          <p:val>
+                                            <p:strVal val="#ppt_h"/>
+                                          </p:val>
+                                        </p:tav>
+                                      </p:tavLst>
+                                    </p:anim>
+                                    <p:animEffect transition="in" filter="fade">
+                                      <p:cBhvr>
+                                        <p:cTn id="53" dur="500"/>
+                                        <p:tgtEl>
+                                          <p:spTgt spid="18"/>
+                                        </p:tgtEl>
+                                      </p:cBhvr>
+                                    </p:animEffect>
+                                  </p:childTnLst>
+                                </p:cTn>
+                              </p:par>
+                              <p:par>
+                                <p:cTn id="54" presetID="53" presetClass="entr" presetSubtype="16" fill="hold" nodeType="withEffect">
+                                  <p:stCondLst>
+                                    <p:cond delay="0"/>
+                                  </p:stCondLst>
+                                  <p:childTnLst>
+                                    <p:set>
+                                      <p:cBhvr>
+                                        <p:cTn id="55" dur="1" fill="hold">
+                                          <p:stCondLst>
+                                            <p:cond delay="0"/>
+                                          </p:stCondLst>
+                                        </p:cTn>
+                                        <p:tgtEl>
+                                          <p:spTgt spid="1028"/>
+                                        </p:tgtEl>
+                                        <p:attrNameLst>
+                                          <p:attrName>style.visibility</p:attrName>
+                                        </p:attrNameLst>
+                                      </p:cBhvr>
+                                      <p:to>
+                                        <p:strVal val="visible"/>
+                                      </p:to>
+                                    </p:set>
+                                    <p:anim calcmode="lin" valueType="num">
+                                      <p:cBhvr>
+                                        <p:cTn id="56" dur="500" fill="hold"/>
+                                        <p:tgtEl>
+                                          <p:spTgt spid="1028"/>
+                                        </p:tgtEl>
+                                        <p:attrNameLst>
+                                          <p:attrName>ppt_w</p:attrName>
+                                        </p:attrNameLst>
+                                      </p:cBhvr>
+                                      <p:tavLst>
+                                        <p:tav tm="0">
+                                          <p:val>
+                                            <p:fltVal val="0"/>
+                                          </p:val>
+                                        </p:tav>
+                                        <p:tav tm="100000">
+                                          <p:val>
+                                            <p:strVal val="#ppt_w"/>
+                                          </p:val>
+                                        </p:tav>
+                                      </p:tavLst>
+                                    </p:anim>
+                                    <p:anim calcmode="lin" valueType="num">
+                                      <p:cBhvr>
+                                        <p:cTn id="57" dur="500" fill="hold"/>
+                                        <p:tgtEl>
+                                          <p:spTgt spid="1028"/>
+                                        </p:tgtEl>
+                                        <p:attrNameLst>
+                                          <p:attrName>ppt_h</p:attrName>
+                                        </p:attrNameLst>
+                                      </p:cBhvr>
+                                      <p:tavLst>
+                                        <p:tav tm="0">
+                                          <p:val>
+                                            <p:fltVal val="0"/>
+                                          </p:val>
+                                        </p:tav>
+                                        <p:tav tm="100000">
+                                          <p:val>
+                                            <p:strVal val="#ppt_h"/>
+                                          </p:val>
+                                        </p:tav>
+                                      </p:tavLst>
+                                    </p:anim>
+                                    <p:animEffect transition="in" filter="fade">
+                                      <p:cBhvr>
+                                        <p:cTn id="58" dur="500"/>
+                                        <p:tgtEl>
+                                          <p:spTgt spid="1028"/>
+                                        </p:tgtEl>
+                                      </p:cBhvr>
+                                    </p:animEffect>
+                                  </p:childTnLst>
+                                </p:cTn>
+                              </p:par>
+                            </p:childTnLst>
+                          </p:cTn>
+                        </p:par>
+                      </p:childTnLst>
+                    </p:cTn>
+                  </p:par>
+                  <p:par>
+                    <p:cTn id="59" fill="hold">
+                      <p:stCondLst>
+                        <p:cond delay="indefinite"/>
+                      </p:stCondLst>
+                      <p:childTnLst>
+                        <p:par>
+                          <p:cTn id="60" fill="hold">
+                            <p:stCondLst>
+                              <p:cond delay="0"/>
+                            </p:stCondLst>
+                            <p:childTnLst>
+                              <p:par>
+                                <p:cTn id="61" presetID="53" presetClass="entr" presetSubtype="16" fill="hold" grpId="0" nodeType="clickEffect">
+                                  <p:stCondLst>
+                                    <p:cond delay="0"/>
+                                  </p:stCondLst>
+                                  <p:childTnLst>
+                                    <p:set>
+                                      <p:cBhvr>
+                                        <p:cTn id="62" dur="1" fill="hold">
+                                          <p:stCondLst>
+                                            <p:cond delay="0"/>
+                                          </p:stCondLst>
+                                        </p:cTn>
+                                        <p:tgtEl>
+                                          <p:spTgt spid="27"/>
+                                        </p:tgtEl>
+                                        <p:attrNameLst>
+                                          <p:attrName>style.visibility</p:attrName>
+                                        </p:attrNameLst>
+                                      </p:cBhvr>
+                                      <p:to>
+                                        <p:strVal val="visible"/>
+                                      </p:to>
+                                    </p:set>
+                                    <p:anim calcmode="lin" valueType="num">
+                                      <p:cBhvr>
+                                        <p:cTn id="63" dur="500" fill="hold"/>
+                                        <p:tgtEl>
+                                          <p:spTgt spid="27"/>
+                                        </p:tgtEl>
+                                        <p:attrNameLst>
+                                          <p:attrName>ppt_w</p:attrName>
+                                        </p:attrNameLst>
+                                      </p:cBhvr>
+                                      <p:tavLst>
+                                        <p:tav tm="0">
+                                          <p:val>
+                                            <p:fltVal val="0"/>
+                                          </p:val>
+                                        </p:tav>
+                                        <p:tav tm="100000">
+                                          <p:val>
+                                            <p:strVal val="#ppt_w"/>
+                                          </p:val>
+                                        </p:tav>
+                                      </p:tavLst>
+                                    </p:anim>
+                                    <p:anim calcmode="lin" valueType="num">
+                                      <p:cBhvr>
+                                        <p:cTn id="64" dur="500" fill="hold"/>
+                                        <p:tgtEl>
+                                          <p:spTgt spid="27"/>
+                                        </p:tgtEl>
+                                        <p:attrNameLst>
+                                          <p:attrName>ppt_h</p:attrName>
+                                        </p:attrNameLst>
+                                      </p:cBhvr>
+                                      <p:tavLst>
+                                        <p:tav tm="0">
+                                          <p:val>
+                                            <p:fltVal val="0"/>
+                                          </p:val>
+                                        </p:tav>
+                                        <p:tav tm="100000">
+                                          <p:val>
+                                            <p:strVal val="#ppt_h"/>
+                                          </p:val>
+                                        </p:tav>
+                                      </p:tavLst>
+                                    </p:anim>
+                                    <p:animEffect transition="in" filter="fade">
+                                      <p:cBhvr>
+                                        <p:cTn id="65" dur="500"/>
+                                        <p:tgtEl>
+                                          <p:spTgt spid="27"/>
+                                        </p:tgtEl>
+                                      </p:cBhvr>
+                                    </p:animEffect>
+                                  </p:childTnLst>
+                                </p:cTn>
+                              </p:par>
+                              <p:par>
+                                <p:cTn id="66" presetID="53" presetClass="entr" presetSubtype="16" fill="hold" nodeType="withEffect">
+                                  <p:stCondLst>
+                                    <p:cond delay="0"/>
+                                  </p:stCondLst>
+                                  <p:childTnLst>
+                                    <p:set>
+                                      <p:cBhvr>
+                                        <p:cTn id="67" dur="1" fill="hold">
+                                          <p:stCondLst>
+                                            <p:cond delay="0"/>
+                                          </p:stCondLst>
+                                        </p:cTn>
+                                        <p:tgtEl>
+                                          <p:spTgt spid="14"/>
+                                        </p:tgtEl>
+                                        <p:attrNameLst>
+                                          <p:attrName>style.visibility</p:attrName>
+                                        </p:attrNameLst>
+                                      </p:cBhvr>
+                                      <p:to>
+                                        <p:strVal val="visible"/>
+                                      </p:to>
+                                    </p:set>
+                                    <p:anim calcmode="lin" valueType="num">
+                                      <p:cBhvr>
+                                        <p:cTn id="68" dur="500" fill="hold"/>
+                                        <p:tgtEl>
+                                          <p:spTgt spid="14"/>
+                                        </p:tgtEl>
+                                        <p:attrNameLst>
+                                          <p:attrName>ppt_w</p:attrName>
+                                        </p:attrNameLst>
+                                      </p:cBhvr>
+                                      <p:tavLst>
+                                        <p:tav tm="0">
+                                          <p:val>
+                                            <p:fltVal val="0"/>
+                                          </p:val>
+                                        </p:tav>
+                                        <p:tav tm="100000">
+                                          <p:val>
+                                            <p:strVal val="#ppt_w"/>
+                                          </p:val>
+                                        </p:tav>
+                                      </p:tavLst>
+                                    </p:anim>
+                                    <p:anim calcmode="lin" valueType="num">
+                                      <p:cBhvr>
+                                        <p:cTn id="69" dur="500" fill="hold"/>
+                                        <p:tgtEl>
+                                          <p:spTgt spid="14"/>
+                                        </p:tgtEl>
+                                        <p:attrNameLst>
+                                          <p:attrName>ppt_h</p:attrName>
+                                        </p:attrNameLst>
+                                      </p:cBhvr>
+                                      <p:tavLst>
+                                        <p:tav tm="0">
+                                          <p:val>
+                                            <p:fltVal val="0"/>
+                                          </p:val>
+                                        </p:tav>
+                                        <p:tav tm="100000">
+                                          <p:val>
+                                            <p:strVal val="#ppt_h"/>
+                                          </p:val>
+                                        </p:tav>
+                                      </p:tavLst>
+                                    </p:anim>
+                                    <p:animEffect transition="in" filter="fade">
+                                      <p:cBhvr>
+                                        <p:cTn id="70" dur="500"/>
+                                        <p:tgtEl>
+                                          <p:spTgt spid="14"/>
+                                        </p:tgtEl>
+                                      </p:cBhvr>
+                                    </p:animEffect>
+                                  </p:childTnLst>
+                                </p:cTn>
+                              </p:par>
+                              <p:par>
+                                <p:cTn id="71" presetID="53" presetClass="entr" presetSubtype="16" fill="hold" nodeType="withEffect">
+                                  <p:stCondLst>
+                                    <p:cond delay="0"/>
+                                  </p:stCondLst>
+                                  <p:childTnLst>
+                                    <p:set>
+                                      <p:cBhvr>
+                                        <p:cTn id="72" dur="1" fill="hold">
+                                          <p:stCondLst>
+                                            <p:cond delay="0"/>
+                                          </p:stCondLst>
+                                        </p:cTn>
+                                        <p:tgtEl>
+                                          <p:spTgt spid="24"/>
+                                        </p:tgtEl>
+                                        <p:attrNameLst>
+                                          <p:attrName>style.visibility</p:attrName>
+                                        </p:attrNameLst>
+                                      </p:cBhvr>
+                                      <p:to>
+                                        <p:strVal val="visible"/>
+                                      </p:to>
+                                    </p:set>
+                                    <p:anim calcmode="lin" valueType="num">
+                                      <p:cBhvr>
+                                        <p:cTn id="73" dur="500" fill="hold"/>
+                                        <p:tgtEl>
+                                          <p:spTgt spid="24"/>
+                                        </p:tgtEl>
+                                        <p:attrNameLst>
+                                          <p:attrName>ppt_w</p:attrName>
+                                        </p:attrNameLst>
+                                      </p:cBhvr>
+                                      <p:tavLst>
+                                        <p:tav tm="0">
+                                          <p:val>
+                                            <p:fltVal val="0"/>
+                                          </p:val>
+                                        </p:tav>
+                                        <p:tav tm="100000">
+                                          <p:val>
+                                            <p:strVal val="#ppt_w"/>
+                                          </p:val>
+                                        </p:tav>
+                                      </p:tavLst>
+                                    </p:anim>
+                                    <p:anim calcmode="lin" valueType="num">
+                                      <p:cBhvr>
+                                        <p:cTn id="74" dur="500" fill="hold"/>
+                                        <p:tgtEl>
+                                          <p:spTgt spid="24"/>
+                                        </p:tgtEl>
+                                        <p:attrNameLst>
+                                          <p:attrName>ppt_h</p:attrName>
+                                        </p:attrNameLst>
+                                      </p:cBhvr>
+                                      <p:tavLst>
+                                        <p:tav tm="0">
+                                          <p:val>
+                                            <p:fltVal val="0"/>
+                                          </p:val>
+                                        </p:tav>
+                                        <p:tav tm="100000">
+                                          <p:val>
+                                            <p:strVal val="#ppt_h"/>
+                                          </p:val>
+                                        </p:tav>
+                                      </p:tavLst>
+                                    </p:anim>
+                                    <p:animEffect transition="in" filter="fade">
+                                      <p:cBhvr>
+                                        <p:cTn id="75" dur="500"/>
+                                        <p:tgtEl>
+                                          <p:spTgt spid="24"/>
+                                        </p:tgtEl>
+                                      </p:cBhvr>
+                                    </p:animEffect>
+                                  </p:childTnLst>
+                                </p:cTn>
+                              </p:par>
+                              <p:par>
+                                <p:cTn id="76" presetID="53" presetClass="entr" presetSubtype="16" fill="hold" grpId="0" nodeType="withEffect">
+                                  <p:stCondLst>
+                                    <p:cond delay="0"/>
+                                  </p:stCondLst>
+                                  <p:childTnLst>
+                                    <p:set>
+                                      <p:cBhvr>
+                                        <p:cTn id="77" dur="1" fill="hold">
+                                          <p:stCondLst>
+                                            <p:cond delay="0"/>
+                                          </p:stCondLst>
+                                        </p:cTn>
+                                        <p:tgtEl>
+                                          <p:spTgt spid="29"/>
+                                        </p:tgtEl>
+                                        <p:attrNameLst>
+                                          <p:attrName>style.visibility</p:attrName>
+                                        </p:attrNameLst>
+                                      </p:cBhvr>
+                                      <p:to>
+                                        <p:strVal val="visible"/>
+                                      </p:to>
+                                    </p:set>
+                                    <p:anim calcmode="lin" valueType="num">
+                                      <p:cBhvr>
+                                        <p:cTn id="78" dur="500" fill="hold"/>
+                                        <p:tgtEl>
+                                          <p:spTgt spid="29"/>
+                                        </p:tgtEl>
+                                        <p:attrNameLst>
+                                          <p:attrName>ppt_w</p:attrName>
+                                        </p:attrNameLst>
+                                      </p:cBhvr>
+                                      <p:tavLst>
+                                        <p:tav tm="0">
+                                          <p:val>
+                                            <p:fltVal val="0"/>
+                                          </p:val>
+                                        </p:tav>
+                                        <p:tav tm="100000">
+                                          <p:val>
+                                            <p:strVal val="#ppt_w"/>
+                                          </p:val>
+                                        </p:tav>
+                                      </p:tavLst>
+                                    </p:anim>
+                                    <p:anim calcmode="lin" valueType="num">
+                                      <p:cBhvr>
+                                        <p:cTn id="79" dur="500" fill="hold"/>
+                                        <p:tgtEl>
+                                          <p:spTgt spid="29"/>
+                                        </p:tgtEl>
+                                        <p:attrNameLst>
+                                          <p:attrName>ppt_h</p:attrName>
+                                        </p:attrNameLst>
+                                      </p:cBhvr>
+                                      <p:tavLst>
+                                        <p:tav tm="0">
+                                          <p:val>
+                                            <p:fltVal val="0"/>
+                                          </p:val>
+                                        </p:tav>
+                                        <p:tav tm="100000">
+                                          <p:val>
+                                            <p:strVal val="#ppt_h"/>
+                                          </p:val>
+                                        </p:tav>
+                                      </p:tavLst>
+                                    </p:anim>
+                                    <p:animEffect transition="in" filter="fade">
+                                      <p:cBhvr>
+                                        <p:cTn id="80" dur="500"/>
+                                        <p:tgtEl>
+                                          <p:spTgt spid="29"/>
+                                        </p:tgtEl>
+                                      </p:cBhvr>
+                                    </p:animEffect>
+                                  </p:childTnLst>
+                                </p:cTn>
+                              </p:par>
+                              <p:par>
+                                <p:cTn id="81" presetID="53" presetClass="entr" presetSubtype="16" fill="hold" nodeType="withEffect">
+                                  <p:stCondLst>
+                                    <p:cond delay="0"/>
+                                  </p:stCondLst>
+                                  <p:childTnLst>
+                                    <p:set>
+                                      <p:cBhvr>
+                                        <p:cTn id="82" dur="1" fill="hold">
+                                          <p:stCondLst>
+                                            <p:cond delay="0"/>
+                                          </p:stCondLst>
+                                        </p:cTn>
+                                        <p:tgtEl>
+                                          <p:spTgt spid="1029"/>
+                                        </p:tgtEl>
+                                        <p:attrNameLst>
+                                          <p:attrName>style.visibility</p:attrName>
+                                        </p:attrNameLst>
+                                      </p:cBhvr>
+                                      <p:to>
+                                        <p:strVal val="visible"/>
+                                      </p:to>
+                                    </p:set>
+                                    <p:anim calcmode="lin" valueType="num">
+                                      <p:cBhvr>
+                                        <p:cTn id="83" dur="500" fill="hold"/>
+                                        <p:tgtEl>
+                                          <p:spTgt spid="1029"/>
+                                        </p:tgtEl>
+                                        <p:attrNameLst>
+                                          <p:attrName>ppt_w</p:attrName>
+                                        </p:attrNameLst>
+                                      </p:cBhvr>
+                                      <p:tavLst>
+                                        <p:tav tm="0">
+                                          <p:val>
+                                            <p:fltVal val="0"/>
+                                          </p:val>
+                                        </p:tav>
+                                        <p:tav tm="100000">
+                                          <p:val>
+                                            <p:strVal val="#ppt_w"/>
+                                          </p:val>
+                                        </p:tav>
+                                      </p:tavLst>
+                                    </p:anim>
+                                    <p:anim calcmode="lin" valueType="num">
+                                      <p:cBhvr>
+                                        <p:cTn id="84" dur="500" fill="hold"/>
+                                        <p:tgtEl>
+                                          <p:spTgt spid="1029"/>
+                                        </p:tgtEl>
+                                        <p:attrNameLst>
+                                          <p:attrName>ppt_h</p:attrName>
+                                        </p:attrNameLst>
+                                      </p:cBhvr>
+                                      <p:tavLst>
+                                        <p:tav tm="0">
+                                          <p:val>
+                                            <p:fltVal val="0"/>
+                                          </p:val>
+                                        </p:tav>
+                                        <p:tav tm="100000">
+                                          <p:val>
+                                            <p:strVal val="#ppt_h"/>
+                                          </p:val>
+                                        </p:tav>
+                                      </p:tavLst>
+                                    </p:anim>
+                                    <p:animEffect transition="in" filter="fade">
+                                      <p:cBhvr>
+                                        <p:cTn id="85" dur="500"/>
+                                        <p:tgtEl>
+                                          <p:spTgt spid="1029"/>
+                                        </p:tgtEl>
+                                      </p:cBhvr>
+                                    </p:animEffect>
+                                  </p:childTnLst>
+                                </p:cTn>
+                              </p:par>
+                            </p:childTnLst>
+                          </p:cTn>
+                        </p:par>
+                      </p:childTnLst>
+                    </p:cTn>
+                  </p:par>
+                </p:childTnLst>
+              </p:cTn>
+              <p:prevCondLst>
+                <p:cond evt="onPrev" delay="0">
+                  <p:tgtEl>
+                    <p:sldTgt/>
+                  </p:tgtEl>
+                </p:cond>
+              </p:prevCondLst>
+              <p:nextCondLst>
+                <p:cond evt="onNext" delay="0">
+                  <p:tgtEl>
+                    <p:sldTgt/>
+                  </p:tgtEl>
+                </p:cond>
+              </p:nextCondLst>
+            </p:seq>
+          </p:childTnLst>
+        </p:cTn>
       </p:par>
     </p:tnLst>
+    <p:bldLst>
+      <p:bldP spid="17" grpId="0"/>
+      <p:bldP spid="18" grpId="0"/>
+      <p:bldP spid="19" grpId="0"/>
+      <p:bldP spid="27" grpId="0"/>
+      <p:bldP spid="29" grpId="0"/>
+    </p:bldLst>
   </p:timing>
 </p:sld>
 </file>
@@ -7371,7 +9362,12 @@
             <p:ph sz="quarter" idx="1"/>
           </p:nvPr>
         </p:nvSpPr>
-        <p:spPr/>
+        <p:spPr>
+          <a:xfrm>
+            <a:off x="457200" y="1124744"/>
+            <a:ext cx="7467600" cy="5349208"/>
+          </a:xfrm>
+        </p:spPr>
         <p:txBody>
           <a:bodyPr/>
           <a:lstStyle/>
@@ -7388,104 +9384,9 @@
                 <a:latin typeface="Calibri" pitchFamily="34" charset="0"/>
                 <a:cs typeface="Calibri" pitchFamily="34" charset="0"/>
               </a:rPr>
-              <a:t>Evolution dynamique de la base de données :</a:t>
-            </a:r>
-          </a:p>
-          <a:p>
-            <a:pPr lvl="1">
-              <a:buFont typeface="Arial" pitchFamily="34" charset="0"/>
-              <a:buChar char="•"/>
-            </a:pPr>
-            <a:r>
-              <a:rPr lang="fr-FR" dirty="0" smtClean="0">
-                <a:solidFill>
-                  <a:schemeClr val="accent1"/>
-                </a:solidFill>
-                <a:latin typeface="Calibri" pitchFamily="34" charset="0"/>
-                <a:cs typeface="Calibri" pitchFamily="34" charset="0"/>
-              </a:rPr>
-              <a:t>Partie ajout / modification / suppression d’une table</a:t>
-            </a:r>
-          </a:p>
-          <a:p>
-            <a:pPr lvl="1">
-              <a:buFont typeface="Arial" pitchFamily="34" charset="0"/>
-              <a:buChar char="•"/>
-            </a:pPr>
-            <a:endParaRPr lang="fr-FR" dirty="0">
-              <a:solidFill>
-                <a:schemeClr val="accent1"/>
-              </a:solidFill>
-              <a:latin typeface="Calibri" pitchFamily="34" charset="0"/>
-              <a:cs typeface="Calibri" pitchFamily="34" charset="0"/>
-            </a:endParaRPr>
-          </a:p>
-          <a:p>
-            <a:pPr>
-              <a:buFont typeface="Wingdings" pitchFamily="2" charset="2"/>
-              <a:buChar char="ü"/>
-            </a:pPr>
-            <a:r>
-              <a:rPr lang="fr-FR" dirty="0" smtClean="0">
-                <a:solidFill>
-                  <a:schemeClr val="accent1"/>
-                </a:solidFill>
-                <a:latin typeface="Calibri" pitchFamily="34" charset="0"/>
-                <a:cs typeface="Calibri" pitchFamily="34" charset="0"/>
-              </a:rPr>
-              <a:t>Etendre les fonctionnalités du site sous différentes catégories :</a:t>
-            </a:r>
-          </a:p>
-          <a:p>
-            <a:pPr lvl="1">
-              <a:buFont typeface="Arial" pitchFamily="34" charset="0"/>
-              <a:buChar char="•"/>
-            </a:pPr>
-            <a:r>
-              <a:rPr lang="fr-FR" dirty="0" smtClean="0">
-                <a:solidFill>
-                  <a:schemeClr val="accent1"/>
-                </a:solidFill>
-                <a:latin typeface="Calibri" pitchFamily="34" charset="0"/>
-                <a:cs typeface="Calibri" pitchFamily="34" charset="0"/>
-              </a:rPr>
-              <a:t>Livres</a:t>
-            </a:r>
-          </a:p>
-          <a:p>
-            <a:pPr lvl="1">
-              <a:buFont typeface="Arial" pitchFamily="34" charset="0"/>
-              <a:buChar char="•"/>
-            </a:pPr>
-            <a:r>
-              <a:rPr lang="fr-FR" dirty="0" smtClean="0">
-                <a:solidFill>
-                  <a:schemeClr val="accent1"/>
-                </a:solidFill>
-                <a:latin typeface="Calibri" pitchFamily="34" charset="0"/>
-                <a:cs typeface="Calibri" pitchFamily="34" charset="0"/>
-              </a:rPr>
-              <a:t>Jeux vidéos</a:t>
-            </a:r>
-          </a:p>
-          <a:p>
-            <a:pPr lvl="1">
-              <a:buFont typeface="Arial" pitchFamily="34" charset="0"/>
-              <a:buChar char="•"/>
-            </a:pPr>
-            <a:r>
-              <a:rPr lang="fr-FR" dirty="0" smtClean="0">
-                <a:solidFill>
-                  <a:schemeClr val="accent1"/>
-                </a:solidFill>
-                <a:latin typeface="Calibri" pitchFamily="34" charset="0"/>
-                <a:cs typeface="Calibri" pitchFamily="34" charset="0"/>
-              </a:rPr>
-              <a:t>…</a:t>
-            </a:r>
-          </a:p>
-          <a:p>
-            <a:endParaRPr lang="fr-FR" dirty="0">
+              <a:t>Les statistiques</a:t>
+            </a:r>
+            <a:endParaRPr lang="fr-FR" u="sng" dirty="0" smtClean="0">
               <a:solidFill>
                 <a:schemeClr val="accent1"/>
               </a:solidFill>
@@ -7549,6 +9450,945 @@
                 </a:effectLst>
                 <a:latin typeface="Freestyle Script" pitchFamily="66" charset="0"/>
               </a:rPr>
+              <a:t>La </a:t>
+            </a:r>
+            <a:r>
+              <a:rPr lang="fr-FR" sz="4800" b="1" dirty="0">
+                <a:solidFill>
+                  <a:schemeClr val="accent1">
+                    <a:lumMod val="75000"/>
+                  </a:schemeClr>
+                </a:solidFill>
+                <a:effectLst>
+                  <a:outerShdw blurRad="38100" dist="38100" dir="2700000" algn="tl">
+                    <a:srgbClr val="000000">
+                      <a:alpha val="43137"/>
+                    </a:srgbClr>
+                  </a:outerShdw>
+                </a:effectLst>
+                <a:latin typeface="Freestyle Script" pitchFamily="66" charset="0"/>
+              </a:rPr>
+              <a:t>solution</a:t>
+            </a:r>
+          </a:p>
+        </p:txBody>
+      </p:sp>
+      <p:pic>
+        <p:nvPicPr>
+          <p:cNvPr id="2050" name="Picture 2"/>
+          <p:cNvPicPr>
+            <a:picLocks noChangeAspect="1" noChangeArrowheads="1"/>
+          </p:cNvPicPr>
+          <p:nvPr/>
+        </p:nvPicPr>
+        <p:blipFill>
+          <a:blip r:embed="rId2">
+            <a:extLst>
+              <a:ext uri="{28A0092B-C50C-407E-A947-70E740481C1C}">
+                <a14:useLocalDpi xmlns:a14="http://schemas.microsoft.com/office/drawing/2010/main" val="0"/>
+              </a:ext>
+            </a:extLst>
+          </a:blip>
+          <a:srcRect/>
+          <a:stretch>
+            <a:fillRect/>
+          </a:stretch>
+        </p:blipFill>
+        <p:spPr bwMode="auto">
+          <a:xfrm>
+            <a:off x="797520" y="1844824"/>
+            <a:ext cx="3490796" cy="1807840"/>
+          </a:xfrm>
+          <a:prstGeom prst="rect">
+            <a:avLst/>
+          </a:prstGeom>
+          <a:noFill/>
+          <a:ln>
+            <a:noFill/>
+          </a:ln>
+          <a:effectLst/>
+          <a:extLst>
+            <a:ext uri="{909E8E84-426E-40DD-AFC4-6F175D3DCCD1}">
+              <a14:hiddenFill xmlns:a14="http://schemas.microsoft.com/office/drawing/2010/main">
+                <a:solidFill>
+                  <a:schemeClr val="accent1"/>
+                </a:solidFill>
+              </a14:hiddenFill>
+            </a:ext>
+            <a:ext uri="{91240B29-F687-4F45-9708-019B960494DF}">
+              <a14:hiddenLine xmlns:a14="http://schemas.microsoft.com/office/drawing/2010/main" w="9525">
+                <a:solidFill>
+                  <a:schemeClr val="tx1"/>
+                </a:solidFill>
+                <a:miter lim="800000"/>
+                <a:headEnd/>
+                <a:tailEnd/>
+              </a14:hiddenLine>
+            </a:ext>
+            <a:ext uri="{AF507438-7753-43E0-B8FC-AC1667EBCBE1}">
+              <a14:hiddenEffects xmlns:a14="http://schemas.microsoft.com/office/drawing/2010/main">
+                <a:effectLst>
+                  <a:outerShdw dist="35921" dir="2700000" algn="ctr" rotWithShape="0">
+                    <a:schemeClr val="bg2"/>
+                  </a:outerShdw>
+                </a:effectLst>
+              </a14:hiddenEffects>
+            </a:ext>
+          </a:extLst>
+        </p:spPr>
+      </p:pic>
+      <p:pic>
+        <p:nvPicPr>
+          <p:cNvPr id="2051" name="Picture 3"/>
+          <p:cNvPicPr>
+            <a:picLocks noChangeAspect="1" noChangeArrowheads="1"/>
+          </p:cNvPicPr>
+          <p:nvPr/>
+        </p:nvPicPr>
+        <p:blipFill>
+          <a:blip r:embed="rId3">
+            <a:extLst>
+              <a:ext uri="{28A0092B-C50C-407E-A947-70E740481C1C}">
+                <a14:useLocalDpi xmlns:a14="http://schemas.microsoft.com/office/drawing/2010/main" val="0"/>
+              </a:ext>
+            </a:extLst>
+          </a:blip>
+          <a:srcRect/>
+          <a:stretch>
+            <a:fillRect/>
+          </a:stretch>
+        </p:blipFill>
+        <p:spPr bwMode="auto">
+          <a:xfrm>
+            <a:off x="2699792" y="3507742"/>
+            <a:ext cx="2589277" cy="970979"/>
+          </a:xfrm>
+          <a:prstGeom prst="rect">
+            <a:avLst/>
+          </a:prstGeom>
+          <a:noFill/>
+          <a:ln>
+            <a:noFill/>
+          </a:ln>
+          <a:effectLst/>
+          <a:extLst>
+            <a:ext uri="{909E8E84-426E-40DD-AFC4-6F175D3DCCD1}">
+              <a14:hiddenFill xmlns:a14="http://schemas.microsoft.com/office/drawing/2010/main">
+                <a:solidFill>
+                  <a:schemeClr val="accent1"/>
+                </a:solidFill>
+              </a14:hiddenFill>
+            </a:ext>
+            <a:ext uri="{91240B29-F687-4F45-9708-019B960494DF}">
+              <a14:hiddenLine xmlns:a14="http://schemas.microsoft.com/office/drawing/2010/main" w="9525">
+                <a:solidFill>
+                  <a:schemeClr val="tx1"/>
+                </a:solidFill>
+                <a:miter lim="800000"/>
+                <a:headEnd/>
+                <a:tailEnd/>
+              </a14:hiddenLine>
+            </a:ext>
+            <a:ext uri="{AF507438-7753-43E0-B8FC-AC1667EBCBE1}">
+              <a14:hiddenEffects xmlns:a14="http://schemas.microsoft.com/office/drawing/2010/main">
+                <a:effectLst>
+                  <a:outerShdw dist="35921" dir="2700000" algn="ctr" rotWithShape="0">
+                    <a:schemeClr val="bg2"/>
+                  </a:outerShdw>
+                </a:effectLst>
+              </a14:hiddenEffects>
+            </a:ext>
+          </a:extLst>
+        </p:spPr>
+      </p:pic>
+      <p:pic>
+        <p:nvPicPr>
+          <p:cNvPr id="2052" name="Picture 4"/>
+          <p:cNvPicPr>
+            <a:picLocks noChangeAspect="1" noChangeArrowheads="1"/>
+          </p:cNvPicPr>
+          <p:nvPr/>
+        </p:nvPicPr>
+        <p:blipFill>
+          <a:blip r:embed="rId4">
+            <a:extLst>
+              <a:ext uri="{28A0092B-C50C-407E-A947-70E740481C1C}">
+                <a14:useLocalDpi xmlns:a14="http://schemas.microsoft.com/office/drawing/2010/main" val="0"/>
+              </a:ext>
+            </a:extLst>
+          </a:blip>
+          <a:srcRect/>
+          <a:stretch>
+            <a:fillRect/>
+          </a:stretch>
+        </p:blipFill>
+        <p:spPr bwMode="auto">
+          <a:xfrm>
+            <a:off x="5940152" y="1127497"/>
+            <a:ext cx="2795587" cy="1290637"/>
+          </a:xfrm>
+          <a:prstGeom prst="rect">
+            <a:avLst/>
+          </a:prstGeom>
+          <a:noFill/>
+          <a:ln>
+            <a:noFill/>
+          </a:ln>
+          <a:effectLst/>
+          <a:extLst>
+            <a:ext uri="{909E8E84-426E-40DD-AFC4-6F175D3DCCD1}">
+              <a14:hiddenFill xmlns:a14="http://schemas.microsoft.com/office/drawing/2010/main">
+                <a:solidFill>
+                  <a:schemeClr val="accent1"/>
+                </a:solidFill>
+              </a14:hiddenFill>
+            </a:ext>
+            <a:ext uri="{91240B29-F687-4F45-9708-019B960494DF}">
+              <a14:hiddenLine xmlns:a14="http://schemas.microsoft.com/office/drawing/2010/main" w="9525">
+                <a:solidFill>
+                  <a:schemeClr val="tx1"/>
+                </a:solidFill>
+                <a:miter lim="800000"/>
+                <a:headEnd/>
+                <a:tailEnd/>
+              </a14:hiddenLine>
+            </a:ext>
+            <a:ext uri="{AF507438-7753-43E0-B8FC-AC1667EBCBE1}">
+              <a14:hiddenEffects xmlns:a14="http://schemas.microsoft.com/office/drawing/2010/main">
+                <a:effectLst>
+                  <a:outerShdw dist="35921" dir="2700000" algn="ctr" rotWithShape="0">
+                    <a:schemeClr val="bg2"/>
+                  </a:outerShdw>
+                </a:effectLst>
+              </a14:hiddenEffects>
+            </a:ext>
+          </a:extLst>
+        </p:spPr>
+      </p:pic>
+      <p:pic>
+        <p:nvPicPr>
+          <p:cNvPr id="2053" name="Picture 5"/>
+          <p:cNvPicPr>
+            <a:picLocks noChangeAspect="1" noChangeArrowheads="1"/>
+          </p:cNvPicPr>
+          <p:nvPr/>
+        </p:nvPicPr>
+        <p:blipFill>
+          <a:blip r:embed="rId5">
+            <a:extLst>
+              <a:ext uri="{28A0092B-C50C-407E-A947-70E740481C1C}">
+                <a14:useLocalDpi xmlns:a14="http://schemas.microsoft.com/office/drawing/2010/main" val="0"/>
+              </a:ext>
+            </a:extLst>
+          </a:blip>
+          <a:srcRect/>
+          <a:stretch>
+            <a:fillRect/>
+          </a:stretch>
+        </p:blipFill>
+        <p:spPr bwMode="auto">
+          <a:xfrm>
+            <a:off x="5940152" y="3073896"/>
+            <a:ext cx="2798681" cy="3559671"/>
+          </a:xfrm>
+          <a:prstGeom prst="rect">
+            <a:avLst/>
+          </a:prstGeom>
+          <a:noFill/>
+          <a:ln>
+            <a:noFill/>
+          </a:ln>
+          <a:effectLst/>
+          <a:extLst>
+            <a:ext uri="{909E8E84-426E-40DD-AFC4-6F175D3DCCD1}">
+              <a14:hiddenFill xmlns:a14="http://schemas.microsoft.com/office/drawing/2010/main">
+                <a:solidFill>
+                  <a:schemeClr val="accent1"/>
+                </a:solidFill>
+              </a14:hiddenFill>
+            </a:ext>
+            <a:ext uri="{91240B29-F687-4F45-9708-019B960494DF}">
+              <a14:hiddenLine xmlns:a14="http://schemas.microsoft.com/office/drawing/2010/main" w="9525">
+                <a:solidFill>
+                  <a:schemeClr val="tx1"/>
+                </a:solidFill>
+                <a:miter lim="800000"/>
+                <a:headEnd/>
+                <a:tailEnd/>
+              </a14:hiddenLine>
+            </a:ext>
+            <a:ext uri="{AF507438-7753-43E0-B8FC-AC1667EBCBE1}">
+              <a14:hiddenEffects xmlns:a14="http://schemas.microsoft.com/office/drawing/2010/main">
+                <a:effectLst>
+                  <a:outerShdw dist="35921" dir="2700000" algn="ctr" rotWithShape="0">
+                    <a:schemeClr val="bg2"/>
+                  </a:outerShdw>
+                </a:effectLst>
+              </a14:hiddenEffects>
+            </a:ext>
+          </a:extLst>
+        </p:spPr>
+      </p:pic>
+      <p:sp>
+        <p:nvSpPr>
+          <p:cNvPr id="5" name="ZoneTexte 4"/>
+          <p:cNvSpPr txBox="1"/>
+          <p:nvPr/>
+        </p:nvSpPr>
+        <p:spPr>
+          <a:xfrm>
+            <a:off x="755576" y="4493865"/>
+            <a:ext cx="2592287" cy="769441"/>
+          </a:xfrm>
+          <a:prstGeom prst="rect">
+            <a:avLst/>
+          </a:prstGeom>
+          <a:noFill/>
+        </p:spPr>
+        <p:txBody>
+          <a:bodyPr wrap="square" rtlCol="0">
+            <a:spAutoFit/>
+          </a:bodyPr>
+          <a:lstStyle/>
+          <a:p>
+            <a:r>
+              <a:rPr lang="fr-FR" sz="1100" dirty="0" smtClean="0">
+                <a:solidFill>
+                  <a:schemeClr val="accent1"/>
+                </a:solidFill>
+                <a:latin typeface="Calibri" pitchFamily="34" charset="0"/>
+                <a:cs typeface="Calibri" pitchFamily="34" charset="0"/>
+              </a:rPr>
+              <a:t>&gt; L’utilisateur, s’il est de niveau &gt; 1, peut noter le film (une seule fois).</a:t>
+            </a:r>
+          </a:p>
+          <a:p>
+            <a:r>
+              <a:rPr lang="fr-FR" sz="1100" dirty="0" smtClean="0">
+                <a:solidFill>
+                  <a:schemeClr val="accent1"/>
+                </a:solidFill>
+                <a:latin typeface="Calibri" pitchFamily="34" charset="0"/>
+                <a:cs typeface="Calibri" pitchFamily="34" charset="0"/>
+              </a:rPr>
+              <a:t>Dans ce cas, l’on peut voir la note qu’il a mis au film.</a:t>
+            </a:r>
+          </a:p>
+        </p:txBody>
+      </p:sp>
+      <p:sp>
+        <p:nvSpPr>
+          <p:cNvPr id="6" name="ZoneTexte 5"/>
+          <p:cNvSpPr txBox="1"/>
+          <p:nvPr/>
+        </p:nvSpPr>
+        <p:spPr>
+          <a:xfrm>
+            <a:off x="3049489" y="5525571"/>
+            <a:ext cx="2890663" cy="938719"/>
+          </a:xfrm>
+          <a:prstGeom prst="rect">
+            <a:avLst/>
+          </a:prstGeom>
+          <a:noFill/>
+        </p:spPr>
+        <p:txBody>
+          <a:bodyPr wrap="square" rtlCol="0">
+            <a:spAutoFit/>
+          </a:bodyPr>
+          <a:lstStyle/>
+          <a:p>
+            <a:r>
+              <a:rPr lang="fr-FR" sz="1100" dirty="0" smtClean="0">
+                <a:solidFill>
+                  <a:schemeClr val="accent1"/>
+                </a:solidFill>
+                <a:latin typeface="Calibri" pitchFamily="34" charset="0"/>
+                <a:cs typeface="Calibri" pitchFamily="34" charset="0"/>
+              </a:rPr>
+              <a:t>&gt; Un accès statistique est réservé aux utilisateurs de niveau &gt; 1 où l’on peut y trouver sa note sur un film, ainsi que  la moyenne  et enfin la note moyenne du groupe auquel l’utilisateur appartient.</a:t>
+            </a:r>
+            <a:endParaRPr lang="fr-FR" sz="1100" dirty="0">
+              <a:solidFill>
+                <a:schemeClr val="accent1"/>
+              </a:solidFill>
+              <a:latin typeface="Calibri" pitchFamily="34" charset="0"/>
+              <a:cs typeface="Calibri" pitchFamily="34" charset="0"/>
+            </a:endParaRPr>
+          </a:p>
+        </p:txBody>
+      </p:sp>
+      <p:cxnSp>
+        <p:nvCxnSpPr>
+          <p:cNvPr id="13" name="Connecteur en arc 12"/>
+          <p:cNvCxnSpPr/>
+          <p:nvPr/>
+        </p:nvCxnSpPr>
+        <p:spPr>
+          <a:xfrm rot="16200000" flipH="1">
+            <a:off x="6795417" y="2225573"/>
+            <a:ext cx="1085057" cy="576064"/>
+          </a:xfrm>
+          <a:prstGeom prst="curvedConnector3">
+            <a:avLst>
+              <a:gd name="adj1" fmla="val 2597"/>
+            </a:avLst>
+          </a:prstGeom>
+          <a:ln>
+            <a:tailEnd type="arrow"/>
+          </a:ln>
+        </p:spPr>
+        <p:style>
+          <a:lnRef idx="2">
+            <a:schemeClr val="accent1"/>
+          </a:lnRef>
+          <a:fillRef idx="0">
+            <a:schemeClr val="accent1"/>
+          </a:fillRef>
+          <a:effectRef idx="1">
+            <a:schemeClr val="accent1"/>
+          </a:effectRef>
+          <a:fontRef idx="minor">
+            <a:schemeClr val="tx1"/>
+          </a:fontRef>
+        </p:style>
+      </p:cxnSp>
+    </p:spTree>
+    <p:extLst>
+      <p:ext uri="{BB962C8B-B14F-4D97-AF65-F5344CB8AC3E}">
+        <p14:creationId xmlns:p14="http://schemas.microsoft.com/office/powerpoint/2010/main" val="1376781301"/>
+      </p:ext>
+    </p:extLst>
+  </p:cSld>
+  <p:clrMapOvr>
+    <a:masterClrMapping/>
+  </p:clrMapOvr>
+  <p:timing>
+    <p:tnLst>
+      <p:par>
+        <p:cTn id="1" dur="indefinite" restart="never" nodeType="tmRoot">
+          <p:childTnLst>
+            <p:seq concurrent="1" nextAc="seek">
+              <p:cTn id="2" dur="indefinite" nodeType="mainSeq">
+                <p:childTnLst>
+                  <p:par>
+                    <p:cTn id="3" fill="hold">
+                      <p:stCondLst>
+                        <p:cond delay="indefinite"/>
+                        <p:cond evt="onBegin" delay="0">
+                          <p:tn val="2"/>
+                        </p:cond>
+                      </p:stCondLst>
+                      <p:childTnLst>
+                        <p:par>
+                          <p:cTn id="4" fill="hold">
+                            <p:stCondLst>
+                              <p:cond delay="0"/>
+                            </p:stCondLst>
+                            <p:childTnLst>
+                              <p:par>
+                                <p:cTn id="5" presetID="14" presetClass="entr" presetSubtype="10" fill="hold" nodeType="withEffect">
+                                  <p:stCondLst>
+                                    <p:cond delay="0"/>
+                                  </p:stCondLst>
+                                  <p:childTnLst>
+                                    <p:set>
+                                      <p:cBhvr>
+                                        <p:cTn id="6" dur="1" fill="hold">
+                                          <p:stCondLst>
+                                            <p:cond delay="0"/>
+                                          </p:stCondLst>
+                                        </p:cTn>
+                                        <p:tgtEl>
+                                          <p:spTgt spid="2050"/>
+                                        </p:tgtEl>
+                                        <p:attrNameLst>
+                                          <p:attrName>style.visibility</p:attrName>
+                                        </p:attrNameLst>
+                                      </p:cBhvr>
+                                      <p:to>
+                                        <p:strVal val="visible"/>
+                                      </p:to>
+                                    </p:set>
+                                    <p:animEffect transition="in" filter="randombar(horizontal)">
+                                      <p:cBhvr>
+                                        <p:cTn id="7" dur="500"/>
+                                        <p:tgtEl>
+                                          <p:spTgt spid="2050"/>
+                                        </p:tgtEl>
+                                      </p:cBhvr>
+                                    </p:animEffect>
+                                  </p:childTnLst>
+                                </p:cTn>
+                              </p:par>
+                              <p:par>
+                                <p:cTn id="8" presetID="14" presetClass="entr" presetSubtype="10" fill="hold" nodeType="withEffect">
+                                  <p:stCondLst>
+                                    <p:cond delay="0"/>
+                                  </p:stCondLst>
+                                  <p:childTnLst>
+                                    <p:set>
+                                      <p:cBhvr>
+                                        <p:cTn id="9" dur="1" fill="hold">
+                                          <p:stCondLst>
+                                            <p:cond delay="0"/>
+                                          </p:stCondLst>
+                                        </p:cTn>
+                                        <p:tgtEl>
+                                          <p:spTgt spid="2051"/>
+                                        </p:tgtEl>
+                                        <p:attrNameLst>
+                                          <p:attrName>style.visibility</p:attrName>
+                                        </p:attrNameLst>
+                                      </p:cBhvr>
+                                      <p:to>
+                                        <p:strVal val="visible"/>
+                                      </p:to>
+                                    </p:set>
+                                    <p:animEffect transition="in" filter="randombar(horizontal)">
+                                      <p:cBhvr>
+                                        <p:cTn id="10" dur="500"/>
+                                        <p:tgtEl>
+                                          <p:spTgt spid="2051"/>
+                                        </p:tgtEl>
+                                      </p:cBhvr>
+                                    </p:animEffect>
+                                  </p:childTnLst>
+                                </p:cTn>
+                              </p:par>
+                              <p:par>
+                                <p:cTn id="11" presetID="14" presetClass="entr" presetSubtype="10" fill="hold" grpId="0" nodeType="withEffect">
+                                  <p:stCondLst>
+                                    <p:cond delay="0"/>
+                                  </p:stCondLst>
+                                  <p:childTnLst>
+                                    <p:set>
+                                      <p:cBhvr>
+                                        <p:cTn id="12" dur="1" fill="hold">
+                                          <p:stCondLst>
+                                            <p:cond delay="0"/>
+                                          </p:stCondLst>
+                                        </p:cTn>
+                                        <p:tgtEl>
+                                          <p:spTgt spid="5"/>
+                                        </p:tgtEl>
+                                        <p:attrNameLst>
+                                          <p:attrName>style.visibility</p:attrName>
+                                        </p:attrNameLst>
+                                      </p:cBhvr>
+                                      <p:to>
+                                        <p:strVal val="visible"/>
+                                      </p:to>
+                                    </p:set>
+                                    <p:animEffect transition="in" filter="randombar(horizontal)">
+                                      <p:cBhvr>
+                                        <p:cTn id="13" dur="500"/>
+                                        <p:tgtEl>
+                                          <p:spTgt spid="5"/>
+                                        </p:tgtEl>
+                                      </p:cBhvr>
+                                    </p:animEffect>
+                                  </p:childTnLst>
+                                </p:cTn>
+                              </p:par>
+                            </p:childTnLst>
+                          </p:cTn>
+                        </p:par>
+                      </p:childTnLst>
+                    </p:cTn>
+                  </p:par>
+                  <p:par>
+                    <p:cTn id="14" fill="hold">
+                      <p:stCondLst>
+                        <p:cond delay="indefinite"/>
+                      </p:stCondLst>
+                      <p:childTnLst>
+                        <p:par>
+                          <p:cTn id="15" fill="hold">
+                            <p:stCondLst>
+                              <p:cond delay="0"/>
+                            </p:stCondLst>
+                            <p:childTnLst>
+                              <p:par>
+                                <p:cTn id="16" presetID="14" presetClass="entr" presetSubtype="10" fill="hold" nodeType="clickEffect">
+                                  <p:stCondLst>
+                                    <p:cond delay="0"/>
+                                  </p:stCondLst>
+                                  <p:childTnLst>
+                                    <p:set>
+                                      <p:cBhvr>
+                                        <p:cTn id="17" dur="1" fill="hold">
+                                          <p:stCondLst>
+                                            <p:cond delay="0"/>
+                                          </p:stCondLst>
+                                        </p:cTn>
+                                        <p:tgtEl>
+                                          <p:spTgt spid="2052"/>
+                                        </p:tgtEl>
+                                        <p:attrNameLst>
+                                          <p:attrName>style.visibility</p:attrName>
+                                        </p:attrNameLst>
+                                      </p:cBhvr>
+                                      <p:to>
+                                        <p:strVal val="visible"/>
+                                      </p:to>
+                                    </p:set>
+                                    <p:animEffect transition="in" filter="randombar(horizontal)">
+                                      <p:cBhvr>
+                                        <p:cTn id="18" dur="500"/>
+                                        <p:tgtEl>
+                                          <p:spTgt spid="2052"/>
+                                        </p:tgtEl>
+                                      </p:cBhvr>
+                                    </p:animEffect>
+                                  </p:childTnLst>
+                                </p:cTn>
+                              </p:par>
+                              <p:par>
+                                <p:cTn id="19" presetID="14" presetClass="entr" presetSubtype="10" fill="hold" nodeType="withEffect">
+                                  <p:stCondLst>
+                                    <p:cond delay="0"/>
+                                  </p:stCondLst>
+                                  <p:childTnLst>
+                                    <p:set>
+                                      <p:cBhvr>
+                                        <p:cTn id="20" dur="1" fill="hold">
+                                          <p:stCondLst>
+                                            <p:cond delay="0"/>
+                                          </p:stCondLst>
+                                        </p:cTn>
+                                        <p:tgtEl>
+                                          <p:spTgt spid="2053"/>
+                                        </p:tgtEl>
+                                        <p:attrNameLst>
+                                          <p:attrName>style.visibility</p:attrName>
+                                        </p:attrNameLst>
+                                      </p:cBhvr>
+                                      <p:to>
+                                        <p:strVal val="visible"/>
+                                      </p:to>
+                                    </p:set>
+                                    <p:animEffect transition="in" filter="randombar(horizontal)">
+                                      <p:cBhvr>
+                                        <p:cTn id="21" dur="500"/>
+                                        <p:tgtEl>
+                                          <p:spTgt spid="2053"/>
+                                        </p:tgtEl>
+                                      </p:cBhvr>
+                                    </p:animEffect>
+                                  </p:childTnLst>
+                                </p:cTn>
+                              </p:par>
+                              <p:par>
+                                <p:cTn id="22" presetID="14" presetClass="entr" presetSubtype="10" fill="hold" grpId="0" nodeType="withEffect">
+                                  <p:stCondLst>
+                                    <p:cond delay="0"/>
+                                  </p:stCondLst>
+                                  <p:childTnLst>
+                                    <p:set>
+                                      <p:cBhvr>
+                                        <p:cTn id="23" dur="1" fill="hold">
+                                          <p:stCondLst>
+                                            <p:cond delay="0"/>
+                                          </p:stCondLst>
+                                        </p:cTn>
+                                        <p:tgtEl>
+                                          <p:spTgt spid="6"/>
+                                        </p:tgtEl>
+                                        <p:attrNameLst>
+                                          <p:attrName>style.visibility</p:attrName>
+                                        </p:attrNameLst>
+                                      </p:cBhvr>
+                                      <p:to>
+                                        <p:strVal val="visible"/>
+                                      </p:to>
+                                    </p:set>
+                                    <p:animEffect transition="in" filter="randombar(horizontal)">
+                                      <p:cBhvr>
+                                        <p:cTn id="24" dur="500"/>
+                                        <p:tgtEl>
+                                          <p:spTgt spid="6"/>
+                                        </p:tgtEl>
+                                      </p:cBhvr>
+                                    </p:animEffect>
+                                  </p:childTnLst>
+                                </p:cTn>
+                              </p:par>
+                              <p:par>
+                                <p:cTn id="25" presetID="14" presetClass="entr" presetSubtype="10" fill="hold" nodeType="withEffect">
+                                  <p:stCondLst>
+                                    <p:cond delay="0"/>
+                                  </p:stCondLst>
+                                  <p:childTnLst>
+                                    <p:set>
+                                      <p:cBhvr>
+                                        <p:cTn id="26" dur="1" fill="hold">
+                                          <p:stCondLst>
+                                            <p:cond delay="0"/>
+                                          </p:stCondLst>
+                                        </p:cTn>
+                                        <p:tgtEl>
+                                          <p:spTgt spid="13"/>
+                                        </p:tgtEl>
+                                        <p:attrNameLst>
+                                          <p:attrName>style.visibility</p:attrName>
+                                        </p:attrNameLst>
+                                      </p:cBhvr>
+                                      <p:to>
+                                        <p:strVal val="visible"/>
+                                      </p:to>
+                                    </p:set>
+                                    <p:animEffect transition="in" filter="randombar(horizontal)">
+                                      <p:cBhvr>
+                                        <p:cTn id="27" dur="500"/>
+                                        <p:tgtEl>
+                                          <p:spTgt spid="13"/>
+                                        </p:tgtEl>
+                                      </p:cBhvr>
+                                    </p:animEffect>
+                                  </p:childTnLst>
+                                </p:cTn>
+                              </p:par>
+                            </p:childTnLst>
+                          </p:cTn>
+                        </p:par>
+                      </p:childTnLst>
+                    </p:cTn>
+                  </p:par>
+                </p:childTnLst>
+              </p:cTn>
+              <p:prevCondLst>
+                <p:cond evt="onPrev" delay="0">
+                  <p:tgtEl>
+                    <p:sldTgt/>
+                  </p:tgtEl>
+                </p:cond>
+              </p:prevCondLst>
+              <p:nextCondLst>
+                <p:cond evt="onNext" delay="0">
+                  <p:tgtEl>
+                    <p:sldTgt/>
+                  </p:tgtEl>
+                </p:cond>
+              </p:nextCondLst>
+            </p:seq>
+          </p:childTnLst>
+        </p:cTn>
+      </p:par>
+    </p:tnLst>
+    <p:bldLst>
+      <p:bldP spid="5" grpId="0"/>
+      <p:bldP spid="6" grpId="0"/>
+    </p:bldLst>
+  </p:timing>
+</p:sld>
+</file>
+
+<file path=ppt/slides/slide13.xml><?xml version="1.0" encoding="utf-8"?>
+<p:sld xmlns:a="http://schemas.openxmlformats.org/drawingml/2006/main" xmlns:r="http://schemas.openxmlformats.org/officeDocument/2006/relationships" xmlns:p="http://schemas.openxmlformats.org/presentationml/2006/main">
+  <p:cSld>
+    <p:spTree>
+      <p:nvGrpSpPr>
+        <p:cNvPr id="1" name=""/>
+        <p:cNvGrpSpPr/>
+        <p:nvPr/>
+      </p:nvGrpSpPr>
+      <p:grpSpPr>
+        <a:xfrm>
+          <a:off x="0" y="0"/>
+          <a:ext cx="0" cy="0"/>
+          <a:chOff x="0" y="0"/>
+          <a:chExt cx="0" cy="0"/>
+        </a:xfrm>
+      </p:grpSpPr>
+      <p:sp>
+        <p:nvSpPr>
+          <p:cNvPr id="3" name="Espace réservé du contenu 2"/>
+          <p:cNvSpPr>
+            <a:spLocks noGrp="1"/>
+          </p:cNvSpPr>
+          <p:nvPr>
+            <p:ph sz="quarter" idx="1"/>
+          </p:nvPr>
+        </p:nvSpPr>
+        <p:spPr/>
+        <p:txBody>
+          <a:bodyPr/>
+          <a:lstStyle/>
+          <a:p>
+            <a:pPr>
+              <a:buFont typeface="Wingdings" pitchFamily="2" charset="2"/>
+              <a:buChar char="ü"/>
+            </a:pPr>
+            <a:r>
+              <a:rPr lang="fr-FR" dirty="0" smtClean="0">
+                <a:solidFill>
+                  <a:schemeClr val="accent1"/>
+                </a:solidFill>
+                <a:latin typeface="Calibri" pitchFamily="34" charset="0"/>
+                <a:cs typeface="Calibri" pitchFamily="34" charset="0"/>
+              </a:rPr>
+              <a:t>Evolution dynamique de la base de données :</a:t>
+            </a:r>
+          </a:p>
+          <a:p>
+            <a:pPr lvl="1">
+              <a:buFont typeface="Arial" pitchFamily="34" charset="0"/>
+              <a:buChar char="•"/>
+            </a:pPr>
+            <a:r>
+              <a:rPr lang="fr-FR" dirty="0" smtClean="0">
+                <a:solidFill>
+                  <a:schemeClr val="accent1"/>
+                </a:solidFill>
+                <a:latin typeface="Calibri" pitchFamily="34" charset="0"/>
+                <a:cs typeface="Calibri" pitchFamily="34" charset="0"/>
+              </a:rPr>
+              <a:t>Partie ajout / modification / suppression d’une table</a:t>
+            </a:r>
+          </a:p>
+          <a:p>
+            <a:pPr lvl="1">
+              <a:buFont typeface="Arial" pitchFamily="34" charset="0"/>
+              <a:buChar char="•"/>
+            </a:pPr>
+            <a:endParaRPr lang="fr-FR" dirty="0">
+              <a:solidFill>
+                <a:schemeClr val="accent1"/>
+              </a:solidFill>
+              <a:latin typeface="Calibri" pitchFamily="34" charset="0"/>
+              <a:cs typeface="Calibri" pitchFamily="34" charset="0"/>
+            </a:endParaRPr>
+          </a:p>
+          <a:p>
+            <a:pPr>
+              <a:buFont typeface="Wingdings" pitchFamily="2" charset="2"/>
+              <a:buChar char="ü"/>
+            </a:pPr>
+            <a:r>
+              <a:rPr lang="fr-FR" dirty="0" smtClean="0">
+                <a:solidFill>
+                  <a:schemeClr val="accent1"/>
+                </a:solidFill>
+                <a:latin typeface="Calibri" pitchFamily="34" charset="0"/>
+                <a:cs typeface="Calibri" pitchFamily="34" charset="0"/>
+              </a:rPr>
+              <a:t>Etendre les fonctionnalités du site sous différentes catégories :</a:t>
+            </a:r>
+          </a:p>
+          <a:p>
+            <a:pPr lvl="1">
+              <a:buFont typeface="Arial" pitchFamily="34" charset="0"/>
+              <a:buChar char="•"/>
+            </a:pPr>
+            <a:r>
+              <a:rPr lang="fr-FR" dirty="0" smtClean="0">
+                <a:solidFill>
+                  <a:schemeClr val="accent1"/>
+                </a:solidFill>
+                <a:latin typeface="Calibri" pitchFamily="34" charset="0"/>
+                <a:cs typeface="Calibri" pitchFamily="34" charset="0"/>
+              </a:rPr>
+              <a:t>Livres</a:t>
+            </a:r>
+          </a:p>
+          <a:p>
+            <a:pPr lvl="1">
+              <a:buFont typeface="Arial" pitchFamily="34" charset="0"/>
+              <a:buChar char="•"/>
+            </a:pPr>
+            <a:r>
+              <a:rPr lang="fr-FR" dirty="0" smtClean="0">
+                <a:solidFill>
+                  <a:schemeClr val="accent1"/>
+                </a:solidFill>
+                <a:latin typeface="Calibri" pitchFamily="34" charset="0"/>
+                <a:cs typeface="Calibri" pitchFamily="34" charset="0"/>
+              </a:rPr>
+              <a:t>Jeux vidéos</a:t>
+            </a:r>
+          </a:p>
+          <a:p>
+            <a:pPr lvl="1">
+              <a:buFont typeface="Arial" pitchFamily="34" charset="0"/>
+              <a:buChar char="•"/>
+            </a:pPr>
+            <a:r>
+              <a:rPr lang="fr-FR" dirty="0" smtClean="0">
+                <a:solidFill>
+                  <a:schemeClr val="accent1"/>
+                </a:solidFill>
+                <a:latin typeface="Calibri" pitchFamily="34" charset="0"/>
+                <a:cs typeface="Calibri" pitchFamily="34" charset="0"/>
+              </a:rPr>
+              <a:t>…</a:t>
+            </a:r>
+          </a:p>
+          <a:p>
+            <a:endParaRPr lang="fr-FR" dirty="0">
+              <a:solidFill>
+                <a:schemeClr val="accent1"/>
+              </a:solidFill>
+              <a:latin typeface="Calibri" pitchFamily="34" charset="0"/>
+              <a:cs typeface="Calibri" pitchFamily="34" charset="0"/>
+            </a:endParaRPr>
+          </a:p>
+        </p:txBody>
+      </p:sp>
+      <p:sp>
+        <p:nvSpPr>
+          <p:cNvPr id="4" name="Titre 1"/>
+          <p:cNvSpPr txBox="1">
+            <a:spLocks/>
+          </p:cNvSpPr>
+          <p:nvPr/>
+        </p:nvSpPr>
+        <p:spPr>
+          <a:xfrm>
+            <a:off x="457200" y="274638"/>
+            <a:ext cx="7467600" cy="850106"/>
+          </a:xfrm>
+          <a:prstGeom prst="rect">
+            <a:avLst/>
+          </a:prstGeom>
+        </p:spPr>
+        <p:txBody>
+          <a:bodyPr vert="horz" anchor="b">
+            <a:normAutofit/>
+          </a:bodyPr>
+          <a:lstStyle>
+            <a:lvl1pPr algn="l" rtl="0" eaLnBrk="1" latinLnBrk="0" hangingPunct="1">
+              <a:spcBef>
+                <a:spcPct val="0"/>
+              </a:spcBef>
+              <a:buNone/>
+              <a:defRPr kumimoji="0" sz="3000" b="0" kern="1200" cap="small" baseline="0">
+                <a:solidFill>
+                  <a:schemeClr val="tx2"/>
+                </a:solidFill>
+                <a:latin typeface="+mj-lt"/>
+                <a:ea typeface="+mj-ea"/>
+                <a:cs typeface="+mj-cs"/>
+              </a:defRPr>
+            </a:lvl1pPr>
+          </a:lstStyle>
+          <a:p>
+            <a:r>
+              <a:rPr lang="fr-FR" sz="4800" b="1" dirty="0" smtClean="0">
+                <a:solidFill>
+                  <a:schemeClr val="accent1">
+                    <a:lumMod val="75000"/>
+                  </a:schemeClr>
+                </a:solidFill>
+                <a:effectLst>
+                  <a:outerShdw blurRad="38100" dist="38100" dir="2700000" algn="tl">
+                    <a:srgbClr val="000000">
+                      <a:alpha val="43137"/>
+                    </a:srgbClr>
+                  </a:outerShdw>
+                </a:effectLst>
+                <a:latin typeface="Freestyle Script" pitchFamily="66" charset="0"/>
+              </a:rPr>
               <a:t>Evolutions </a:t>
             </a:r>
             <a:endParaRPr lang="fr-FR" sz="4800" b="1" dirty="0">
@@ -7589,7 +10429,7 @@
 </p:sld>
 </file>
 
-<file path=ppt/slides/slide13.xml><?xml version="1.0" encoding="utf-8"?>
+<file path=ppt/slides/slide14.xml><?xml version="1.0" encoding="utf-8"?>
 <p:sld xmlns:a="http://schemas.openxmlformats.org/drawingml/2006/main" xmlns:r="http://schemas.openxmlformats.org/officeDocument/2006/relationships" xmlns:p="http://schemas.openxmlformats.org/presentationml/2006/main">
   <p:cSld>
     <p:spTree>
@@ -12521,6 +15361,90 @@
           </p:txBody>
         </p:sp>
       </p:grpSp>
+      <p:sp>
+        <p:nvSpPr>
+          <p:cNvPr id="20" name="ZoneTexte 19"/>
+          <p:cNvSpPr txBox="1"/>
+          <p:nvPr/>
+        </p:nvSpPr>
+        <p:spPr>
+          <a:xfrm rot="235818">
+            <a:off x="3498476" y="2680901"/>
+            <a:ext cx="2078220" cy="200055"/>
+          </a:xfrm>
+          <a:prstGeom prst="rect">
+            <a:avLst/>
+          </a:prstGeom>
+          <a:noFill/>
+        </p:spPr>
+        <p:txBody>
+          <a:bodyPr wrap="square" rtlCol="0">
+            <a:spAutoFit/>
+          </a:bodyPr>
+          <a:lstStyle/>
+          <a:p>
+            <a:r>
+              <a:rPr lang="fr-FR" sz="700" i="1" dirty="0" smtClean="0">
+                <a:solidFill>
+                  <a:schemeClr val="accent1"/>
+                </a:solidFill>
+                <a:latin typeface="Calibri" pitchFamily="34" charset="0"/>
+                <a:cs typeface="Calibri" pitchFamily="34" charset="0"/>
+              </a:rPr>
+              <a:t>Une fois inscrit, l’utilisateur peut se connecter</a:t>
+            </a:r>
+            <a:endParaRPr lang="fr-FR" sz="700" i="1" dirty="0">
+              <a:solidFill>
+                <a:schemeClr val="accent1"/>
+              </a:solidFill>
+              <a:latin typeface="Calibri" pitchFamily="34" charset="0"/>
+              <a:cs typeface="Calibri" pitchFamily="34" charset="0"/>
+            </a:endParaRPr>
+          </a:p>
+        </p:txBody>
+      </p:sp>
+      <p:sp>
+        <p:nvSpPr>
+          <p:cNvPr id="27" name="ZoneTexte 26"/>
+          <p:cNvSpPr txBox="1"/>
+          <p:nvPr/>
+        </p:nvSpPr>
+        <p:spPr>
+          <a:xfrm rot="20770483">
+            <a:off x="5110633" y="3051354"/>
+            <a:ext cx="890524" cy="200055"/>
+          </a:xfrm>
+          <a:prstGeom prst="rect">
+            <a:avLst/>
+          </a:prstGeom>
+          <a:noFill/>
+        </p:spPr>
+        <p:txBody>
+          <a:bodyPr wrap="square" rtlCol="0">
+            <a:spAutoFit/>
+          </a:bodyPr>
+          <a:lstStyle/>
+          <a:p>
+            <a:r>
+              <a:rPr lang="fr-FR" sz="700" i="1" dirty="0" smtClean="0">
+                <a:solidFill>
+                  <a:schemeClr val="accent1"/>
+                </a:solidFill>
+                <a:latin typeface="Calibri" pitchFamily="34" charset="0"/>
+                <a:cs typeface="Calibri" pitchFamily="34" charset="0"/>
+              </a:rPr>
+              <a:t>Accès à la gestion</a:t>
+            </a:r>
+            <a:endParaRPr lang="fr-FR" sz="700" i="1" dirty="0">
+              <a:solidFill>
+                <a:schemeClr val="accent1"/>
+              </a:solidFill>
+              <a:latin typeface="Calibri" pitchFamily="34" charset="0"/>
+              <a:cs typeface="Calibri" pitchFamily="34" charset="0"/>
+            </a:endParaRPr>
+          </a:p>
+        </p:txBody>
+      </p:sp>
     </p:spTree>
     <p:extLst>
       <p:ext uri="{BB962C8B-B14F-4D97-AF65-F5344CB8AC3E}">
@@ -12543,6 +15467,9 @@
                     <p:cTn id="3" fill="hold">
                       <p:stCondLst>
                         <p:cond delay="indefinite"/>
+                        <p:cond evt="onBegin" delay="0">
+                          <p:tn val="2"/>
+                        </p:cond>
                       </p:stCondLst>
                       <p:childTnLst>
                         <p:par>
@@ -12552,7 +15479,7 @@
                             </p:stCondLst>
                             <p:childTnLst>
                               <p:par>
-                                <p:cTn id="5" presetID="53" presetClass="entr" presetSubtype="16" fill="hold" nodeType="clickEffect">
+                                <p:cTn id="5" presetID="53" presetClass="entr" presetSubtype="16" fill="hold" nodeType="withEffect">
                                   <p:stCondLst>
                                     <p:cond delay="0"/>
                                   </p:stCondLst>
@@ -12632,15 +15559,33 @@
                                   </p:childTnLst>
                                 </p:cTn>
                               </p:par>
+                            </p:childTnLst>
+                          </p:cTn>
+                        </p:par>
+                      </p:childTnLst>
+                    </p:cTn>
+                  </p:par>
+                  <p:par>
+                    <p:cTn id="10" fill="hold">
+                      <p:stCondLst>
+                        <p:cond delay="indefinite"/>
+                      </p:stCondLst>
+                      <p:childTnLst>
+                        <p:par>
+                          <p:cTn id="11" fill="hold">
+                            <p:stCondLst>
+                              <p:cond delay="0"/>
+                            </p:stCondLst>
+                            <p:childTnLst>
                               <p:par>
-                                <p:cTn id="10" presetID="53" presetClass="entr" presetSubtype="16" fill="hold" nodeType="withEffect">
+                                <p:cTn id="12" presetID="53" presetClass="entr" presetSubtype="16" fill="hold" nodeType="clickEffect">
                                   <p:stCondLst>
-                                    <p:cond delay="1000"/>
+                                    <p:cond delay="0"/>
                                   </p:stCondLst>
                                   <p:childTnLst>
                                     <p:set>
                                       <p:cBhvr>
-                                        <p:cTn id="11" dur="1" fill="hold">
+                                        <p:cTn id="13" dur="1" fill="hold">
                                           <p:stCondLst>
                                             <p:cond delay="0"/>
                                           </p:stCondLst>
@@ -12658,7 +15603,7 @@
                                     </p:set>
                                     <p:anim calcmode="lin" valueType="num">
                                       <p:cBhvr>
-                                        <p:cTn id="12" dur="500" fill="hold"/>
+                                        <p:cTn id="14" dur="500" fill="hold"/>
                                         <p:tgtEl>
                                           <p:spTgt spid="17"/>
                                         </p:tgtEl>
@@ -12681,7 +15626,7 @@
                                     </p:anim>
                                     <p:anim calcmode="lin" valueType="num">
                                       <p:cBhvr>
-                                        <p:cTn id="13" dur="500" fill="hold"/>
+                                        <p:cTn id="15" dur="500" fill="hold"/>
                                         <p:tgtEl>
                                           <p:spTgt spid="17"/>
                                         </p:tgtEl>
@@ -12704,7 +15649,7 @@
                                     </p:anim>
                                     <p:animEffect transition="in" filter="fade">
                                       <p:cBhvr>
-                                        <p:cTn id="14" dur="500"/>
+                                        <p:cTn id="16" dur="500"/>
                                         <p:tgtEl>
                                           <p:spTgt spid="17"/>
                                         </p:tgtEl>
@@ -12714,20 +15659,20 @@
                                 </p:cTn>
                               </p:par>
                               <p:par>
-                                <p:cTn id="15" presetID="53" presetClass="entr" presetSubtype="16" fill="hold" nodeType="withEffect">
+                                <p:cTn id="17" presetID="53" presetClass="entr" presetSubtype="16" fill="hold" grpId="0" nodeType="withEffect">
                                   <p:stCondLst>
-                                    <p:cond delay="1000"/>
+                                    <p:cond delay="0"/>
                                   </p:stCondLst>
                                   <p:childTnLst>
                                     <p:set>
                                       <p:cBhvr>
-                                        <p:cTn id="16" dur="1" fill="hold">
+                                        <p:cTn id="18" dur="1" fill="hold">
                                           <p:stCondLst>
                                             <p:cond delay="0"/>
                                           </p:stCondLst>
                                         </p:cTn>
                                         <p:tgtEl>
-                                          <p:spTgt spid="5"/>
+                                          <p:spTgt spid="20"/>
                                         </p:tgtEl>
                                         <p:attrNameLst>
                                           <p:attrName>style.visibility</p:attrName>
@@ -12739,9 +15684,9 @@
                                     </p:set>
                                     <p:anim calcmode="lin" valueType="num">
                                       <p:cBhvr>
-                                        <p:cTn id="17" dur="500" fill="hold"/>
-                                        <p:tgtEl>
-                                          <p:spTgt spid="5"/>
+                                        <p:cTn id="19" dur="500" fill="hold"/>
+                                        <p:tgtEl>
+                                          <p:spTgt spid="20"/>
                                         </p:tgtEl>
                                         <p:attrNameLst>
                                           <p:attrName>ppt_w</p:attrName>
@@ -12762,9 +15707,9 @@
                                     </p:anim>
                                     <p:anim calcmode="lin" valueType="num">
                                       <p:cBhvr>
-                                        <p:cTn id="18" dur="500" fill="hold"/>
-                                        <p:tgtEl>
-                                          <p:spTgt spid="5"/>
+                                        <p:cTn id="20" dur="500" fill="hold"/>
+                                        <p:tgtEl>
+                                          <p:spTgt spid="20"/>
                                         </p:tgtEl>
                                         <p:attrNameLst>
                                           <p:attrName>ppt_h</p:attrName>
@@ -12785,9 +15730,9 @@
                                     </p:anim>
                                     <p:animEffect transition="in" filter="fade">
                                       <p:cBhvr>
-                                        <p:cTn id="19" dur="500"/>
-                                        <p:tgtEl>
-                                          <p:spTgt spid="5"/>
+                                        <p:cTn id="21" dur="500"/>
+                                        <p:tgtEl>
+                                          <p:spTgt spid="20"/>
                                         </p:tgtEl>
                                       </p:cBhvr>
                                     </p:animEffect>
@@ -12795,20 +15740,20 @@
                                 </p:cTn>
                               </p:par>
                               <p:par>
-                                <p:cTn id="20" presetID="53" presetClass="entr" presetSubtype="16" fill="hold" nodeType="withEffect">
+                                <p:cTn id="22" presetID="53" presetClass="entr" presetSubtype="16" fill="hold" nodeType="withEffect">
                                   <p:stCondLst>
-                                    <p:cond delay="2000"/>
+                                    <p:cond delay="0"/>
                                   </p:stCondLst>
                                   <p:childTnLst>
                                     <p:set>
                                       <p:cBhvr>
-                                        <p:cTn id="21" dur="1" fill="hold">
+                                        <p:cTn id="23" dur="1" fill="hold">
                                           <p:stCondLst>
                                             <p:cond delay="0"/>
                                           </p:stCondLst>
                                         </p:cTn>
                                         <p:tgtEl>
-                                          <p:spTgt spid="39"/>
+                                          <p:spTgt spid="5"/>
                                         </p:tgtEl>
                                         <p:attrNameLst>
                                           <p:attrName>style.visibility</p:attrName>
@@ -12820,9 +15765,9 @@
                                     </p:set>
                                     <p:anim calcmode="lin" valueType="num">
                                       <p:cBhvr>
-                                        <p:cTn id="22" dur="500" fill="hold"/>
-                                        <p:tgtEl>
-                                          <p:spTgt spid="39"/>
+                                        <p:cTn id="24" dur="500" fill="hold"/>
+                                        <p:tgtEl>
+                                          <p:spTgt spid="5"/>
                                         </p:tgtEl>
                                         <p:attrNameLst>
                                           <p:attrName>ppt_w</p:attrName>
@@ -12843,9 +15788,9 @@
                                     </p:anim>
                                     <p:anim calcmode="lin" valueType="num">
                                       <p:cBhvr>
-                                        <p:cTn id="23" dur="500" fill="hold"/>
-                                        <p:tgtEl>
-                                          <p:spTgt spid="39"/>
+                                        <p:cTn id="25" dur="500" fill="hold"/>
+                                        <p:tgtEl>
+                                          <p:spTgt spid="5"/>
                                         </p:tgtEl>
                                         <p:attrNameLst>
                                           <p:attrName>ppt_h</p:attrName>
@@ -12866,9 +15811,108 @@
                                     </p:anim>
                                     <p:animEffect transition="in" filter="fade">
                                       <p:cBhvr>
-                                        <p:cTn id="24" dur="500"/>
-                                        <p:tgtEl>
-                                          <p:spTgt spid="39"/>
+                                        <p:cTn id="26" dur="500"/>
+                                        <p:tgtEl>
+                                          <p:spTgt spid="5"/>
+                                        </p:tgtEl>
+                                      </p:cBhvr>
+                                    </p:animEffect>
+                                  </p:childTnLst>
+                                </p:cTn>
+                              </p:par>
+                            </p:childTnLst>
+                          </p:cTn>
+                        </p:par>
+                      </p:childTnLst>
+                    </p:cTn>
+                  </p:par>
+                  <p:par>
+                    <p:cTn id="27" fill="hold">
+                      <p:stCondLst>
+                        <p:cond delay="indefinite"/>
+                      </p:stCondLst>
+                      <p:childTnLst>
+                        <p:par>
+                          <p:cTn id="28" fill="hold">
+                            <p:stCondLst>
+                              <p:cond delay="0"/>
+                            </p:stCondLst>
+                            <p:childTnLst>
+                              <p:par>
+                                <p:cTn id="29" presetID="53" presetClass="entr" presetSubtype="16" fill="hold" grpId="0" nodeType="clickEffect">
+                                  <p:stCondLst>
+                                    <p:cond delay="0"/>
+                                  </p:stCondLst>
+                                  <p:childTnLst>
+                                    <p:set>
+                                      <p:cBhvr>
+                                        <p:cTn id="30" dur="1" fill="hold">
+                                          <p:stCondLst>
+                                            <p:cond delay="0"/>
+                                          </p:stCondLst>
+                                        </p:cTn>
+                                        <p:tgtEl>
+                                          <p:spTgt spid="27"/>
+                                        </p:tgtEl>
+                                        <p:attrNameLst>
+                                          <p:attrName>style.visibility</p:attrName>
+                                        </p:attrNameLst>
+                                      </p:cBhvr>
+                                      <p:to>
+                                        <p:strVal val="visible"/>
+                                      </p:to>
+                                    </p:set>
+                                    <p:anim calcmode="lin" valueType="num">
+                                      <p:cBhvr>
+                                        <p:cTn id="31" dur="500" fill="hold"/>
+                                        <p:tgtEl>
+                                          <p:spTgt spid="27"/>
+                                        </p:tgtEl>
+                                        <p:attrNameLst>
+                                          <p:attrName>ppt_w</p:attrName>
+                                        </p:attrNameLst>
+                                      </p:cBhvr>
+                                      <p:tavLst>
+                                        <p:tav tm="0">
+                                          <p:val>
+                                            <p:fltVal val="0"/>
+                                          </p:val>
+                                        </p:tav>
+                                        <p:tav tm="100000">
+                                          <p:val>
+                                            <p:strVal val="#ppt_w"/>
+                                          </p:val>
+                                        </p:tav>
+                                      </p:tavLst>
+                                    </p:anim>
+                                    <p:anim calcmode="lin" valueType="num">
+                                      <p:cBhvr>
+                                        <p:cTn id="32" dur="500" fill="hold"/>
+                                        <p:tgtEl>
+                                          <p:spTgt spid="27"/>
+                                        </p:tgtEl>
+                                        <p:attrNameLst>
+                                          <p:attrName>ppt_h</p:attrName>
+                                        </p:attrNameLst>
+                                      </p:cBhvr>
+                                      <p:tavLst>
+                                        <p:tav tm="0">
+                                          <p:val>
+                                            <p:fltVal val="0"/>
+                                          </p:val>
+                                        </p:tav>
+                                        <p:tav tm="100000">
+                                          <p:val>
+                                            <p:strVal val="#ppt_h"/>
+                                          </p:val>
+                                        </p:tav>
+                                      </p:tavLst>
+                                    </p:anim>
+                                    <p:animEffect transition="in" filter="fade">
+                                      <p:cBhvr>
+                                        <p:cTn id="33" dur="500"/>
+                                        <p:tgtEl>
+                                          <p:spTgt spid="27"/>
                                         </p:tgtEl>
                                       </p:cBhvr>
                                     </p:animEffect>
@@ -12876,20 +15920,20 @@
                                 </p:cTn>
                               </p:par>
                               <p:par>
-                                <p:cTn id="25" presetID="53" presetClass="entr" presetSubtype="16" fill="hold" nodeType="withEffect">
+                                <p:cTn id="34" presetID="53" presetClass="entr" presetSubtype="16" fill="hold" nodeType="withEffect">
                                   <p:stCondLst>
-                                    <p:cond delay="2000"/>
+                                    <p:cond delay="0"/>
                                   </p:stCondLst>
                                   <p:childTnLst>
                                     <p:set>
                                       <p:cBhvr>
-                                        <p:cTn id="26" dur="1" fill="hold">
+                                        <p:cTn id="35" dur="1" fill="hold">
                                           <p:stCondLst>
                                             <p:cond delay="0"/>
                                           </p:stCondLst>
                                         </p:cTn>
                                         <p:tgtEl>
-                                          <p:spTgt spid="9"/>
+                                          <p:spTgt spid="39"/>
                                         </p:tgtEl>
                                         <p:attrNameLst>
                                           <p:attrName>style.visibility</p:attrName>
@@ -12901,9 +15945,9 @@
                                     </p:set>
                                     <p:anim calcmode="lin" valueType="num">
                                       <p:cBhvr>
-                                        <p:cTn id="27" dur="500" fill="hold"/>
-                                        <p:tgtEl>
-                                          <p:spTgt spid="9"/>
+                                        <p:cTn id="36" dur="500" fill="hold"/>
+                                        <p:tgtEl>
+                                          <p:spTgt spid="39"/>
                                         </p:tgtEl>
                                         <p:attrNameLst>
                                           <p:attrName>ppt_w</p:attrName>
@@ -12924,9 +15968,9 @@
                                     </p:anim>
                                     <p:anim calcmode="lin" valueType="num">
                                       <p:cBhvr>
-                                        <p:cTn id="28" dur="500" fill="hold"/>
-                                        <p:tgtEl>
-                                          <p:spTgt spid="9"/>
+                                        <p:cTn id="37" dur="500" fill="hold"/>
+                                        <p:tgtEl>
+                                          <p:spTgt spid="39"/>
                                         </p:tgtEl>
                                         <p:attrNameLst>
                                           <p:attrName>ppt_h</p:attrName>
@@ -12947,9 +15991,9 @@
                                     </p:anim>
                                     <p:animEffect transition="in" filter="fade">
                                       <p:cBhvr>
-                                        <p:cTn id="29" dur="500"/>
-                                        <p:tgtEl>
-                                          <p:spTgt spid="9"/>
+                                        <p:cTn id="38" dur="500"/>
+                                        <p:tgtEl>
+                                          <p:spTgt spid="39"/>
                                         </p:tgtEl>
                                       </p:cBhvr>
                                     </p:animEffect>
@@ -12957,20 +16001,20 @@
                                 </p:cTn>
                               </p:par>
                               <p:par>
-                                <p:cTn id="30" presetID="31" presetClass="entr" presetSubtype="0" fill="hold" nodeType="withEffect">
+                                <p:cTn id="39" presetID="53" presetClass="entr" presetSubtype="16" fill="hold" nodeType="withEffect">
                                   <p:stCondLst>
-                                    <p:cond delay="3500"/>
+                                    <p:cond delay="0"/>
                                   </p:stCondLst>
                                   <p:childTnLst>
                                     <p:set>
                                       <p:cBhvr>
-                                        <p:cTn id="31" dur="1" fill="hold">
+                                        <p:cTn id="40" dur="1" fill="hold">
                                           <p:stCondLst>
                                             <p:cond delay="0"/>
                                           </p:stCondLst>
                                         </p:cTn>
                                         <p:tgtEl>
-                                          <p:spTgt spid="40"/>
+                                          <p:spTgt spid="9"/>
                                         </p:tgtEl>
                                         <p:attrNameLst>
                                           <p:attrName>style.visibility</p:attrName>
@@ -12982,9 +16026,9 @@
                                     </p:set>
                                     <p:anim calcmode="lin" valueType="num">
                                       <p:cBhvr>
-                                        <p:cTn id="32" dur="1000" fill="hold"/>
-                                        <p:tgtEl>
-                                          <p:spTgt spid="40"/>
+                                        <p:cTn id="41" dur="500" fill="hold"/>
+                                        <p:tgtEl>
+                                          <p:spTgt spid="9"/>
                                         </p:tgtEl>
                                         <p:attrNameLst>
                                           <p:attrName>ppt_w</p:attrName>
@@ -13005,9 +16049,9 @@
                                     </p:anim>
                                     <p:anim calcmode="lin" valueType="num">
                                       <p:cBhvr>
-                                        <p:cTn id="33" dur="1000" fill="hold"/>
-                                        <p:tgtEl>
-                                          <p:spTgt spid="40"/>
+                                        <p:cTn id="42" dur="500" fill="hold"/>
+                                        <p:tgtEl>
+                                          <p:spTgt spid="9"/>
                                         </p:tgtEl>
                                         <p:attrNameLst>
                                           <p:attrName>ppt_h</p:attrName>
@@ -13026,9 +16070,108 @@
                                         </p:tav>
                                       </p:tavLst>
                                     </p:anim>
+                                    <p:animEffect transition="in" filter="fade">
+                                      <p:cBhvr>
+                                        <p:cTn id="43" dur="500"/>
+                                        <p:tgtEl>
+                                          <p:spTgt spid="9"/>
+                                        </p:tgtEl>
+                                      </p:cBhvr>
+                                    </p:animEffect>
+                                  </p:childTnLst>
+                                </p:cTn>
+                              </p:par>
+                            </p:childTnLst>
+                          </p:cTn>
+                        </p:par>
+                      </p:childTnLst>
+                    </p:cTn>
+                  </p:par>
+                  <p:par>
+                    <p:cTn id="44" fill="hold">
+                      <p:stCondLst>
+                        <p:cond delay="indefinite"/>
+                      </p:stCondLst>
+                      <p:childTnLst>
+                        <p:par>
+                          <p:cTn id="45" fill="hold">
+                            <p:stCondLst>
+                              <p:cond delay="0"/>
+                            </p:stCondLst>
+                            <p:childTnLst>
+                              <p:par>
+                                <p:cTn id="46" presetID="31" presetClass="entr" presetSubtype="0" fill="hold" nodeType="clickEffect">
+                                  <p:stCondLst>
+                                    <p:cond delay="0"/>
+                                  </p:stCondLst>
+                                  <p:childTnLst>
+                                    <p:set>
+                                      <p:cBhvr>
+                                        <p:cTn id="47" dur="1" fill="hold">
+                                          <p:stCondLst>
+                                            <p:cond delay="0"/>
+                                          </p:stCondLst>
+                                        </p:cTn>
+                                        <p:tgtEl>
+                                          <p:spTgt spid="40"/>
+                                        </p:tgtEl>
+                                        <p:attrNameLst>
+                                          <p:attrName>style.visibility</p:attrName>
+                                        </p:attrNameLst>
+                                      </p:cBhvr>
+                                      <p:to>
+                                        <p:strVal val="visible"/>
+                                      </p:to>
+                                    </p:set>
                                     <p:anim calcmode="lin" valueType="num">
                                       <p:cBhvr>
-                                        <p:cTn id="34" dur="1000" fill="hold"/>
+                                        <p:cTn id="48" dur="1000" fill="hold"/>
+                                        <p:tgtEl>
+                                          <p:spTgt spid="40"/>
+                                        </p:tgtEl>
+                                        <p:attrNameLst>
+                                          <p:attrName>ppt_w</p:attrName>
+                                        </p:attrNameLst>
+                                      </p:cBhvr>
+                                      <p:tavLst>
+                                        <p:tav tm="0">
+                                          <p:val>
+                                            <p:fltVal val="0"/>
+                                          </p:val>
+                                        </p:tav>
+                                        <p:tav tm="100000">
+                                          <p:val>
+                                            <p:strVal val="#ppt_w"/>
+                                          </p:val>
+                                        </p:tav>
+                                      </p:tavLst>
+                                    </p:anim>
+                                    <p:anim calcmode="lin" valueType="num">
+                                      <p:cBhvr>
+                                        <p:cTn id="49" dur="1000" fill="hold"/>
+                                        <p:tgtEl>
+                                          <p:spTgt spid="40"/>
+                                        </p:tgtEl>
+                                        <p:attrNameLst>
+                                          <p:attrName>ppt_h</p:attrName>
+                                        </p:attrNameLst>
+                                      </p:cBhvr>
+                                      <p:tavLst>
+                                        <p:tav tm="0">
+                                          <p:val>
+                                            <p:fltVal val="0"/>
+                                          </p:val>
+                                        </p:tav>
+                                        <p:tav tm="100000">
+                                          <p:val>
+                                            <p:strVal val="#ppt_h"/>
+                                          </p:val>
+                                        </p:tav>
+                                      </p:tavLst>
+                                    </p:anim>
+                                    <p:anim calcmode="lin" valueType="num">
+                                      <p:cBhvr>
+                                        <p:cTn id="50" dur="1000" fill="hold"/>
                                         <p:tgtEl>
                                           <p:spTgt spid="40"/>
                                         </p:tgtEl>
@@ -13051,7 +16194,7 @@
                                     </p:anim>
                                     <p:animEffect transition="in" filter="fade">
                                       <p:cBhvr>
-                                        <p:cTn id="35" dur="1000"/>
+                                        <p:cTn id="51" dur="1000"/>
                                         <p:tgtEl>
                                           <p:spTgt spid="40"/>
                                         </p:tgtEl>
@@ -13061,14 +16204,14 @@
                                 </p:cTn>
                               </p:par>
                               <p:par>
-                                <p:cTn id="36" presetID="31" presetClass="entr" presetSubtype="0" fill="hold" nodeType="withEffect">
+                                <p:cTn id="52" presetID="31" presetClass="entr" presetSubtype="0" fill="hold" nodeType="withEffect">
                                   <p:stCondLst>
-                                    <p:cond delay="3500"/>
+                                    <p:cond delay="0"/>
                                   </p:stCondLst>
                                   <p:childTnLst>
                                     <p:set>
                                       <p:cBhvr>
-                                        <p:cTn id="37" dur="1" fill="hold">
+                                        <p:cTn id="53" dur="1" fill="hold">
                                           <p:stCondLst>
                                             <p:cond delay="0"/>
                                           </p:stCondLst>
@@ -13086,7 +16229,7 @@
                                     </p:set>
                                     <p:anim calcmode="lin" valueType="num">
                                       <p:cBhvr>
-                                        <p:cTn id="38" dur="1000" fill="hold"/>
+                                        <p:cTn id="54" dur="1000" fill="hold"/>
                                         <p:tgtEl>
                                           <p:spTgt spid="11"/>
                                         </p:tgtEl>
@@ -13109,7 +16252,7 @@
                                     </p:anim>
                                     <p:anim calcmode="lin" valueType="num">
                                       <p:cBhvr>
-                                        <p:cTn id="39" dur="1000" fill="hold"/>
+                                        <p:cTn id="55" dur="1000" fill="hold"/>
                                         <p:tgtEl>
                                           <p:spTgt spid="11"/>
                                         </p:tgtEl>
@@ -13132,7 +16275,7 @@
                                     </p:anim>
                                     <p:anim calcmode="lin" valueType="num">
                                       <p:cBhvr>
-                                        <p:cTn id="40" dur="1000" fill="hold"/>
+                                        <p:cTn id="56" dur="1000" fill="hold"/>
                                         <p:tgtEl>
                                           <p:spTgt spid="11"/>
                                         </p:tgtEl>
@@ -13155,7 +16298,7 @@
                                     </p:anim>
                                     <p:animEffect transition="in" filter="fade">
                                       <p:cBhvr>
-                                        <p:cTn id="41" dur="1000"/>
+                                        <p:cTn id="57" dur="1000"/>
                                         <p:tgtEl>
                                           <p:spTgt spid="11"/>
                                         </p:tgtEl>
@@ -13164,15 +16307,33 @@
                                   </p:childTnLst>
                                 </p:cTn>
                               </p:par>
+                            </p:childTnLst>
+                          </p:cTn>
+                        </p:par>
+                      </p:childTnLst>
+                    </p:cTn>
+                  </p:par>
+                  <p:par>
+                    <p:cTn id="58" fill="hold">
+                      <p:stCondLst>
+                        <p:cond delay="indefinite"/>
+                      </p:stCondLst>
+                      <p:childTnLst>
+                        <p:par>
+                          <p:cTn id="59" fill="hold">
+                            <p:stCondLst>
+                              <p:cond delay="0"/>
+                            </p:stCondLst>
+                            <p:childTnLst>
                               <p:par>
-                                <p:cTn id="42" presetID="31" presetClass="entr" presetSubtype="0" fill="hold" nodeType="withEffect">
+                                <p:cTn id="60" presetID="31" presetClass="entr" presetSubtype="0" fill="hold" nodeType="clickEffect">
                                   <p:stCondLst>
-                                    <p:cond delay="5000"/>
+                                    <p:cond delay="0"/>
                                   </p:stCondLst>
                                   <p:childTnLst>
                                     <p:set>
                                       <p:cBhvr>
-                                        <p:cTn id="43" dur="1" fill="hold">
+                                        <p:cTn id="61" dur="1" fill="hold">
                                           <p:stCondLst>
                                             <p:cond delay="0"/>
                                           </p:stCondLst>
@@ -13190,7 +16351,7 @@
                                     </p:set>
                                     <p:anim calcmode="lin" valueType="num">
                                       <p:cBhvr>
-                                        <p:cTn id="44" dur="1000" fill="hold"/>
+                                        <p:cTn id="62" dur="1000" fill="hold"/>
                                         <p:tgtEl>
                                           <p:spTgt spid="41"/>
                                         </p:tgtEl>
@@ -13213,7 +16374,7 @@
                                     </p:anim>
                                     <p:anim calcmode="lin" valueType="num">
                                       <p:cBhvr>
-                                        <p:cTn id="45" dur="1000" fill="hold"/>
+                                        <p:cTn id="63" dur="1000" fill="hold"/>
                                         <p:tgtEl>
                                           <p:spTgt spid="41"/>
                                         </p:tgtEl>
@@ -13236,7 +16397,7 @@
                                     </p:anim>
                                     <p:anim calcmode="lin" valueType="num">
                                       <p:cBhvr>
-                                        <p:cTn id="46" dur="1000" fill="hold"/>
+                                        <p:cTn id="64" dur="1000" fill="hold"/>
                                         <p:tgtEl>
                                           <p:spTgt spid="41"/>
                                         </p:tgtEl>
@@ -13259,321 +16420,9 @@
                                     </p:anim>
                                     <p:animEffect transition="in" filter="fade">
                                       <p:cBhvr>
-                                        <p:cTn id="47" dur="1000"/>
+                                        <p:cTn id="65" dur="1000"/>
                                         <p:tgtEl>
                                           <p:spTgt spid="41"/>
-                                        </p:tgtEl>
-                                      </p:cBhvr>
-                                    </p:animEffect>
-                                  </p:childTnLst>
-                                </p:cTn>
-                              </p:par>
-                              <p:par>
-                                <p:cTn id="48" presetID="31" presetClass="entr" presetSubtype="0" fill="hold" nodeType="withEffect">
-                                  <p:stCondLst>
-                                    <p:cond delay="5000"/>
-                                  </p:stCondLst>
-                                  <p:childTnLst>
-                                    <p:set>
-                                      <p:cBhvr>
-                                        <p:cTn id="49" dur="1" fill="hold">
-                                          <p:stCondLst>
-                                            <p:cond delay="0"/>
-                                          </p:stCondLst>
-                                        </p:cTn>
-                                        <p:tgtEl>
-                                          <p:spTgt spid="6"/>
-                                        </p:tgtEl>
-                                        <p:attrNameLst>
-                                          <p:attrName>style.visibility</p:attrName>
-                                        </p:attrNameLst>
-                                      </p:cBhvr>
-                                      <p:to>
-                                        <p:strVal val="visible"/>
-                                      </p:to>
-                                    </p:set>
-                                    <p:anim calcmode="lin" valueType="num">
-                                      <p:cBhvr>
-                                        <p:cTn id="50" dur="1000" fill="hold"/>
-                                        <p:tgtEl>
-                                          <p:spTgt spid="6"/>
-                                        </p:tgtEl>
-                                        <p:attrNameLst>
-                                          <p:attrName>ppt_w</p:attrName>
-                                        </p:attrNameLst>
-                                      </p:cBhvr>
-                                      <p:tavLst>
-                                        <p:tav tm="0">
-                                          <p:val>
-                                            <p:fltVal val="0"/>
-                                          </p:val>
-                                        </p:tav>
-                                        <p:tav tm="100000">
-                                          <p:val>
-                                            <p:strVal val="#ppt_w"/>
-                                          </p:val>
-                                        </p:tav>
-                                      </p:tavLst>
-                                    </p:anim>
-                                    <p:anim calcmode="lin" valueType="num">
-                                      <p:cBhvr>
-                                        <p:cTn id="51" dur="1000" fill="hold"/>
-                                        <p:tgtEl>
-                                          <p:spTgt spid="6"/>
-                                        </p:tgtEl>
-                                        <p:attrNameLst>
-                                          <p:attrName>ppt_h</p:attrName>
-                                        </p:attrNameLst>
-                                      </p:cBhvr>
-                                      <p:tavLst>
-                                        <p:tav tm="0">
-                                          <p:val>
-                                            <p:fltVal val="0"/>
-                                          </p:val>
-                                        </p:tav>
-                                        <p:tav tm="100000">
-                                          <p:val>
-                                            <p:strVal val="#ppt_h"/>
-                                          </p:val>
-                                        </p:tav>
-                                      </p:tavLst>
-                                    </p:anim>
-                                    <p:anim calcmode="lin" valueType="num">
-                                      <p:cBhvr>
-                                        <p:cTn id="52" dur="1000" fill="hold"/>
-                                        <p:tgtEl>
-                                          <p:spTgt spid="6"/>
-                                        </p:tgtEl>
-                                        <p:attrNameLst>
-                                          <p:attrName>style.rotation</p:attrName>
-                                        </p:attrNameLst>
-                                      </p:cBhvr>
-                                      <p:tavLst>
-                                        <p:tav tm="0">
-                                          <p:val>
-                                            <p:fltVal val="90"/>
-                                          </p:val>
-                                        </p:tav>
-                                        <p:tav tm="100000">
-                                          <p:val>
-                                            <p:fltVal val="0"/>
-                                          </p:val>
-                                        </p:tav>
-                                      </p:tavLst>
-                                    </p:anim>
-                                    <p:animEffect transition="in" filter="fade">
-                                      <p:cBhvr>
-                                        <p:cTn id="53" dur="1000"/>
-                                        <p:tgtEl>
-                                          <p:spTgt spid="6"/>
-                                        </p:tgtEl>
-                                      </p:cBhvr>
-                                    </p:animEffect>
-                                  </p:childTnLst>
-                                </p:cTn>
-                              </p:par>
-                              <p:par>
-                                <p:cTn id="54" presetID="31" presetClass="entr" presetSubtype="0" fill="hold" nodeType="withEffect">
-                                  <p:stCondLst>
-                                    <p:cond delay="5000"/>
-                                  </p:stCondLst>
-                                  <p:childTnLst>
-                                    <p:set>
-                                      <p:cBhvr>
-                                        <p:cTn id="55" dur="1" fill="hold">
-                                          <p:stCondLst>
-                                            <p:cond delay="0"/>
-                                          </p:stCondLst>
-                                        </p:cTn>
-                                        <p:tgtEl>
-                                          <p:spTgt spid="10"/>
-                                        </p:tgtEl>
-                                        <p:attrNameLst>
-                                          <p:attrName>style.visibility</p:attrName>
-                                        </p:attrNameLst>
-                                      </p:cBhvr>
-                                      <p:to>
-                                        <p:strVal val="visible"/>
-                                      </p:to>
-                                    </p:set>
-                                    <p:anim calcmode="lin" valueType="num">
-                                      <p:cBhvr>
-                                        <p:cTn id="56" dur="1000" fill="hold"/>
-                                        <p:tgtEl>
-                                          <p:spTgt spid="10"/>
-                                        </p:tgtEl>
-                                        <p:attrNameLst>
-                                          <p:attrName>ppt_w</p:attrName>
-                                        </p:attrNameLst>
-                                      </p:cBhvr>
-                                      <p:tavLst>
-                                        <p:tav tm="0">
-                                          <p:val>
-                                            <p:fltVal val="0"/>
-                                          </p:val>
-                                        </p:tav>
-                                        <p:tav tm="100000">
-                                          <p:val>
-                                            <p:strVal val="#ppt_w"/>
-                                          </p:val>
-                                        </p:tav>
-                                      </p:tavLst>
-                                    </p:anim>
-                                    <p:anim calcmode="lin" valueType="num">
-                                      <p:cBhvr>
-                                        <p:cTn id="57" dur="1000" fill="hold"/>
-                                        <p:tgtEl>
-                                          <p:spTgt spid="10"/>
-                                        </p:tgtEl>
-                                        <p:attrNameLst>
-                                          <p:attrName>ppt_h</p:attrName>
-                                        </p:attrNameLst>
-                                      </p:cBhvr>
-                                      <p:tavLst>
-                                        <p:tav tm="0">
-                                          <p:val>
-                                            <p:fltVal val="0"/>
-                                          </p:val>
-                                        </p:tav>
-                                        <p:tav tm="100000">
-                                          <p:val>
-                                            <p:strVal val="#ppt_h"/>
-                                          </p:val>
-                                        </p:tav>
-                                      </p:tavLst>
-                                    </p:anim>
-                                    <p:anim calcmode="lin" valueType="num">
-                                      <p:cBhvr>
-                                        <p:cTn id="58" dur="1000" fill="hold"/>
-                                        <p:tgtEl>
-                                          <p:spTgt spid="10"/>
-                                        </p:tgtEl>
-                                        <p:attrNameLst>
-                                          <p:attrName>style.rotation</p:attrName>
-                                        </p:attrNameLst>
-                                      </p:cBhvr>
-                                      <p:tavLst>
-                                        <p:tav tm="0">
-                                          <p:val>
-                                            <p:fltVal val="90"/>
-                                          </p:val>
-                                        </p:tav>
-                                        <p:tav tm="100000">
-                                          <p:val>
-                                            <p:fltVal val="0"/>
-                                          </p:val>
-                                        </p:tav>
-                                      </p:tavLst>
-                                    </p:anim>
-                                    <p:animEffect transition="in" filter="fade">
-                                      <p:cBhvr>
-                                        <p:cTn id="59" dur="1000"/>
-                                        <p:tgtEl>
-                                          <p:spTgt spid="10"/>
-                                        </p:tgtEl>
-                                      </p:cBhvr>
-                                    </p:animEffect>
-                                  </p:childTnLst>
-                                </p:cTn>
-                              </p:par>
-                              <p:par>
-                                <p:cTn id="60" presetID="31" presetClass="entr" presetSubtype="0" fill="hold" nodeType="withEffect">
-                                  <p:stCondLst>
-                                    <p:cond delay="6500"/>
-                                  </p:stCondLst>
-                                  <p:childTnLst>
-                                    <p:set>
-                                      <p:cBhvr>
-                                        <p:cTn id="61" dur="1" fill="hold">
-                                          <p:stCondLst>
-                                            <p:cond delay="0"/>
-                                          </p:stCondLst>
-                                        </p:cTn>
-                                        <p:tgtEl>
-                                          <p:spTgt spid="42"/>
-                                        </p:tgtEl>
-                                        <p:attrNameLst>
-                                          <p:attrName>style.visibility</p:attrName>
-                                        </p:attrNameLst>
-                                      </p:cBhvr>
-                                      <p:to>
-                                        <p:strVal val="visible"/>
-                                      </p:to>
-                                    </p:set>
-                                    <p:anim calcmode="lin" valueType="num">
-                                      <p:cBhvr>
-                                        <p:cTn id="62" dur="1000" fill="hold"/>
-                                        <p:tgtEl>
-                                          <p:spTgt spid="42"/>
-                                        </p:tgtEl>
-                                        <p:attrNameLst>
-                                          <p:attrName>ppt_w</p:attrName>
-                                        </p:attrNameLst>
-                                      </p:cBhvr>
-                                      <p:tavLst>
-                                        <p:tav tm="0">
-                                          <p:val>
-                                            <p:fltVal val="0"/>
-                                          </p:val>
-                                        </p:tav>
-                                        <p:tav tm="100000">
-                                          <p:val>
-                                            <p:strVal val="#ppt_w"/>
-                                          </p:val>
-                                        </p:tav>
-                                      </p:tavLst>
-                                    </p:anim>
-                                    <p:anim calcmode="lin" valueType="num">
-                                      <p:cBhvr>
-                                        <p:cTn id="63" dur="1000" fill="hold"/>
-                                        <p:tgtEl>
-                                          <p:spTgt spid="42"/>
-                                        </p:tgtEl>
-                                        <p:attrNameLst>
-                                          <p:attrName>ppt_h</p:attrName>
-                                        </p:attrNameLst>
-                                      </p:cBhvr>
-                                      <p:tavLst>
-                                        <p:tav tm="0">
-                                          <p:val>
-                                            <p:fltVal val="0"/>
-                                          </p:val>
-                                        </p:tav>
-                                        <p:tav tm="100000">
-                                          <p:val>
-                                            <p:strVal val="#ppt_h"/>
-                                          </p:val>
-                                        </p:tav>
-                                      </p:tavLst>
-                                    </p:anim>
-                                    <p:anim calcmode="lin" valueType="num">
-                                      <p:cBhvr>
-                                        <p:cTn id="64" dur="1000" fill="hold"/>
-                                        <p:tgtEl>
-                                          <p:spTgt spid="42"/>
-                                        </p:tgtEl>
-                                        <p:attrNameLst>
-                                          <p:attrName>style.rotation</p:attrName>
-                                        </p:attrNameLst>
-                                      </p:cBhvr>
-                                      <p:tavLst>
-                                        <p:tav tm="0">
-                                          <p:val>
-                                            <p:fltVal val="90"/>
-                                          </p:val>
-                                        </p:tav>
-                                        <p:tav tm="100000">
-                                          <p:val>
-                                            <p:fltVal val="0"/>
-                                          </p:val>
-                                        </p:tav>
-                                      </p:tavLst>
-                                    </p:anim>
-                                    <p:animEffect transition="in" filter="fade">
-                                      <p:cBhvr>
-                                        <p:cTn id="65" dur="1000"/>
-                                        <p:tgtEl>
-                                          <p:spTgt spid="42"/>
                                         </p:tgtEl>
                                       </p:cBhvr>
                                     </p:animEffect>
@@ -13583,7 +16432,7 @@
                               <p:par>
                                 <p:cTn id="66" presetID="31" presetClass="entr" presetSubtype="0" fill="hold" nodeType="withEffect">
                                   <p:stCondLst>
-                                    <p:cond delay="6500"/>
+                                    <p:cond delay="0"/>
                                   </p:stCondLst>
                                   <p:childTnLst>
                                     <p:set>
@@ -13594,7 +16443,7 @@
                                           </p:stCondLst>
                                         </p:cTn>
                                         <p:tgtEl>
-                                          <p:spTgt spid="12"/>
+                                          <p:spTgt spid="6"/>
                                         </p:tgtEl>
                                         <p:attrNameLst>
                                           <p:attrName>style.visibility</p:attrName>
@@ -13608,7 +16457,7 @@
                                       <p:cBhvr>
                                         <p:cTn id="68" dur="1000" fill="hold"/>
                                         <p:tgtEl>
-                                          <p:spTgt spid="12"/>
+                                          <p:spTgt spid="6"/>
                                         </p:tgtEl>
                                         <p:attrNameLst>
                                           <p:attrName>ppt_w</p:attrName>
@@ -13631,7 +16480,7 @@
                                       <p:cBhvr>
                                         <p:cTn id="69" dur="1000" fill="hold"/>
                                         <p:tgtEl>
-                                          <p:spTgt spid="12"/>
+                                          <p:spTgt spid="6"/>
                                         </p:tgtEl>
                                         <p:attrNameLst>
                                           <p:attrName>ppt_h</p:attrName>
@@ -13654,7 +16503,7 @@
                                       <p:cBhvr>
                                         <p:cTn id="70" dur="1000" fill="hold"/>
                                         <p:tgtEl>
-                                          <p:spTgt spid="12"/>
+                                          <p:spTgt spid="6"/>
                                         </p:tgtEl>
                                         <p:attrNameLst>
                                           <p:attrName>style.rotation</p:attrName>
@@ -13676,6 +16525,336 @@
                                     <p:animEffect transition="in" filter="fade">
                                       <p:cBhvr>
                                         <p:cTn id="71" dur="1000"/>
+                                        <p:tgtEl>
+                                          <p:spTgt spid="6"/>
+                                        </p:tgtEl>
+                                      </p:cBhvr>
+                                    </p:animEffect>
+                                  </p:childTnLst>
+                                </p:cTn>
+                              </p:par>
+                              <p:par>
+                                <p:cTn id="72" presetID="31" presetClass="entr" presetSubtype="0" fill="hold" nodeType="withEffect">
+                                  <p:stCondLst>
+                                    <p:cond delay="0"/>
+                                  </p:stCondLst>
+                                  <p:childTnLst>
+                                    <p:set>
+                                      <p:cBhvr>
+                                        <p:cTn id="73" dur="1" fill="hold">
+                                          <p:stCondLst>
+                                            <p:cond delay="0"/>
+                                          </p:stCondLst>
+                                        </p:cTn>
+                                        <p:tgtEl>
+                                          <p:spTgt spid="10"/>
+                                        </p:tgtEl>
+                                        <p:attrNameLst>
+                                          <p:attrName>style.visibility</p:attrName>
+                                        </p:attrNameLst>
+                                      </p:cBhvr>
+                                      <p:to>
+                                        <p:strVal val="visible"/>
+                                      </p:to>
+                                    </p:set>
+                                    <p:anim calcmode="lin" valueType="num">
+                                      <p:cBhvr>
+                                        <p:cTn id="74" dur="1000" fill="hold"/>
+                                        <p:tgtEl>
+                                          <p:spTgt spid="10"/>
+                                        </p:tgtEl>
+                                        <p:attrNameLst>
+                                          <p:attrName>ppt_w</p:attrName>
+                                        </p:attrNameLst>
+                                      </p:cBhvr>
+                                      <p:tavLst>
+                                        <p:tav tm="0">
+                                          <p:val>
+                                            <p:fltVal val="0"/>
+                                          </p:val>
+                                        </p:tav>
+                                        <p:tav tm="100000">
+                                          <p:val>
+                                            <p:strVal val="#ppt_w"/>
+                                          </p:val>
+                                        </p:tav>
+                                      </p:tavLst>
+                                    </p:anim>
+                                    <p:anim calcmode="lin" valueType="num">
+                                      <p:cBhvr>
+                                        <p:cTn id="75" dur="1000" fill="hold"/>
+                                        <p:tgtEl>
+                                          <p:spTgt spid="10"/>
+                                        </p:tgtEl>
+                                        <p:attrNameLst>
+                                          <p:attrName>ppt_h</p:attrName>
+                                        </p:attrNameLst>
+                                      </p:cBhvr>
+                                      <p:tavLst>
+                                        <p:tav tm="0">
+                                          <p:val>
+                                            <p:fltVal val="0"/>
+                                          </p:val>
+                                        </p:tav>
+                                        <p:tav tm="100000">
+                                          <p:val>
+                                            <p:strVal val="#ppt_h"/>
+                                          </p:val>
+                                        </p:tav>
+                                      </p:tavLst>
+                                    </p:anim>
+                                    <p:anim calcmode="lin" valueType="num">
+                                      <p:cBhvr>
+                                        <p:cTn id="76" dur="1000" fill="hold"/>
+                                        <p:tgtEl>
+                                          <p:spTgt spid="10"/>
+                                        </p:tgtEl>
+                                        <p:attrNameLst>
+                                          <p:attrName>style.rotation</p:attrName>
+                                        </p:attrNameLst>
+                                      </p:cBhvr>
+                                      <p:tavLst>
+                                        <p:tav tm="0">
+                                          <p:val>
+                                            <p:fltVal val="90"/>
+                                          </p:val>
+                                        </p:tav>
+                                        <p:tav tm="100000">
+                                          <p:val>
+                                            <p:fltVal val="0"/>
+                                          </p:val>
+                                        </p:tav>
+                                      </p:tavLst>
+                                    </p:anim>
+                                    <p:animEffect transition="in" filter="fade">
+                                      <p:cBhvr>
+                                        <p:cTn id="77" dur="1000"/>
+                                        <p:tgtEl>
+                                          <p:spTgt spid="10"/>
+                                        </p:tgtEl>
+                                      </p:cBhvr>
+                                    </p:animEffect>
+                                  </p:childTnLst>
+                                </p:cTn>
+                              </p:par>
+                            </p:childTnLst>
+                          </p:cTn>
+                        </p:par>
+                      </p:childTnLst>
+                    </p:cTn>
+                  </p:par>
+                  <p:par>
+                    <p:cTn id="78" fill="hold">
+                      <p:stCondLst>
+                        <p:cond delay="indefinite"/>
+                      </p:stCondLst>
+                      <p:childTnLst>
+                        <p:par>
+                          <p:cTn id="79" fill="hold">
+                            <p:stCondLst>
+                              <p:cond delay="0"/>
+                            </p:stCondLst>
+                            <p:childTnLst>
+                              <p:par>
+                                <p:cTn id="80" presetID="31" presetClass="entr" presetSubtype="0" fill="hold" nodeType="clickEffect">
+                                  <p:stCondLst>
+                                    <p:cond delay="0"/>
+                                  </p:stCondLst>
+                                  <p:childTnLst>
+                                    <p:set>
+                                      <p:cBhvr>
+                                        <p:cTn id="81" dur="1" fill="hold">
+                                          <p:stCondLst>
+                                            <p:cond delay="0"/>
+                                          </p:stCondLst>
+                                        </p:cTn>
+                                        <p:tgtEl>
+                                          <p:spTgt spid="42"/>
+                                        </p:tgtEl>
+                                        <p:attrNameLst>
+                                          <p:attrName>style.visibility</p:attrName>
+                                        </p:attrNameLst>
+                                      </p:cBhvr>
+                                      <p:to>
+                                        <p:strVal val="visible"/>
+                                      </p:to>
+                                    </p:set>
+                                    <p:anim calcmode="lin" valueType="num">
+                                      <p:cBhvr>
+                                        <p:cTn id="82" dur="1000" fill="hold"/>
+                                        <p:tgtEl>
+                                          <p:spTgt spid="42"/>
+                                        </p:tgtEl>
+                                        <p:attrNameLst>
+                                          <p:attrName>ppt_w</p:attrName>
+                                        </p:attrNameLst>
+                                      </p:cBhvr>
+                                      <p:tavLst>
+                                        <p:tav tm="0">
+                                          <p:val>
+                                            <p:fltVal val="0"/>
+                                          </p:val>
+                                        </p:tav>
+                                        <p:tav tm="100000">
+                                          <p:val>
+                                            <p:strVal val="#ppt_w"/>
+                                          </p:val>
+                                        </p:tav>
+                                      </p:tavLst>
+                                    </p:anim>
+                                    <p:anim calcmode="lin" valueType="num">
+                                      <p:cBhvr>
+                                        <p:cTn id="83" dur="1000" fill="hold"/>
+                                        <p:tgtEl>
+                                          <p:spTgt spid="42"/>
+                                        </p:tgtEl>
+                                        <p:attrNameLst>
+                                          <p:attrName>ppt_h</p:attrName>
+                                        </p:attrNameLst>
+                                      </p:cBhvr>
+                                      <p:tavLst>
+                                        <p:tav tm="0">
+                                          <p:val>
+                                            <p:fltVal val="0"/>
+                                          </p:val>
+                                        </p:tav>
+                                        <p:tav tm="100000">
+                                          <p:val>
+                                            <p:strVal val="#ppt_h"/>
+                                          </p:val>
+                                        </p:tav>
+                                      </p:tavLst>
+                                    </p:anim>
+                                    <p:anim calcmode="lin" valueType="num">
+                                      <p:cBhvr>
+                                        <p:cTn id="84" dur="1000" fill="hold"/>
+                                        <p:tgtEl>
+                                          <p:spTgt spid="42"/>
+                                        </p:tgtEl>
+                                        <p:attrNameLst>
+                                          <p:attrName>style.rotation</p:attrName>
+                                        </p:attrNameLst>
+                                      </p:cBhvr>
+                                      <p:tavLst>
+                                        <p:tav tm="0">
+                                          <p:val>
+                                            <p:fltVal val="90"/>
+                                          </p:val>
+                                        </p:tav>
+                                        <p:tav tm="100000">
+                                          <p:val>
+                                            <p:fltVal val="0"/>
+                                          </p:val>
+                                        </p:tav>
+                                      </p:tavLst>
+                                    </p:anim>
+                                    <p:animEffect transition="in" filter="fade">
+                                      <p:cBhvr>
+                                        <p:cTn id="85" dur="1000"/>
+                                        <p:tgtEl>
+                                          <p:spTgt spid="42"/>
+                                        </p:tgtEl>
+                                      </p:cBhvr>
+                                    </p:animEffect>
+                                  </p:childTnLst>
+                                </p:cTn>
+                              </p:par>
+                              <p:par>
+                                <p:cTn id="86" presetID="31" presetClass="entr" presetSubtype="0" fill="hold" nodeType="withEffect">
+                                  <p:stCondLst>
+                                    <p:cond delay="0"/>
+                                  </p:stCondLst>
+                                  <p:childTnLst>
+                                    <p:set>
+                                      <p:cBhvr>
+                                        <p:cTn id="87" dur="1" fill="hold">
+                                          <p:stCondLst>
+                                            <p:cond delay="0"/>
+                                          </p:stCondLst>
+                                        </p:cTn>
+                                        <p:tgtEl>
+                                          <p:spTgt spid="12"/>
+                                        </p:tgtEl>
+                                        <p:attrNameLst>
+                                          <p:attrName>style.visibility</p:attrName>
+                                        </p:attrNameLst>
+                                      </p:cBhvr>
+                                      <p:to>
+                                        <p:strVal val="visible"/>
+                                      </p:to>
+                                    </p:set>
+                                    <p:anim calcmode="lin" valueType="num">
+                                      <p:cBhvr>
+                                        <p:cTn id="88" dur="1000" fill="hold"/>
+                                        <p:tgtEl>
+                                          <p:spTgt spid="12"/>
+                                        </p:tgtEl>
+                                        <p:attrNameLst>
+                                          <p:attrName>ppt_w</p:attrName>
+                                        </p:attrNameLst>
+                                      </p:cBhvr>
+                                      <p:tavLst>
+                                        <p:tav tm="0">
+                                          <p:val>
+                                            <p:fltVal val="0"/>
+                                          </p:val>
+                                        </p:tav>
+                                        <p:tav tm="100000">
+                                          <p:val>
+                                            <p:strVal val="#ppt_w"/>
+                                          </p:val>
+                                        </p:tav>
+                                      </p:tavLst>
+                                    </p:anim>
+                                    <p:anim calcmode="lin" valueType="num">
+                                      <p:cBhvr>
+                                        <p:cTn id="89" dur="1000" fill="hold"/>
+                                        <p:tgtEl>
+                                          <p:spTgt spid="12"/>
+                                        </p:tgtEl>
+                                        <p:attrNameLst>
+                                          <p:attrName>ppt_h</p:attrName>
+                                        </p:attrNameLst>
+                                      </p:cBhvr>
+                                      <p:tavLst>
+                                        <p:tav tm="0">
+                                          <p:val>
+                                            <p:fltVal val="0"/>
+                                          </p:val>
+                                        </p:tav>
+                                        <p:tav tm="100000">
+                                          <p:val>
+                                            <p:strVal val="#ppt_h"/>
+                                          </p:val>
+                                        </p:tav>
+                                      </p:tavLst>
+                                    </p:anim>
+                                    <p:anim calcmode="lin" valueType="num">
+                                      <p:cBhvr>
+                                        <p:cTn id="90" dur="1000" fill="hold"/>
+                                        <p:tgtEl>
+                                          <p:spTgt spid="12"/>
+                                        </p:tgtEl>
+                                        <p:attrNameLst>
+                                          <p:attrName>style.rotation</p:attrName>
+                                        </p:attrNameLst>
+                                      </p:cBhvr>
+                                      <p:tavLst>
+                                        <p:tav tm="0">
+                                          <p:val>
+                                            <p:fltVal val="90"/>
+                                          </p:val>
+                                        </p:tav>
+                                        <p:tav tm="100000">
+                                          <p:val>
+                                            <p:fltVal val="0"/>
+                                          </p:val>
+                                        </p:tav>
+                                      </p:tavLst>
+                                    </p:anim>
+                                    <p:animEffect transition="in" filter="fade">
+                                      <p:cBhvr>
+                                        <p:cTn id="91" dur="1000"/>
                                         <p:tgtEl>
                                           <p:spTgt spid="12"/>
                                         </p:tgtEl>
@@ -13711,6 +16890,10 @@
         </p:cTn>
       </p:par>
     </p:tnLst>
+    <p:bldLst>
+      <p:bldP spid="20" grpId="0"/>
+      <p:bldP spid="27" grpId="0"/>
+    </p:bldLst>
   </p:timing>
 </p:sld>
 </file>

--- a/trunk/Rapport/Stage de Licence Informatique.pptx
+++ b/trunk/Rapport/Stage de Licence Informatique.pptx
@@ -10461,9 +10461,78 @@
           <a:bodyPr/>
           <a:lstStyle/>
           <a:p>
-            <a:pPr marL="91440" indent="0">
-              <a:buNone/>
+            <a:pPr marL="434340" indent="-342900">
+              <a:buFont typeface="Wingdings" pitchFamily="2" charset="2"/>
+              <a:buChar char="ü"/>
             </a:pPr>
+            <a:r>
+              <a:rPr lang="fr-FR" dirty="0" smtClean="0">
+                <a:solidFill>
+                  <a:schemeClr val="accent1"/>
+                </a:solidFill>
+                <a:latin typeface="Calibri" pitchFamily="34" charset="0"/>
+                <a:cs typeface="Calibri" pitchFamily="34" charset="0"/>
+              </a:rPr>
+              <a:t>Connaissances approfondies en programmation web</a:t>
+            </a:r>
+          </a:p>
+          <a:p>
+            <a:pPr marL="434340" indent="-342900">
+              <a:buFont typeface="Wingdings" pitchFamily="2" charset="2"/>
+              <a:buChar char="ü"/>
+            </a:pPr>
+            <a:endParaRPr lang="fr-FR" dirty="0">
+              <a:solidFill>
+                <a:schemeClr val="accent1"/>
+              </a:solidFill>
+              <a:latin typeface="Calibri" pitchFamily="34" charset="0"/>
+              <a:cs typeface="Calibri" pitchFamily="34" charset="0"/>
+            </a:endParaRPr>
+          </a:p>
+          <a:p>
+            <a:pPr marL="434340" indent="-342900">
+              <a:buFont typeface="Wingdings" pitchFamily="2" charset="2"/>
+              <a:buChar char="ü"/>
+            </a:pPr>
+            <a:r>
+              <a:rPr lang="fr-FR" dirty="0" smtClean="0">
+                <a:solidFill>
+                  <a:schemeClr val="accent1"/>
+                </a:solidFill>
+                <a:latin typeface="Calibri" pitchFamily="34" charset="0"/>
+                <a:cs typeface="Calibri" pitchFamily="34" charset="0"/>
+              </a:rPr>
+              <a:t>Ordonnancement du travail et répartition des taches</a:t>
+            </a:r>
+          </a:p>
+          <a:p>
+            <a:pPr marL="434340" indent="-342900">
+              <a:buFont typeface="Wingdings" pitchFamily="2" charset="2"/>
+              <a:buChar char="ü"/>
+            </a:pPr>
+            <a:endParaRPr lang="fr-FR" dirty="0">
+              <a:solidFill>
+                <a:schemeClr val="accent1"/>
+              </a:solidFill>
+              <a:latin typeface="Calibri" pitchFamily="34" charset="0"/>
+              <a:cs typeface="Calibri" pitchFamily="34" charset="0"/>
+            </a:endParaRPr>
+          </a:p>
+          <a:p>
+            <a:pPr marL="434340" indent="-342900">
+              <a:buFont typeface="Wingdings" pitchFamily="2" charset="2"/>
+              <a:buChar char="ü"/>
+            </a:pPr>
+            <a:r>
+              <a:rPr lang="fr-FR" dirty="0" smtClean="0">
+                <a:solidFill>
+                  <a:schemeClr val="accent1"/>
+                </a:solidFill>
+                <a:latin typeface="Calibri" pitchFamily="34" charset="0"/>
+                <a:cs typeface="Calibri" pitchFamily="34" charset="0"/>
+              </a:rPr>
+              <a:t>Mise en pratique des connaissances vues en cours</a:t>
+            </a:r>
             <a:endParaRPr lang="fr-FR" dirty="0" smtClean="0">
               <a:solidFill>
                 <a:schemeClr val="accent1"/>

--- a/trunk/Rapport/Stage de Licence Informatique.pptx
+++ b/trunk/Rapport/Stage de Licence Informatique.pptx
@@ -205,7 +205,7 @@
           <a:p>
             <a:fld id="{AF8023CC-6547-475E-BFCD-21C31E927F8D}" type="datetimeFigureOut">
               <a:rPr lang="fr-FR" smtClean="0"/>
-              <a:t>29/05/2012</a:t>
+              <a:t>30/05/2012</a:t>
             </a:fld>
             <a:endParaRPr lang="fr-FR"/>
           </a:p>
@@ -694,7 +694,7 @@
           <a:p>
             <a:fld id="{522E056E-2C4B-4469-9374-32DB6B12DBCB}" type="datetimeFigureOut">
               <a:rPr lang="fr-FR" smtClean="0"/>
-              <a:t>29/05/2012</a:t>
+              <a:t>30/05/2012</a:t>
             </a:fld>
             <a:endParaRPr lang="fr-FR"/>
           </a:p>
@@ -1563,7 +1563,7 @@
           <a:p>
             <a:fld id="{522E056E-2C4B-4469-9374-32DB6B12DBCB}" type="datetimeFigureOut">
               <a:rPr lang="fr-FR" smtClean="0"/>
-              <a:t>29/05/2012</a:t>
+              <a:t>30/05/2012</a:t>
             </a:fld>
             <a:endParaRPr lang="fr-FR"/>
           </a:p>
@@ -1738,7 +1738,7 @@
           <a:p>
             <a:fld id="{522E056E-2C4B-4469-9374-32DB6B12DBCB}" type="datetimeFigureOut">
               <a:rPr lang="fr-FR" smtClean="0"/>
-              <a:t>29/05/2012</a:t>
+              <a:t>30/05/2012</a:t>
             </a:fld>
             <a:endParaRPr lang="fr-FR"/>
           </a:p>
@@ -1908,7 +1908,7 @@
           <a:p>
             <a:fld id="{522E056E-2C4B-4469-9374-32DB6B12DBCB}" type="datetimeFigureOut">
               <a:rPr lang="fr-FR" smtClean="0"/>
-              <a:t>29/05/2012</a:t>
+              <a:t>30/05/2012</a:t>
             </a:fld>
             <a:endParaRPr lang="fr-FR"/>
           </a:p>
@@ -2118,7 +2118,7 @@
           <a:p>
             <a:fld id="{522E056E-2C4B-4469-9374-32DB6B12DBCB}" type="datetimeFigureOut">
               <a:rPr lang="fr-FR" smtClean="0"/>
-              <a:t>29/05/2012</a:t>
+              <a:t>30/05/2012</a:t>
             </a:fld>
             <a:endParaRPr lang="fr-FR"/>
           </a:p>
@@ -2932,7 +2932,7 @@
           <a:p>
             <a:fld id="{522E056E-2C4B-4469-9374-32DB6B12DBCB}" type="datetimeFigureOut">
               <a:rPr lang="fr-FR" smtClean="0"/>
-              <a:t>29/05/2012</a:t>
+              <a:t>30/05/2012</a:t>
             </a:fld>
             <a:endParaRPr lang="fr-FR"/>
           </a:p>
@@ -3168,7 +3168,7 @@
           <a:p>
             <a:fld id="{522E056E-2C4B-4469-9374-32DB6B12DBCB}" type="datetimeFigureOut">
               <a:rPr lang="fr-FR" smtClean="0"/>
-              <a:t>29/05/2012</a:t>
+              <a:t>30/05/2012</a:t>
             </a:fld>
             <a:endParaRPr lang="fr-FR"/>
           </a:p>
@@ -3491,7 +3491,7 @@
           <a:p>
             <a:fld id="{522E056E-2C4B-4469-9374-32DB6B12DBCB}" type="datetimeFigureOut">
               <a:rPr lang="fr-FR" smtClean="0"/>
-              <a:t>29/05/2012</a:t>
+              <a:t>30/05/2012</a:t>
             </a:fld>
             <a:endParaRPr lang="fr-FR"/>
           </a:p>
@@ -3581,7 +3581,7 @@
           <a:p>
             <a:fld id="{522E056E-2C4B-4469-9374-32DB6B12DBCB}" type="datetimeFigureOut">
               <a:rPr lang="fr-FR" smtClean="0"/>
-              <a:t>29/05/2012</a:t>
+              <a:t>30/05/2012</a:t>
             </a:fld>
             <a:endParaRPr lang="fr-FR"/>
           </a:p>
@@ -4098,7 +4098,7 @@
           <a:p>
             <a:fld id="{522E056E-2C4B-4469-9374-32DB6B12DBCB}" type="datetimeFigureOut">
               <a:rPr lang="fr-FR" smtClean="0"/>
-              <a:t>29/05/2012</a:t>
+              <a:t>30/05/2012</a:t>
             </a:fld>
             <a:endParaRPr lang="fr-FR"/>
           </a:p>
@@ -4609,7 +4609,7 @@
           <a:p>
             <a:fld id="{522E056E-2C4B-4469-9374-32DB6B12DBCB}" type="datetimeFigureOut">
               <a:rPr lang="fr-FR" smtClean="0"/>
-              <a:t>29/05/2012</a:t>
+              <a:t>30/05/2012</a:t>
             </a:fld>
             <a:endParaRPr lang="fr-FR"/>
           </a:p>
@@ -4854,7 +4854,7 @@
           <a:p>
             <a:fld id="{522E056E-2C4B-4469-9374-32DB6B12DBCB}" type="datetimeFigureOut">
               <a:rPr lang="fr-FR" smtClean="0"/>
-              <a:t>29/05/2012</a:t>
+              <a:t>30/05/2012</a:t>
             </a:fld>
             <a:endParaRPr lang="fr-FR"/>
           </a:p>
@@ -5573,32 +5573,25 @@
             <a:off x="7440450" y="188640"/>
             <a:ext cx="1437581" cy="1368152"/>
           </a:xfrm>
-          <a:prstGeom prst="roundRect">
-            <a:avLst>
-              <a:gd name="adj" fmla="val 16667"/>
-            </a:avLst>
+          <a:prstGeom prst="rect">
+            <a:avLst/>
           </a:prstGeom>
           <a:ln>
             <a:noFill/>
           </a:ln>
           <a:effectLst>
-            <a:outerShdw blurRad="152400" dist="12000" dir="900000" sy="98000" kx="110000" ky="200000" algn="tl" rotWithShape="0">
-              <a:srgbClr val="000000">
-                <a:alpha val="30000"/>
-              </a:srgbClr>
-            </a:outerShdw>
+            <a:reflection blurRad="12700" stA="30000" endPos="30000" dist="5000" dir="5400000" sy="-100000" algn="bl" rotWithShape="0"/>
           </a:effectLst>
           <a:scene3d>
-            <a:camera prst="perspectiveRelaxed">
-              <a:rot lat="19800000" lon="1200000" rev="20820000"/>
+            <a:camera prst="perspectiveContrastingLeftFacing">
+              <a:rot lat="300000" lon="19800000" rev="0"/>
             </a:camera>
-            <a:lightRig rig="threePt" dir="t"/>
+            <a:lightRig rig="threePt" dir="t">
+              <a:rot lat="0" lon="0" rev="2700000"/>
+            </a:lightRig>
           </a:scene3d>
-          <a:sp3d contourW="6350" prstMaterial="matte">
-            <a:bevelT w="101600" h="101600"/>
-            <a:contourClr>
-              <a:srgbClr val="969696"/>
-            </a:contourClr>
+          <a:sp3d>
+            <a:bevelT w="63500" h="50800"/>
           </a:sp3d>
         </p:spPr>
       </p:pic>
@@ -9759,10 +9752,8 @@
                 <a:latin typeface="Calibri" pitchFamily="34" charset="0"/>
                 <a:cs typeface="Calibri" pitchFamily="34" charset="0"/>
               </a:rPr>
-              <a:t>&gt; L’utilisateur, s’il est de niveau &gt; 1, peut noter le film (une seule fois).</a:t>
-            </a:r>
-          </a:p>
-          <a:p>
+              <a:t>&gt; L’utilisateur, s’il est </a:t>
+            </a:r>
             <a:r>
               <a:rPr lang="fr-FR" sz="1100" dirty="0" smtClean="0">
                 <a:solidFill>
@@ -9771,7 +9762,49 @@
                 <a:latin typeface="Calibri" pitchFamily="34" charset="0"/>
                 <a:cs typeface="Calibri" pitchFamily="34" charset="0"/>
               </a:rPr>
-              <a:t>Dans ce cas, l’on peut voir la note qu’il a mis au film.</a:t>
+              <a:t>connecté, </a:t>
+            </a:r>
+            <a:r>
+              <a:rPr lang="fr-FR" sz="1100" dirty="0" smtClean="0">
+                <a:solidFill>
+                  <a:schemeClr val="accent1"/>
+                </a:solidFill>
+                <a:latin typeface="Calibri" pitchFamily="34" charset="0"/>
+                <a:cs typeface="Calibri" pitchFamily="34" charset="0"/>
+              </a:rPr>
+              <a:t>peut noter le film (une seule fois).</a:t>
+            </a:r>
+          </a:p>
+          <a:p>
+            <a:r>
+              <a:rPr lang="fr-FR" sz="1100" dirty="0" smtClean="0">
+                <a:solidFill>
+                  <a:schemeClr val="accent1"/>
+                </a:solidFill>
+                <a:latin typeface="Calibri" pitchFamily="34" charset="0"/>
+                <a:cs typeface="Calibri" pitchFamily="34" charset="0"/>
+              </a:rPr>
+              <a:t>Dans ce </a:t>
+            </a:r>
+            <a:r>
+              <a:rPr lang="fr-FR" sz="1100" dirty="0" smtClean="0">
+                <a:solidFill>
+                  <a:schemeClr val="accent1"/>
+                </a:solidFill>
+                <a:latin typeface="Calibri" pitchFamily="34" charset="0"/>
+                <a:cs typeface="Calibri" pitchFamily="34" charset="0"/>
+              </a:rPr>
+              <a:t>cas, on peut </a:t>
+            </a:r>
+            <a:r>
+              <a:rPr lang="fr-FR" sz="1100" dirty="0" smtClean="0">
+                <a:solidFill>
+                  <a:schemeClr val="accent1"/>
+                </a:solidFill>
+                <a:latin typeface="Calibri" pitchFamily="34" charset="0"/>
+                <a:cs typeface="Calibri" pitchFamily="34" charset="0"/>
+              </a:rPr>
+              <a:t>voir la note qu’il a mis au film.</a:t>
             </a:r>
           </a:p>
         </p:txBody>
@@ -9806,7 +9839,27 @@
                 <a:latin typeface="Calibri" pitchFamily="34" charset="0"/>
                 <a:cs typeface="Calibri" pitchFamily="34" charset="0"/>
               </a:rPr>
-              <a:t>&gt; Un accès statistique est réservé aux utilisateurs de niveau &gt; 1 où l’on peut y trouver sa note sur un film, ainsi que  la moyenne  et enfin la note moyenne du groupe auquel l’utilisateur appartient.</a:t>
+              <a:t>&gt; Un accès statistique est réservé aux </a:t>
+            </a:r>
+            <a:r>
+              <a:rPr lang="fr-FR" sz="1100" smtClean="0">
+                <a:solidFill>
+                  <a:schemeClr val="accent1"/>
+                </a:solidFill>
+                <a:latin typeface="Calibri" pitchFamily="34" charset="0"/>
+                <a:cs typeface="Calibri" pitchFamily="34" charset="0"/>
+              </a:rPr>
+              <a:t>utilisateurs connectés, où </a:t>
+            </a:r>
+            <a:r>
+              <a:rPr lang="fr-FR" sz="1100" dirty="0" smtClean="0">
+                <a:solidFill>
+                  <a:schemeClr val="accent1"/>
+                </a:solidFill>
+                <a:latin typeface="Calibri" pitchFamily="34" charset="0"/>
+                <a:cs typeface="Calibri" pitchFamily="34" charset="0"/>
+              </a:rPr>
+              <a:t>l’on peut y trouver sa note sur un film, ainsi que  la moyenne  et enfin la note moyenne du groupe auquel l’utilisateur appartient.</a:t>
             </a:r>
             <a:endParaRPr lang="fr-FR" sz="1100" dirty="0">
               <a:solidFill>
@@ -10533,13 +10586,6 @@
               </a:rPr>
               <a:t>Mise en pratique des connaissances vues en cours</a:t>
             </a:r>
-            <a:endParaRPr lang="fr-FR" dirty="0" smtClean="0">
-              <a:solidFill>
-                <a:schemeClr val="accent1"/>
-              </a:solidFill>
-              <a:latin typeface="Calibri" pitchFamily="34" charset="0"/>
-              <a:cs typeface="Calibri" pitchFamily="34" charset="0"/>
-            </a:endParaRPr>
           </a:p>
           <a:p>
             <a:pPr lvl="2">
@@ -11222,7 +11268,33 @@
                 <a:latin typeface="Calibri" pitchFamily="34" charset="0"/>
                 <a:cs typeface="Calibri" pitchFamily="34" charset="0"/>
               </a:rPr>
-              <a:t>Les deux grandes parties</a:t>
+              <a:t>Les deux grandes </a:t>
+            </a:r>
+            <a:r>
+              <a:rPr lang="fr-FR" sz="1700" dirty="0" smtClean="0">
+                <a:solidFill>
+                  <a:schemeClr val="accent1"/>
+                </a:solidFill>
+                <a:latin typeface="Calibri" pitchFamily="34" charset="0"/>
+                <a:cs typeface="Calibri" pitchFamily="34" charset="0"/>
+              </a:rPr>
+              <a:t>parties</a:t>
+            </a:r>
+          </a:p>
+          <a:p>
+            <a:pPr lvl="1">
+              <a:buFont typeface="Arial" pitchFamily="34" charset="0"/>
+              <a:buChar char="•"/>
+            </a:pPr>
+            <a:r>
+              <a:rPr lang="fr-FR" sz="1700" dirty="0" smtClean="0">
+                <a:solidFill>
+                  <a:schemeClr val="accent1"/>
+                </a:solidFill>
+                <a:latin typeface="Calibri" pitchFamily="34" charset="0"/>
+                <a:cs typeface="Calibri" pitchFamily="34" charset="0"/>
+              </a:rPr>
+              <a:t>Les statistiques</a:t>
             </a:r>
             <a:endParaRPr lang="fr-FR" dirty="0" smtClean="0">
               <a:solidFill>
@@ -15395,31 +15467,7 @@
                     <a:srgbClr val="FF0000"/>
                   </a:solidFill>
                 </a:rPr>
-                <a:t>L’utilisateur </a:t>
-              </a:r>
-              <a:r>
-                <a:rPr lang="fr-FR" sz="800" b="1" u="sng" dirty="0" smtClean="0">
-                  <a:solidFill>
-                    <a:srgbClr val="FF0000"/>
-                  </a:solidFill>
-                </a:rPr>
-                <a:t>doit </a:t>
-              </a:r>
-              <a:r>
-                <a:rPr lang="fr-FR" sz="800" b="1" u="sng" dirty="0" smtClean="0">
-                  <a:solidFill>
-                    <a:srgbClr val="FF0000"/>
-                  </a:solidFill>
-                </a:rPr>
-                <a:t>être </a:t>
-              </a:r>
-              <a:r>
-                <a:rPr lang="fr-FR" sz="800" b="1" u="sng" dirty="0" smtClean="0">
-                  <a:solidFill>
-                    <a:srgbClr val="FF0000"/>
-                  </a:solidFill>
-                </a:rPr>
-                <a:t>de niveau &gt; 1 !!</a:t>
+                <a:t>L’utilisateur doit être de niveau &gt; 1 !!</a:t>
               </a:r>
               <a:endParaRPr lang="fr-FR" sz="800" b="1" u="sng" dirty="0">
                 <a:solidFill>

--- a/trunk/Rapport/Stage de Licence Informatique.pptx
+++ b/trunk/Rapport/Stage de Licence Informatique.pptx
@@ -5,7 +5,7 @@
     <p:sldMasterId id="2147483660" r:id="rId1"/>
   </p:sldMasterIdLst>
   <p:notesMasterIdLst>
-    <p:notesMasterId r:id="rId16"/>
+    <p:notesMasterId r:id="rId17"/>
   </p:notesMasterIdLst>
   <p:sldIdLst>
     <p:sldId id="256" r:id="rId2"/>
@@ -21,7 +21,8 @@
     <p:sldId id="266" r:id="rId12"/>
     <p:sldId id="269" r:id="rId13"/>
     <p:sldId id="260" r:id="rId14"/>
-    <p:sldId id="268" r:id="rId15"/>
+    <p:sldId id="270" r:id="rId15"/>
+    <p:sldId id="268" r:id="rId16"/>
   </p:sldIdLst>
   <p:sldSz cx="9144000" cy="6858000" type="screen4x3"/>
   <p:notesSz cx="6858000" cy="9144000"/>
@@ -9752,8 +9753,10 @@
                 <a:latin typeface="Calibri" pitchFamily="34" charset="0"/>
                 <a:cs typeface="Calibri" pitchFamily="34" charset="0"/>
               </a:rPr>
-              <a:t>&gt; L’utilisateur, s’il est </a:t>
-            </a:r>
+              <a:t>&gt; L’utilisateur, s’il est connecté, peut noter le film (une seule fois).</a:t>
+            </a:r>
+          </a:p>
+          <a:p>
             <a:r>
               <a:rPr lang="fr-FR" sz="1100" dirty="0" smtClean="0">
                 <a:solidFill>
@@ -9762,49 +9765,7 @@
                 <a:latin typeface="Calibri" pitchFamily="34" charset="0"/>
                 <a:cs typeface="Calibri" pitchFamily="34" charset="0"/>
               </a:rPr>
-              <a:t>connecté, </a:t>
-            </a:r>
-            <a:r>
-              <a:rPr lang="fr-FR" sz="1100" dirty="0" smtClean="0">
-                <a:solidFill>
-                  <a:schemeClr val="accent1"/>
-                </a:solidFill>
-                <a:latin typeface="Calibri" pitchFamily="34" charset="0"/>
-                <a:cs typeface="Calibri" pitchFamily="34" charset="0"/>
-              </a:rPr>
-              <a:t>peut noter le film (une seule fois).</a:t>
-            </a:r>
-          </a:p>
-          <a:p>
-            <a:r>
-              <a:rPr lang="fr-FR" sz="1100" dirty="0" smtClean="0">
-                <a:solidFill>
-                  <a:schemeClr val="accent1"/>
-                </a:solidFill>
-                <a:latin typeface="Calibri" pitchFamily="34" charset="0"/>
-                <a:cs typeface="Calibri" pitchFamily="34" charset="0"/>
-              </a:rPr>
-              <a:t>Dans ce </a:t>
-            </a:r>
-            <a:r>
-              <a:rPr lang="fr-FR" sz="1100" dirty="0" smtClean="0">
-                <a:solidFill>
-                  <a:schemeClr val="accent1"/>
-                </a:solidFill>
-                <a:latin typeface="Calibri" pitchFamily="34" charset="0"/>
-                <a:cs typeface="Calibri" pitchFamily="34" charset="0"/>
-              </a:rPr>
-              <a:t>cas, on peut </a:t>
-            </a:r>
-            <a:r>
-              <a:rPr lang="fr-FR" sz="1100" dirty="0" smtClean="0">
-                <a:solidFill>
-                  <a:schemeClr val="accent1"/>
-                </a:solidFill>
-                <a:latin typeface="Calibri" pitchFamily="34" charset="0"/>
-                <a:cs typeface="Calibri" pitchFamily="34" charset="0"/>
-              </a:rPr>
-              <a:t>voir la note qu’il a mis au film.</a:t>
+              <a:t>Dans ce cas, on peut voir la note qu’il a mis au film.</a:t>
             </a:r>
           </a:p>
         </p:txBody>
@@ -10256,6 +10217,118 @@
       </p:grpSpPr>
       <p:sp>
         <p:nvSpPr>
+          <p:cNvPr id="4" name="Titre 1"/>
+          <p:cNvSpPr txBox="1">
+            <a:spLocks/>
+          </p:cNvSpPr>
+          <p:nvPr/>
+        </p:nvSpPr>
+        <p:spPr>
+          <a:xfrm>
+            <a:off x="611560" y="2924944"/>
+            <a:ext cx="7467600" cy="850106"/>
+          </a:xfrm>
+          <a:prstGeom prst="rect">
+            <a:avLst/>
+          </a:prstGeom>
+        </p:spPr>
+        <p:txBody>
+          <a:bodyPr vert="horz" anchor="b">
+            <a:noAutofit/>
+          </a:bodyPr>
+          <a:lstStyle>
+            <a:lvl1pPr algn="l" rtl="0" eaLnBrk="1" latinLnBrk="0" hangingPunct="1">
+              <a:spcBef>
+                <a:spcPct val="0"/>
+              </a:spcBef>
+              <a:buNone/>
+              <a:defRPr kumimoji="0" sz="3000" b="0" kern="1200" cap="small" baseline="0">
+                <a:solidFill>
+                  <a:schemeClr val="tx2"/>
+                </a:solidFill>
+                <a:latin typeface="+mj-lt"/>
+                <a:ea typeface="+mj-ea"/>
+                <a:cs typeface="+mj-cs"/>
+              </a:defRPr>
+            </a:lvl1pPr>
+          </a:lstStyle>
+          <a:p>
+            <a:pPr algn="ctr"/>
+            <a:r>
+              <a:rPr lang="fr-FR" sz="9600" b="1" dirty="0" smtClean="0">
+                <a:solidFill>
+                  <a:schemeClr val="accent1">
+                    <a:lumMod val="75000"/>
+                  </a:schemeClr>
+                </a:solidFill>
+                <a:effectLst>
+                  <a:outerShdw blurRad="38100" dist="38100" dir="2700000" algn="tl">
+                    <a:srgbClr val="000000">
+                      <a:alpha val="43137"/>
+                    </a:srgbClr>
+                  </a:outerShdw>
+                </a:effectLst>
+                <a:latin typeface="Freestyle Script" pitchFamily="66" charset="0"/>
+              </a:rPr>
+              <a:t>Démonstration</a:t>
+            </a:r>
+            <a:endParaRPr lang="fr-FR" sz="9600" b="1" dirty="0">
+              <a:solidFill>
+                <a:schemeClr val="accent1">
+                  <a:lumMod val="75000"/>
+                </a:schemeClr>
+              </a:solidFill>
+              <a:effectLst>
+                <a:outerShdw blurRad="38100" dist="38100" dir="2700000" algn="tl">
+                  <a:srgbClr val="000000">
+                    <a:alpha val="43137"/>
+                  </a:srgbClr>
+                </a:outerShdw>
+              </a:effectLst>
+              <a:latin typeface="Freestyle Script" pitchFamily="66" charset="0"/>
+            </a:endParaRPr>
+          </a:p>
+        </p:txBody>
+      </p:sp>
+    </p:spTree>
+    <p:extLst>
+      <p:ext uri="{BB962C8B-B14F-4D97-AF65-F5344CB8AC3E}">
+        <p14:creationId xmlns:p14="http://schemas.microsoft.com/office/powerpoint/2010/main" val="1692778987"/>
+      </p:ext>
+    </p:extLst>
+  </p:cSld>
+  <p:clrMapOvr>
+    <a:masterClrMapping/>
+  </p:clrMapOvr>
+  <p:timing>
+    <p:tnLst>
+      <p:par>
+        <p:cTn id="1" dur="indefinite" restart="never" nodeType="tmRoot"/>
+      </p:par>
+    </p:tnLst>
+  </p:timing>
+</p:sld>
+</file>
+
+<file path=ppt/slides/slide14.xml><?xml version="1.0" encoding="utf-8"?>
+<p:sld xmlns:a="http://schemas.openxmlformats.org/drawingml/2006/main" xmlns:r="http://schemas.openxmlformats.org/officeDocument/2006/relationships" xmlns:p="http://schemas.openxmlformats.org/presentationml/2006/main">
+  <p:cSld>
+    <p:spTree>
+      <p:nvGrpSpPr>
+        <p:cNvPr id="1" name=""/>
+        <p:cNvGrpSpPr/>
+        <p:nvPr/>
+      </p:nvGrpSpPr>
+      <p:grpSpPr>
+        <a:xfrm>
+          <a:off x="0" y="0"/>
+          <a:ext cx="0" cy="0"/>
+          <a:chOff x="0" y="0"/>
+          <a:chExt cx="0" cy="0"/>
+        </a:xfrm>
+      </p:grpSpPr>
+      <p:sp>
+        <p:nvSpPr>
           <p:cNvPr id="3" name="Espace réservé du contenu 2"/>
           <p:cNvSpPr>
             <a:spLocks noGrp="1"/>
@@ -10465,7 +10538,7 @@
     </p:spTree>
     <p:extLst>
       <p:ext uri="{BB962C8B-B14F-4D97-AF65-F5344CB8AC3E}">
-        <p14:creationId xmlns:p14="http://schemas.microsoft.com/office/powerpoint/2010/main" val="1692778987"/>
+        <p14:creationId xmlns:p14="http://schemas.microsoft.com/office/powerpoint/2010/main" val="2705619643"/>
       </p:ext>
     </p:extLst>
   </p:cSld>
@@ -10482,7 +10555,7 @@
 </p:sld>
 </file>
 
-<file path=ppt/slides/slide14.xml><?xml version="1.0" encoding="utf-8"?>
+<file path=ppt/slides/slide15.xml><?xml version="1.0" encoding="utf-8"?>
 <p:sld xmlns:a="http://schemas.openxmlformats.org/drawingml/2006/main" xmlns:r="http://schemas.openxmlformats.org/officeDocument/2006/relationships" xmlns:p="http://schemas.openxmlformats.org/presentationml/2006/main">
   <p:cSld>
     <p:spTree>
@@ -11268,17 +11341,7 @@
                 <a:latin typeface="Calibri" pitchFamily="34" charset="0"/>
                 <a:cs typeface="Calibri" pitchFamily="34" charset="0"/>
               </a:rPr>
-              <a:t>Les deux grandes </a:t>
-            </a:r>
-            <a:r>
-              <a:rPr lang="fr-FR" sz="1700" dirty="0" smtClean="0">
-                <a:solidFill>
-                  <a:schemeClr val="accent1"/>
-                </a:solidFill>
-                <a:latin typeface="Calibri" pitchFamily="34" charset="0"/>
-                <a:cs typeface="Calibri" pitchFamily="34" charset="0"/>
-              </a:rPr>
-              <a:t>parties</a:t>
+              <a:t>Les deux grandes parties</a:t>
             </a:r>
           </a:p>
           <a:p>
